--- a/images/图标.pptx
+++ b/images/图标.pptx
@@ -259,7 +259,7 @@
           <a:p>
             <a:fld id="{E94294A2-E8EE-44BE-8E04-6BE141B1FF2A}" type="datetimeFigureOut">
               <a:rPr lang="zh-CN" altLang="en-US" smtClean="0"/>
-              <a:t>2019/12/12</a:t>
+              <a:t>2019/12/14</a:t>
             </a:fld>
             <a:endParaRPr lang="zh-CN" altLang="en-US"/>
           </a:p>
@@ -457,7 +457,7 @@
           <a:p>
             <a:fld id="{E94294A2-E8EE-44BE-8E04-6BE141B1FF2A}" type="datetimeFigureOut">
               <a:rPr lang="zh-CN" altLang="en-US" smtClean="0"/>
-              <a:t>2019/12/12</a:t>
+              <a:t>2019/12/14</a:t>
             </a:fld>
             <a:endParaRPr lang="zh-CN" altLang="en-US"/>
           </a:p>
@@ -665,7 +665,7 @@
           <a:p>
             <a:fld id="{E94294A2-E8EE-44BE-8E04-6BE141B1FF2A}" type="datetimeFigureOut">
               <a:rPr lang="zh-CN" altLang="en-US" smtClean="0"/>
-              <a:t>2019/12/12</a:t>
+              <a:t>2019/12/14</a:t>
             </a:fld>
             <a:endParaRPr lang="zh-CN" altLang="en-US"/>
           </a:p>
@@ -863,7 +863,7 @@
           <a:p>
             <a:fld id="{E94294A2-E8EE-44BE-8E04-6BE141B1FF2A}" type="datetimeFigureOut">
               <a:rPr lang="zh-CN" altLang="en-US" smtClean="0"/>
-              <a:t>2019/12/12</a:t>
+              <a:t>2019/12/14</a:t>
             </a:fld>
             <a:endParaRPr lang="zh-CN" altLang="en-US"/>
           </a:p>
@@ -1138,7 +1138,7 @@
           <a:p>
             <a:fld id="{E94294A2-E8EE-44BE-8E04-6BE141B1FF2A}" type="datetimeFigureOut">
               <a:rPr lang="zh-CN" altLang="en-US" smtClean="0"/>
-              <a:t>2019/12/12</a:t>
+              <a:t>2019/12/14</a:t>
             </a:fld>
             <a:endParaRPr lang="zh-CN" altLang="en-US"/>
           </a:p>
@@ -1403,7 +1403,7 @@
           <a:p>
             <a:fld id="{E94294A2-E8EE-44BE-8E04-6BE141B1FF2A}" type="datetimeFigureOut">
               <a:rPr lang="zh-CN" altLang="en-US" smtClean="0"/>
-              <a:t>2019/12/12</a:t>
+              <a:t>2019/12/14</a:t>
             </a:fld>
             <a:endParaRPr lang="zh-CN" altLang="en-US"/>
           </a:p>
@@ -1815,7 +1815,7 @@
           <a:p>
             <a:fld id="{E94294A2-E8EE-44BE-8E04-6BE141B1FF2A}" type="datetimeFigureOut">
               <a:rPr lang="zh-CN" altLang="en-US" smtClean="0"/>
-              <a:t>2019/12/12</a:t>
+              <a:t>2019/12/14</a:t>
             </a:fld>
             <a:endParaRPr lang="zh-CN" altLang="en-US"/>
           </a:p>
@@ -1956,7 +1956,7 @@
           <a:p>
             <a:fld id="{E94294A2-E8EE-44BE-8E04-6BE141B1FF2A}" type="datetimeFigureOut">
               <a:rPr lang="zh-CN" altLang="en-US" smtClean="0"/>
-              <a:t>2019/12/12</a:t>
+              <a:t>2019/12/14</a:t>
             </a:fld>
             <a:endParaRPr lang="zh-CN" altLang="en-US"/>
           </a:p>
@@ -2069,7 +2069,7 @@
           <a:p>
             <a:fld id="{E94294A2-E8EE-44BE-8E04-6BE141B1FF2A}" type="datetimeFigureOut">
               <a:rPr lang="zh-CN" altLang="en-US" smtClean="0"/>
-              <a:t>2019/12/12</a:t>
+              <a:t>2019/12/14</a:t>
             </a:fld>
             <a:endParaRPr lang="zh-CN" altLang="en-US"/>
           </a:p>
@@ -2380,7 +2380,7 @@
           <a:p>
             <a:fld id="{E94294A2-E8EE-44BE-8E04-6BE141B1FF2A}" type="datetimeFigureOut">
               <a:rPr lang="zh-CN" altLang="en-US" smtClean="0"/>
-              <a:t>2019/12/12</a:t>
+              <a:t>2019/12/14</a:t>
             </a:fld>
             <a:endParaRPr lang="zh-CN" altLang="en-US"/>
           </a:p>
@@ -2668,7 +2668,7 @@
           <a:p>
             <a:fld id="{E94294A2-E8EE-44BE-8E04-6BE141B1FF2A}" type="datetimeFigureOut">
               <a:rPr lang="zh-CN" altLang="en-US" smtClean="0"/>
-              <a:t>2019/12/12</a:t>
+              <a:t>2019/12/14</a:t>
             </a:fld>
             <a:endParaRPr lang="zh-CN" altLang="en-US"/>
           </a:p>
@@ -2909,7 +2909,7 @@
           <a:p>
             <a:fld id="{E94294A2-E8EE-44BE-8E04-6BE141B1FF2A}" type="datetimeFigureOut">
               <a:rPr lang="zh-CN" altLang="en-US" smtClean="0"/>
-              <a:t>2019/12/12</a:t>
+              <a:t>2019/12/14</a:t>
             </a:fld>
             <a:endParaRPr lang="zh-CN" altLang="en-US"/>
           </a:p>
@@ -3696,6 +3696,88 @@
           </a:p>
         </p:txBody>
       </p:sp>
+      <p:cxnSp>
+        <p:nvCxnSpPr>
+          <p:cNvPr id="5" name="直接箭头连接符 4">
+            <a:extLst>
+              <a:ext uri="{FF2B5EF4-FFF2-40B4-BE49-F238E27FC236}">
+                <a16:creationId xmlns:a16="http://schemas.microsoft.com/office/drawing/2014/main" id="{49577E09-01A8-4744-AFA3-390D868113C0}"/>
+              </a:ext>
+            </a:extLst>
+          </p:cNvPr>
+          <p:cNvCxnSpPr>
+            <a:cxnSpLocks/>
+          </p:cNvCxnSpPr>
+          <p:nvPr/>
+        </p:nvCxnSpPr>
+        <p:spPr>
+          <a:xfrm>
+            <a:off x="1407560" y="1910993"/>
+            <a:ext cx="0" cy="195209"/>
+          </a:xfrm>
+          <a:prstGeom prst="straightConnector1">
+            <a:avLst/>
+          </a:prstGeom>
+          <a:ln w="28575">
+            <a:tailEnd type="triangle"/>
+          </a:ln>
+        </p:spPr>
+        <p:style>
+          <a:lnRef idx="1">
+            <a:schemeClr val="accent1"/>
+          </a:lnRef>
+          <a:fillRef idx="0">
+            <a:schemeClr val="accent1"/>
+          </a:fillRef>
+          <a:effectRef idx="0">
+            <a:schemeClr val="accent1"/>
+          </a:effectRef>
+          <a:fontRef idx="minor">
+            <a:schemeClr val="tx1"/>
+          </a:fontRef>
+        </p:style>
+      </p:cxnSp>
+      <p:cxnSp>
+        <p:nvCxnSpPr>
+          <p:cNvPr id="17" name="直接箭头连接符 16">
+            <a:extLst>
+              <a:ext uri="{FF2B5EF4-FFF2-40B4-BE49-F238E27FC236}">
+                <a16:creationId xmlns:a16="http://schemas.microsoft.com/office/drawing/2014/main" id="{3A46B012-EB52-4BED-9F5D-4FC935BA6A90}"/>
+              </a:ext>
+            </a:extLst>
+          </p:cNvPr>
+          <p:cNvCxnSpPr>
+            <a:cxnSpLocks/>
+          </p:cNvCxnSpPr>
+          <p:nvPr/>
+        </p:nvCxnSpPr>
+        <p:spPr>
+          <a:xfrm flipV="1">
+            <a:off x="1407560" y="2207231"/>
+            <a:ext cx="0" cy="195209"/>
+          </a:xfrm>
+          <a:prstGeom prst="straightConnector1">
+            <a:avLst/>
+          </a:prstGeom>
+          <a:ln w="28575">
+            <a:tailEnd type="triangle"/>
+          </a:ln>
+        </p:spPr>
+        <p:style>
+          <a:lnRef idx="1">
+            <a:schemeClr val="accent1"/>
+          </a:lnRef>
+          <a:fillRef idx="0">
+            <a:schemeClr val="accent1"/>
+          </a:fillRef>
+          <a:effectRef idx="0">
+            <a:schemeClr val="accent1"/>
+          </a:effectRef>
+          <a:fontRef idx="minor">
+            <a:schemeClr val="tx1"/>
+          </a:fontRef>
+        </p:style>
+      </p:cxnSp>
     </p:spTree>
     <p:extLst>
       <p:ext uri="{BB962C8B-B14F-4D97-AF65-F5344CB8AC3E}">

--- a/images/图标.pptx
+++ b/images/图标.pptx
@@ -3712,13 +3712,13 @@
         </p:nvCxnSpPr>
         <p:spPr>
           <a:xfrm>
-            <a:off x="1407560" y="1910993"/>
-            <a:ext cx="0" cy="195209"/>
+            <a:off x="1407560" y="1685925"/>
+            <a:ext cx="0" cy="396000"/>
           </a:xfrm>
           <a:prstGeom prst="straightConnector1">
             <a:avLst/>
           </a:prstGeom>
-          <a:ln w="28575">
+          <a:ln w="63500">
             <a:tailEnd type="triangle"/>
           </a:ln>
         </p:spPr>
@@ -3753,13 +3753,13 @@
         </p:nvCxnSpPr>
         <p:spPr>
           <a:xfrm flipV="1">
-            <a:off x="1407560" y="2207231"/>
-            <a:ext cx="0" cy="195209"/>
+            <a:off x="1407560" y="2207232"/>
+            <a:ext cx="0" cy="396000"/>
           </a:xfrm>
           <a:prstGeom prst="straightConnector1">
             <a:avLst/>
           </a:prstGeom>
-          <a:ln w="28575">
+          <a:ln w="63500">
             <a:tailEnd type="triangle"/>
           </a:ln>
         </p:spPr>

--- a/images/图标.pptx
+++ b/images/图标.pptx
@@ -110,6 +110,272 @@
     </p:ext>
   </p:extLst>
 </p:presentation>
+</file>
+
+<file path=ppt/ink/ink1.xml><?xml version="1.0" encoding="utf-8"?>
+<inkml:ink xmlns:inkml="http://www.w3.org/2003/InkML">
+  <inkml:definitions>
+    <inkml:context xml:id="ctx0">
+      <inkml:inkSource xml:id="inkSrc0">
+        <inkml:traceFormat>
+          <inkml:channel name="X" type="integer" max="2.14748E9" units="cm"/>
+          <inkml:channel name="Y" type="integer" max="2.14748E9" units="cm"/>
+          <inkml:channel name="F" type="integer" max="8192" units="dev"/>
+        </inkml:traceFormat>
+        <inkml:channelProperties>
+          <inkml:channelProperty channel="X" name="resolution" value="1000" units="1/cm"/>
+          <inkml:channelProperty channel="Y" name="resolution" value="1000" units="1/cm"/>
+          <inkml:channelProperty channel="F" name="resolution" value="1" units="1/dev"/>
+        </inkml:channelProperties>
+      </inkml:inkSource>
+      <inkml:timestamp xml:id="ts0" timeString="2019-12-14T15:07:18.752"/>
+    </inkml:context>
+    <inkml:brush xml:id="br0">
+      <inkml:brushProperty name="width" value="0.14092" units="cm"/>
+      <inkml:brushProperty name="height" value="0.14092" units="cm"/>
+      <inkml:brushProperty name="color" value="#FF0000"/>
+    </inkml:brush>
+  </inkml:definitions>
+  <inkml:trace contextRef="#ctx0" brushRef="#br0">-139-610 288,'0'-2'128,"0"2"-96,-2 0 40,-2 0 32,4 0-56,-2 0-8,0 0-24,-3-1 8,4 1-16,-4-1 48,4 1-32,-5-1 24,4-3-24,-2 2 0,1 1-8,0-1 8,2 0-16,-3-1 48,3-2-32,-2 2 24,3 0-24,-4-1-32,4 0 0,-1 1 8,1 0 0,-2-3 16,2 4-8,-1-3-8,2 1 8,-1-2 24,0 2-16,0-4 64,2 3-48,-1-2 24,3 3-32,-2-3-16,0 2 0,2-2-32,0 3 16,0-3 8,1 5 0,1-4 16,-3 4-8,2-3-8,2 4 8,-1-3 24,1 2-16,0-1 8,0 1-8,0 0 8,2 2-16,-3-2 16,1 2-16,0-3 32,0 3-24,-2 0 8,1 0-8,-2 0 8,3 3-16,-3-3 16,3 1-16,-2 0 32,1 0-24,-3 0-8,2 1 0,1-1-8,-1 3 0,-3-3 16,3 2-8,-3-1-8,2 2 8,-3-2 56,0 2-32,0-2 64,1 1-64,0 1-8,0 1-16,-2-3 8,2 3-8,-2-1 16,0 0-16,0 1-24,1-2 8,1 2-8,-1-2 0,-1 2 32,2 0-8,-1-2-8,1 1 8,-1-2 8,1 3-8,0-2 16,-1 1-16,1-2-8,-1 1 8,1-1-32,-1 1 16,1-1 8,-1 0 0,2-1 0,-2 0 0,1 2 0,-1-1 0,1-1 0,-1 0 0,1 0 0,-1 1 0,1-1 0,1 0 0,-1-1 0,1 1 0,-2-1-24,4 1 16,-3-1 8,2 0 0,-2 0 16,2 0-8,-1 0-8,1 0 8,-2 0 8,2 0-8,-2 0-8,4 0 8,-4-1-8,3 1 0,0-1 48,-3 2-24,2-2 24,-2 1-24,0-1 0,2 1-8,0-1 8,-1-1-16,1 0-8,1 2 8,-2-3 8,-1 3-8,1-4 16,1 4-16,-1-2 48,0 2-32,-1-3 24,2 3-24,-3-3 0,1 3-8,-1-4-16,0 4 8,1-2-8,0 2 0,-1-2 16,0 2-8,3-3-8,-3 3 8,0-3-8,0 3 0,2-4 0,-1 4 0,-1-2 0,2 1 0,-1-3 0,-1 4 0,0-3 0,0 3 0,1-3 0,0 3 0,-1-3 0,0 3 0,2-4 16,-1 4-8,-1-2-8,0 2 8,2-3-8,-2 3 0,-1-3 0,0 1-24,1 2 16,0-4 8,2 4 0,-3-2 0,2 2 0,-2-2 0,2 2 0,1-4 16,-2 4-8,-1-1-24,0 1 8,0-1 8,1 2 0,-1-1 16,0 0-8,0 0 16,0 0-16,0 0 0,0 0 8,0 0-8,0 0 0,0 0 8,0 0-8,0 0 16,0 0-16,0 0 0,0 0-32,0 0 16,0 0-8,0 0 0,0 0-8,0 0 16,0 0 24,0 0-8,1 0 0,2 0-8,-2 0 16,-1-1-24,0 1 0,0 0 24,0 0-8,0 0 0,0 0-32,0 0 16,0 0 24,0 0-8,0 0 16,0 0-32,0 0-16,0 0 16,0 0 16,0 0 0,0 0 16,0 0-16,0 0-24,0 0 8,0 0-8,0 0 0,0 0 32,0 0-24,0 0-16,2 0 32,-2 0 8,0 0 0,0 0 8,0 0-16,2 0 0,-2-3 24,0 3 40,0 0-40,0 0 0,0 0 0,0 0 0,0 0-16,0 0 8,0 0 0,0 0 8,0 0-16,0 0 8,0 0-16,0 0 0,0 0-32,0 0 16,0 0-16,0 0 16,2 0 24,-1 0-8,0 0-8,-1 0 8,2 0-32,-1-2 16,1 2 8,-2 0 16,0-1-24,1 1 0,2 0 8,-3 0 16,0 0-8,1 0-24,-1 0 8,2-1 8,-1-2 0,0 3 0,-1 0 0,1 0 0,-1-2 0,3 1 16,-2-2-8,-1 2-8,0 0 8,2 0-8,-2-1 16,2-2 8,-2 2-32,0-2 8,0 2-40,0 1 8,0-2 16,0-1 24,0 1-40,0 1 8,0 0 8,0-1 24,0 0-16,-2-1 0,2 2-8,-2-1 0,2 0 32,-1 0 8,1 0-8,-3 1-16,2-2-16,1 2 8,0 0 8,0-1 0,0 1 16,0-2-24,0 4-16,0-2 16,0 0 16,0 1-16,0-1 0,0 1 8,0 0 0,0 0-24,0 0 16,0 1-8,0 0 0,0-3 16,0 2 0,1 0-24,2-1 16,-2-1 8,1 2 16,1 0-24,0 0 0,0-2 8,0 3 16,1-3-8,-1 3-8,0 0-16,0-2-8,1 2 16,0 0 16,-3 0-16,0 0 0,3 0 8,-2 0 0,0 0 0,2 0 16,-2-2-24,1 2 0,-1 0 8,0 0 16,3 0-8,-3 0-8,2 0 8,-1 0-8,1 0-24,-2 0 16,2 0 8,-2-1 16,3 1-8,-2 0-8,0 0 8,1 0 8,2 0-8,-3-1-8,0 0 8,3 0-8,-1 1 16,-1-3 8,2 3-8,-2 0-16,2 0-16,-2-1-8,0 0 16,-2 1 0,3-2 8,-3 2 0,2 0 0,-2 0 0,1 0 0,0 0 16,0 0-8,0 0 16,-2 0-32,0 0 0,0 0 8,4 0 16,-4-3-8,0 3-8,2 0 8,-2 0-8,0 0 0,3 0 0,-2 0 0,0 0 0,2 0 0,-1 0 16,-1 0-24,1 0 0,1 0-8,-2 0-16,0 0 40,2 0 8,0 0 0,-1 0-16,0 0 8,0 0-8,1 0-24,-1 0 0,0 0 32,0 0 8,-2 0 0,1-1-16,0 1-16,0 0 8,-1 0 8,2 0 16,-1 0-8,0 0-8,-1 0 8,1 0-8,2 0-24,-2 0 16,1 0 8,0 0 16,1 0-24,-1 0-16,-1 0 32,2 0 8,-1 0-24,1 0-8,-2 0 8,2 0 16,-2 0 0,3 0 16,-3 0-16,2 0-8,0 0 8,0 0-8,1 0-24,-3-2 16,2 2 8,-1 0 16,1 0-8,-2 0-8,3 0 8,-3 0-8,2 0 0,-3 0 0,0 0 0,1 0 16,-1 0-8,2 2-8,-2-1 8,-1 2-8,0-3 0,2 3 16,-2 1-24,1-2-16,-1 2 16,0 1 16,0-1 0,0 1-8,0 2 8,0-3 8,0 3-8,0-2-8,0 1-16,0 0 8,0-1 8,0 1 0,0-2-24,0 1 0,0-2-8,0 2 24,0-1 0,0 1 8,0-1 16,0-1 8,0 0-8,0 1-16,0-1 8,0-1-8,0 0 0,0 2 0,0-2-24,0 2 16,0-1 8,0 0 0,0-1 0,0 2 0,0-2-24,0 0 0,0 2 16,0-2 16,0 1 0,0 2-8,-1-1 8,1-1 8,0 3-24,-2-2 0,2-1 8,-1 2 0,1 0 0,0-3 0,-3 0 0,3 2 0,-1-1 16,-1-1 8,1-1 8,0 0-16,-3 0-16,2 0 8,-3 2 8,3-1-8,-2-1-8,1 0 8,-2 0-8,1 1 0,0-1 16,-2 0-24,1 0 0,-2 0 8,1 3 0,1-4 0,-2 0 0,4 2 0,-3-2 16,1 0-24,-2 1 0,4-1 8,-2 0 16,0 2-8,0-2-8,0 1 8,1-1-8,-1 0-24,0 1 16,2-1 24,-2 1 8,0-1-32,3 1-8,-2 0 8,-1-1 0,2 0 8,-1 4 0,1-4 0,-1 1 0,2-1 0,-2 1 0,2-1 0,-3 0 0,3 0 0,-2 1 16,1-2-24,0 1 0,0 0 8,1 0 0,-2 0-24,2 1 16,-3-1 24,0 0 8,0 2-32,1-2 8,-1 0 0,0 1 0,0 0 0,1 1 0,-4-2 16,5 3 8,-2-2-32,0 0-8,2-1 8,0 0 0,0 0-16,-2 0 16,4 0 24,0 0 8,-3-1-8,3 1-16,0 0-16,-3 0-8,2-1 32,1 1 8,-3 0-24,2-3-8,-3 3 8,4 0 0,-2 0 8,1 0 16,0-2-24,1 2 0,0 0 8,-2 0 16,1-1-8,1 1-8,0 0 8,-2 0 8,2-1-24,0 1-16,0 0 16,-3-2 0,4 2 8,-2 0 0,2 0 16,-2-1-24,2 1 0,-1 0 8,-1-1 16,1 0-24,1 1 0,-2-4 8,2 3 0,-1 0 0,-1 0 0,0 0 0,0 0 16,1 1-8,-1-2-8,1-1 8,-1-1-8,2 3 0,-1 0-24,1 0 16,0 0-8,0-1-16,0 1 24,0 0 0,0 0 8,0-1 16,0-1-8,0 3 16,0 0-16,0-1 16,0 0-32,0 0 0,0 0 24,0-1-8,0 1-8,0-1-16,0-2 8,0 3 8,0 0 16,0-1-8,0-1-8,0 0 8,0-1-8,0 2 16,0 1-8,0-3-8,0 2 8,0-2 40,0 2-24,0 0-24,0-1-8,-2 1-32,2-1 64,0 0 32,0 1-24,-1-2-16,1 2-8,0 0-8,0-2 0,0 2-24,0-1 16,0 0-32,0-1 8,0 4 16,0-2 8,0 1 24,0-2 8,0 2 8,0 0 16,0 0-24,0 0 0,0 0-24,0-1-8,-2 0 8,2 2 16,0 0-8,0 0 0,0 0 8,-2 0-1192,2 2 648</inkml:trace>
+  <inkml:trace contextRef="#ctx0" brushRef="#br0" timeOffset="1">267-819 320,'0'1'128,"0"-1"-96,0 0 8,0 0-8,0 0-16,0 0-32,0 0 8,0 0 40,0 2-16,0 2 32,0-1-32,0 2-24,1-1 0,1 3 8,-1-1 0,2 2 16,-2 0-8,1-2-8,-1 3 8,1-2-8,-1 3 0,1-5 0,2 5 0,-3-3-24,3 0 16,-3 0 8,0-2 0,0-1 0,2 0 0,-2-1 0,1 0 0,-1-2 0,2 1 0,-2-2 16,0 0-8,0-3 32,0 0-24,1-4 8,1 4-8,-3-5 56,0 1-40,0-4 8,0 5-24,0-4-48,0 0 16,0 0 8,0 3 8,-3-3 0,1 5 0,0-3 32,1 5-16,-3-1 8,3 0-8,-5 1-32,5 2 8,-1 0 8,-1 1 0,-2 0 0,4 2 0,-4 1 0,4 1 0,-2 1 0,0 1 0,0 1 0,2 0 0,-2 1-24,3 3 16,-2-1 8,2 2 0,0-3-24,2 2 16,-2-1 8,1-1 0,1-1 0,-1 1 0,1-4 0,2 1 0,-3-2 0,1 2 0,-1-3 0,1 0 0,-1-3 48,1 3-24,-1-6 112,2 2-72,-2-4 24,3-1-56,-2-5 40,3 0-48,-2-2 8,1-1-16,-2-1 8,1 2-16,0-1-8,-3 4 8,0-1-8,2 3 0,-4-2 32,2 7-16,0-3-8,0 1 0,-5 3-8,4 2 0,-1 0 0,1 2 0,-5 1 16,5 1-8,-4 3-24,4 3 8,-3 1 8,4 1 0,-1 0 0,1 3 0,0-1 0,1-2 0,0 0 0,2-2 0,-2 1-24,0-3 16,0 0-8,2-3 0,-2 0 0,1-1 0,-1-3 32,2 2-8,-2-6 16,0 2-16,0-6 16,0 3-16,1-8-24,1 1 8,-3-2 8,0 0 0,0-1 16,0 3-8,-3-2-8,3 2 8,-3 0 8,2 3-8,-1-1 16,-1 4-16,-1-3-8,1 5 8,0-2 8,0 3-8,-2 0-24,4 2 8,-2 2-8,1 2 0,1 2 16,1 3 0,-2 1 0,4 1 0,-2 1 0,1 2 0,1 2 16,-1-3-8,1-4-24,-1 1 8,2-2 8,-2-4 0,0 1-24,2-1 16,-2-6 8,0 0 0,0-3 16,2-2-8,-2-3-8,1 1 8,-2-3-8,0 1 0,-2-2 0,2 5 0,-1-3 16,1 3-8,-4 0-8,3 0 8,-3 0 8,4 4-8,-2-1-8,2 1 8,-4 1-8,4 2 0,-3 0-24,3 1 16,-2-1-8,4 2 0,-2-1-24,0 0 24,0 1 8,1 1 8,-1 2 0,2 1 0,-1-2-24,3 2 16,0-2 24,-1 0-8,3-2-8,-1 1 8,0-2-8,3 0 0,-1-1 0,1 0 0,-1-2 16,4 0-8,-3-2-8,-1 4 8,0-2-8,-1 0 0,-2 1 16,1 2-8,-4-2 16,1 2-16,-2-2 32,0 4-24,-3-2-24,1 0 0,-3 0-32,1 0 24,-7 0-8,6 0 8,-5 0-24,4 2 24,-5-2 8,4 0 8,-2 0-24,1 2 16,2-2-8,0 3 0,0-3 32,1 1-8,0-1-24,2 0 8,0 0-48,3 0 32,0 0-8,1 0 16,-1-1 32,3 1-8,0-3-8,5 3 8,-2-4-32,1 2 16,-1-1 24,4 2-8,2-4 16,0 2-16,-2-1-24,0 2 8,-2-3 24,-1 4-8,0-3 48,-2 4-32,-4-2 24,2 2-24,-3-1 24,0 1-32,-3-3-8,2 6 0,-4-3-32,0 0 16,-3 0-8,2 2 0,0-1 0,-1 3 0,-1-3 32,1 0-8,0 0-8,2 3 8,-2-3-32,5 0 16,-3-1 8,2 1 0,0-1 0,2 0-24,2 0 16,-1 0-32,0 2 24,0-2 8,3 2 8,0-2 0,4 0 0,0-2-24,-1 2 16,0-2 24,3 2-8,-3-2 32,2 1-24,-4-3-8,3 4 0,-3-2-8,0 2 0,-2-1 64,1 2-32,-3-2 40,2 1-40,-5-3-16,1 6-8,-3-3 8,0 0-8,-3 0-8,4 1 8,-6 0-8,4 0 0,-2 2-24,2-1 16,-4-1-8,7 0 0,-7-1 16,7 0 0,-4 0 16,3 2-8,1 0 16,0-1-16,-2-1-24,4 0 8,-2 0-8,3 0 0,-2 0 16,1 0-40,2 0 24,-1 0-8,0 0 8,0 0 32,2 0-8,-1 0-24,2 0 8,0-1-8,-1 1 0,2-2 16,1 2 0,-1-2 0,2 2 0,0-1 16,0 0-8,-1-1 32,-2 2-24,2-3-8,-3 3 0,1-1-32,-1 2 16,-1-1 24,3 0-8,-4 0 32,1 0-24,-2 0-8,-3 0 0,2 0-32,-2 0 16,1 0 8,-1 0 0,-3 0 0,2 0 0,-2 0-24,4 0 16,-4 0 8,3 0 0,1 0 0,-1 3 0,-1-2 0,3 0 0,-2 0 0,2 2 0,-2-1-24,3-1 16,-1 1 24,2-2-8,-1 4 16,-1-1-32,1 3-16,-1-1-8,1 1 24,1 0 0,0-2 24,0 3-8,0-2-8,0-1-16,0 1 8,0-1 8,1 2 16,1-3-24,-1 1-16,1-1 16,1 2 0,1-3-16,-1 0 16,0-1 8,0 0 16,1-1-8,-2 0-8,2-1 8,-2-2 8,2 1-8,-2-4 16,2 2-32,-3-1 0,0-2 24,0 2 8,-1-2-8,0 2 8,0-2-32,0 3 0,-1-4 8,0 2 0,0-1-24,-2 3 16,2-1 24,-1 3 24,2-1-32,-1 0-24,1 2 8,0 1 16,-3 0-16,2 0 0,1 0 24,0 0 8,0 0-32,0 0-8,-1 2-16,1 3 0,0 1 24,0 1 16,0 1 0,0 1-8,1 1 8,-1-2 8,1 3-24,-1-1 0,0-2-8,0 3 0,0 0 16,0-2 16,0 0-24,0-1 0,0 0 8,0-4 16,3 1-8,-3-1-8,0-2-16,1-1-8,1-1 16,-1-1 0,2-3 8,-2-3 16,1 0-8,1-2-8,0-1 24,-1 0 0,1-1-8,-3 3-16,0-1 8,0 3-8,-3-2 0,1 0 0,-3 3 0,3 1 0,-3-2 16,2 4 8,-2 0-32,0 0 8,0 2-16,1 2 0,-1 0 16,0 4 0,2-1-24,0 1 16,0 2-8,0 0 0,1 0 16,2 3 0,0-1-24,0 0 16,2-2 8,-2 0 0,3 0 0,0-1 0,0 0 0,0-2 0,1 0-24,-1-1 16,0-1 24,0-1 8,2-1-32,-1 2 8,-2-3 0,2 0 0,0-3-24,0 2 16,-1-1 24,2-2 8,-3-2-8,2-1 8,1-2-16,-2-1-8,1 0 8,-2-2-8,2 2 0,-2 0 16,-1-1-8,3 0 16,-3 1-16,-1 1 16,0 0 0,0 2 8,0 1-40,0 1 8,0 3 0,0-2 0,-1 3 0,-3 2 0,2 5 0,-2-1 16,2 2-24,-3 1 0,3 4-8,1 2 0,-2 1 0,2 2 0,0-2 16,1-1 0,0-1 0,1-1 16,0-4-8,2-1-8,0 0 8,1-2-8,-2-1-24,2-4 0,-2 0 32,3-2-8,-3-4 0,2-1 8,-2-4 8,2 1-8,-2-4-8,-1 1 8,-1-2-8,0-1 16,-1 2 8,-1 1-32,0 2-8,-1 0 8,2 5 32,-3-1 24,2 3-40,-4-1-16,1 3 0,-1 0 16,-1 2-56,0 2 32,0 2 0,1 2 16,-2 2 0,3-2 0,-2 4-40,4 0 24,-1-2-48,0 3 40,2 1-8,2-1 16,-1 0 16,2-2 0,-1 2 16,2-2-8,-1 0-8,3-1 8,-2-2-32,1-2 16,-2 3 24,2-2-8,0 1-24,-2-3 8,0 0 8,2-1 0,-2-1 16,0 4-24,-1-5-16,0 1 16,1-1 0,2 0 8,-2-1 0,2-3 16,0 2 8,-1 1-8,0-3 8,0 1 16,1-1 16,-3 1-8,2-1-8,1 0-8,-2 0 16,0 2-24,-1-1-16,0 0 0,0 2 8,0-1 8,0 1-32,0-1 8,-1 1 16,0 0 8,-4 0-8,2 1-16,0 0-16,2 0 8,-1 0 8,-2 1-56,2 0 0,1 2-16,-2 0 24,3 0 32,0 0 8,3-1-16,-2 0 16,2 1-8,2 0 0,-1-3 16,4 1 0,-2-1-24,2-1 16,-1 0 8,2-1 16,-1-2 24,0 2 32,-1-2 0,-1-1 0,-2 1-8,1 0 16,-2-3-8,-1 4 0,-2-1-40,0-1-8,-2 2-8,-1 1 8,0-1-32,-2 3 0,-1 0-8,-2 0 0,0 4 16,0-1 16,-1 1-24,2 1-16,0-1 16,1 0 16,0 1-56,1 0-24,3-1 0,1 2 24,1-3-16,0 3 24,1-2 24,0 0 8,2 0 8,0-2 0,2 1 0,-2-1 16,3-1-8,0 0-8,0-1-16,1 0 8,1-1 8,0-1 0,1-2 32,-2-2 16,1-1 0,0-1-8,-1 0-24,-1 0 8,0-2-16,-4 3 16,2-2-16,-3 2 16,-1 1 0,0-1 8,-1 2-16,-3-1 8,2 4-16,-4 1-8,1 0-16,0 1-8,-1 2 16,0 3 16,-1-1-16,2 1 0,-1 1-48,3 1 0,0 0 24,0 1 16,1-1-8,0 2 0,2-3 16,2 2 0,0-4-16,-1 2 16,2-2 8,0-2 0,-1 0-24,3-2 0,0 0 16,-1-2 16,0 0 0,0-2 16,1-3 0,0 2 24,-2-2-40,1-2-8,-2 1 0,-1-2 16,3 0 8,-4-1 24,0 4-24,-4-1-16,2 3 0,-2-1 8,0 3-8,0 1 16,0 2-32,-1 1 0,0 1-8,1 5 0,0-1 0,2 5 0,-3-2 0,3 0-16,0 1 0,1-2 24,1-1-16,0-1 8,0-2 0,1 1 0,1-2 16,-1-1 16,0-2-24,0 0 0,4-2 8,-2-3 16,-1 1-8,-1-1 16,0-4-16,1 2-8,0-2 8,-2 1-8,0-2 0,-2 4 0,0-1 16,0 0 24,-2 0-32,2 4-24,-3 0 8,3 2 0,-3 2 24,0 3 8,2 4-48,0 0 0,0 2 8,-2 1 8,3 0 8,1 0 16,-2-3-24,2-1 0,1-1-8,0-2 0,0 0 0,1-2 0,2-2 32,-2-1 8,1-2-8,3-5-16,-2-2-16,0-2 8,0 2 8,1-2 16,-3 0-8,1 0 16,-2 1 0,0 0 8,0 4-16,-2-2-16,1 3 24,-1 1 0,-2 3-32,2 1-8,-2 1-16,-2 2 0,3 4-48,-2 2-16,0 4 40,-1 1 24,3 0 24,-2 1 8,5-1-24,-3-1 16,3 0-8,0-3 0,0-3 16,3 0 0,-3-2-24,2-2 16,1 3 8,-2-5 16,0-5-24,3 4 0,-1-4 24,1-1-8,-2-2-8,3 1 8,1-5-8,-2 4 0,0-3 0,3 1 0,-2-2-24,-2 4 16,3-1 8,-1 2 0,-2-2 0,1 5 0,-3-1-24,2 3 16,-1-4 24,-1 5-8,1-2-8,-1 3 8,1 0-32,2 3 16,-2-1 8,2 3 16,-2 1 8,2-1-48,-2 1 0,2 0-64,-3 1-8,0-2 16,0 3 32,1-3 24,-2 1 32,3-1 16,-3-3 8,0 0-56,0 3 0,0-5-32,0-2 16,0-2 24,0-1 8,0-2 8,-3 1 16,1-2 8,1 1 8,0-1-40,-3 2 8,1-2 0,-3 1 0,1 1 0,0 1 0,2 0 16,0 1 24,0 2-32,0-1-24,-1-1 8,2 1 0,1 2-16,0 0 0,1 0 16,0-2 0,1 1-16,0 1 16,3-1 8,-1 0 16,2 1-8,-1 0-8,2 0-16,0 0 8,0-2 8,-3 2 0,2 1 0,1 0 16,-3 1 8,2 2 24,0-2-8,-3 0 0,2 1-48,-2 2 8,-1-1 16,3 0 8,-4-1-8,0 0-16,0 2 8,0-2 8,0 1-8,0-2 16,0 0-16,-5 0-24,4 2 8,-4-1 24,3 1-8,-8-2-8,7 2 8,-8-2-32,4 0 16,0-1 24,0 1-8,0-1-8,2 0 8,-1 0-32,1 0 16,0 0-8,4 0 0,0-1 0,2 1 0,0-1 16,5 0 0,-1-2 0,2 2 0,-1-4 16,2 2-8,0-3 16,0 0 16,-2 3 16,1-1-48,-1-1 0,0 1-8,-3-1 16,2 3 8,0-2 8,-3 2-16,2 1 8,-2 0-32,0 1 0,0-3 8,0 3 16,-1 0-24,1 0-16,0 0 16,-2 0 16,0 0 0,0 0 16,0 0-16,0 0 0,-2 0-8,0 0 0,-1 3 16,-1-1-8,-1-1-8,2 3 8,-2-3-8,3 1 0,-4 1 0,1-2 0,0-1 0,4 1 0,-1-1-40,2 0 24,-3 0 8,6 0 8,-3 0-24,2 0 16,2-1 8,-2 1 0,4-1 16,-1-2-8,-2 1-8,4 1 8,-2-3-8,2 3 0,-2-1-24,-2 2 16,1-3 8,0 3 0,-2-2 32,-1 2-16,0-1 8,1 2-8,-2-1 8,0 0-16,-2 0-8,1 0 8,-4 0-48,2 0 24,-2 0-8,3 0 8,-3 0-24,1 2 24,-3-2-8,4 0 8,-4 3 0,2-1 0,-2-1-24,2 3 24,-2-3-64,5 1 48,-4 1-24,1-1 32,3-1-40,1 2 40,-2-1-8,3-1 16,3-1 16,-1 2 0,4-4 0,-1 2 0,-2-3 0,4 1 0,-1 0 16,2 1-8,-2-4 16,1 4-16,-2-4-8,1 4 8,-3-1 24,0 2-16,-2-3 8,1 3-8,-2-3 24,3 3-24,-3-4 64,0 4-48,-3-2 24,3 2-32,-2-1-48,1 1 8,-4-1 8,4 2 8,-5-1-24,4 1 16,-4 0 8,2 0 0,1 2 32,0-1-16,0 0-24,-1 2 0,1-3-8,0 1 0,2-2 0,1 3 0,-1-3 0,2 0 0,0 1 16,2-1 0,-1 1 0,3-1 32,-2 0-16,2-1 32,0 1-32,1-1-8,0-2 0,-1 1 8,-1 2-8,-2-1-8,4 1 8,-2-1 8,-2 1-8,0-3 32,0 6-24,-2-3 64,2 0-48,-4 0 40,2 0-40,-4 0 0,3 0-16,-4 0-32,2 0 8,-2 0-8,3 0 0,-5 0 16,2 1 0,-2 0 0,2 0 0,-1 0 0,0 3 0,0-3-24,4 0 16,-4 2-8,4-1 0,-2-2 0,4 1 0,-1-1 0,1 0 0,-1 0 0,2 0 0,-1-1 16,1 0 0,2-4 0,-1 3 0,-1-3 16,4 3-8,-3-3-8,2 3 8,-3-3-8,0 4 0,0-3 0,3 3 0,-3-1 0,0 2 0,-1-1 0,0-2 0,0 6 0,0-3-24,0 0 16,0 0-8,0 1 0,-1-1-24,1 2 24,-1 2-24,-3-2 16,2 0 16,2 2 8,-4-1-24,4 1 16,-2-2 24,2 2-8,-1-2-24,2 2 8,-1-2-32,0 2 24,0-1 24,0-1 0,0 2-8,0-2 8,0 1-32,0 1 16,0-1 8,1 0 0,0 0 16,2 2-8,-3-2 16,1-1-16,-1 0-40,1 2 16,0-2-8,3-1 8,-3 1 32,0-1-8,0-2 32,2 1-24,-2-3-8,0 1 0,-1-3 24,0 2-16,0-5 64,0 4-48,-1-3 24,1 2-32,-4-1-16,3 3 0,-1-2 24,-2 3-16,1-2-24,-1 3 0,-1 1-32,2 1 24,-3 3 8,0 1 8,0 4 0,4 0 0,-4 5-24,5-1 16,-2 0 8,3-1 0,0-2 0,1 3 0,1-4 0,-1-2 0,1-3 0,2 0 0,-2-4 0,3-1 0,0-4 0,-2-2 0,1-4 16,-2 5-8,3-5-8,-3 0 8,-1-2-8,3 4 0,-3-2 16,0 2-8,-1-2-8,4 7 8,-4-4 8,0 3-8,-4 0-8,4 3 8,-1-2-8,1 3 0,-1 0-24,0 1 16,-2-1 8,3 2 0,-1-1 16,0 2-8,-3 3-24,2 1 8,-1-1-8,0 3 0,1-2 16,2 2 0,-1-1 0,1 0 0,0-4-24,1 4 16,-1-4-8,1 0 0,0-1 0,2-1 0,-2-2 32,1 1-8,0-2 16,2 1-16,-3-2-24,0-2 8,2-2 24,-2 3-8,0-4 16,0 2-16,-1-1-24,0 4 8,0-3 8,0 1 16,0 2 8,-1-2-8,1 1-16,-1 2 8,0 1-8,-2 0 0,1 1 0,-2 1-24,1 0 0,1 1-8,-3 2 0,0 1 0,2-2 24,-2 3-16,1 0 8,1-1 16,0 2 16,0-3-24,1 1-16,2 0-8,0-2 24,2 2-16,-1-3 8,2-1 16,0 1 16,1-4 8,0-1 24,1-2-40,1 0-8,-1-1-16,-3 0 0,1-3 32,1 2 8,-2 2-8,1 0-16,-2-1 8,0 1 8,0 2-24,3-2 0,-3 3 8,0-2 0,-1 2 16,0 1 24,0-2-32,0 2-8,0 0-16,0 0-16,0 1 24,0 0 0,0 0-48,0 2 0,0 2-16,0-1 24,1 2 16,2-2-8,-2 3 8,0 0 24,0-1 16,3-2 16,-4 1-8,0-1-16,0 0 8,0-1 8,0 0-48,0 2 8,0-2 24,0 2 32,0-4-24,0 2-8,0-1 16,0-1-24,0 0 16,0 0 0,0 0 32,-4 0-24,3 0-8,0 0 0,-4-1-8,4 1 0,-5-1 0,5 1 0,-4-1 0,4 1 0,-5-1 0,4 1 0,-3-3 16,3 3-8,-4-4 16,2 4-16,0-3 16,0 3-16,0-2 16,1 2-16,-2-1-8,1 1 8,0 0-32,2 1 16,-4 0-32,5 1 24,0 0 8,1 2 8,0-1-24,1-1 16,0-1 8,5 2 0,-1-3 16,2 2-8,-1-4-24,2 2 8,0-3-8,0 1 0,-1-2 16,1 0 0,-2-1 16,4 1-8,-3-3-8,-1 5 8,-2-3-8,1 4 0,-3-1 48,1 2-24,-3-3 8,1 3-16,-1-1-48,0 2 16,-1-1-48,0 3 40,-3-2-8,1 0 16,-2 0 0,1 3 0,-3-3-40,5 1 32,-4 2-8,0-1 16,-1-3 16,1 4 0,-1-4 0,1 0 0,0 0 0,2 0 0,-3 0-24,4 0 16,-1 0-8,2 0 0,-2-1 0,3 1 0,0-3 16,1 0-24,1 1 16,0-1 8,5 2 0,-2-4-24,1 4 16,0-1 8,2 2 0,-4-3 0,4 6 0,-1-3 0,1 0 0,-2 0 0,2 0 0,-1 0 16,0 0-8,0 0-8,-2 0 8,0 0 8,-1 0-8,-1 0-8,0 0 8,0 0 8,-2 0-8,0 0 16,3 0-16,-3 0 0,-3 0-8,3 1 0,-3-1 0,3 1 0,-3-1 16,1 1-8,-3-1-8,3 3 8,-3-2-48,4 0 24,-1 0-64,-2 2 48,2-1 8,1 1 24,-2-3 16,3 0-8,-1 0-24,1 0 8,-1 0-8,1 3 0,-1-2 16,1 1 0,-4 3 16,3 0-8,-1-1-8,2 3 8,-4-2-48,4 3 24,-2-3 8,2 3 8,-5-3 16,4 2-8,-1-1-8,2 2 8,-3-5-32,3 3 16,-1-3-8,2 1 0,-1-4 32,3 0-8,-2-3 16,1-1-16,0-2 16,2-1-16,-3-1-8,3 0 8,-3-2-8,0 2 0,0-2 16,-1 1-8,0 3-8,0-1 24,-1 2 0,0 1-32,-3 4 8,2 0 0,-2 5 0,1 1-40,-2 1 8,2 2 16,-2 2 24,3-2-16,-2 4 0,3 0-8,-1 0 0,2-1 0,2-4 0,-1 1 16,0-4 16,3 1-24,-2-4-16,3 2 16,-3-4 16,2-1-16,-2-4 0,3-1 8,-3-1 16,2 0-24,-2-4 0,3 1 24,-3-1 8,-1 2 8,2 1 0,-2-2-16,0 4 8,-1-2-32,0 2 0,0-2 24,-1 2 24,0 2-32,-2 1-8,1 2-16,-3 1 0,3 4 0,-3 3-16,0-1-16,0 3-8,-1 3 32,-1 0 8,0 1 16,0 0 16,3 0-8,1-1-8</inkml:trace>
+  <inkml:trace contextRef="#ctx0" brushRef="#br0" timeOffset="2">384-688 680,'2'6'-24,"1"-1"16,1-4 0,2-1 24,-1-2 24,0-4 0,1 2 16,-1-2-16,1-3 0,-2 0-8,1 0 16,1 1-40,-4 0-8,2 0 16,-1 1 8,-3 2 24,4-1 8,-4 3-8,0-3 8,-4 3-48,4 2-8,-3 1 0,-1 1 0,2 4-24,-4-1 16,1 3 8,1 0 0,-1 2-40,-1 0-8,0 2-32,1-1-8,1 0 8,1-1 32,-1 0 24,1 0 16,2-3-16,1 1 16,1-4-8,1 2-16,2-1 24,-1-2 0,0 0 8,-1 0 16,3-2 40,-3 0 48,3-2-24,0 1 16,0 0-40,-1-1 8,0-2-24,-2 1 0,3 0-8,-3 1 0,2 0-16,-3 0-16,1-2 8,-2 3-8,4-1 16,-3 1 8,-1 0 56,0 0 32,0 0-40,0 1-24,-5 0-64,3 0-48,-2 0-16,2 1-16,-4 0 16,1 1-8,0 1 16,-4 3 24,1-3 24,2 1 0,0 1 8,1-1 16,0 0 0,2-1-24,2-1 16,1 2-8,1-2-16,2 2 24,0-2 0,3 0-16,-2-2 16,0 0 8,3 0 16,-2-2 24,2 0 16,-1-1-8,-1 1-8,-1 0-8,1-3 0,0-1 0,1 1 0,-3-2-16,2 2 8,0-2 0,-3 2 8,2 0 0,-3 0 16,0 3-8,-1 0 0,0-1-24,-1 1 8,0 2-32,-3 0 0,2 0-48,-3 2-24,0 1-8,2-1 8,-3 2 32,0-1 8,-1 4 0,2-2 8,1 2 0,-1-4 24,1 2-16,3 1-8,1-2 24,1-1 16,2-1 16,-2 1 8,2-3-56,1 0-16,-2-3 48,3 2 32,1-1 16,-3-2 8,3 1-16,-1-4 8,0 1-32,-1-3 0,1-1 24,-1 2 8,-2-1-8,0 0-8,2 1-8,-3 1 0,-1 0-16,-1 0 8,-3 2 0,2 2 24,0-1-24,-2 2-16,2 2-40,-3 2 0,3 2 16,-2 1 8,2 1-16,-4 2 16,5 1 8,-3 0 16,4 3-8,-1-3-40,1 2 16,0-2-8,1-3 8,0-2 0,2 2 0,-2-5 32,1 0-8,2-3-8,-2 0 8,-1-6-8,3 4 0,-3-7 16,4 2-8,-4-4 16,2 3-16,-1-3 32,-1 5-24,-1-3 8,1 2-8,-1-1-32,0 3 8,0 1 8,0 0 0,-1 2 0,1 1 0,-1 2 0,-1 1 0,-1 3 0,2 2 0,-5 4-24,5 1 16,-3 4-8,4 0 0,-1 0 16,1-1 0,-1-3 0,2 0 0,-1-2-24,1-2 16,0 0 8,2-4 0,-2-2 16,2 1-8,0-4-8,-1 0 8,0-5-8,1 1 0,-2-5 32,1 3-16,2-4 48,-3 3-40,-1-1-8,1 3-8,-1-3-8,0 5 0,-1 2 16,1-2-8,-1 2-8,-3 2 8,2 2-48,1 0 24,-4 3-24,4 3 16,-5 1 0,4 3 8,-3 3 16,4 0 0,-3 1-24,2-1 16,1-2 8,1 1 0,-3-3-24,6-3 16,-3 0 8,1-1 0,1-4 16,2-1-8,-3-4-8,1-1 8,1-2-32,-1-3 16,0-3 8,2 3 0,-3-4 32,3 3-16,-3-3 48,0 3-40,1 0-8,-2 4-8,0-3-8,0 4 0,0 1 0,0 1 0,0-2 16,0 4-8,0-1 16,0 3-16,0-1-8,0 2 8,0 2-32,0 3 16,-2 0-48,1 1 32,-2 1-24,3 0 24,-3-1 0,3 1 8,-4-2 0,4 0 0,-2-4 0,4 3 0,-2-4 0,0 0 0,0-2 0,0 0 0,0-4 16,0 1 0,0-2 0,3 0 0,-2 0 0,2 0 0,-1-1 0,-1 1 0,0-1 0,1 3 0,2-1 0,-2 0 0,2 2 0,-2 1 0,3-1 16,-3 1-8,1-1-24,0 3 8,-1-2-8,2 2 0,-3-1 16,2 2 0,-1-1-24,1 0 16,-2 0 24,1 2-8,1-2 16,-2 5-16,-1-3-8,1 2 8,-1-2 24,0 4-16,-1-4-8,1 2 0,-4-1-64,2 1 32,-1-2-8,2 2 16,-4-4 32,4 2-8,-3-2-8,2 1 8,-1-1-32,2 0 16,-2-1-8,3 1 0,-4-2 16,4-1 0,-2 0 0,2-1 0,-1-1 0,2 2 0,-1-4 0,2 4 0,-2-2 0,3 0 0,-2 2-24,2 0 16,0 0-8,0 1 0,1-3 16,0 4 0,1-2 32,1 3-16,-3-1-24,2 1 0,-1-1 8,2 2 0,-2-1 0,2 0 0,-4 0 0,2 1 0,-3 0 16,0 2-8,-1-2-8,4 3 8,-8-1 8,4 1-8,-1-2 16,0 3-16,-3-2-8,2-1 8,-4 1-32,4-1 16,-6 3 40,4-3-16,-2-1 8,1 1-8,-1-2-32,1 1 8,-2-1-8,4 0 0,-2 0 0,0 0 0,1-1 16,2 1 0,0-2 0,-2 2 0,2-1-24,2 1 16,-1-1 8,1 0 0,-1 0-24,2 1 16,-1-4 8,3 4 0,1-2 0,-2 1 0,2-3-24,0 3 16,1-4 24,1 5-8,1-4-8,-1 2 8,2 0-8,-2 1 0,-3-4 0,3 5 0,-5-2 0,3 2 0,-3-1 32,0 2-16,-1-1-8,1 0 0,-2 0 8,0 1-8,-2 0-24,1 2 8,-2-1-48,0-1 32,-2 0-24,1 0 24,-1 1-16,1 0 16,-2 0 0,3-2 8,-3 0 32,4 3-8,-2-3-24,3 0 8,-4 0 8,5 0 0,0 0-24,1 0 16,-2 0-8,4 0 0,-2-3 0,0 3 0,0-2 16,1 0 0,0-2 0,1 3 0,2-5 0,-2 5 0,2-3-24,-2 3 16,3-1 8,-3 2 0,1-4 0,2 4 0,-1 0-24,0 0 16,-1 0 24,0 0-8,2 0 16,-3 0-16,-1 0-8,2 0 8,-2 0 8,0 0-8,-1 0 0,0 0 8,0 0-8,0 0 0,-1 0-32,1 4 16,-1-3 8,-2 0 0,1 0 16,1 2-8,-5-2-8,4 1 8,-2 1-8,2 0 0,-3-2-24,3 0 16,-1 1 8,2-1 0,-1-1-24,2 1 16,-1-1-8,2 0 0,-1 0 0,2 0 0,-1 0 32,1 0-8,1 0-8,1 0 8,0-1-32,1 1 16,1-1 8,0 1 0,0-2 16,0 1-8,-1-1 16,2 2-16,-2-2-24,2 2 8,-2-3 8,0 6 0,-2-3 0,2 2 0,-2-1 0,1 0 0,-4 0 32,2 2-16,-1-2-8,2 1 0,-3 1 8,1 0-8,-2-2 16,-2 0-16,0 2-8,3-1 8,-6 2-32,4-3 16,-4 0 8,2 0 0,-2 0 16,3 1-8,-4-2-8,2 1 8,-2-2-32,2 1 16,-2-2 8,4 2 0,-3-1-24,1 0 16,1-1 8,2-2 0,-1 2 0,2 2 0,-3-3-40,4 3 24,-2-2-8,2 1 8,0-4 16,2 3 0,-1-2 0,3 3 0,-1-3 16,0 1-8,2 0-8,0 1 8,0 0 8,0 2-8,3-2-24,-2 2 8,-2-4 8,2 4 0,0-2 16,0 2-8,-1-1-24,1 2 8,-2-2 8,0 1 0,-1-1 0,2 2 0,-1-1 16,1 0-8,-2 0-24,2 1 8,-3 1 24,2-2-8,-2 4 16,-1-2-16,1 0-8,-1 1 8,-1 2-8,2-1 0,-2 0 0,0-1 0,0 3 16,0-2-8,0-1-8,0 3 8,-2-4-8,2 1 0,-1-2 0,-1 2 0,-1-1 16,1 0-8,-1-2-8,2 2 8,-3-2-8,3 1 0,-4-1 0,3 0 0,-3-1 16,4 1-8,-4-2-24,3 2 8,0-4 8,2 3 0,-4-3 0,4 2 0,-2-1-24,2-2 16,-2 2 8,4 1 0,-2-1 0,0-2 0,0 2 0,1 0 0,-1 0 16,0-2-8,0 2-8,1 1 8,-1-1-32,2 2 16,-2-3-8,2 4 0,-2-3 16,2 3 0,-2-1 16,2 2-8,-1-1-8,2 0 8,-2 0 8,0 3-8,1 3 0,-2-1-32,0 2 16,-2-1-8,2 2 0,-1-2-40,0 3 32,-3-2-80,4 1 64,-2 1-56,2-2 56,-4 0 0,4 0 24,-2-1-24,2-1 24,-1 0-24,1 1 16,-1-4 0,2 3 8,-1-4 0,0 2 0,0-4 16,0-3 0,0 0 0,0-3 0,1 4 0,-1-6 48,2 4-24,0-5 24,0 5-24,-2-1-16,0 0 0,0-2 24,0 2-16,0 0 8,0 1-8,0-1-16,0 2 8,0-1 8,0 3-8,0-2-8,0 3 8,0-4-8,0 3 16,0 2-8,0 0-40,2 1 16,-2 0 8,1 5 8,-1-2 16,3 0-8,-3 3-24,0-1 8,0 2-32,0-1 24,0 3 8,1-2 8,-1 0-40,0 0 24,0 1-24,0 1 16,0-2-16,0 0 16,0-3-16,0 1 16,0-3 16,1 2 8,-1-5 48,0 4-24,0-5 24,0-2-24,0-1 24,0 1-32,0-4 48,2 3-40,-2-5 8,2 4-16,-2-4 8,1 2-16,-1-2-8,2 3 8,-2-3-8,0 3 0,0-4-24,0 5 16,0-1 8,0-1 0,0 0 0,0 2 0,0 1 0,0 1 16,0-2 8,0 4-8,0 0-16,0 0 8,0-1-8,0 1 0,0 2-24,0 2 16,0-1 8,2 4 16,-2-1-8,0 3 16,0-2-16,0 2-8,0-2-48,0 3-8,0 1 8,0-4 8,0 1 0,0 1 8,0-2 0,0-1 24,0 1 0,0-1 8,-2 0 0,2-3 16,0 1-24,0-3 0,0 0 24,0 0 8,-2 0-32,1-2 8,1 0 0,0-2 16,0 0-8,0-1-8,0-2 8,0 2-8,0-2 16,0 0 8,0 1 8,0-1 16,0 1-8,-2 1 0,0 0-24,2 1 8,0 1-16,0-2-8,0 3 40,-1 1 8,1-1-40,0 2 0,0 3-8,-1 3 0,1-3 16,0 2-8,0 2 16,0-1-32,0 2-16,0-1 16,0-1 16,0 3-16,0-1 0,0 0 8,0 0 0,0-2 0,0 1 0,0-3 0,0 1 0,0 0 0,0-3 0,0 0 0,0 1 0,0-1 16,0-2 8,0 0-8,0 4 8,0-4-32,0 0 0,-3 1-8,2 0 0,1-1 32,-2 1 8,0-1-32,-2 0 8,2 0 0,-2 0 16,1 1-8,-1-1-8,2 2 8,-2-1 8,2 0-8,-3 2 16,3-1-32,-2-1 0,3 0 8,-4 0 16,3 0-24,-1 0 0,0-1 24,0 0 24,-1 2-16,2-2 0,-2 1-8,2 1-16,-3 0 8,1 0-8,1-1 32,0 0 16,-3 0 0,3-1-8,-1 1-24,-2-1-16,4 2 8,-3-2-8,0 0 0,3 0 16,-2 0-24,0 0 0,-1 0 8,0 0 16,3-2-24,-3 2 0,3 0 8,-2-1 16,2 0-24,-2 0 0,1 1-8,-1 0 0,3 0 16,0 0 0,0 0 0,1 0 16,-2 0-24,0 0-16,2 0 16,-1 0 0,-1 0 8,2 0-24,0 0 16,0 0-8,-1 0-16,1 0-48,0 0-16,0 0 56,0 0 16,1 0 0,1 0 16,-1 1 8,1-1 16,1 1-24,-1-1-16,2 0 16,-1 0 16,1 0 0,1-1 16,-2 0-32,2 0-16,0-1 16,-1-2 16,1 3 0,0-1-8,-2 1 8,2 0-8,-2 0 16,0 0 24,0 0 0,1-1 0,-3-1-24,1 2 8,-1 0-16,1-1 16,-1 2 0,-1 0 8,0 0-16,0 0-8,0 0 8,0 0 8,0 0-8,-1 0-8,-2 0-8,0 0-24,-1 0 0,1 0 32,0 0 8,1 0 0,1 0-16,0 2-16,-3-2-8,4 0 16,-2 0 0,0 1-16,0-1 16,-1 1-8,-1 2-16,2-1 0,0-1 24,-2 0 0,3 0 8,-4 0 0,3 0 0,1 1-40,-2-1 8,2 1 0,0 0-8,0 1 32,-2-1 16,0 1 0,-1 0-8,2-1 8,-1 2-8,0-3 0,1 0 0,1 3-24,1-4 16,-3 0 24,3 0 8,0 0-32,-1 0 8,0 0-24,0 0 16,-4 0 8,3 0 0,-1 0-24,6 0 16,-3 0-8,0 0 0,2 0 16,3-3 0,-2 2 0,3-1 0,-1 1 0,-2-4 0,4 4 0,-1-4-24,0 4 16,1-3 8,0 2 0,0-1 16,-1 3-8,-1-3-8,0 3 8,-3-1-8,3 1 0,-4-1 0,2 2 0,-2-1 0,1 0 0,-2 0 16,1 0-8,-1 0 16,0 0-16,0 0 32,0 0-24,0 0 32,0 0-32,0 0-8,0 0 0,0 0 8,0 0-8,0 0-40,0 0 16,0 0-24,0 0 16,0 0 0,0 0 8,0 0 32,0 0-8,0 1-8,2 0-16,-1-1 8,2 0 8,-2 0 0,2 0 0,0 0 0,0-1 32,2 0 16,-3 0-40,2-1 0,-2-3-24,2 3-16,-4-1 0,3 1 24,-2-3 16,1 3 16,0-1-8,-1 0 8,0-1-16,-1-3-8,0 3 8,0-4-8,0 0 0,0 1 16,-1 1-8,0 1 16,-1-1-32,0 2-16,-2 0 16,4 0 16,-4 1 0,2 0-8,-1 2 8,0-1-8,-2 2 0,1 0 16,1 2-8,-3-2-24,3 2 8,-3 1 8,1 3 0,-1-1-40,3 3 24,-2 1-80,2-1 56,-2 0-40,4 2 48,-3-3 16,4 3 16,-2-4 0,4 2 0,-2-1-24,3-2 16,-2-1 8,0 1 0,1-3 16,0 0-8,-1-2 16,2 1-16,1-2 32,-2 0-24,2-4 48,0 2-40,1-3 24,1-1-24,0-4 24,0 5-32,-2-4 48,2 3-40,-4-4 64,3 6-56,-4-3 64,2 3-64,-3 0 24,3 2-32,-6 0 0,3 0-8,-4 0 8,2 3-16,-4-1-24,1 2 8,-2 1 8,1 2 0,-3 2-24,2-1 16,-1 3-32,1 0 24,0-1-24,1 2 16,0-1 16,1-1 8,2-2-40,0 3 24,2-1-24,1-2 16,0-3 0,1 3 8,2-1 16,-2-2 0,1-1 16,2 0-8,-3-1-8,1 2 8,2-4 8,2 1-8,-4-1-8,3-1 8,-2-5 8,5 4-8,-4-7-8,3 2 8,-2-2-8,-1 3 0,0-4 32,1 3-16,-4-1 64,1 5-48,-4 0 24,1 1-32,-4 1-32,1 3 0,-2 3-8,2 1 0,-3 4 32,2 0-8,-1 3-8,3-3 8,-2 3-8,3-1 0,-4-3-40,5 3 24,-2-2-8,3-2 8,-1 1 16,2-4 0,-1-2 0,3 3 0,-2-4 0,2 0 0,1-4 0,-1 2 0,0-4 16,0 0-8,2-3 16,0 3-16,-1-5 16,1 4-16,0-4-8,-1 1 8,0 0 24,-1 4-16,-1-3 64,1 4-48,-2 1 40,1 1-40,-2 2 16,-2-1-40,-1 5-24,0 4 0,0-1 16,2 3 0,-2 0 0,2-1-56,1 1 0,0-1 24,0-1 16,0 0 16,1-1 0,2-2-24,-2 1 0,1-2-8,-1-2 24,2 0 16,0-1 16,2-2-32,-3-1-8,2-4 24,-2 3 8,2-5-24,-1 2 8,0-2 16,-1 0 8,-1 0-32,-1 2 8,0 0 0,0 2 0,0 0 0,0 1 16,0 1-8,-1 2-8,1 1 8,0 2-8,-2 4-24,2-1 0,0 4 16,0 1 16,0 0-16,0 2 0,0-2 8,2-3 0,-1 1-24,0-1 0,0-3-8,2-2 24,0-1 0,1-1 8,-2-1 0,3-1 0,-3-2 0,2-3 16,-3-1-24,0 2 0,0 0 24,2-3 24,-3 1-32,0 2-8,0-2 0,0 3 0,0 0 0,-3 1 0,3 1 0,0 0 16,-1 3-8,0-3-8,1 3 8,-1 3-8,-2 2-24,3 1 0,0 2-8,0 0 24,0-2-16,0 2-8,0-2 0,3 1 24,-3-4-16,1 1 8,-1-2 0,1 3 0,0-4 16,2-1 0,-2-1 0,1-4 0,0 3 0,0-3 0,-1 0 0,0-3 16,1 0-8,-2 2 16,0-1 0,0 1 24,-2 0-8,1 2 0,-2 0-8,-1-1 0,0 2-16,2 1 8,-2 0-32,2 1 0,-3 1 8,3 1 0,-2 2-24,2 0 16,-3 1 24,3 2 8,1 2-48,-1 0 0,0 2 8,1-1 24,-2-1-16,3 0-16,0-2 16,0 1 0,-3-2 24,3 1 8,0-4-32,0 0 8,0-2-16,0 2 0,-1-1 32,1-1-8,-2 2-8,-2 0-16,2 0 8,-3-1-8,2 0-16,0 0 24,2 0 0,-1 1-16,1 0 16,1-2-8,0 0 0,0 0 0,0 0 0,1 1 16,1 0-24,-1 0 16,2-1 8,0 0 0,3-1 0,-1 1 0,-2-1 16,4 0-8,-1-3-8,2 3 8,-2-2-32,1-1 16,-2-2 24,2 4-8,-2-5-8,0 3 8,-1-4 8,1 5-8,-2-2-8,0 1 8,-1-3-8,2 4 0,-4-4 32,1 5-16,-2-3-8,1 2 0,-4-4-8,2 5 0,-1-3 0,1 3 0,-3-3 16,2 2-8,-1-1-8,1 2 8,-2-2-32,2 3 16,-2-2 24,4 3-8,-4-1-8,0 1 8,2 0-8,-1 1 0,-2 1-24,5 0 16,-3 1-32,2 0 24,-2 1-48,1 1 40,0 0 8,0 1 16,1 2 0,2-2 0,-1 1-24,1 2 16,-3-1 8,6-1 0,-3 1 0,1-2 0,-1 0-24,1-2 16,0-1 8,2 3 0,-2-5 0,0 1 0,0-2 0,2 0 0,0-2 16,0-1-8,0-4 16,2 3-16,-2-6 16,2 2-16,-3 0 16,3 0-16,-4-2 32,3 3-24,-3 1 32,0 1-32,-1 1-8,1 0 0,-1 1-8,0 3 0,0-2-24,0 2 16,-1 2-8,1 0 0,-1 4 16,1 2 0,0-2 0,0 1 0,0 0 16,1 0-8,0-1-8,2-2-16,-2 2 8,1-4-8,0 0-16,0 0 40,-1-2 24,0 0-8,-1-2-16,2 1 0,0-1 8,-2-3-24,0 3 0,0-1 8,0 0 16,0-1-8,0-1 16,0 2-16,-2 1-8,0-2 8,1 2-8,0 1-24,1 1 16,-2 3-8,-2 1 0,4-1 16,-1 2-24,2 1 16,-1-1-32,2 2 24,-2-4-8,2 1 8,0 0 16,-1-1 0,-1-3 16,0 1-8,1-1 0,-1-1-8,2 1 0,0-3-24,0 0 16,-2 1 8,2 0 0,-1-1 32,2 2-16,-2-5-8,0 3 0,1-1-8,0 1 0,-2-4 0,0 4 0,-2-4 16,2 3-8,-2-2-24,2 1 8,-1-3 8,0 5 0,-3-3 16,2 1-8,0 0 16,0 2-16,-2-1-8,0 2 8,-2 0 8,4 0-8,-4-1-8,0 3 8,0-1-32,0 2 16,1-1 8,2 3 0,-4-1 0,5 2 0,-4 0 0,1 1 0,1 1 0,2 2 0,-1-1-24,3 0 16,-1 0-8,1 1 0,0-1 16,1 0 0,1-1 0,-1 0 0,1-2 0,-1-1 0,1-2 0,1 2 0,0-4 0,-1 1 0,2-4 0,-2-2 0,2-1 0,-1 0 0,0-5 16,0 4-8,-2-4 32,3 5-24,-2-1 64,-1 2-48,-1-1 24,1 3-32,-1 0-16,0 2 0,0-2-32,0 2 16,-1 2-16,1 2 16,-1 2 8,1 0 0,-2 3-24,-1 3 16,1 1 8,2 2 0,-1-3 0,2 0 0,-1 0-24,1-4 16,0 1-8,2-4-16,-1 0 24,0-2 0,2-1 24,-3 0-8,0-1 16,3-2-16,-3 1 16,0-3-56,0 2 8,2 0 8,-2 1 8,0 1 24,0-2 8,2 1-32,-2 0 8,1 1 0,0-1 0,0 1-24,-1 0 16,0 0 8,-1 0 16,0 1-8,0 0 0,0 0-32,0 0 0,2 0-8,-2 0 24,2 0-40,0-3 0,-2 3 24,0-2 8,0 2-8,2 0 16,-2 0 24,0 0 8,0 0-48,0 0 0,0 0 40,0 0 0,0 0-8,0 0 8,0 0 8,0 0-32,0 0-8,0 0-16,0 0 24,0 0 0,-2 5 8,2-3-24,-2 0 16,2 1 8,0 1 16,0-1-24,0-1-16,2 0 32,-2 1 8,0-1-24,2 3-8,-1-3 8,2 1 16,-2-1 0,-1 3-8,1-3-16,1-1 8,0 1-8,-1 0 0,1-1 16,0 1 16,-2-2-24,0 0 0,2 0 8,-1-2 16,0 1-8,-1-1-8,2 1 8,0-1 8,-1 0-8,0-3-8,1 3-16,0-1 8,-2 1 8,0-3 0,0 3 0,0-2 16,0 2-8,-2-2-8,0 2 24,1-1 0,0 0-32,-1 1 8,0-2-16,1 1 0,0 1 16,1-1 16,-2 1-8,0-1-8,0-1-16,1 1 8,-1 1 8,2-2 0,-2 3 0,1-1 0,0 2 0,-2-2 16,2 1-24,1-1-16,0 1 16,-2-1 16,2 2 0,0-4-8,-2 2-16,0 1 8,0-2 8,1 2 16,1 0-8,0-1-8,-1 1 8,1-1 8,-2 1-8,2 0-8,-2-1-16,0 2-8,1-3 32,-2 3 8,2-1 0,0-1 8,0 2-32,-2 0 0,2 0 8,1 0-24,-2 2 16,-3 2 24,3-1 8,-1 3-32,2-1-8,-2 2 24,0 1 8,2-1 0,0 2-16,0-1-16,-1 1 8,0-1-8,2 0 0,0-2 0,0 1 0,0-2 16,2 1 0,0-4-24,-1-1 16,0-1 24,3-1 8,-1-1-8,-2-4 8,3 4-16,-3-4 16,0 0-16,3-1 16,-3-1-16,0-3-8,0 5 8,2-4-8,-2 2 0,-1 2 16,1 1-8,-1-2-8,0 3 24,0 1 16,0 2-16,0 1-16,0 3 0,0 1-8,0 1-24,0 3 16,0-2 8,0 2 0,0-3-24,1 1 0,2-2 16,-2-1 0,-1 1-16,2-3 16,-2 0 8,0 0 16,0 1-24,0-2 0,0 1 8,2 1 0,0 0 0,-1-2 16,0 3-8,1-2 16,0 0-32,-2 0 0,2 0 8,-2 1 0,0-1 0,0 1 16,0-2-24,0 4 0,2-2 8,-2 0 16,1 1-8,-1-2-8,0 2 8,3-1-8,-3-2-24,0 0 16,0 1-8,0-1 0,0 1 16,0-1 16,0 0-24,1 0 0,0 0 24,-1-1-24,0 0 0,0-4 8,0 1 0,0 0 0,0-3 0,0 1 0,0-2 16,-1-1-8,0 1-8,-2 1 8,0-1-8,1 0 16,-2 2 8,2-1-8,-2 2-16,1 0 8,0 1-8,2 1 0,0 0 0,0 0 0,1 2 0,0-1-24,-3 2 0,2-2 32,1 0 8,-1 1 0,0 1 8,-3-2-32,4 2-16,0 0-8,0 0 0,0 0 24,0 0-56,0 0 40,0 0-24,0 0 24,0 0 0,0 3 8,0-1 16,0 0 0,0 0 0,0 2 0,0-2 0,0 2 0,-1-2 16,1 0-8,-1 1 16,0 1-16,-3 0-24,4 2 8,-3-3-8,3 2 0,-4 1 16,4-1 0,-2 0 16,2 0-8,-2-1-8,4 0 8,-4 0-8,2-2 0,-2-2 16,4 1-8,-2-1 16,0 0-56,0 0-8,0 0 16,0 0 8,0-1 32,0-1 8,0-2-32,2-1 8,-1 0-16,0-3 0,0 0 16,2 2 16,-1-2-8,-1 1-8,-1 0-16,1 0 8,-1 0 8,0 1 16,0 1-24,0 0 0,0 0-32,0 2 8,0 0-24,-1 2 16,0 0-32,-1 1-8,-1 0-16,3 0 0,0 0 56,-2 1 16,-1 1 24,0 1 0,0-1-24,-1 4 16,2-2 8,-2 0 0,2 1 16,-3-3 8,2 2-32,0-1 8,2 0 0,-2 0 16,-1 0-24,2 0 0,1-2 8,1-1-24,0 0 16,0 0-8,0 0 0,1 0 16,1-1 0,-1-1 0,2-1 0,0 1 0,0-3 0,0 2 16,0-3-8,2 2-8,-1 0 8,-2 0-8,2 1 0,-1-3 0,-2 5 16,1-1 8,0 1 40,-1 0 40,-1 0-56,0-1-24,0-1-16,0 3 8,0 0 24,0 0 0,0 0 16,0 0-48,0 0 8,0 0-24,0 0-16,0 0-8,0 3 24,1-1-16,0-2-8,2 1 40,0 0 8,1-1-24,-2 0-8,3 0 24,-4 0 8,0 0-24,0 0 8,2 0 0,-2 0 0,-1 1 0,0-1 16,1 0 40,-1 2 48,0-1-40,0 1-16,-1 3-24,0-2-24,-2 1-16,1 3-8,-3-1 32,3 0 24,-2 1-8,2 0 0,-3 0-24,3 1-8,-1-1 8,1 0 16,1-1-24,-2-2 0,3-1 8,0 3 0,0-4-24,0 1 16,0 0-8,0-1-16,0 2 24,0-3 16,0-1 16,0 0 8,0 0-16,0 0-32,0 0 8,3-1 8,-3-3 16,1 2-24,1-3 0,0 1 8,-1-3 0,0 1 0,0-2 16,-1 0-8,0 2-8,0-2-16,0 1 8,0 2 8,0-1 0,0 2 0,-1-2 0,0 2 16,0-1 8,-1 1-8,0 1 8,1-2-32,-2 2-16,0 0 32,2 1 8,-1-3-24,-2 3 8,3 1 0,0 0 0,-2 1-24,1 0 16,1 1 8,-1 0 0,1 1-24,-1 4 0,1-2 16,-1 3 16,1-1-56,1 3-24,0 3 40,0-2 8,0 3 0,0-1 16,1-2-8,1 0-16,-1-1 24,1-1 16,-1-3-16,1-1 0,-1-1 8,1-3 16,1 0-24,-2 0-16,1-2 32,1-1 24,-2 0-8,0-1 0,0-3-24,2 0-24,-3 0 32,3 1 8,-2-2 16,-1 0 0,0 2 0,0-2 0,-1 2-40,-2-1 8,3 1 0,0 0 16,-3 2-8,2-1-8,1 3 40,0 0 32,-1 1-80,1 0-8,0 1 8,0 0 16,0 2-16,0 2 0,0 3-8,0-1 0,0 2 0,1-1 0,0 1 32,2 1 8,-3 0-8,3-3 8,-2 2-32,1-2 0,0 1-32,-1-2 8,0 0 16,0-2 24,2-1-16,-1-1 0,-1-2 8,0-1 16,-1-1-24,0-2 0,0 0-8,0-2 0,0 2 32,0 0 8,0-2-32,0 4-8,3-3 24,-3 3 8,0 0-40,0 1 0,0-1 8,0 2 8,0-1 8,0 2 16,0 0-8,0 3-24,0 2-8,0-1-8,0 0 24,0 2 16,0-2 16,0 0-32,0 1 8,0-1 0,0 0 0,0 0 0,0-2 16,-3 1-8,3 0-8,-1-1 8,1-2 8,0 0-48,0 0 8,0-2-8,0-1 16,0-1-8,0-3 8,0 2 16,0-1 16,0-1-8,0 1-8,0 3 8,0-3-32,0 4 16,0-5 8,1 4 0,-1-2 0,3 2 0,-3 0 16,1 0-8,-1 0-24,0 0 8,0 0 8,0 3-24,0 0 16,0-2 8,1 2 0,0-2 0,3 1 0,-3-2 0,0 3 0,-1-1 16,0 1-8,0-2 16,1 1-16,-1 0-8,0 1 8,0-1-32,0 2 16,0-2-8,3 1 0,-3-1 16,0-3 16,1 4-8,0-2 0,-1-1 8,1 3-8,-1-2-8,0 2 8,0-1-8,0 2 0,0-1-24,0 0 16,0 0 40,0 0-16,0-1-8,0 1 0,0-2-8,0 4 0,-1-2 16,0 0-8,-3 0-8,2 1 8,-4 0 8,4 0-8,-3 1 64,0-1-40,2 1 24,-1-2-32,-3 0-16,5 0 0,-3 0-8,3 4 0,-4-3 0,3 0 0,-2-1 16,1 0-8,0 0 16,2 0-16,-2 0 32,3 0-24,-4 0 8,3 0-8,0 0-16,0 0 8,1-1 8,0 1 8,-3-1 8,4-3-56,-2 4 0,2 0 8,-1-2-8,1 1 8,-1-2-72,2 2 48,-1-2-144,0 3 104,0-3-88,1 1 96,1 0-16,2 2 56,-3-3 16,2 3 16,0-1-40,3 1 24,-2-1-64,0 2 48,2-1-24,0 0 32,-2 0 0,2 1 8,-1 0 16,-2 2 0,0-2 0,3 1 0,-3 1 0,-1-1 0,3-1 0,-3 0 0,1 0 0,-2 1 0,0-1 0,0 1 0,3-2-24,-3 4 16,0-3 24,0 0-8,-1-1 16,3 0-16,-3 0 16,0 1-16,0 0-8,0 1 8,0-1-8,0 2 0,0-2 16,0 1-8,0 0 16,0-2-16,0 0 32,0 2-24,0-2-8,0 4 0,0-2-8,0 2 0,0-4 0,1 2 0,-1-1 0,1 2 0,-1-2 0,1 1 0,2-1 0,-2 0 0,-1 1-24,2 0 16,0 0 24,0 2-8,-1-1 0,0-1-8,1-1 0,-2 1 0,2-2 0,-2 2-24,2-1 16,-2 2 24,2-1-8,-2-1-8,1 1 8,2-1-32,-2 1 16,0 0 8,1-2 0,0 3 0,-1-2 0,-1 0 0,2 0 0,-2 1 16,2-1-8,-2 0-8,2 0 8,-1-1-8,-1 0 16,0 0-8,0 2-8,0 1 8,0-2-8,0 0 0,0 0 0,0 0 0,0 1 0,0-2 16,0 1-8,-1 1-8,1 0 8,-2-2-8,2 4 0,-2-3-24,2 0 16,-2 0 8,4 1 0,-2-1 0,0 1 0,0-2 16,0 0-8,0 0 0,0 0 56,0 4-32,0-4 40,0 1-40,-2-1-32,2 1-8,-1-1 8,1 1 0,-2-1 0,4 0 0,-4 0 0,0 1 0,0 1 16,-1-1-8,0-1 16,3 1-16,-6-1 16,4 0-16,-4-1-8,2 0 8,-2-2-8,4 1 0,-5-5 0,2 4 0,-2-1 0,5-1 0,-6-1 0,5 3 0,0-4 0,0 3 0,0-1 0,0 0 0,0 0-40,3-1 24,-3 1 24,3 2 0,-3-4 32,3 4-24,-3-1 48,3 3-40,-4-2 8,4 2-16,-3-1-80,3 4 32,-3-2-8,3 2 24,-3 1 16,2 0 0,-4 0 0,4 1 0,-2 0 0,1 1 0,0-2 0,-2 4 0,2-2-24,1 3 16,-2-3-8,3 2 0,-3-3 0,2 3 0,-4-3 16,5-1 0,-2 0 0,2 3 0,-3-4-24,6 0 16,-3-2-8,0 0 0,0-1 16,1 1 0,-1-1 0,1 0 0,1-4 0,1 5 0,-2-5 0,0 3 0,1-5 0,1 2 0,0-4 0,2 3 0,-2-4 0,1 2 0,1 2 32,-3 1-16,0-2 64,1 3-48,-2 0 80,1 2-64,-2 0 40,0 2-48,0-2 0,0 2-24,0 0-32,0 0 8,0 0-8,0 0 0,-2 0 32,2 3-8,-1 0-8,-1 1 8,-1 0-32,2 3 16,-3-2-8,2 0 0,-2 1-88,2 2 48,-4-2-112,6 1 96,-4-1-16,2 2 48,-2-3 8,1 2 16,0-1 16,2-1 0,-3 1 16,4-3-8,-2-1-8,2 3 8,-4-1-8,4-2 0,0-1 0,0 0 0,-2-1 0,2 2 0,-1-2 0,2 0 0,-1 0-24,0 0 16,0 0-16,0 0 16,0 0-64,0 0 40,0 0-24,0 0 32,0-2 32,0 2 0,0-2-8,2 0 8,-2-5-8,5 4 0,-4-1 16,3-2-8,-2 1-8,3-1 8,-4 1-32,2 2 16,-1-3 8,-1 3 0,0-2 16,1 1-8,-2 0-8,4 1 8,-3 0-8,0 0 0,1-1 0,0 3 0,-1-2 0,0 3 0,-1-2 16,2 2-8,-2-3-8,3 3 8,-3-1-8,1 1 0,-1-2 0,1 4 0,-1-4 16,2 2-8,-2 0-24,1 0 8,-1-2-8,2 2 0,-1-1 16,1 1 0,-1-2 0,2 2 0,-2-1 0,1 1 0,-1-2 0,1 2 0,-1 0 0,1 0 0,-2 0 16,1 0-8,-1 0 0,0 2 8,0-1-8,-1 1 32,1 1-24,-2 0-8,1 2 0,-2-1-32,1 3 16,-3-2 8,3 3 0,-2-4 0,2 3 0,-3-2 0,3 0 0,-2 1 16,2-3-8,0 0 32,-2 2-24,2-2 32,2-1-32,-1-2 32,2 0-32,-2 0 32,1 1-32,-1-1 8,2 0-8,-1 0-8,-1 0 8,-1 0-8,-1 0 16,3 0-16,-1 0-8,2 0 8,-2 0 8,1 0-8,-3 0-24,6 0 8,-3 0-8,0 0 0,-3 0 16,1 0-24,4 0 16,-2 0-32,0 0 24,-2 0-8,2 3 8,-2-2 0,2 1 0,-3-2 0,6 0 0,-3 0-24,0 0 24,0 0 8,0 0 24,0 0-8,1 0 0,-1 2-8,1-2 0,1 0 0,1-2-24,-1 2 16,0-2 8,1 2 0,-2-3 0,1 2 0,2-2 16,-2 2-8,0-4 32,0 4-24,-1-2 8,0 2-8,1-2-16,1-1 8,-2 1-8,0 1 0,1 0 0,-1 1 0,1-3 0,-1 4 0,-1-2-24,0 2 16,0-3 40,0 3-16,0-2 8,0 4-8,0-2 8,0 0-16,0 0 0,-1 0-32,1 3 16,-3-1-8,1 3 0,0-3 0,2 3 0,-5-1-56,5-2 40,-2 0-56,2 1 48,-2-2-72,2 2 72,-2 0-56,1-1 56,-4-1 16,5 2 24,-3-2 0,2 3 0,-3-1 0,4-1 0,-2-1 16,2 1-8,-5-2 16,5 2-16,-2-1 16,2 0-16,-4-1-24,4 0 8,-2 0 8,-2 0 0,2 0 0,2 1 0,-4-1 0,4 3 0,-2-3 0,2 1 0,-1-1 0,1 1 0,-3-1 0,6 0 0,-3 0-40,0 0 24,0 0 8,0-1-16,1 0 16,0-3 8,0 3 0,2-4 16,0 3-8,1-4-8,-1 1 8,1 1-32,2 1 16,-4-4 8,3 5 0,-2-4 16,2 4-8,-2-2-24,1 3 8,1-1 8,-1-1 0,-1 1 0,0 2 0,1-2 0,-1 2 0,-2-1 0,1 2 0,-1-1 16,1 0-8,-2 0 80,0 0-40,0 0 40,0 0-48,0 0-32,0 0-16,-2 2 24,2 0-8,-1-2-24,1 3 8,-2-2 8,2 0 0,-3 0 16,2 2-8,-3-2-8,2 1 8,-2 2-32,2-2 16,-3-1 24,3 2-8,-2-2-8,2 3 8,-4-2-8,6-1 0,-3 0 0,2 0 0,-3-1 0,4 1 0,-1-1-24,1 1 16,-1-1 8,-2 2 0,0-2 0,2 1 0,-2-1 0,3 2 0,-1-2 0,1 2 0,-1-2 0,1 2 0,-1-2 0,2 0 0,-1 0-24,0 0 16,0 0-32,0 0 24,0-2-8,0 2 8,0-4 32,1 3-8,0-3-8,2 1 8,-1-6 8,3 5-8,-3-7 16,3 2-16,-2-3-24,3 4 8,-1-3 24,1 3-8,-4 2 16,1 1-16,-1 1-8,-1 1 8,1 1-32,-1 0 16,-1-1 8,3 3 0,-3-2 0,0 0 16,1 4-8,-1-2 0,0 0 8,0 0-8,0 0 0,-1 0-8,1 2 0,-3 1 0,3 1 0,-3-1 0,3 1 0,-1 1-24,1-1 16,-3 0-32,3 2 24,-2-2-64,2 3 48,-1-4-40,0 2 40</inkml:trace>
+  <inkml:trace contextRef="#ctx0" brushRef="#br0" timeOffset="3">570-810 192,'0'-2'88,"0"2"-72,-1 0-16,-2 0-40,6 0 16,-3 0 16,0-1 24,0 1-8,0-1 80,0 2-40,0-1 64,0 0-64,0 0-8,0 0-24,0 0-8,-3 1-8,1 1 0,1 3 0,-3-3 0,1 1 16,-1 0 8,2 2 8,-2-2 0,2 1 16,-3 1-24,1 0-16,0 1-24,-2 1 8,2 2 24,-2-1 8,2 0 8,-1 0 16,1 0-24,-2-3-16,4 0 16,-2 1 16,2-3 0,0 0 0,-1 0-24,3-3 8,0 2 0,0-2-32,-1 0-8,0 3 8,-2-1 16,3-1-40,-2 0 8,1 2 8,1-3 24,-1 3 0,-2-3 0,3 0-32,0 0 16,0 0-80,0 0 48,0 0-72,0 0 64,0 0-152,0 0 112,0-4-136,0 2 128</inkml:trace>
+  <inkml:trace contextRef="#ctx0" brushRef="#br0" timeOffset="4">517-675 320,'0'0'128,"0"0"-96,-1 0-16,1 0 16,-1 0 24,0 4 48,-1-4-56,-1 0-8,-1 2-24,2-1-16,1 0 8,-4 1-8,5-1 16,-3 1 8,0-2-8,1 2-16,1 0 8,-2 0 8,2-2-8,1 0 16,0 0 0,-3 0-8,0 2-8,3-2 8,-2 1-24,2-1 0,-3 2 24,1-2 8,1 1 8,-1-1 16,0 2-40,2-2-24,-3 0 8,1 0 16,-1 1 16,1-1 8,-3 2 0,4-2 16,0 0-24,0 0 0,1 0-32,-2 0 8,2-2 0,0 2 16,0 0-24,0 0 0,0 0-32,0 0 8,0 0-232,0 0-104</inkml:trace>
+  <inkml:trace contextRef="#ctx0" brushRef="#br0" timeOffset="5">491-667 288,'0'0'104,"-1"2"-80,0-2 88,1 0 24,0 0-40,0 0 8,0 0-32,-4 1 0,3 1-24,-1-2-8,-3 4-8,3-2 16,-2-1 8,2 0 8,-3 0-32,2 1-8,0-1 8,1-1 0,-2 2-16,1-1-16,0 2 8,0-2 8,0 0-8,1 0 16,0-1-16,0 1 16,2-1 16,-1 0 32,1 0-32,0 0-8,0 0-16,0 0-8,0 0-48,0 0 8,0 0 0,0 0-8,0 0 32,0 0 0,1 1-16,1-1 16,0 0 8,1 2 16,0 0-8,2-2 16,1 0-32,-3 0-16,2-2 16,2 0 0,-1 2 8,0-1 16,-3 0-24,2 0-16,0 0 48,-2 1-16,1-1 0,-1 1 0,0-3 8,-1 3-8,0-1 16,0 2-16,-1-1 0,-1 0 8,0 0-8,0 0-24,0 0 8,0 0-8,0 0 0,0 0 32,0 0-8,0-1-40,0 1 16,-1-2-24,1 2 16,-2-1 0,2 2 8,-4-1 16,1 0 0,-1 0-24,1 0 16,0 0-8,-2 0 0,0 0 16,3 0 0,-4 0-24,4 0 16,-4 0 24,0 2-8,-1-1 16,1 2-16,-1-3-8,0 1 8,1-1-240,2 0 128,-2 0-344,3 0 248</inkml:trace>
+  <inkml:trace contextRef="#ctx0" brushRef="#br0" timeOffset="6">549-731 128,'3'-5'64,"-2"2"-48,2-2 8,-3 1 24,2 0 24,0-1 16,2-1-24,-3-1 0,0 0-8,1 3 8,0 1-32,-2-2-24,2 1 0,0 0 8,0 2 80,-1-3 56,-1 4-32,0 0 0,0 0-72,0-1-16,0 2-40,0 0 24,0 3-24,-1 2 0,1-1-8,-2 1 0,0 3 0,0-1 0,2 2 48,-2 1 16,0-2-40,2-1-16,0 0-24,-1-1 24,1-1 0,0 3 24,0-2-8,0-3-8,0 2-16,0-3 8,0 2 8,0-4-24,0 0 16,0 0 24,0-1-24,0-3 0,0 1 8,0-1 16,1-2-24,-1 0 0,2-1 24,0-1 8,-2 0-48,0-3 0,0 0 24,0 2 16,0 1-24,0 2-8,0-1 8,0 2 0,2 0 8,0 1 16,-2 1-8,0-2-8,0 3 8,0 0-8,0 1 0,0 0 16,0 1-24,0 0-16,0 0 16,0 1 16,0 0 0,0 1-8,0 0-32,0 3-16,0-2 40,0 2 16,0 2 8,0-1-16,0 2 24,0-1 0,0 2-8,0 2-16,0-4-16,0 1 8,0-1 8,0 0 0,0 0 0,0-1 0,0 0-24,0 0 16,0-1 8,0-2 0,0 2 16,0-1 8,0 0-32,0-2 8,0 2 0,0-2 16,0-2-48,0 0-8,0 3-8,0-3 32,0 0 8,0 0 24,0 0-24,0 0 0,0 0-8,0 0 0,0 0 32,0 0 8,0 0-32,0 0 24,0 0-80,0 0-32,0 0 8,0 0 32,0 0-56,0 0-8,2-3-64,-1-1-16</inkml:trace>
+  <inkml:trace contextRef="#ctx0" brushRef="#br0" timeOffset="7">491-818 416,'-2'0'176,"2"0"-144,-4 1 56,2-1 48,2 1-72,-4-1 40,4 3-64,-3-3 16,2 1-32,-4-1 24,2 1-32,-4 0 32,4 2-32,-5-2 8,3 2-8,-3 1 24,2-2-24,-1-1 8,3 0-8,-1 1-48,4 0 16,-1-2-24,2 0 16,0 0 16,3 0 8,2-2 0,2 0 0,0 0 0,1 0 0,1-5 0,1 2 0,0-4-72,-1 4 40,1-2-80,2 1 72,-1 0-8,-5 3 32,2-1 16,-2 3 0,-3-3 0,3 4 0,-5-1 16,2 1-8,-2 1 0,-2-1-48,1 4 24,-2-2 24,1 1 0,-2 0 16,1 1-16,-3-2-8,2 2 8,-2-2-8,3 2 0,-4-1 0,4-1 0,-4 1 0,1 1 0,0 0 16,3-1-8,-5 1-8,2 3 8,-2-4-8,3 3 0,-5 0 0,3 1 0,-3-1 0,1 2 0,-2-4 0,5-1 0,-4 0 0,3-1-24,1 3 16,1-4-8,2 0 0,1 0 16,1-1-24,0 0 0,0 0 16,1-1 16,1 0-16,2-2 0,1 0 8,1 1 16,0-3-24,2 0 0,1-1 8,-1 3 0,-1-2 16,-2-2 8,2 4-32,-3-2-8,2 0 8,-1 2 0,-2-1 8,1 1 0,-2 2 0,2-2-40,-3 3 24,0-1-136,0 1 88,-1-1-80,3 2 80,-3-1 24,0 0 16,0 0 40,0 0-8,0 0 16,-3 1-16,2 2 0,-1-1 8,-2 2-8,2-2 48,1 0-32,-3-1 96,3 0-64,-5 1 56,4 0-56,-6 0 72,2-2-72,0 3 80,-1-2-80,-1 0-8,1 0-32,0 0-16,1 0 8,0 1-8,3 1 0,-1-3-128,3 0 72,1 0-312,1 0 208</inkml:trace>
+  <inkml:trace contextRef="#ctx0" brushRef="#br0" timeOffset="8">389-775 448,'-3'0'176,"3"0"-144,-5 2 56,1-2 0,4 2-48,-2-2-24,1 3-8,-5 2-8,5-1 0,-3-1 0,4 1 0,-2-4 0,2 2 0,-4-2-40,8 0 24,-4 0-24,2 0 16,2 0 32,0-2 0,2-3-8,0 0 8,4-4 24,-3 3-16,0-1 8,0 1-8,-3 1 112,0 3-72,-2-1 120,1 1-104,-4 2-32,1 2-24,-5 1-40,2 1 16,-4 2 24,3 0-8,-3 2-8,1 2 8,0-3-48,1-1 24,2-1-200,0 1 112,1-3-288,1 1 224</inkml:trace>
+  <inkml:trace contextRef="#ctx0" brushRef="#br0" timeOffset="9">490-698 128,'0'0'64,"0"0"-48,0 0-24,0 0-16,0 1 16,0 0 0,1 0 8,2 0-24,0 1 16,1-1 8,-2 0 0,4-1 0,0 2 0,0-2 16,1 0-8,0-2-24,1 2 8,-2-1 24,3 0-8,-3-2 16,0 3-16,-1-2 32,-1 2-24,1-1 184,-3 2-104,-2-1 152,2 0-144,-4 0-32,2 0-48,-2 0-24,0 0 8,-4 0-32,2 2 16,-3 1-8,3-1 0,-2 2 16,0-1 0,0-1-24,4 1 16,-4 1-8,5-1 0,-3-2 32,3 0-8,-2 0-8,3 0 8,-2 1-48,4 1 24,-2 0 8,0 0 8,0-1-24,2 1 16,-1-2 24,0 2-8,1-3-8,1 0 8,0 0-32,1 0 16,-1-3 8,1 2 0,2-2-24,0 3 16,-2-2 8,3 1 0,-3-4-144,2 5 80,-3-2-184,0 2 136</inkml:trace>
+  <inkml:trace contextRef="#ctx0" brushRef="#br0" timeOffset="10">631-716 416,'0'0'176,"0"0"-144,-3 2-32,0 1-40,3 0 16,-1 1 24,0-1 8,-3 4 16,4-2-16,-2 0-24,2 0 8,-5-2-8,5 2 0,-1-4 32,1 2-8,-1-3-96,2 0 56,-1 0-152,0 0 104</inkml:trace>
+</inkml:ink>
+</file>
+
+<file path=ppt/ink/ink2.xml><?xml version="1.0" encoding="utf-8"?>
+<inkml:ink xmlns:inkml="http://www.w3.org/2003/InkML">
+  <inkml:definitions>
+    <inkml:context xml:id="ctx0">
+      <inkml:inkSource xml:id="inkSrc0">
+        <inkml:traceFormat>
+          <inkml:channel name="X" type="integer" max="2.14748E9" units="cm"/>
+          <inkml:channel name="Y" type="integer" max="2.14748E9" units="cm"/>
+          <inkml:channel name="F" type="integer" max="8192" units="dev"/>
+        </inkml:traceFormat>
+        <inkml:channelProperties>
+          <inkml:channelProperty channel="X" name="resolution" value="1000" units="1/cm"/>
+          <inkml:channelProperty channel="Y" name="resolution" value="1000" units="1/cm"/>
+          <inkml:channelProperty channel="F" name="resolution" value="1" units="1/dev"/>
+        </inkml:channelProperties>
+      </inkml:inkSource>
+      <inkml:timestamp xml:id="ts0" timeString="2019-12-14T15:18:00.618"/>
+    </inkml:context>
+    <inkml:brush xml:id="br0">
+      <inkml:brushProperty name="width" value="0.14092" units="cm"/>
+      <inkml:brushProperty name="height" value="0.14092" units="cm"/>
+      <inkml:brushProperty name="color" value="#FFA500"/>
+    </inkml:brush>
+  </inkml:definitions>
+  <inkml:trace contextRef="#ctx0" brushRef="#br0">-139-610 288,'0'-2'128,"0"2"-96,-2 0 40,-2 0 32,4 0-56,-2 0-8,0 0-24,-3-1 8,4 1-16,-4-1 48,4 1-32,-5-1 24,4-3-24,-2 2 0,1 1-8,0-1 8,2 0-16,-3-1 48,3-2-32,-2 2 24,3 0-24,-4-1-32,4 0 0,-1 1 8,1 0 0,-2-3 16,2 4-8,-1-3-8,2 1 8,-1-2 24,0 2-16,0-4 64,2 3-48,-1-2 24,3 3-32,-2-3-16,0 2 0,2-2-32,0 3 16,0-3 8,1 5 0,1-4 16,-3 4-8,2-3-8,2 4 8,-1-3 24,1 2-16,0-1 8,0 1-8,0 0 8,2 2-16,-3-2 16,1 2-16,0-3 32,0 3-24,-2 0 8,1 0-8,-2 0 8,3 3-16,-3-3 16,3 1-16,-2 0 32,1 0-24,-3 0-8,2 1 0,1-1-8,-1 3 0,-3-3 16,3 2-8,-3-1-8,2 2 8,-3-2 56,0 2-32,0-2 64,1 1-64,0 1-8,0 1-16,-2-3 8,2 3-8,-2-1 16,0 0-16,0 1-24,1-2 8,1 2-8,-1-2 0,-1 2 32,2 0-8,-1-2-8,1 1 8,-1-2 8,1 3-8,0-2 16,-1 1-16,1-2-8,-1 1 8,1-1-32,-1 1 16,1-1 8,-1 0 0,2-1 0,-2 0 0,1 2 0,-1-1 0,1-1 0,-1 0 0,1 0 0,-1 1 0,1-1 0,1 0 0,-1-1 0,1 1 0,-2-1-24,4 1 16,-3-1 8,2 0 0,-2 0 16,2 0-8,-1 0-8,1 0 8,-2 0 8,2 0-8,-2 0-8,4 0 8,-4-1-8,3 1 0,0-1 48,-3 2-24,2-2 24,-2 1-24,0-1 0,2 1-8,0-1 8,-1-1-16,1 0-8,1 2 8,-2-3 8,-1 3-8,1-4 16,1 4-16,-1-2 48,0 2-32,-1-3 24,2 3-24,-3-3 0,1 3-8,-1-4-16,0 4 8,1-2-8,0 2 0,-1-2 16,0 2-8,3-3-8,-3 3 8,0-3-8,0 3 0,2-4 0,-1 4 0,-1-2 0,2 1 0,-1-3 0,-1 4 0,0-3 0,0 3 0,1-3 0,0 3 0,-1-3 0,0 3 0,2-4 16,-1 4-8,-1-2-8,0 2 8,2-3-8,-2 3 0,-1-3 0,0 1-24,1 2 16,0-4 8,2 4 0,-3-2 0,2 2 0,-2-2 0,2 2 0,1-4 16,-2 4-8,-1-1-24,0 1 8,0-1 8,1 2 0,-1-1 16,0 0-8,0 0 16,0 0-16,0 0 0,0 0 8,0 0-8,0 0 0,0 0 8,0 0-8,0 0 16,0 0-16,0 0 0,0 0-32,0 0 16,0 0-8,0 0 0,0 0-8,0 0 16,0 0 24,0 0-8,1 0 0,2 0-8,-2 0 16,-1-1-24,0 1 0,0 0 24,0 0-8,0 0 0,0 0-32,0 0 16,0 0 24,0 0-8,0 0 16,0 0-32,0 0-16,0 0 16,0 0 16,0 0 0,0 0 16,0 0-16,0 0-24,0 0 8,0 0-8,0 0 0,0 0 32,0 0-24,0 0-16,2 0 32,-2 0 8,0 0 0,0 0 8,0 0-16,2 0 0,-2-3 24,0 3 40,0 0-40,0 0 0,0 0 0,0 0 0,0 0-16,0 0 8,0 0 0,0 0 8,0 0-16,0 0 8,0 0-16,0 0 0,0 0-32,0 0 16,0 0-16,0 0 16,2 0 24,-1 0-8,0 0-8,-1 0 8,2 0-32,-1-2 16,1 2 8,-2 0 16,0-1-24,1 1 0,2 0 8,-3 0 16,0 0-8,1 0-24,-1 0 8,2-1 8,-1-2 0,0 3 0,-1 0 0,1 0 0,-1-2 0,3 1 16,-2-2-8,-1 2-8,0 0 8,2 0-8,-2-1 16,2-2 8,-2 2-32,0-2 8,0 2-40,0 1 8,0-2 16,0-1 24,0 1-40,0 1 8,0 0 8,0-1 24,0 0-16,-2-1 0,2 2-8,-2-1 0,2 0 32,-1 0 8,1 0-8,-3 1-16,2-2-16,1 2 8,0 0 8,0-1 0,0 1 16,0-2-24,0 4-16,0-2 16,0 0 16,0 1-16,0-1 0,0 1 8,0 0 0,0 0-24,0 0 16,0 1-8,0 0 0,0-3 16,0 2 0,1 0-24,2-1 16,-2-1 8,1 2 16,1 0-24,0 0 0,0-2 8,0 3 16,1-3-8,-1 3-8,0 0-16,0-2-8,1 2 16,0 0 16,-3 0-16,0 0 0,3 0 8,-2 0 0,0 0 0,2 0 16,-2-2-24,1 2 0,-1 0 8,0 0 16,3 0-8,-3 0-8,2 0 8,-1 0-8,1 0-24,-2 0 16,2 0 8,-2-1 16,3 1-8,-2 0-8,0 0 8,1 0 8,2 0-8,-3-1-8,0 0 8,3 0-8,-1 1 16,-1-3 8,2 3-8,-2 0-16,2 0-16,-2-1-8,0 0 16,-2 1 0,3-2 8,-3 2 0,2 0 0,-2 0 0,1 0 0,0 0 16,0 0-8,0 0 16,-2 0-32,0 0 0,0 0 8,4 0 16,-4-3-8,0 3-8,2 0 8,-2 0-8,0 0 0,3 0 0,-2 0 0,0 0 0,2 0 0,-1 0 16,-1 0-24,1 0 0,1 0-8,-2 0-16,0 0 40,2 0 8,0 0 0,-1 0-16,0 0 8,0 0-8,1 0-24,-1 0 0,0 0 32,0 0 8,-2 0 0,1-1-16,0 1-16,0 0 8,-1 0 8,2 0 16,-1 0-8,0 0-8,-1 0 8,1 0-8,2 0-24,-2 0 16,1 0 8,0 0 16,1 0-24,-1 0-16,-1 0 32,2 0 8,-1 0-24,1 0-8,-2 0 8,2 0 16,-2 0 0,3 0 16,-3 0-16,2 0-8,0 0 8,0 0-8,1 0-24,-3-2 16,2 2 8,-1 0 16,1 0-8,-2 0-8,3 0 8,-3 0-8,2 0 0,-3 0 0,0 0 0,1 0 16,-1 0-8,2 2-8,-2-1 8,-1 2-8,0-3 0,2 3 16,-2 1-24,1-2-16,-1 2 16,0 1 16,0-1 0,0 1-8,0 2 8,0-3 8,0 3-8,0-2-8,0 1-16,0 0 8,0-1 8,0 1 0,0-2-24,0 1 0,0-2-8,0 2 24,0-1 0,0 1 8,0-1 16,0-1 8,0 0-8,0 1-16,0-1 8,0-1-8,0 0 0,0 2 0,0-2-24,0 2 16,0-1 8,0 0 0,0-1 0,0 2 0,0-2-24,0 0 0,0 2 16,0-2 16,0 1 0,0 2-8,-1-1 8,1-1 8,0 3-24,-2-2 0,2-1 8,-1 2 0,1 0 0,0-3 0,-3 0 0,3 2 0,-1-1 16,-1-1 8,1-1 8,0 0-16,-3 0-16,2 0 8,-3 2 8,3-1-8,-2-1-8,1 0 8,-2 0-8,1 1 0,0-1 16,-2 0-24,1 0 0,-2 0 8,1 3 0,1-4 0,-2 0 0,4 2 0,-3-2 16,1 0-24,-2 1 0,4-1 8,-2 0 16,0 2-8,0-2-8,0 1 8,1-1-8,-1 0-24,0 1 16,2-1 24,-2 1 8,0-1-32,3 1-8,-2 0 8,-1-1 0,2 0 8,-1 4 0,1-4 0,-1 1 0,2-1 0,-2 1 0,2-1 0,-3 0 0,3 0 0,-2 1 16,1-2-24,0 1 0,0 0 8,1 0 0,-2 0-24,2 1 16,-3-1 24,0 0 8,0 2-32,1-2 8,-1 0 0,0 1 0,0 0 0,1 1 0,-4-2 16,5 3 8,-2-2-32,0 0-8,2-1 8,0 0 0,0 0-16,-2 0 16,4 0 24,0 0 8,-3-1-8,3 1-16,0 0-16,-3 0-8,2-1 32,1 1 8,-3 0-24,2-3-8,-3 3 8,4 0 0,-2 0 8,1 0 16,0-2-24,1 2 0,0 0 8,-2 0 16,1-1-8,1 1-8,0 0 8,-2 0 8,2-1-24,0 1-16,0 0 16,-3-2 0,4 2 8,-2 0 0,2 0 16,-2-1-24,2 1 0,-1 0 8,-1-1 16,1 0-24,1 1 0,-2-4 8,2 3 0,-1 0 0,-1 0 0,0 0 0,0 0 16,1 1-8,-1-2-8,1-1 8,-1-1-8,2 3 0,-1 0-24,1 0 16,0 0-8,0-1-16,0 1 24,0 0 0,0 0 8,0-1 16,0-1-8,0 3 16,0 0-16,0-1 16,0 0-32,0 0 0,0 0 24,0-1-8,0 1-8,0-1-16,0-2 8,0 3 8,0 0 16,0-1-8,0-1-8,0 0 8,0-1-8,0 2 16,0 1-8,0-3-8,0 2 8,0-2 40,0 2-24,0 0-24,0-1-8,-2 1-32,2-1 64,0 0 32,0 1-24,-1-2-16,1 2-8,0 0-8,0-2 0,0 2-24,0-1 16,0 0-32,0-1 8,0 4 16,0-2 8,0 1 24,0-2 8,0 2 8,0 0 16,0 0-24,0 0 0,0 0-24,0-1-8,-2 0 8,2 2 16,0 0-8,0 0 0,0 0 8,-2 0-1192,2 2 648</inkml:trace>
+  <inkml:trace contextRef="#ctx0" brushRef="#br0" timeOffset="1">267-819 320,'0'1'128,"0"-1"-96,0 0 8,0 0-8,0 0-16,0 0-32,0 0 8,0 0 40,0 2-16,0 2 32,0-1-32,0 2-24,1-1 0,1 3 8,-1-1 0,2 2 16,-2 0-8,1-2-8,-1 3 8,1-2-8,-1 3 0,1-5 0,2 5 0,-3-3-24,3 0 16,-3 0 8,0-2 0,0-1 0,2 0 0,-2-1 0,1 0 0,-1-2 0,2 1 0,-2-2 16,0 0-8,0-3 32,0 0-24,1-4 8,1 4-8,-3-5 56,0 1-40,0-4 8,0 5-24,0-4-48,0 0 16,0 0 8,0 3 8,-3-3 0,1 5 0,0-3 32,1 5-16,-3-1 8,3 0-8,-5 1-32,5 2 8,-1 0 8,-1 1 0,-2 0 0,4 2 0,-4 1 0,4 1 0,-2 1 0,0 1 0,0 1 0,2 0 0,-2 1-24,3 3 16,-2-1 8,2 2 0,0-3-24,2 2 16,-2-1 8,1-1 0,1-1 0,-1 1 0,1-4 0,2 1 0,-3-2 0,1 2 0,-1-3 0,1 0 0,-1-3 48,1 3-24,-1-6 112,2 2-72,-2-4 24,3-1-56,-2-5 40,3 0-48,-2-2 8,1-1-16,-2-1 8,1 2-16,0-1-8,-3 4 8,0-1-8,2 3 0,-4-2 32,2 7-16,0-3-8,0 1 0,-5 3-8,4 2 0,-1 0 0,1 2 0,-5 1 16,5 1-8,-4 3-24,4 3 8,-3 1 8,4 1 0,-1 0 0,1 3 0,0-1 0,1-2 0,0 0 0,2-2 0,-2 1-24,0-3 16,0 0-8,2-3 0,-2 0 0,1-1 0,-1-3 32,2 2-8,-2-6 16,0 2-16,0-6 16,0 3-16,1-8-24,1 1 8,-3-2 8,0 0 0,0-1 16,0 3-8,-3-2-8,3 2 8,-3 0 8,2 3-8,-1-1 16,-1 4-16,-1-3-8,1 5 8,0-2 8,0 3-8,-2 0-24,4 2 8,-2 2-8,1 2 0,1 2 16,1 3 0,-2 1 0,4 1 0,-2 1 0,1 2 0,1 2 16,-1-3-8,1-4-24,-1 1 8,2-2 8,-2-4 0,0 1-24,2-1 16,-2-6 8,0 0 0,0-3 16,2-2-8,-2-3-8,1 1 8,-2-3-8,0 1 0,-2-2 0,2 5 0,-1-3 16,1 3-8,-4 0-8,3 0 8,-3 0 8,4 4-8,-2-1-8,2 1 8,-4 1-8,4 2 0,-3 0-24,3 1 16,-2-1-8,4 2 0,-2-1-24,0 0 24,0 1 8,1 1 8,-1 2 0,2 1 0,-1-2-24,3 2 16,0-2 24,-1 0-8,3-2-8,-1 1 8,0-2-8,3 0 0,-1-1 0,1 0 0,-1-2 16,4 0-8,-3-2-8,-1 4 8,0-2-8,-1 0 0,-2 1 16,1 2-8,-4-2 16,1 2-16,-2-2 32,0 4-24,-3-2-24,1 0 0,-3 0-32,1 0 24,-7 0-8,6 0 8,-5 0-24,4 2 24,-5-2 8,4 0 8,-2 0-24,1 2 16,2-2-8,0 3 0,0-3 32,1 1-8,0-1-24,2 0 8,0 0-48,3 0 32,0 0-8,1 0 16,-1-1 32,3 1-8,0-3-8,5 3 8,-2-4-32,1 2 16,-1-1 24,4 2-8,2-4 16,0 2-16,-2-1-24,0 2 8,-2-3 24,-1 4-8,0-3 48,-2 4-32,-4-2 24,2 2-24,-3-1 24,0 1-32,-3-3-8,2 6 0,-4-3-32,0 0 16,-3 0-8,2 2 0,0-1 0,-1 3 0,-1-3 32,1 0-8,0 0-8,2 3 8,-2-3-32,5 0 16,-3-1 8,2 1 0,0-1 0,2 0-24,2 0 16,-1 0-32,0 2 24,0-2 8,3 2 8,0-2 0,4 0 0,0-2-24,-1 2 16,0-2 24,3 2-8,-3-2 32,2 1-24,-4-3-8,3 4 0,-3-2-8,0 2 0,-2-1 64,1 2-32,-3-2 40,2 1-40,-5-3-16,1 6-8,-3-3 8,0 0-8,-3 0-8,4 1 8,-6 0-8,4 0 0,-2 2-24,2-1 16,-4-1-8,7 0 0,-7-1 16,7 0 0,-4 0 16,3 2-8,1 0 16,0-1-16,-2-1-24,4 0 8,-2 0-8,3 0 0,-2 0 16,1 0-40,2 0 24,-1 0-8,0 0 8,0 0 32,2 0-8,-1 0-24,2 0 8,0-1-8,-1 1 0,2-2 16,1 2 0,-1-2 0,2 2 0,0-1 16,0 0-8,-1-1 32,-2 2-24,2-3-8,-3 3 0,1-1-32,-1 2 16,-1-1 24,3 0-8,-4 0 32,1 0-24,-2 0-8,-3 0 0,2 0-32,-2 0 16,1 0 8,-1 0 0,-3 0 0,2 0 0,-2 0-24,4 0 16,-4 0 8,3 0 0,1 0 0,-1 3 0,-1-2 0,3 0 0,-2 0 0,2 2 0,-2-1-24,3-1 16,-1 1 24,2-2-8,-1 4 16,-1-1-32,1 3-16,-1-1-8,1 1 24,1 0 0,0-2 24,0 3-8,0-2-8,0-1-16,0 1 8,0-1 8,1 2 16,1-3-24,-1 1-16,1-1 16,1 2 0,1-3-16,-1 0 16,0-1 8,0 0 16,1-1-8,-2 0-8,2-1 8,-2-2 8,2 1-8,-2-4 16,2 2-32,-3-1 0,0-2 24,0 2 8,-1-2-8,0 2 8,0-2-32,0 3 0,-1-4 8,0 2 0,0-1-24,-2 3 16,2-1 24,-1 3 24,2-1-32,-1 0-24,1 2 8,0 1 16,-3 0-16,2 0 0,1 0 24,0 0 8,0 0-32,0 0-8,-1 2-16,1 3 0,0 1 24,0 1 16,0 1 0,0 1-8,1 1 8,-1-2 8,1 3-24,-1-1 0,0-2-8,0 3 0,0 0 16,0-2 16,0 0-24,0-1 0,0 0 8,0-4 16,3 1-8,-3-1-8,0-2-16,1-1-8,1-1 16,-1-1 0,2-3 8,-2-3 16,1 0-8,1-2-8,0-1 24,-1 0 0,1-1-8,-3 3-16,0-1 8,0 3-8,-3-2 0,1 0 0,-3 3 0,3 1 0,-3-2 16,2 4 8,-2 0-32,0 0 8,0 2-16,1 2 0,-1 0 16,0 4 0,2-1-24,0 1 16,0 2-8,0 0 0,1 0 16,2 3 0,0-1-24,0 0 16,2-2 8,-2 0 0,3 0 0,0-1 0,0 0 0,0-2 0,1 0-24,-1-1 16,0-1 24,0-1 8,2-1-32,-1 2 8,-2-3 0,2 0 0,0-3-24,0 2 16,-1-1 24,2-2 8,-3-2-8,2-1 8,1-2-16,-2-1-8,1 0 8,-2-2-8,2 2 0,-2 0 16,-1-1-8,3 0 16,-3 1-16,-1 1 16,0 0 0,0 2 8,0 1-40,0 1 8,0 3 0,0-2 0,-1 3 0,-3 2 0,2 5 0,-2-1 16,2 2-24,-3 1 0,3 4-8,1 2 0,-2 1 0,2 2 0,0-2 16,1-1 0,0-1 0,1-1 16,0-4-8,2-1-8,0 0 8,1-2-8,-2-1-24,2-4 0,-2 0 32,3-2-8,-3-4 0,2-1 8,-2-4 8,2 1-8,-2-4-8,-1 1 8,-1-2-8,0-1 16,-1 2 8,-1 1-32,0 2-8,-1 0 8,2 5 32,-3-1 24,2 3-40,-4-1-16,1 3 0,-1 0 16,-1 2-56,0 2 32,0 2 0,1 2 16,-2 2 0,3-2 0,-2 4-40,4 0 24,-1-2-48,0 3 40,2 1-8,2-1 16,-1 0 16,2-2 0,-1 2 16,2-2-8,-1 0-8,3-1 8,-2-2-32,1-2 16,-2 3 24,2-2-8,0 1-24,-2-3 8,0 0 8,2-1 0,-2-1 16,0 4-24,-1-5-16,0 1 16,1-1 0,2 0 8,-2-1 0,2-3 16,0 2 8,-1 1-8,0-3 8,0 1 16,1-1 16,-3 1-8,2-1-8,1 0-8,-2 0 16,0 2-24,-1-1-16,0 0 0,0 2 8,0-1 8,0 1-32,0-1 8,-1 1 16,0 0 8,-4 0-8,2 1-16,0 0-16,2 0 8,-1 0 8,-2 1-56,2 0 0,1 2-16,-2 0 24,3 0 32,0 0 8,3-1-16,-2 0 16,2 1-8,2 0 0,-1-3 16,4 1 0,-2-1-24,2-1 16,-1 0 8,2-1 16,-1-2 24,0 2 32,-1-2 0,-1-1 0,-2 1-8,1 0 16,-2-3-8,-1 4 0,-2-1-40,0-1-8,-2 2-8,-1 1 8,0-1-32,-2 3 0,-1 0-8,-2 0 0,0 4 16,0-1 16,-1 1-24,2 1-16,0-1 16,1 0 16,0 1-56,1 0-24,3-1 0,1 2 24,1-3-16,0 3 24,1-2 24,0 0 8,2 0 8,0-2 0,2 1 0,-2-1 16,3-1-8,0 0-8,0-1-16,1 0 8,1-1 8,0-1 0,1-2 32,-2-2 16,1-1 0,0-1-8,-1 0-24,-1 0 8,0-2-16,-4 3 16,2-2-16,-3 2 16,-1 1 0,0-1 8,-1 2-16,-3-1 8,2 4-16,-4 1-8,1 0-16,0 1-8,-1 2 16,0 3 16,-1-1-16,2 1 0,-1 1-48,3 1 0,0 0 24,0 1 16,1-1-8,0 2 0,2-3 16,2 2 0,0-4-16,-1 2 16,2-2 8,0-2 0,-1 0-24,3-2 0,0 0 16,-1-2 16,0 0 0,0-2 16,1-3 0,0 2 24,-2-2-40,1-2-8,-2 1 0,-1-2 16,3 0 8,-4-1 24,0 4-24,-4-1-16,2 3 0,-2-1 8,0 3-8,0 1 16,0 2-32,-1 1 0,0 1-8,1 5 0,0-1 0,2 5 0,-3-2 0,3 0-16,0 1 0,1-2 24,1-1-16,0-1 8,0-2 0,1 1 0,1-2 16,-1-1 16,0-2-24,0 0 0,4-2 8,-2-3 16,-1 1-8,-1-1 16,0-4-16,1 2-8,0-2 8,-2 1-8,0-2 0,-2 4 0,0-1 16,0 0 24,-2 0-32,2 4-24,-3 0 8,3 2 0,-3 2 24,0 3 8,2 4-48,0 0 0,0 2 8,-2 1 8,3 0 8,1 0 16,-2-3-24,2-1 0,1-1-8,0-2 0,0 0 0,1-2 0,2-2 32,-2-1 8,1-2-8,3-5-16,-2-2-16,0-2 8,0 2 8,1-2 16,-3 0-8,1 0 16,-2 1 0,0 0 8,0 4-16,-2-2-16,1 3 24,-1 1 0,-2 3-32,2 1-8,-2 1-16,-2 2 0,3 4-48,-2 2-16,0 4 40,-1 1 24,3 0 24,-2 1 8,5-1-24,-3-1 16,3 0-8,0-3 0,0-3 16,3 0 0,-3-2-24,2-2 16,1 3 8,-2-5 16,0-5-24,3 4 0,-1-4 24,1-1-8,-2-2-8,3 1 8,1-5-8,-2 4 0,0-3 0,3 1 0,-2-2-24,-2 4 16,3-1 8,-1 2 0,-2-2 0,1 5 0,-3-1-24,2 3 16,-1-4 24,-1 5-8,1-2-8,-1 3 8,1 0-32,2 3 16,-2-1 8,2 3 16,-2 1 8,2-1-48,-2 1 0,2 0-64,-3 1-8,0-2 16,0 3 32,1-3 24,-2 1 32,3-1 16,-3-3 8,0 0-56,0 3 0,0-5-32,0-2 16,0-2 24,0-1 8,0-2 8,-3 1 16,1-2 8,1 1 8,0-1-40,-3 2 8,1-2 0,-3 1 0,1 1 0,0 1 0,2 0 16,0 1 24,0 2-32,0-1-24,-1-1 8,2 1 0,1 2-16,0 0 0,1 0 16,0-2 0,1 1-16,0 1 16,3-1 8,-1 0 16,2 1-8,-1 0-8,2 0-16,0 0 8,0-2 8,-3 2 0,2 1 0,1 0 16,-3 1 8,2 2 24,0-2-8,-3 0 0,2 1-48,-2 2 8,-1-1 16,3 0 8,-4-1-8,0 0-16,0 2 8,0-2 8,0 1-8,0-2 16,0 0-16,-5 0-24,4 2 8,-4-1 24,3 1-8,-8-2-8,7 2 8,-8-2-32,4 0 16,0-1 24,0 1-8,0-1-8,2 0 8,-1 0-32,1 0 16,0 0-8,4 0 0,0-1 0,2 1 0,0-1 16,5 0 0,-1-2 0,2 2 0,-1-4 16,2 2-8,0-3 16,0 0 16,-2 3 16,1-1-48,-1-1 0,0 1-8,-3-1 16,2 3 8,0-2 8,-3 2-16,2 1 8,-2 0-32,0 1 0,0-3 8,0 3 16,-1 0-24,1 0-16,0 0 16,-2 0 16,0 0 0,0 0 16,0 0-16,0 0 0,-2 0-8,0 0 0,-1 3 16,-1-1-8,-1-1-8,2 3 8,-2-3-8,3 1 0,-4 1 0,1-2 0,0-1 0,4 1 0,-1-1-40,2 0 24,-3 0 8,6 0 8,-3 0-24,2 0 16,2-1 8,-2 1 0,4-1 16,-1-2-8,-2 1-8,4 1 8,-2-3-8,2 3 0,-2-1-24,-2 2 16,1-3 8,0 3 0,-2-2 32,-1 2-16,0-1 8,1 2-8,-2-1 8,0 0-16,-2 0-8,1 0 8,-4 0-48,2 0 24,-2 0-8,3 0 8,-3 0-24,1 2 24,-3-2-8,4 0 8,-4 3 0,2-1 0,-2-1-24,2 3 24,-2-3-64,5 1 48,-4 1-24,1-1 32,3-1-40,1 2 40,-2-1-8,3-1 16,3-1 16,-1 2 0,4-4 0,-1 2 0,-2-3 0,4 1 0,-1 0 16,2 1-8,-2-4 16,1 4-16,-2-4-8,1 4 8,-3-1 24,0 2-16,-2-3 8,1 3-8,-2-3 24,3 3-24,-3-4 64,0 4-48,-3-2 24,3 2-32,-2-1-48,1 1 8,-4-1 8,4 2 8,-5-1-24,4 1 16,-4 0 8,2 0 0,1 2 32,0-1-16,0 0-24,-1 2 0,1-3-8,0 1 0,2-2 0,1 3 0,-1-3 0,2 0 0,0 1 16,2-1 0,-1 1 0,3-1 32,-2 0-16,2-1 32,0 1-32,1-1-8,0-2 0,-1 1 8,-1 2-8,-2-1-8,4 1 8,-2-1 8,-2 1-8,0-3 32,0 6-24,-2-3 64,2 0-48,-4 0 40,2 0-40,-4 0 0,3 0-16,-4 0-32,2 0 8,-2 0-8,3 0 0,-5 0 16,2 1 0,-2 0 0,2 0 0,-1 0 0,0 3 0,0-3-24,4 0 16,-4 2-8,4-1 0,-2-2 0,4 1 0,-1-1 0,1 0 0,-1 0 0,2 0 0,-1-1 16,1 0 0,2-4 0,-1 3 0,-1-3 16,4 3-8,-3-3-8,2 3 8,-3-3-8,0 4 0,0-3 0,3 3 0,-3-1 0,0 2 0,-1-1 0,0-2 0,0 6 0,0-3-24,0 0 16,0 0-8,0 1 0,-1-1-24,1 2 24,-1 2-24,-3-2 16,2 0 16,2 2 8,-4-1-24,4 1 16,-2-2 24,2 2-8,-1-2-24,2 2 8,-1-2-32,0 2 24,0-1 24,0-1 0,0 2-8,0-2 8,0 1-32,0 1 16,0-1 8,1 0 0,0 0 16,2 2-8,-3-2 16,1-1-16,-1 0-40,1 2 16,0-2-8,3-1 8,-3 1 32,0-1-8,0-2 32,2 1-24,-2-3-8,0 1 0,-1-3 24,0 2-16,0-5 64,0 4-48,-1-3 24,1 2-32,-4-1-16,3 3 0,-1-2 24,-2 3-16,1-2-24,-1 3 0,-1 1-32,2 1 24,-3 3 8,0 1 8,0 4 0,4 0 0,-4 5-24,5-1 16,-2 0 8,3-1 0,0-2 0,1 3 0,1-4 0,-1-2 0,1-3 0,2 0 0,-2-4 0,3-1 0,0-4 0,-2-2 0,1-4 16,-2 5-8,3-5-8,-3 0 8,-1-2-8,3 4 0,-3-2 16,0 2-8,-1-2-8,4 7 8,-4-4 8,0 3-8,-4 0-8,4 3 8,-1-2-8,1 3 0,-1 0-24,0 1 16,-2-1 8,3 2 0,-1-1 16,0 2-8,-3 3-24,2 1 8,-1-1-8,0 3 0,1-2 16,2 2 0,-1-1 0,1 0 0,0-4-24,1 4 16,-1-4-8,1 0 0,0-1 0,2-1 0,-2-2 32,1 1-8,0-2 16,2 1-16,-3-2-24,0-2 8,2-2 24,-2 3-8,0-4 16,0 2-16,-1-1-24,0 4 8,0-3 8,0 1 16,0 2 8,-1-2-8,1 1-16,-1 2 8,0 1-8,-2 0 0,1 1 0,-2 1-24,1 0 0,1 1-8,-3 2 0,0 1 0,2-2 24,-2 3-16,1 0 8,1-1 16,0 2 16,0-3-24,1 1-16,2 0-8,0-2 24,2 2-16,-1-3 8,2-1 16,0 1 16,1-4 8,0-1 24,1-2-40,1 0-8,-1-1-16,-3 0 0,1-3 32,1 2 8,-2 2-8,1 0-16,-2-1 8,0 1 8,0 2-24,3-2 0,-3 3 8,0-2 0,-1 2 16,0 1 24,0-2-32,0 2-8,0 0-16,0 0-16,0 1 24,0 0 0,0 0-48,0 2 0,0 2-16,0-1 24,1 2 16,2-2-8,-2 3 8,0 0 24,0-1 16,3-2 16,-4 1-8,0-1-16,0 0 8,0-1 8,0 0-48,0 2 8,0-2 24,0 2 32,0-4-24,0 2-8,0-1 16,0-1-24,0 0 16,0 0 0,0 0 32,-4 0-24,3 0-8,0 0 0,-4-1-8,4 1 0,-5-1 0,5 1 0,-4-1 0,4 1 0,-5-1 0,4 1 0,-3-3 16,3 3-8,-4-4 16,2 4-16,0-3 16,0 3-16,0-2 16,1 2-16,-2-1-8,1 1 8,0 0-32,2 1 16,-4 0-32,5 1 24,0 0 8,1 2 8,0-1-24,1-1 16,0-1 8,5 2 0,-1-3 16,2 2-8,-1-4-24,2 2 8,0-3-8,0 1 0,-1-2 16,1 0 0,-2-1 16,4 1-8,-3-3-8,-1 5 8,-2-3-8,1 4 0,-3-1 48,1 2-24,-3-3 8,1 3-16,-1-1-48,0 2 16,-1-1-48,0 3 40,-3-2-8,1 0 16,-2 0 0,1 3 0,-3-3-40,5 1 32,-4 2-8,0-1 16,-1-3 16,1 4 0,-1-4 0,1 0 0,0 0 0,2 0 0,-3 0-24,4 0 16,-1 0-8,2 0 0,-2-1 0,3 1 0,0-3 16,1 0-24,1 1 16,0-1 8,5 2 0,-2-4-24,1 4 16,0-1 8,2 2 0,-4-3 0,4 6 0,-1-3 0,1 0 0,-2 0 0,2 0 0,-1 0 16,0 0-8,0 0-8,-2 0 8,0 0 8,-1 0-8,-1 0-8,0 0 8,0 0 8,-2 0-8,0 0 16,3 0-16,-3 0 0,-3 0-8,3 1 0,-3-1 0,3 1 0,-3-1 16,1 1-8,-3-1-8,3 3 8,-3-2-48,4 0 24,-1 0-64,-2 2 48,2-1 8,1 1 24,-2-3 16,3 0-8,-1 0-24,1 0 8,-1 0-8,1 3 0,-1-2 16,1 1 0,-4 3 16,3 0-8,-1-1-8,2 3 8,-4-2-48,4 3 24,-2-3 8,2 3 8,-5-3 16,4 2-8,-1-1-8,2 2 8,-3-5-32,3 3 16,-1-3-8,2 1 0,-1-4 32,3 0-8,-2-3 16,1-1-16,0-2 16,2-1-16,-3-1-8,3 0 8,-3-2-8,0 2 0,0-2 16,-1 1-8,0 3-8,0-1 24,-1 2 0,0 1-32,-3 4 8,2 0 0,-2 5 0,1 1-40,-2 1 8,2 2 16,-2 2 24,3-2-16,-2 4 0,3 0-8,-1 0 0,2-1 0,2-4 0,-1 1 16,0-4 16,3 1-24,-2-4-16,3 2 16,-3-4 16,2-1-16,-2-4 0,3-1 8,-3-1 16,2 0-24,-2-4 0,3 1 24,-3-1 8,-1 2 8,2 1 0,-2-2-16,0 4 8,-1-2-32,0 2 0,0-2 24,-1 2 24,0 2-32,-2 1-8,1 2-16,-3 1 0,3 4 0,-3 3-16,0-1-16,0 3-8,-1 3 32,-1 0 8,0 1 16,0 0 16,3 0-8,1-1-8</inkml:trace>
+  <inkml:trace contextRef="#ctx0" brushRef="#br0" timeOffset="2">384-688 680,'2'6'-24,"1"-1"16,1-4 0,2-1 24,-1-2 24,0-4 0,1 2 16,-1-2-16,1-3 0,-2 0-8,1 0 16,1 1-40,-4 0-8,2 0 16,-1 1 8,-3 2 24,4-1 8,-4 3-8,0-3 8,-4 3-48,4 2-8,-3 1 0,-1 1 0,2 4-24,-4-1 16,1 3 8,1 0 0,-1 2-40,-1 0-8,0 2-32,1-1-8,1 0 8,1-1 32,-1 0 24,1 0 16,2-3-16,1 1 16,1-4-8,1 2-16,2-1 24,-1-2 0,0 0 8,-1 0 16,3-2 40,-3 0 48,3-2-24,0 1 16,0 0-40,-1-1 8,0-2-24,-2 1 0,3 0-8,-3 1 0,2 0-16,-3 0-16,1-2 8,-2 3-8,4-1 16,-3 1 8,-1 0 56,0 0 32,0 0-40,0 1-24,-5 0-64,3 0-48,-2 0-16,2 1-16,-4 0 16,1 1-8,0 1 16,-4 3 24,1-3 24,2 1 0,0 1 8,1-1 16,0 0 0,2-1-24,2-1 16,1 2-8,1-2-16,2 2 24,0-2 0,3 0-16,-2-2 16,0 0 8,3 0 16,-2-2 24,2 0 16,-1-1-8,-1 1-8,-1 0-8,1-3 0,0-1 0,1 1 0,-3-2-16,2 2 8,0-2 0,-3 2 8,2 0 0,-3 0 16,0 3-8,-1 0 0,0-1-24,-1 1 8,0 2-32,-3 0 0,2 0-48,-3 2-24,0 1-8,2-1 8,-3 2 32,0-1 8,-1 4 0,2-2 8,1 2 0,-1-4 24,1 2-16,3 1-8,1-2 24,1-1 16,2-1 16,-2 1 8,2-3-56,1 0-16,-2-3 48,3 2 32,1-1 16,-3-2 8,3 1-16,-1-4 8,0 1-32,-1-3 0,1-1 24,-1 2 8,-2-1-8,0 0-8,2 1-8,-3 1 0,-1 0-16,-1 0 8,-3 2 0,2 2 24,0-1-24,-2 2-16,2 2-40,-3 2 0,3 2 16,-2 1 8,2 1-16,-4 2 16,5 1 8,-3 0 16,4 3-8,-1-3-40,1 2 16,0-2-8,1-3 8,0-2 0,2 2 0,-2-5 32,1 0-8,2-3-8,-2 0 8,-1-6-8,3 4 0,-3-7 16,4 2-8,-4-4 16,2 3-16,-1-3 32,-1 5-24,-1-3 8,1 2-8,-1-1-32,0 3 8,0 1 8,0 0 0,-1 2 0,1 1 0,-1 2 0,-1 1 0,-1 3 0,2 2 0,-5 4-24,5 1 16,-3 4-8,4 0 0,-1 0 16,1-1 0,-1-3 0,2 0 0,-1-2-24,1-2 16,0 0 8,2-4 0,-2-2 16,2 1-8,0-4-8,-1 0 8,0-5-8,1 1 0,-2-5 32,1 3-16,2-4 48,-3 3-40,-1-1-8,1 3-8,-1-3-8,0 5 0,-1 2 16,1-2-8,-1 2-8,-3 2 8,2 2-48,1 0 24,-4 3-24,4 3 16,-5 1 0,4 3 8,-3 3 16,4 0 0,-3 1-24,2-1 16,1-2 8,1 1 0,-3-3-24,6-3 16,-3 0 8,1-1 0,1-4 16,2-1-8,-3-4-8,1-1 8,1-2-32,-1-3 16,0-3 8,2 3 0,-3-4 32,3 3-16,-3-3 48,0 3-40,1 0-8,-2 4-8,0-3-8,0 4 0,0 1 0,0 1 0,0-2 16,0 4-8,0-1 16,0 3-16,0-1-8,0 2 8,0 2-32,0 3 16,-2 0-48,1 1 32,-2 1-24,3 0 24,-3-1 0,3 1 8,-4-2 0,4 0 0,-2-4 0,4 3 0,-2-4 0,0 0 0,0-2 0,0 0 0,0-4 16,0 1 0,0-2 0,3 0 0,-2 0 0,2 0 0,-1-1 0,-1 1 0,0-1 0,1 3 0,2-1 0,-2 0 0,2 2 0,-2 1 0,3-1 16,-3 1-8,1-1-24,0 3 8,-1-2-8,2 2 0,-3-1 16,2 2 0,-1-1-24,1 0 16,-2 0 24,1 2-8,1-2 16,-2 5-16,-1-3-8,1 2 8,-1-2 24,0 4-16,-1-4-8,1 2 0,-4-1-64,2 1 32,-1-2-8,2 2 16,-4-4 32,4 2-8,-3-2-8,2 1 8,-1-1-32,2 0 16,-2-1-8,3 1 0,-4-2 16,4-1 0,-2 0 0,2-1 0,-1-1 0,2 2 0,-1-4 0,2 4 0,-2-2 0,3 0 0,-2 2-24,2 0 16,0 0-8,0 1 0,1-3 16,0 4 0,1-2 32,1 3-16,-3-1-24,2 1 0,-1-1 8,2 2 0,-2-1 0,2 0 0,-4 0 0,2 1 0,-3 0 16,0 2-8,-1-2-8,4 3 8,-8-1 8,4 1-8,-1-2 16,0 3-16,-3-2-8,2-1 8,-4 1-32,4-1 16,-6 3 40,4-3-16,-2-1 8,1 1-8,-1-2-32,1 1 8,-2-1-8,4 0 0,-2 0 0,0 0 0,1-1 16,2 1 0,0-2 0,-2 2 0,2-1-24,2 1 16,-1-1 8,1 0 0,-1 0-24,2 1 16,-1-4 8,3 4 0,1-2 0,-2 1 0,2-3-24,0 3 16,1-4 24,1 5-8,1-4-8,-1 2 8,2 0-8,-2 1 0,-3-4 0,3 5 0,-5-2 0,3 2 0,-3-1 32,0 2-16,-1-1-8,1 0 0,-2 0 8,0 1-8,-2 0-24,1 2 8,-2-1-48,0-1 32,-2 0-24,1 0 24,-1 1-16,1 0 16,-2 0 0,3-2 8,-3 0 32,4 3-8,-2-3-24,3 0 8,-4 0 8,5 0 0,0 0-24,1 0 16,-2 0-8,4 0 0,-2-3 0,0 3 0,0-2 16,1 0 0,0-2 0,1 3 0,2-5 0,-2 5 0,2-3-24,-2 3 16,3-1 8,-3 2 0,1-4 0,2 4 0,-1 0-24,0 0 16,-1 0 24,0 0-8,2 0 16,-3 0-16,-1 0-8,2 0 8,-2 0 8,0 0-8,-1 0 0,0 0 8,0 0-8,0 0 0,-1 0-32,1 4 16,-1-3 8,-2 0 0,1 0 16,1 2-8,-5-2-8,4 1 8,-2 1-8,2 0 0,-3-2-24,3 0 16,-1 1 8,2-1 0,-1-1-24,2 1 16,-1-1-8,2 0 0,-1 0 0,2 0 0,-1 0 32,1 0-8,1 0-8,1 0 8,0-1-32,1 1 16,1-1 8,0 1 0,0-2 16,0 1-8,-1-1 16,2 2-16,-2-2-24,2 2 8,-2-3 8,0 6 0,-2-3 0,2 2 0,-2-1 0,1 0 0,-4 0 32,2 2-16,-1-2-8,2 1 0,-3 1 8,1 0-8,-2-2 16,-2 0-16,0 2-8,3-1 8,-6 2-32,4-3 16,-4 0 8,2 0 0,-2 0 16,3 1-8,-4-2-8,2 1 8,-2-2-32,2 1 16,-2-2 8,4 2 0,-3-1-24,1 0 16,1-1 8,2-2 0,-1 2 0,2 2 0,-3-3-40,4 3 24,-2-2-8,2 1 8,0-4 16,2 3 0,-1-2 0,3 3 0,-1-3 16,0 1-8,2 0-8,0 1 8,0 0 8,0 2-8,3-2-24,-2 2 8,-2-4 8,2 4 0,0-2 16,0 2-8,-1-1-24,1 2 8,-2-2 8,0 1 0,-1-1 0,2 2 0,-1-1 16,1 0-8,-2 0-24,2 1 8,-3 1 24,2-2-8,-2 4 16,-1-2-16,1 0-8,-1 1 8,-1 2-8,2-1 0,-2 0 0,0-1 0,0 3 16,0-2-8,0-1-8,0 3 8,-2-4-8,2 1 0,-1-2 0,-1 2 0,-1-1 16,1 0-8,-1-2-8,2 2 8,-3-2-8,3 1 0,-4-1 0,3 0 0,-3-1 16,4 1-8,-4-2-24,3 2 8,0-4 8,2 3 0,-4-3 0,4 2 0,-2-1-24,2-2 16,-2 2 8,4 1 0,-2-1 0,0-2 0,0 2 0,1 0 0,-1 0 16,0-2-8,0 2-8,1 1 8,-1-1-32,2 2 16,-2-3-8,2 4 0,-2-3 16,2 3 0,-2-1 16,2 2-8,-1-1-8,2 0 8,-2 0 8,0 3-8,1 3 0,-2-1-32,0 2 16,-2-1-8,2 2 0,-1-2-40,0 3 32,-3-2-80,4 1 64,-2 1-56,2-2 56,-4 0 0,4 0 24,-2-1-24,2-1 24,-1 0-24,1 1 16,-1-4 0,2 3 8,-1-4 0,0 2 0,0-4 16,0-3 0,0 0 0,0-3 0,1 4 0,-1-6 48,2 4-24,0-5 24,0 5-24,-2-1-16,0 0 0,0-2 24,0 2-16,0 0 8,0 1-8,0-1-16,0 2 8,0-1 8,0 3-8,0-2-8,0 3 8,0-4-8,0 3 16,0 2-8,0 0-40,2 1 16,-2 0 8,1 5 8,-1-2 16,3 0-8,-3 3-24,0-1 8,0 2-32,0-1 24,0 3 8,1-2 8,-1 0-40,0 0 24,0 1-24,0 1 16,0-2-16,0 0 16,0-3-16,0 1 16,0-3 16,1 2 8,-1-5 48,0 4-24,0-5 24,0-2-24,0-1 24,0 1-32,0-4 48,2 3-40,-2-5 8,2 4-16,-2-4 8,1 2-16,-1-2-8,2 3 8,-2-3-8,0 3 0,0-4-24,0 5 16,0-1 8,0-1 0,0 0 0,0 2 0,0 1 0,0 1 16,0-2 8,0 4-8,0 0-16,0 0 8,0-1-8,0 1 0,0 2-24,0 2 16,0-1 8,2 4 16,-2-1-8,0 3 16,0-2-16,0 2-8,0-2-48,0 3-8,0 1 8,0-4 8,0 1 0,0 1 8,0-2 0,0-1 24,0 1 0,0-1 8,-2 0 0,2-3 16,0 1-24,0-3 0,0 0 24,0 0 8,-2 0-32,1-2 8,1 0 0,0-2 16,0 0-8,0-1-8,0-2 8,0 2-8,0-2 16,0 0 8,0 1 8,0-1 16,0 1-8,-2 1 0,0 0-24,2 1 8,0 1-16,0-2-8,0 3 40,-1 1 8,1-1-40,0 2 0,0 3-8,-1 3 0,1-3 16,0 2-8,0 2 16,0-1-32,0 2-16,0-1 16,0-1 16,0 3-16,0-1 0,0 0 8,0 0 0,0-2 0,0 1 0,0-3 0,0 1 0,0 0 0,0-3 0,0 0 0,0 1 0,0-1 16,0-2 8,0 0-8,0 4 8,0-4-32,0 0 0,-3 1-8,2 0 0,1-1 32,-2 1 8,0-1-32,-2 0 8,2 0 0,-2 0 16,1 1-8,-1-1-8,2 2 8,-2-1 8,2 0-8,-3 2 16,3-1-32,-2-1 0,3 0 8,-4 0 16,3 0-24,-1 0 0,0-1 24,0 0 24,-1 2-16,2-2 0,-2 1-8,2 1-16,-3 0 8,1 0-8,1-1 32,0 0 16,-3 0 0,3-1-8,-1 1-24,-2-1-16,4 2 8,-3-2-8,0 0 0,3 0 16,-2 0-24,0 0 0,-1 0 8,0 0 16,3-2-24,-3 2 0,3 0 8,-2-1 16,2 0-24,-2 0 0,1 1-8,-1 0 0,3 0 16,0 0 0,0 0 0,1 0 16,-2 0-24,0 0-16,2 0 16,-1 0 0,-1 0 8,2 0-24,0 0 16,0 0-8,-1 0-16,1 0-48,0 0-16,0 0 56,0 0 16,1 0 0,1 0 16,-1 1 8,1-1 16,1 1-24,-1-1-16,2 0 16,-1 0 16,1 0 0,1-1 16,-2 0-32,2 0-16,0-1 16,-1-2 16,1 3 0,0-1-8,-2 1 8,2 0-8,-2 0 16,0 0 24,0 0 0,1-1 0,-3-1-24,1 2 8,-1 0-16,1-1 16,-1 2 0,-1 0 8,0 0-16,0 0-8,0 0 8,0 0 8,0 0-8,-1 0-8,-2 0-8,0 0-24,-1 0 0,1 0 32,0 0 8,1 0 0,1 0-16,0 2-16,-3-2-8,4 0 16,-2 0 0,0 1-16,0-1 16,-1 1-8,-1 2-16,2-1 0,0-1 24,-2 0 0,3 0 8,-4 0 0,3 0 0,1 1-40,-2-1 8,2 1 0,0 0-8,0 1 32,-2-1 16,0 1 0,-1 0-8,2-1 8,-1 2-8,0-3 0,1 0 0,1 3-24,1-4 16,-3 0 24,3 0 8,0 0-32,-1 0 8,0 0-24,0 0 16,-4 0 8,3 0 0,-1 0-24,6 0 16,-3 0-8,0 0 0,2 0 16,3-3 0,-2 2 0,3-1 0,-1 1 0,-2-4 0,4 4 0,-1-4-24,0 4 16,1-3 8,0 2 0,0-1 16,-1 3-8,-1-3-8,0 3 8,-3-1-8,3 1 0,-4-1 0,2 2 0,-2-1 0,1 0 0,-2 0 16,1 0-8,-1 0 16,0 0-16,0 0 32,0 0-24,0 0 32,0 0-32,0 0-8,0 0 0,0 0 8,0 0-8,0 0-40,0 0 16,0 0-24,0 0 16,0 0 0,0 0 8,0 0 32,0 0-8,0 1-8,2 0-16,-1-1 8,2 0 8,-2 0 0,2 0 0,0 0 0,0-1 32,2 0 16,-3 0-40,2-1 0,-2-3-24,2 3-16,-4-1 0,3 1 24,-2-3 16,1 3 16,0-1-8,-1 0 8,0-1-16,-1-3-8,0 3 8,0-4-8,0 0 0,0 1 16,-1 1-8,0 1 16,-1-1-32,0 2-16,-2 0 16,4 0 16,-4 1 0,2 0-8,-1 2 8,0-1-8,-2 2 0,1 0 16,1 2-8,-3-2-24,3 2 8,-3 1 8,1 3 0,-1-1-40,3 3 24,-2 1-80,2-1 56,-2 0-40,4 2 48,-3-3 16,4 3 16,-2-4 0,4 2 0,-2-1-24,3-2 16,-2-1 8,0 1 0,1-3 16,0 0-8,-1-2 16,2 1-16,1-2 32,-2 0-24,2-4 48,0 2-40,1-3 24,1-1-24,0-4 24,0 5-32,-2-4 48,2 3-40,-4-4 64,3 6-56,-4-3 64,2 3-64,-3 0 24,3 2-32,-6 0 0,3 0-8,-4 0 8,2 3-16,-4-1-24,1 2 8,-2 1 8,1 2 0,-3 2-24,2-1 16,-1 3-32,1 0 24,0-1-24,1 2 16,0-1 16,1-1 8,2-2-40,0 3 24,2-1-24,1-2 16,0-3 0,1 3 8,2-1 16,-2-2 0,1-1 16,2 0-8,-3-1-8,1 2 8,2-4 8,2 1-8,-4-1-8,3-1 8,-2-5 8,5 4-8,-4-7-8,3 2 8,-2-2-8,-1 3 0,0-4 32,1 3-16,-4-1 64,1 5-48,-4 0 24,1 1-32,-4 1-32,1 3 0,-2 3-8,2 1 0,-3 4 32,2 0-8,-1 3-8,3-3 8,-2 3-8,3-1 0,-4-3-40,5 3 24,-2-2-8,3-2 8,-1 1 16,2-4 0,-1-2 0,3 3 0,-2-4 0,2 0 0,1-4 0,-1 2 0,0-4 16,0 0-8,2-3 16,0 3-16,-1-5 16,1 4-16,0-4-8,-1 1 8,0 0 24,-1 4-16,-1-3 64,1 4-48,-2 1 40,1 1-40,-2 2 16,-2-1-40,-1 5-24,0 4 0,0-1 16,2 3 0,-2 0 0,2-1-56,1 1 0,0-1 24,0-1 16,0 0 16,1-1 0,2-2-24,-2 1 0,1-2-8,-1-2 24,2 0 16,0-1 16,2-2-32,-3-1-8,2-4 24,-2 3 8,2-5-24,-1 2 8,0-2 16,-1 0 8,-1 0-32,-1 2 8,0 0 0,0 2 0,0 0 0,0 1 16,0 1-8,-1 2-8,1 1 8,0 2-8,-2 4-24,2-1 0,0 4 16,0 1 16,0 0-16,0 2 0,0-2 8,2-3 0,-1 1-24,0-1 0,0-3-8,2-2 24,0-1 0,1-1 8,-2-1 0,3-1 0,-3-2 0,2-3 16,-3-1-24,0 2 0,0 0 24,2-3 24,-3 1-32,0 2-8,0-2 0,0 3 0,0 0 0,-3 1 0,3 1 0,0 0 16,-1 3-8,0-3-8,1 3 8,-1 3-8,-2 2-24,3 1 0,0 2-8,0 0 24,0-2-16,0 2-8,0-2 0,3 1 24,-3-4-16,1 1 8,-1-2 0,1 3 0,0-4 16,2-1 0,-2-1 0,1-4 0,0 3 0,0-3 0,-1 0 0,0-3 16,1 0-8,-2 2 16,0-1 0,0 1 24,-2 0-8,1 2 0,-2 0-8,-1-1 0,0 2-16,2 1 8,-2 0-32,2 1 0,-3 1 8,3 1 0,-2 2-24,2 0 16,-3 1 24,3 2 8,1 2-48,-1 0 0,0 2 8,1-1 24,-2-1-16,3 0-16,0-2 16,0 1 0,-3-2 24,3 1 8,0-4-32,0 0 8,0-2-16,0 2 0,-1-1 32,1-1-8,-2 2-8,-2 0-16,2 0 8,-3-1-8,2 0-16,0 0 24,2 0 0,-1 1-16,1 0 16,1-2-8,0 0 0,0 0 0,0 0 0,1 1 16,1 0-24,-1 0 16,2-1 8,0 0 0,3-1 0,-1 1 0,-2-1 16,4 0-8,-1-3-8,2 3 8,-2-2-32,1-1 16,-2-2 24,2 4-8,-2-5-8,0 3 8,-1-4 8,1 5-8,-2-2-8,0 1 8,-1-3-8,2 4 0,-4-4 32,1 5-16,-2-3-8,1 2 0,-4-4-8,2 5 0,-1-3 0,1 3 0,-3-3 16,2 2-8,-1-1-8,1 2 8,-2-2-32,2 3 16,-2-2 24,4 3-8,-4-1-8,0 1 8,2 0-8,-1 1 0,-2 1-24,5 0 16,-3 1-32,2 0 24,-2 1-48,1 1 40,0 0 8,0 1 16,1 2 0,2-2 0,-1 1-24,1 2 16,-3-1 8,6-1 0,-3 1 0,1-2 0,-1 0-24,1-2 16,0-1 8,2 3 0,-2-5 0,0 1 0,0-2 0,2 0 0,0-2 16,0-1-8,0-4 16,2 3-16,-2-6 16,2 2-16,-3 0 16,3 0-16,-4-2 32,3 3-24,-3 1 32,0 1-32,-1 1-8,1 0 0,-1 1-8,0 3 0,0-2-24,0 2 16,-1 2-8,1 0 0,-1 4 16,1 2 0,0-2 0,0 1 0,0 0 16,1 0-8,0-1-8,2-2-16,-2 2 8,1-4-8,0 0-16,0 0 40,-1-2 24,0 0-8,-1-2-16,2 1 0,0-1 8,-2-3-24,0 3 0,0-1 8,0 0 16,0-1-8,0-1 16,0 2-16,-2 1-8,0-2 8,1 2-8,0 1-24,1 1 16,-2 3-8,-2 1 0,4-1 16,-1 2-24,2 1 16,-1-1-32,2 2 24,-2-4-8,2 1 8,0 0 16,-1-1 0,-1-3 16,0 1-8,1-1 0,-1-1-8,2 1 0,0-3-24,0 0 16,-2 1 8,2 0 0,-1-1 32,2 2-16,-2-5-8,0 3 0,1-1-8,0 1 0,-2-4 0,0 4 0,-2-4 16,2 3-8,-2-2-24,2 1 8,-1-3 8,0 5 0,-3-3 16,2 1-8,0 0 16,0 2-16,-2-1-8,0 2 8,-2 0 8,4 0-8,-4-1-8,0 3 8,0-1-32,0 2 16,1-1 8,2 3 0,-4-1 0,5 2 0,-4 0 0,1 1 0,1 1 0,2 2 0,-1-1-24,3 0 16,-1 0-8,1 1 0,0-1 16,1 0 0,1-1 0,-1 0 0,1-2 0,-1-1 0,1-2 0,1 2 0,0-4 0,-1 1 0,2-4 0,-2-2 0,2-1 0,-1 0 0,0-5 16,0 4-8,-2-4 32,3 5-24,-2-1 64,-1 2-48,-1-1 24,1 3-32,-1 0-16,0 2 0,0-2-32,0 2 16,-1 2-16,1 2 16,-1 2 8,1 0 0,-2 3-24,-1 3 16,1 1 8,2 2 0,-1-3 0,2 0 0,-1 0-24,1-4 16,0 1-8,2-4-16,-1 0 24,0-2 0,2-1 24,-3 0-8,0-1 16,3-2-16,-3 1 16,0-3-56,0 2 8,2 0 8,-2 1 8,0 1 24,0-2 8,2 1-32,-2 0 8,1 1 0,0-1 0,0 1-24,-1 0 16,0 0 8,-1 0 16,0 1-8,0 0 0,0 0-32,0 0 0,2 0-8,-2 0 24,2 0-40,0-3 0,-2 3 24,0-2 8,0 2-8,2 0 16,-2 0 24,0 0 8,0 0-48,0 0 0,0 0 40,0 0 0,0 0-8,0 0 8,0 0 8,0 0-32,0 0-8,0 0-16,0 0 24,0 0 0,-2 5 8,2-3-24,-2 0 16,2 1 8,0 1 16,0-1-24,0-1-16,2 0 32,-2 1 8,0-1-24,2 3-8,-1-3 8,2 1 16,-2-1 0,-1 3-8,1-3-16,1-1 8,0 1-8,-1 0 0,1-1 16,0 1 16,-2-2-24,0 0 0,2 0 8,-1-2 16,0 1-8,-1-1-8,2 1 8,0-1 8,-1 0-8,0-3-8,1 3-16,0-1 8,-2 1 8,0-3 0,0 3 0,0-2 16,0 2-8,-2-2-8,0 2 24,1-1 0,0 0-32,-1 1 8,0-2-16,1 1 0,0 1 16,1-1 16,-2 1-8,0-1-8,0-1-16,1 1 8,-1 1 8,2-2 0,-2 3 0,1-1 0,0 2 0,-2-2 16,2 1-24,1-1-16,0 1 16,-2-1 16,2 2 0,0-4-8,-2 2-16,0 1 8,0-2 8,1 2 16,1 0-8,0-1-8,-1 1 8,1-1 8,-2 1-8,2 0-8,-2-1-16,0 2-8,1-3 32,-2 3 8,2-1 0,0-1 8,0 2-32,-2 0 0,2 0 8,1 0-24,-2 2 16,-3 2 24,3-1 8,-1 3-32,2-1-8,-2 2 24,0 1 8,2-1 0,0 2-16,0-1-16,-1 1 8,0-1-8,2 0 0,0-2 0,0 1 0,0-2 16,2 1 0,0-4-24,-1-1 16,0-1 24,3-1 8,-1-1-8,-2-4 8,3 4-16,-3-4 16,0 0-16,3-1 16,-3-1-16,0-3-8,0 5 8,2-4-8,-2 2 0,-1 2 16,1 1-8,-1-2-8,0 3 24,0 1 16,0 2-16,0 1-16,0 3 0,0 1-8,0 1-24,0 3 16,0-2 8,0 2 0,0-3-24,1 1 0,2-2 16,-2-1 0,-1 1-16,2-3 16,-2 0 8,0 0 16,0 1-24,0-2 0,0 1 8,2 1 0,0 0 0,-1-2 16,0 3-8,1-2 16,0 0-32,-2 0 0,2 0 8,-2 1 0,0-1 0,0 1 16,0-2-24,0 4 0,2-2 8,-2 0 16,1 1-8,-1-2-8,0 2 8,3-1-8,-3-2-24,0 0 16,0 1-8,0-1 0,0 1 16,0-1 16,0 0-24,1 0 0,0 0 24,-1-1-24,0 0 0,0-4 8,0 1 0,0 0 0,0-3 0,0 1 0,0-2 16,-1-1-8,0 1-8,-2 1 8,0-1-8,1 0 16,-2 2 8,2-1-8,-2 2-16,1 0 8,0 1-8,2 1 0,0 0 0,0 0 0,1 2 0,0-1-24,-3 2 0,2-2 32,1 0 8,-1 1 0,0 1 8,-3-2-32,4 2-16,0 0-8,0 0 0,0 0 24,0 0-56,0 0 40,0 0-24,0 0 24,0 0 0,0 3 8,0-1 16,0 0 0,0 0 0,0 2 0,0-2 0,0 2 0,-1-2 16,1 0-8,-1 1 16,0 1-16,-3 0-24,4 2 8,-3-3-8,3 2 0,-4 1 16,4-1 0,-2 0 16,2 0-8,-2-1-8,4 0 8,-4 0-8,2-2 0,-2-2 16,4 1-8,-2-1 16,0 0-56,0 0-8,0 0 16,0 0 8,0-1 32,0-1 8,0-2-32,2-1 8,-1 0-16,0-3 0,0 0 16,2 2 16,-1-2-8,-1 1-8,-1 0-16,1 0 8,-1 0 8,0 1 16,0 1-24,0 0 0,0 0-32,0 2 8,0 0-24,-1 2 16,0 0-32,-1 1-8,-1 0-16,3 0 0,0 0 56,-2 1 16,-1 1 24,0 1 0,0-1-24,-1 4 16,2-2 8,-2 0 0,2 1 16,-3-3 8,2 2-32,0-1 8,2 0 0,-2 0 16,-1 0-24,2 0 0,1-2 8,1-1-24,0 0 16,0 0-8,0 0 0,1 0 16,1-1 0,-1-1 0,2-1 0,0 1 0,0-3 0,0 2 16,0-3-8,2 2-8,-1 0 8,-2 0-8,2 1 0,-1-3 0,-2 5 16,1-1 8,0 1 40,-1 0 40,-1 0-56,0-1-24,0-1-16,0 3 8,0 0 24,0 0 0,0 0 16,0 0-48,0 0 8,0 0-24,0 0-16,0 0-8,0 3 24,1-1-16,0-2-8,2 1 40,0 0 8,1-1-24,-2 0-8,3 0 24,-4 0 8,0 0-24,0 0 8,2 0 0,-2 0 0,-1 1 0,0-1 16,1 0 40,-1 2 48,0-1-40,0 1-16,-1 3-24,0-2-24,-2 1-16,1 3-8,-3-1 32,3 0 24,-2 1-8,2 0 0,-3 0-24,3 1-8,-1-1 8,1 0 16,1-1-24,-2-2 0,3-1 8,0 3 0,0-4-24,0 1 16,0 0-8,0-1-16,0 2 24,0-3 16,0-1 16,0 0 8,0 0-16,0 0-32,0 0 8,3-1 8,-3-3 16,1 2-24,1-3 0,0 1 8,-1-3 0,0 1 0,0-2 16,-1 0-8,0 2-8,0-2-16,0 1 8,0 2 8,0-1 0,0 2 0,-1-2 0,0 2 16,0-1 8,-1 1-8,0 1 8,1-2-32,-2 2-16,0 0 32,2 1 8,-1-3-24,-2 3 8,3 1 0,0 0 0,-2 1-24,1 0 16,1 1 8,-1 0 0,1 1-24,-1 4 0,1-2 16,-1 3 16,1-1-56,1 3-24,0 3 40,0-2 8,0 3 0,0-1 16,1-2-8,1 0-16,-1-1 24,1-1 16,-1-3-16,1-1 0,-1-1 8,1-3 16,1 0-24,-2 0-16,1-2 32,1-1 24,-2 0-8,0-1 0,0-3-24,2 0-24,-3 0 32,3 1 8,-2-2 16,-1 0 0,0 2 0,0-2 0,-1 2-40,-2-1 8,3 1 0,0 0 16,-3 2-8,2-1-8,1 3 40,0 0 32,-1 1-80,1 0-8,0 1 8,0 0 16,0 2-16,0 2 0,0 3-8,0-1 0,0 2 0,1-1 0,0 1 32,2 1 8,-3 0-8,3-3 8,-2 2-32,1-2 0,0 1-32,-1-2 8,0 0 16,0-2 24,2-1-16,-1-1 0,-1-2 8,0-1 16,-1-1-24,0-2 0,0 0-8,0-2 0,0 2 32,0 0 8,0-2-32,0 4-8,3-3 24,-3 3 8,0 0-40,0 1 0,0-1 8,0 2 8,0-1 8,0 2 16,0 0-8,0 3-24,0 2-8,0-1-8,0 0 24,0 2 16,0-2 16,0 0-32,0 1 8,0-1 0,0 0 0,0 0 0,0-2 16,-3 1-8,3 0-8,-1-1 8,1-2 8,0 0-48,0 0 8,0-2-8,0-1 16,0-1-8,0-3 8,0 2 16,0-1 16,0-1-8,0 1-8,0 3 8,0-3-32,0 4 16,0-5 8,1 4 0,-1-2 0,3 2 0,-3 0 16,1 0-8,-1 0-24,0 0 8,0 0 8,0 3-24,0 0 16,0-2 8,1 2 0,0-2 0,3 1 0,-3-2 0,0 3 0,-1-1 16,0 1-8,0-2 16,1 1-16,-1 0-8,0 1 8,0-1-32,0 2 16,0-2-8,3 1 0,-3-1 16,0-3 16,1 4-8,0-2 0,-1-1 8,1 3-8,-1-2-8,0 2 8,0-1-8,0 2 0,0-1-24,0 0 16,0 0 40,0 0-16,0-1-8,0 1 0,0-2-8,0 4 0,-1-2 16,0 0-8,-3 0-8,2 1 8,-4 0 8,4 0-8,-3 1 64,0-1-40,2 1 24,-1-2-32,-3 0-16,5 0 0,-3 0-8,3 4 0,-4-3 0,3 0 0,-2-1 16,1 0-8,0 0 16,2 0-16,-2 0 32,3 0-24,-4 0 8,3 0-8,0 0-16,0 0 8,1-1 8,0 1 8,-3-1 8,4-3-56,-2 4 0,2 0 8,-1-2-8,1 1 8,-1-2-72,2 2 48,-1-2-144,0 3 104,0-3-88,1 1 96,1 0-16,2 2 56,-3-3 16,2 3 16,0-1-40,3 1 24,-2-1-64,0 2 48,2-1-24,0 0 32,-2 0 0,2 1 8,-1 0 16,-2 2 0,0-2 0,3 1 0,-3 1 0,-1-1 0,3-1 0,-3 0 0,1 0 0,-2 1 0,0-1 0,0 1 0,3-2-24,-3 4 16,0-3 24,0 0-8,-1-1 16,3 0-16,-3 0 16,0 1-16,0 0-8,0 1 8,0-1-8,0 2 0,0-2 16,0 1-8,0 0 16,0-2-16,0 0 32,0 2-24,0-2-8,0 4 0,0-2-8,0 2 0,0-4 0,1 2 0,-1-1 0,1 2 0,-1-2 0,1 1 0,2-1 0,-2 0 0,-1 1-24,2 0 16,0 0 24,0 2-8,-1-1 0,0-1-8,1-1 0,-2 1 0,2-2 0,-2 2-24,2-1 16,-2 2 24,2-1-8,-2-1-8,1 1 8,2-1-32,-2 1 16,0 0 8,1-2 0,0 3 0,-1-2 0,-1 0 0,2 0 0,-2 1 16,2-1-8,-2 0-8,2 0 8,-1-1-8,-1 0 16,0 0-8,0 2-8,0 1 8,0-2-8,0 0 0,0 0 0,0 0 0,0 1 0,0-2 16,0 1-8,-1 1-8,1 0 8,-2-2-8,2 4 0,-2-3-24,2 0 16,-2 0 8,4 1 0,-2-1 0,0 1 0,0-2 16,0 0-8,0 0 0,0 0 56,0 4-32,0-4 40,0 1-40,-2-1-32,2 1-8,-1-1 8,1 1 0,-2-1 0,4 0 0,-4 0 0,0 1 0,0 1 16,-1-1-8,0-1 16,3 1-16,-6-1 16,4 0-16,-4-1-8,2 0 8,-2-2-8,4 1 0,-5-5 0,2 4 0,-2-1 0,5-1 0,-6-1 0,5 3 0,0-4 0,0 3 0,0-1 0,0 0 0,0 0-40,3-1 24,-3 1 24,3 2 0,-3-4 32,3 4-24,-3-1 48,3 3-40,-4-2 8,4 2-16,-3-1-80,3 4 32,-3-2-8,3 2 24,-3 1 16,2 0 0,-4 0 0,4 1 0,-2 0 0,1 1 0,0-2 0,-2 4 0,2-2-24,1 3 16,-2-3-8,3 2 0,-3-3 0,2 3 0,-4-3 16,5-1 0,-2 0 0,2 3 0,-3-4-24,6 0 16,-3-2-8,0 0 0,0-1 16,1 1 0,-1-1 0,1 0 0,1-4 0,1 5 0,-2-5 0,0 3 0,1-5 0,1 2 0,0-4 0,2 3 0,-2-4 0,1 2 0,1 2 32,-3 1-16,0-2 64,1 3-48,-2 0 80,1 2-64,-2 0 40,0 2-48,0-2 0,0 2-24,0 0-32,0 0 8,0 0-8,0 0 0,-2 0 32,2 3-8,-1 0-8,-1 1 8,-1 0-32,2 3 16,-3-2-8,2 0 0,-2 1-88,2 2 48,-4-2-112,6 1 96,-4-1-16,2 2 48,-2-3 8,1 2 16,0-1 16,2-1 0,-3 1 16,4-3-8,-2-1-8,2 3 8,-4-1-8,4-2 0,0-1 0,0 0 0,-2-1 0,2 2 0,-1-2 0,2 0 0,-1 0-24,0 0 16,0 0-16,0 0 16,0 0-64,0 0 40,0 0-24,0 0 32,0-2 32,0 2 0,0-2-8,2 0 8,-2-5-8,5 4 0,-4-1 16,3-2-8,-2 1-8,3-1 8,-4 1-32,2 2 16,-1-3 8,-1 3 0,0-2 16,1 1-8,-2 0-8,4 1 8,-3 0-8,0 0 0,1-1 0,0 3 0,-1-2 0,0 3 0,-1-2 16,2 2-8,-2-3-8,3 3 8,-3-1-8,1 1 0,-1-2 0,1 4 0,-1-4 16,2 2-8,-2 0-24,1 0 8,-1-2-8,2 2 0,-1-1 16,1 1 0,-1-2 0,2 2 0,-2-1 0,1 1 0,-1-2 0,1 2 0,-1 0 0,1 0 0,-2 0 16,1 0-8,-1 0 0,0 2 8,0-1-8,-1 1 32,1 1-24,-2 0-8,1 2 0,-2-1-32,1 3 16,-3-2 8,3 3 0,-2-4 0,2 3 0,-3-2 0,3 0 0,-2 1 16,2-3-8,0 0 32,-2 2-24,2-2 32,2-1-32,-1-2 32,2 0-32,-2 0 32,1 1-32,-1-1 8,2 0-8,-1 0-8,-1 0 8,-1 0-8,-1 0 16,3 0-16,-1 0-8,2 0 8,-2 0 8,1 0-8,-3 0-24,6 0 8,-3 0-8,0 0 0,-3 0 16,1 0-24,4 0 16,-2 0-32,0 0 24,-2 0-8,2 3 8,-2-2 0,2 1 0,-3-2 0,6 0 0,-3 0-24,0 0 24,0 0 8,0 0 24,0 0-8,1 0 0,-1 2-8,1-2 0,1 0 0,1-2-24,-1 2 16,0-2 8,1 2 0,-2-3 0,1 2 0,2-2 16,-2 2-8,0-4 32,0 4-24,-1-2 8,0 2-8,1-2-16,1-1 8,-2 1-8,0 1 0,1 0 0,-1 1 0,1-3 0,-1 4 0,-1-2-24,0 2 16,0-3 40,0 3-16,0-2 8,0 4-8,0-2 8,0 0-16,0 0 0,-1 0-32,1 3 16,-3-1-8,1 3 0,0-3 0,2 3 0,-5-1-56,5-2 40,-2 0-56,2 1 48,-2-2-72,2 2 72,-2 0-56,1-1 56,-4-1 16,5 2 24,-3-2 0,2 3 0,-3-1 0,4-1 0,-2-1 16,2 1-8,-5-2 16,5 2-16,-2-1 16,2 0-16,-4-1-24,4 0 8,-2 0 8,-2 0 0,2 0 0,2 1 0,-4-1 0,4 3 0,-2-3 0,2 1 0,-1-1 0,1 1 0,-3-1 0,6 0 0,-3 0-40,0 0 24,0 0 8,0-1-16,1 0 16,0-3 8,0 3 0,2-4 16,0 3-8,1-4-8,-1 1 8,1 1-32,2 1 16,-4-4 8,3 5 0,-2-4 16,2 4-8,-2-2-24,1 3 8,1-1 8,-1-1 0,-1 1 0,0 2 0,1-2 0,-1 2 0,-2-1 0,1 2 0,-1-1 16,1 0-8,-2 0 80,0 0-40,0 0 40,0 0-48,0 0-32,0 0-16,-2 2 24,2 0-8,-1-2-24,1 3 8,-2-2 8,2 0 0,-3 0 16,2 2-8,-3-2-8,2 1 8,-2 2-32,2-2 16,-3-1 24,3 2-8,-2-2-8,2 3 8,-4-2-8,6-1 0,-3 0 0,2 0 0,-3-1 0,4 1 0,-1-1-24,1 1 16,-1-1 8,-2 2 0,0-2 0,2 1 0,-2-1 0,3 2 0,-1-2 0,1 2 0,-1-2 0,1 2 0,-1-2 0,2 0 0,-1 0-24,0 0 16,0 0-32,0 0 24,0-2-8,0 2 8,0-4 32,1 3-8,0-3-8,2 1 8,-1-6 8,3 5-8,-3-7 16,3 2-16,-2-3-24,3 4 8,-1-3 24,1 3-8,-4 2 16,1 1-16,-1 1-8,-1 1 8,1 1-32,-1 0 16,-1-1 8,3 3 0,-3-2 0,0 0 16,1 4-8,-1-2 0,0 0 8,0 0-8,0 0 0,-1 0-8,1 2 0,-3 1 0,3 1 0,-3-1 0,3 1 0,-1 1-24,1-1 16,-3 0-32,3 2 24,-2-2-64,2 3 48,-1-4-40,0 2 40</inkml:trace>
+  <inkml:trace contextRef="#ctx0" brushRef="#br0" timeOffset="3">570-810 192,'0'-2'88,"0"2"-72,-1 0-16,-2 0-40,6 0 16,-3 0 16,0-1 24,0 1-8,0-1 80,0 2-40,0-1 64,0 0-64,0 0-8,0 0-24,0 0-8,-3 1-8,1 1 0,1 3 0,-3-3 0,1 1 16,-1 0 8,2 2 8,-2-2 0,2 1 16,-3 1-24,1 0-16,0 1-24,-2 1 8,2 2 24,-2-1 8,2 0 8,-1 0 16,1 0-24,-2-3-16,4 0 16,-2 1 16,2-3 0,0 0 0,-1 0-24,3-3 8,0 2 0,0-2-32,-1 0-8,0 3 8,-2-1 16,3-1-40,-2 0 8,1 2 8,1-3 24,-1 3 0,-2-3 0,3 0-32,0 0 16,0 0-80,0 0 48,0 0-72,0 0 64,0 0-152,0 0 112,0-4-136,0 2 128</inkml:trace>
+  <inkml:trace contextRef="#ctx0" brushRef="#br0" timeOffset="4">517-675 320,'0'0'128,"0"0"-96,-1 0-16,1 0 16,-1 0 24,0 4 48,-1-4-56,-1 0-8,-1 2-24,2-1-16,1 0 8,-4 1-8,5-1 16,-3 1 8,0-2-8,1 2-16,1 0 8,-2 0 8,2-2-8,1 0 16,0 0 0,-3 0-8,0 2-8,3-2 8,-2 1-24,2-1 0,-3 2 24,1-2 8,1 1 8,-1-1 16,0 2-40,2-2-24,-3 0 8,1 0 16,-1 1 16,1-1 8,-3 2 0,4-2 16,0 0-24,0 0 0,1 0-32,-2 0 8,2-2 0,0 2 16,0 0-24,0 0 0,0 0-32,0 0 8,0 0-232,0 0-104</inkml:trace>
+  <inkml:trace contextRef="#ctx0" brushRef="#br0" timeOffset="5">491-667 288,'0'0'104,"-1"2"-80,0-2 88,1 0 24,0 0-40,0 0 8,0 0-32,-4 1 0,3 1-24,-1-2-8,-3 4-8,3-2 16,-2-1 8,2 0 8,-3 0-32,2 1-8,0-1 8,1-1 0,-2 2-16,1-1-16,0 2 8,0-2 8,0 0-8,1 0 16,0-1-16,0 1 16,2-1 16,-1 0 32,1 0-32,0 0-8,0 0-16,0 0-8,0 0-48,0 0 8,0 0 0,0 0-8,0 0 32,0 0 0,1 1-16,1-1 16,0 0 8,1 2 16,0 0-8,2-2 16,1 0-32,-3 0-16,2-2 16,2 0 0,-1 2 8,0-1 16,-3 0-24,2 0-16,0 0 48,-2 1-16,1-1 0,-1 1 0,0-3 8,-1 3-8,0-1 16,0 2-16,-1-1 0,-1 0 8,0 0-8,0 0-24,0 0 8,0 0-8,0 0 0,0 0 32,0 0-8,0-1-40,0 1 16,-1-2-24,1 2 16,-2-1 0,2 2 8,-4-1 16,1 0 0,-1 0-24,1 0 16,0 0-8,-2 0 0,0 0 16,3 0 0,-4 0-24,4 0 16,-4 0 24,0 2-8,-1-1 16,1 2-16,-1-3-8,0 1 8,1-1-240,2 0 128,-2 0-344,3 0 248</inkml:trace>
+  <inkml:trace contextRef="#ctx0" brushRef="#br0" timeOffset="6">549-731 128,'3'-5'64,"-2"2"-48,2-2 8,-3 1 24,2 0 24,0-1 16,2-1-24,-3-1 0,0 0-8,1 3 8,0 1-32,-2-2-24,2 1 0,0 0 8,0 2 80,-1-3 56,-1 4-32,0 0 0,0 0-72,0-1-16,0 2-40,0 0 24,0 3-24,-1 2 0,1-1-8,-2 1 0,0 3 0,0-1 0,2 2 48,-2 1 16,0-2-40,2-1-16,0 0-24,-1-1 24,1-1 0,0 3 24,0-2-8,0-3-8,0 2-16,0-3 8,0 2 8,0-4-24,0 0 16,0 0 24,0-1-24,0-3 0,0 1 8,0-1 16,1-2-24,-1 0 0,2-1 24,0-1 8,-2 0-48,0-3 0,0 0 24,0 2 16,0 1-24,0 2-8,0-1 8,0 2 0,2 0 8,0 1 16,-2 1-8,0-2-8,0 3 8,0 0-8,0 1 0,0 0 16,0 1-24,0 0-16,0 0 16,0 1 16,0 0 0,0 1-8,0 0-32,0 3-16,0-2 40,0 2 16,0 2 8,0-1-16,0 2 24,0-1 0,0 2-8,0 2-16,0-4-16,0 1 8,0-1 8,0 0 0,0 0 0,0-1 0,0 0-24,0 0 16,0-1 8,0-2 0,0 2 16,0-1 8,0 0-32,0-2 8,0 2 0,0-2 16,0-2-48,0 0-8,0 3-8,0-3 32,0 0 8,0 0 24,0 0-24,0 0 0,0 0-8,0 0 0,0 0 32,0 0 8,0 0-32,0 0 24,0 0-80,0 0-32,0 0 8,0 0 32,0 0-56,0 0-8,2-3-64,-1-1-16</inkml:trace>
+  <inkml:trace contextRef="#ctx0" brushRef="#br0" timeOffset="7">491-818 416,'-2'0'176,"2"0"-144,-4 1 56,2-1 48,2 1-72,-4-1 40,4 3-64,-3-3 16,2 1-32,-4-1 24,2 1-32,-4 0 32,4 2-32,-5-2 8,3 2-8,-3 1 24,2-2-24,-1-1 8,3 0-8,-1 1-48,4 0 16,-1-2-24,2 0 16,0 0 16,3 0 8,2-2 0,2 0 0,0 0 0,1 0 0,1-5 0,1 2 0,0-4-72,-1 4 40,1-2-80,2 1 72,-1 0-8,-5 3 32,2-1 16,-2 3 0,-3-3 0,3 4 0,-5-1 16,2 1-8,-2 1 0,-2-1-48,1 4 24,-2-2 24,1 1 0,-2 0 16,1 1-16,-3-2-8,2 2 8,-2-2-8,3 2 0,-4-1 0,4-1 0,-4 1 0,1 1 0,0 0 16,3-1-8,-5 1-8,2 3 8,-2-4-8,3 3 0,-5 0 0,3 1 0,-3-1 0,1 2 0,-2-4 0,5-1 0,-4 0 0,3-1-24,1 3 16,1-4-8,2 0 0,1 0 16,1-1-24,0 0 0,0 0 16,1-1 16,1 0-16,2-2 0,1 0 8,1 1 16,0-3-24,2 0 0,1-1 8,-1 3 0,-1-2 16,-2-2 8,2 4-32,-3-2-8,2 0 8,-1 2 0,-2-1 8,1 1 0,-2 2 0,2-2-40,-3 3 24,0-1-136,0 1 88,-1-1-80,3 2 80,-3-1 24,0 0 16,0 0 40,0 0-8,0 0 16,-3 1-16,2 2 0,-1-1 8,-2 2-8,2-2 48,1 0-32,-3-1 96,3 0-64,-5 1 56,4 0-56,-6 0 72,2-2-72,0 3 80,-1-2-80,-1 0-8,1 0-32,0 0-16,1 0 8,0 1-8,3 1 0,-1-3-128,3 0 72,1 0-312,1 0 208</inkml:trace>
+  <inkml:trace contextRef="#ctx0" brushRef="#br0" timeOffset="8">389-775 448,'-3'0'176,"3"0"-144,-5 2 56,1-2 0,4 2-48,-2-2-24,1 3-8,-5 2-8,5-1 0,-3-1 0,4 1 0,-2-4 0,2 2 0,-4-2-40,8 0 24,-4 0-24,2 0 16,2 0 32,0-2 0,2-3-8,0 0 8,4-4 24,-3 3-16,0-1 8,0 1-8,-3 1 112,0 3-72,-2-1 120,1 1-104,-4 2-32,1 2-24,-5 1-40,2 1 16,-4 2 24,3 0-8,-3 2-8,1 2 8,0-3-48,1-1 24,2-1-200,0 1 112,1-3-288,1 1 224</inkml:trace>
+  <inkml:trace contextRef="#ctx0" brushRef="#br0" timeOffset="9">490-698 128,'0'0'64,"0"0"-48,0 0-24,0 0-16,0 1 16,0 0 0,1 0 8,2 0-24,0 1 16,1-1 8,-2 0 0,4-1 0,0 2 0,0-2 16,1 0-8,0-2-24,1 2 8,-2-1 24,3 0-8,-3-2 16,0 3-16,-1-2 32,-1 2-24,1-1 184,-3 2-104,-2-1 152,2 0-144,-4 0-32,2 0-48,-2 0-24,0 0 8,-4 0-32,2 2 16,-3 1-8,3-1 0,-2 2 16,0-1 0,0-1-24,4 1 16,-4 1-8,5-1 0,-3-2 32,3 0-8,-2 0-8,3 0 8,-2 1-48,4 1 24,-2 0 8,0 0 8,0-1-24,2 1 16,-1-2 24,0 2-8,1-3-8,1 0 8,0 0-32,1 0 16,-1-3 8,1 2 0,2-2-24,0 3 16,-2-2 8,3 1 0,-3-4-144,2 5 80,-3-2-184,0 2 136</inkml:trace>
+  <inkml:trace contextRef="#ctx0" brushRef="#br0" timeOffset="10">631-716 416,'0'0'176,"0"0"-144,-3 2-32,0 1-40,3 0 16,-1 1 24,0-1 8,-3 4 16,4-2-16,-2 0-24,2 0 8,-5-2-8,5 2 0,-1-4 32,1 2-8,-1-3-96,2 0 56,-1 0-152,0 0 104</inkml:trace>
+</inkml:ink>
+</file>
+
+<file path=ppt/ink/ink3.xml><?xml version="1.0" encoding="utf-8"?>
+<inkml:ink xmlns:inkml="http://www.w3.org/2003/InkML">
+  <inkml:definitions>
+    <inkml:context xml:id="ctx0">
+      <inkml:inkSource xml:id="inkSrc0">
+        <inkml:traceFormat>
+          <inkml:channel name="X" type="integer" max="2.14748E9" units="cm"/>
+          <inkml:channel name="Y" type="integer" max="2.14748E9" units="cm"/>
+          <inkml:channel name="F" type="integer" max="8192" units="dev"/>
+        </inkml:traceFormat>
+        <inkml:channelProperties>
+          <inkml:channelProperty channel="X" name="resolution" value="1000" units="1/cm"/>
+          <inkml:channelProperty channel="Y" name="resolution" value="1000" units="1/cm"/>
+          <inkml:channelProperty channel="F" name="resolution" value="1" units="1/dev"/>
+        </inkml:channelProperties>
+      </inkml:inkSource>
+      <inkml:timestamp xml:id="ts0" timeString="2019-12-14T15:19:13.547"/>
+    </inkml:context>
+    <inkml:brush xml:id="br0">
+      <inkml:brushProperty name="width" value="0.14092" units="cm"/>
+      <inkml:brushProperty name="height" value="0.14092" units="cm"/>
+      <inkml:brushProperty name="color" value="#FFFF00"/>
+    </inkml:brush>
+  </inkml:definitions>
+  <inkml:trace contextRef="#ctx0" brushRef="#br0">-139-610 288,'0'-2'128,"0"2"-96,-2 0 40,-2 0 32,4 0-56,-2 0-8,0 0-24,-3-1 8,4 1-16,-4-1 48,4 1-32,-5-1 24,4-3-24,-2 2 0,1 1-8,0-1 8,2 0-16,-3-1 48,3-2-32,-2 2 24,3 0-24,-4-1-32,4 0 0,-1 1 8,1 0 0,-2-3 16,2 4-8,-1-3-8,2 1 8,-1-2 24,0 2-16,0-4 64,2 3-48,-1-2 24,3 3-32,-2-3-16,0 2 0,2-2-32,0 3 16,0-3 8,1 5 0,1-4 16,-3 4-8,2-3-8,2 4 8,-1-3 24,1 2-16,0-1 8,0 1-8,0 0 8,2 2-16,-3-2 16,1 2-16,0-3 32,0 3-24,-2 0 8,1 0-8,-2 0 8,3 3-16,-3-3 16,3 1-16,-2 0 32,1 0-24,-3 0-8,2 1 0,1-1-8,-1 3 0,-3-3 16,3 2-8,-3-1-8,2 2 8,-3-2 56,0 2-32,0-2 64,1 1-64,0 1-8,0 1-16,-2-3 8,2 3-8,-2-1 16,0 0-16,0 1-24,1-2 8,1 2-8,-1-2 0,-1 2 32,2 0-8,-1-2-8,1 1 8,-1-2 8,1 3-8,0-2 16,-1 1-16,1-2-8,-1 1 8,1-1-32,-1 1 16,1-1 8,-1 0 0,2-1 0,-2 0 0,1 2 0,-1-1 0,1-1 0,-1 0 0,1 0 0,-1 1 0,1-1 0,1 0 0,-1-1 0,1 1 0,-2-1-24,4 1 16,-3-1 8,2 0 0,-2 0 16,2 0-8,-1 0-8,1 0 8,-2 0 8,2 0-8,-2 0-8,4 0 8,-4-1-8,3 1 0,0-1 48,-3 2-24,2-2 24,-2 1-24,0-1 0,2 1-8,0-1 8,-1-1-16,1 0-8,1 2 8,-2-3 8,-1 3-8,1-4 16,1 4-16,-1-2 48,0 2-32,-1-3 24,2 3-24,-3-3 0,1 3-8,-1-4-16,0 4 8,1-2-8,0 2 0,-1-2 16,0 2-8,3-3-8,-3 3 8,0-3-8,0 3 0,2-4 0,-1 4 0,-1-2 0,2 1 0,-1-3 0,-1 4 0,0-3 0,0 3 0,1-3 0,0 3 0,-1-3 0,0 3 0,2-4 16,-1 4-8,-1-2-8,0 2 8,2-3-8,-2 3 0,-1-3 0,0 1-24,1 2 16,0-4 8,2 4 0,-3-2 0,2 2 0,-2-2 0,2 2 0,1-4 16,-2 4-8,-1-1-24,0 1 8,0-1 8,1 2 0,-1-1 16,0 0-8,0 0 16,0 0-16,0 0 0,0 0 8,0 0-8,0 0 0,0 0 8,0 0-8,0 0 16,0 0-16,0 0 0,0 0-32,0 0 16,0 0-8,0 0 0,0 0-8,0 0 16,0 0 24,0 0-8,1 0 0,2 0-8,-2 0 16,-1-1-24,0 1 0,0 0 24,0 0-8,0 0 0,0 0-32,0 0 16,0 0 24,0 0-8,0 0 16,0 0-32,0 0-16,0 0 16,0 0 16,0 0 0,0 0 16,0 0-16,0 0-24,0 0 8,0 0-8,0 0 0,0 0 32,0 0-24,0 0-16,2 0 32,-2 0 8,0 0 0,0 0 8,0 0-16,2 0 0,-2-3 24,0 3 40,0 0-40,0 0 0,0 0 0,0 0 0,0 0-16,0 0 8,0 0 0,0 0 8,0 0-16,0 0 8,0 0-16,0 0 0,0 0-32,0 0 16,0 0-16,0 0 16,2 0 24,-1 0-8,0 0-8,-1 0 8,2 0-32,-1-2 16,1 2 8,-2 0 16,0-1-24,1 1 0,2 0 8,-3 0 16,0 0-8,1 0-24,-1 0 8,2-1 8,-1-2 0,0 3 0,-1 0 0,1 0 0,-1-2 0,3 1 16,-2-2-8,-1 2-8,0 0 8,2 0-8,-2-1 16,2-2 8,-2 2-32,0-2 8,0 2-40,0 1 8,0-2 16,0-1 24,0 1-40,0 1 8,0 0 8,0-1 24,0 0-16,-2-1 0,2 2-8,-2-1 0,2 0 32,-1 0 8,1 0-8,-3 1-16,2-2-16,1 2 8,0 0 8,0-1 0,0 1 16,0-2-24,0 4-16,0-2 16,0 0 16,0 1-16,0-1 0,0 1 8,0 0 0,0 0-24,0 0 16,0 1-8,0 0 0,0-3 16,0 2 0,1 0-24,2-1 16,-2-1 8,1 2 16,1 0-24,0 0 0,0-2 8,0 3 16,1-3-8,-1 3-8,0 0-16,0-2-8,1 2 16,0 0 16,-3 0-16,0 0 0,3 0 8,-2 0 0,0 0 0,2 0 16,-2-2-24,1 2 0,-1 0 8,0 0 16,3 0-8,-3 0-8,2 0 8,-1 0-8,1 0-24,-2 0 16,2 0 8,-2-1 16,3 1-8,-2 0-8,0 0 8,1 0 8,2 0-8,-3-1-8,0 0 8,3 0-8,-1 1 16,-1-3 8,2 3-8,-2 0-16,2 0-16,-2-1-8,0 0 16,-2 1 0,3-2 8,-3 2 0,2 0 0,-2 0 0,1 0 0,0 0 16,0 0-8,0 0 16,-2 0-32,0 0 0,0 0 8,4 0 16,-4-3-8,0 3-8,2 0 8,-2 0-8,0 0 0,3 0 0,-2 0 0,0 0 0,2 0 0,-1 0 16,-1 0-24,1 0 0,1 0-8,-2 0-16,0 0 40,2 0 8,0 0 0,-1 0-16,0 0 8,0 0-8,1 0-24,-1 0 0,0 0 32,0 0 8,-2 0 0,1-1-16,0 1-16,0 0 8,-1 0 8,2 0 16,-1 0-8,0 0-8,-1 0 8,1 0-8,2 0-24,-2 0 16,1 0 8,0 0 16,1 0-24,-1 0-16,-1 0 32,2 0 8,-1 0-24,1 0-8,-2 0 8,2 0 16,-2 0 0,3 0 16,-3 0-16,2 0-8,0 0 8,0 0-8,1 0-24,-3-2 16,2 2 8,-1 0 16,1 0-8,-2 0-8,3 0 8,-3 0-8,2 0 0,-3 0 0,0 0 0,1 0 16,-1 0-8,2 2-8,-2-1 8,-1 2-8,0-3 0,2 3 16,-2 1-24,1-2-16,-1 2 16,0 1 16,0-1 0,0 1-8,0 2 8,0-3 8,0 3-8,0-2-8,0 1-16,0 0 8,0-1 8,0 1 0,0-2-24,0 1 0,0-2-8,0 2 24,0-1 0,0 1 8,0-1 16,0-1 8,0 0-8,0 1-16,0-1 8,0-1-8,0 0 0,0 2 0,0-2-24,0 2 16,0-1 8,0 0 0,0-1 0,0 2 0,0-2-24,0 0 0,0 2 16,0-2 16,0 1 0,0 2-8,-1-1 8,1-1 8,0 3-24,-2-2 0,2-1 8,-1 2 0,1 0 0,0-3 0,-3 0 0,3 2 0,-1-1 16,-1-1 8,1-1 8,0 0-16,-3 0-16,2 0 8,-3 2 8,3-1-8,-2-1-8,1 0 8,-2 0-8,1 1 0,0-1 16,-2 0-24,1 0 0,-2 0 8,1 3 0,1-4 0,-2 0 0,4 2 0,-3-2 16,1 0-24,-2 1 0,4-1 8,-2 0 16,0 2-8,0-2-8,0 1 8,1-1-8,-1 0-24,0 1 16,2-1 24,-2 1 8,0-1-32,3 1-8,-2 0 8,-1-1 0,2 0 8,-1 4 0,1-4 0,-1 1 0,2-1 0,-2 1 0,2-1 0,-3 0 0,3 0 0,-2 1 16,1-2-24,0 1 0,0 0 8,1 0 0,-2 0-24,2 1 16,-3-1 24,0 0 8,0 2-32,1-2 8,-1 0 0,0 1 0,0 0 0,1 1 0,-4-2 16,5 3 8,-2-2-32,0 0-8,2-1 8,0 0 0,0 0-16,-2 0 16,4 0 24,0 0 8,-3-1-8,3 1-16,0 0-16,-3 0-8,2-1 32,1 1 8,-3 0-24,2-3-8,-3 3 8,4 0 0,-2 0 8,1 0 16,0-2-24,1 2 0,0 0 8,-2 0 16,1-1-8,1 1-8,0 0 8,-2 0 8,2-1-24,0 1-16,0 0 16,-3-2 0,4 2 8,-2 0 0,2 0 16,-2-1-24,2 1 0,-1 0 8,-1-1 16,1 0-24,1 1 0,-2-4 8,2 3 0,-1 0 0,-1 0 0,0 0 0,0 0 16,1 1-8,-1-2-8,1-1 8,-1-1-8,2 3 0,-1 0-24,1 0 16,0 0-8,0-1-16,0 1 24,0 0 0,0 0 8,0-1 16,0-1-8,0 3 16,0 0-16,0-1 16,0 0-32,0 0 0,0 0 24,0-1-8,0 1-8,0-1-16,0-2 8,0 3 8,0 0 16,0-1-8,0-1-8,0 0 8,0-1-8,0 2 16,0 1-8,0-3-8,0 2 8,0-2 40,0 2-24,0 0-24,0-1-8,-2 1-32,2-1 64,0 0 32,0 1-24,-1-2-16,1 2-8,0 0-8,0-2 0,0 2-24,0-1 16,0 0-32,0-1 8,0 4 16,0-2 8,0 1 24,0-2 8,0 2 8,0 0 16,0 0-24,0 0 0,0 0-24,0-1-8,-2 0 8,2 2 16,0 0-8,0 0 0,0 0 8,-2 0-1192,2 2 648</inkml:trace>
+  <inkml:trace contextRef="#ctx0" brushRef="#br0" timeOffset="1">267-819 320,'0'1'128,"0"-1"-96,0 0 8,0 0-8,0 0-16,0 0-32,0 0 8,0 0 40,0 2-16,0 2 32,0-1-32,0 2-24,1-1 0,1 3 8,-1-1 0,2 2 16,-2 0-8,1-2-8,-1 3 8,1-2-8,-1 3 0,1-5 0,2 5 0,-3-3-24,3 0 16,-3 0 8,0-2 0,0-1 0,2 0 0,-2-1 0,1 0 0,-1-2 0,2 1 0,-2-2 16,0 0-8,0-3 32,0 0-24,1-4 8,1 4-8,-3-5 56,0 1-40,0-4 8,0 5-24,0-4-48,0 0 16,0 0 8,0 3 8,-3-3 0,1 5 0,0-3 32,1 5-16,-3-1 8,3 0-8,-5 1-32,5 2 8,-1 0 8,-1 1 0,-2 0 0,4 2 0,-4 1 0,4 1 0,-2 1 0,0 1 0,0 1 0,2 0 0,-2 1-24,3 3 16,-2-1 8,2 2 0,0-3-24,2 2 16,-2-1 8,1-1 0,1-1 0,-1 1 0,1-4 0,2 1 0,-3-2 0,1 2 0,-1-3 0,1 0 0,-1-3 48,1 3-24,-1-6 112,2 2-72,-2-4 24,3-1-56,-2-5 40,3 0-48,-2-2 8,1-1-16,-2-1 8,1 2-16,0-1-8,-3 4 8,0-1-8,2 3 0,-4-2 32,2 7-16,0-3-8,0 1 0,-5 3-8,4 2 0,-1 0 0,1 2 0,-5 1 16,5 1-8,-4 3-24,4 3 8,-3 1 8,4 1 0,-1 0 0,1 3 0,0-1 0,1-2 0,0 0 0,2-2 0,-2 1-24,0-3 16,0 0-8,2-3 0,-2 0 0,1-1 0,-1-3 32,2 2-8,-2-6 16,0 2-16,0-6 16,0 3-16,1-8-24,1 1 8,-3-2 8,0 0 0,0-1 16,0 3-8,-3-2-8,3 2 8,-3 0 8,2 3-8,-1-1 16,-1 4-16,-1-3-8,1 5 8,0-2 8,0 3-8,-2 0-24,4 2 8,-2 2-8,1 2 0,1 2 16,1 3 0,-2 1 0,4 1 0,-2 1 0,1 2 0,1 2 16,-1-3-8,1-4-24,-1 1 8,2-2 8,-2-4 0,0 1-24,2-1 16,-2-6 8,0 0 0,0-3 16,2-2-8,-2-3-8,1 1 8,-2-3-8,0 1 0,-2-2 0,2 5 0,-1-3 16,1 3-8,-4 0-8,3 0 8,-3 0 8,4 4-8,-2-1-8,2 1 8,-4 1-8,4 2 0,-3 0-24,3 1 16,-2-1-8,4 2 0,-2-1-24,0 0 24,0 1 8,1 1 8,-1 2 0,2 1 0,-1-2-24,3 2 16,0-2 24,-1 0-8,3-2-8,-1 1 8,0-2-8,3 0 0,-1-1 0,1 0 0,-1-2 16,4 0-8,-3-2-8,-1 4 8,0-2-8,-1 0 0,-2 1 16,1 2-8,-4-2 16,1 2-16,-2-2 32,0 4-24,-3-2-24,1 0 0,-3 0-32,1 0 24,-7 0-8,6 0 8,-5 0-24,4 2 24,-5-2 8,4 0 8,-2 0-24,1 2 16,2-2-8,0 3 0,0-3 32,1 1-8,0-1-24,2 0 8,0 0-48,3 0 32,0 0-8,1 0 16,-1-1 32,3 1-8,0-3-8,5 3 8,-2-4-32,1 2 16,-1-1 24,4 2-8,2-4 16,0 2-16,-2-1-24,0 2 8,-2-3 24,-1 4-8,0-3 48,-2 4-32,-4-2 24,2 2-24,-3-1 24,0 1-32,-3-3-8,2 6 0,-4-3-32,0 0 16,-3 0-8,2 2 0,0-1 0,-1 3 0,-1-3 32,1 0-8,0 0-8,2 3 8,-2-3-32,5 0 16,-3-1 8,2 1 0,0-1 0,2 0-24,2 0 16,-1 0-32,0 2 24,0-2 8,3 2 8,0-2 0,4 0 0,0-2-24,-1 2 16,0-2 24,3 2-8,-3-2 32,2 1-24,-4-3-8,3 4 0,-3-2-8,0 2 0,-2-1 64,1 2-32,-3-2 40,2 1-40,-5-3-16,1 6-8,-3-3 8,0 0-8,-3 0-8,4 1 8,-6 0-8,4 0 0,-2 2-24,2-1 16,-4-1-8,7 0 0,-7-1 16,7 0 0,-4 0 16,3 2-8,1 0 16,0-1-16,-2-1-24,4 0 8,-2 0-8,3 0 0,-2 0 16,1 0-40,2 0 24,-1 0-8,0 0 8,0 0 32,2 0-8,-1 0-24,2 0 8,0-1-8,-1 1 0,2-2 16,1 2 0,-1-2 0,2 2 0,0-1 16,0 0-8,-1-1 32,-2 2-24,2-3-8,-3 3 0,1-1-32,-1 2 16,-1-1 24,3 0-8,-4 0 32,1 0-24,-2 0-8,-3 0 0,2 0-32,-2 0 16,1 0 8,-1 0 0,-3 0 0,2 0 0,-2 0-24,4 0 16,-4 0 8,3 0 0,1 0 0,-1 3 0,-1-2 0,3 0 0,-2 0 0,2 2 0,-2-1-24,3-1 16,-1 1 24,2-2-8,-1 4 16,-1-1-32,1 3-16,-1-1-8,1 1 24,1 0 0,0-2 24,0 3-8,0-2-8,0-1-16,0 1 8,0-1 8,1 2 16,1-3-24,-1 1-16,1-1 16,1 2 0,1-3-16,-1 0 16,0-1 8,0 0 16,1-1-8,-2 0-8,2-1 8,-2-2 8,2 1-8,-2-4 16,2 2-32,-3-1 0,0-2 24,0 2 8,-1-2-8,0 2 8,0-2-32,0 3 0,-1-4 8,0 2 0,0-1-24,-2 3 16,2-1 24,-1 3 24,2-1-32,-1 0-24,1 2 8,0 1 16,-3 0-16,2 0 0,1 0 24,0 0 8,0 0-32,0 0-8,-1 2-16,1 3 0,0 1 24,0 1 16,0 1 0,0 1-8,1 1 8,-1-2 8,1 3-24,-1-1 0,0-2-8,0 3 0,0 0 16,0-2 16,0 0-24,0-1 0,0 0 8,0-4 16,3 1-8,-3-1-8,0-2-16,1-1-8,1-1 16,-1-1 0,2-3 8,-2-3 16,1 0-8,1-2-8,0-1 24,-1 0 0,1-1-8,-3 3-16,0-1 8,0 3-8,-3-2 0,1 0 0,-3 3 0,3 1 0,-3-2 16,2 4 8,-2 0-32,0 0 8,0 2-16,1 2 0,-1 0 16,0 4 0,2-1-24,0 1 16,0 2-8,0 0 0,1 0 16,2 3 0,0-1-24,0 0 16,2-2 8,-2 0 0,3 0 0,0-1 0,0 0 0,0-2 0,1 0-24,-1-1 16,0-1 24,0-1 8,2-1-32,-1 2 8,-2-3 0,2 0 0,0-3-24,0 2 16,-1-1 24,2-2 8,-3-2-8,2-1 8,1-2-16,-2-1-8,1 0 8,-2-2-8,2 2 0,-2 0 16,-1-1-8,3 0 16,-3 1-16,-1 1 16,0 0 0,0 2 8,0 1-40,0 1 8,0 3 0,0-2 0,-1 3 0,-3 2 0,2 5 0,-2-1 16,2 2-24,-3 1 0,3 4-8,1 2 0,-2 1 0,2 2 0,0-2 16,1-1 0,0-1 0,1-1 16,0-4-8,2-1-8,0 0 8,1-2-8,-2-1-24,2-4 0,-2 0 32,3-2-8,-3-4 0,2-1 8,-2-4 8,2 1-8,-2-4-8,-1 1 8,-1-2-8,0-1 16,-1 2 8,-1 1-32,0 2-8,-1 0 8,2 5 32,-3-1 24,2 3-40,-4-1-16,1 3 0,-1 0 16,-1 2-56,0 2 32,0 2 0,1 2 16,-2 2 0,3-2 0,-2 4-40,4 0 24,-1-2-48,0 3 40,2 1-8,2-1 16,-1 0 16,2-2 0,-1 2 16,2-2-8,-1 0-8,3-1 8,-2-2-32,1-2 16,-2 3 24,2-2-8,0 1-24,-2-3 8,0 0 8,2-1 0,-2-1 16,0 4-24,-1-5-16,0 1 16,1-1 0,2 0 8,-2-1 0,2-3 16,0 2 8,-1 1-8,0-3 8,0 1 16,1-1 16,-3 1-8,2-1-8,1 0-8,-2 0 16,0 2-24,-1-1-16,0 0 0,0 2 8,0-1 8,0 1-32,0-1 8,-1 1 16,0 0 8,-4 0-8,2 1-16,0 0-16,2 0 8,-1 0 8,-2 1-56,2 0 0,1 2-16,-2 0 24,3 0 32,0 0 8,3-1-16,-2 0 16,2 1-8,2 0 0,-1-3 16,4 1 0,-2-1-24,2-1 16,-1 0 8,2-1 16,-1-2 24,0 2 32,-1-2 0,-1-1 0,-2 1-8,1 0 16,-2-3-8,-1 4 0,-2-1-40,0-1-8,-2 2-8,-1 1 8,0-1-32,-2 3 0,-1 0-8,-2 0 0,0 4 16,0-1 16,-1 1-24,2 1-16,0-1 16,1 0 16,0 1-56,1 0-24,3-1 0,1 2 24,1-3-16,0 3 24,1-2 24,0 0 8,2 0 8,0-2 0,2 1 0,-2-1 16,3-1-8,0 0-8,0-1-16,1 0 8,1-1 8,0-1 0,1-2 32,-2-2 16,1-1 0,0-1-8,-1 0-24,-1 0 8,0-2-16,-4 3 16,2-2-16,-3 2 16,-1 1 0,0-1 8,-1 2-16,-3-1 8,2 4-16,-4 1-8,1 0-16,0 1-8,-1 2 16,0 3 16,-1-1-16,2 1 0,-1 1-48,3 1 0,0 0 24,0 1 16,1-1-8,0 2 0,2-3 16,2 2 0,0-4-16,-1 2 16,2-2 8,0-2 0,-1 0-24,3-2 0,0 0 16,-1-2 16,0 0 0,0-2 16,1-3 0,0 2 24,-2-2-40,1-2-8,-2 1 0,-1-2 16,3 0 8,-4-1 24,0 4-24,-4-1-16,2 3 0,-2-1 8,0 3-8,0 1 16,0 2-32,-1 1 0,0 1-8,1 5 0,0-1 0,2 5 0,-3-2 0,3 0-16,0 1 0,1-2 24,1-1-16,0-1 8,0-2 0,1 1 0,1-2 16,-1-1 16,0-2-24,0 0 0,4-2 8,-2-3 16,-1 1-8,-1-1 16,0-4-16,1 2-8,0-2 8,-2 1-8,0-2 0,-2 4 0,0-1 16,0 0 24,-2 0-32,2 4-24,-3 0 8,3 2 0,-3 2 24,0 3 8,2 4-48,0 0 0,0 2 8,-2 1 8,3 0 8,1 0 16,-2-3-24,2-1 0,1-1-8,0-2 0,0 0 0,1-2 0,2-2 32,-2-1 8,1-2-8,3-5-16,-2-2-16,0-2 8,0 2 8,1-2 16,-3 0-8,1 0 16,-2 1 0,0 0 8,0 4-16,-2-2-16,1 3 24,-1 1 0,-2 3-32,2 1-8,-2 1-16,-2 2 0,3 4-48,-2 2-16,0 4 40,-1 1 24,3 0 24,-2 1 8,5-1-24,-3-1 16,3 0-8,0-3 0,0-3 16,3 0 0,-3-2-24,2-2 16,1 3 8,-2-5 16,0-5-24,3 4 0,-1-4 24,1-1-8,-2-2-8,3 1 8,1-5-8,-2 4 0,0-3 0,3 1 0,-2-2-24,-2 4 16,3-1 8,-1 2 0,-2-2 0,1 5 0,-3-1-24,2 3 16,-1-4 24,-1 5-8,1-2-8,-1 3 8,1 0-32,2 3 16,-2-1 8,2 3 16,-2 1 8,2-1-48,-2 1 0,2 0-64,-3 1-8,0-2 16,0 3 32,1-3 24,-2 1 32,3-1 16,-3-3 8,0 0-56,0 3 0,0-5-32,0-2 16,0-2 24,0-1 8,0-2 8,-3 1 16,1-2 8,1 1 8,0-1-40,-3 2 8,1-2 0,-3 1 0,1 1 0,0 1 0,2 0 16,0 1 24,0 2-32,0-1-24,-1-1 8,2 1 0,1 2-16,0 0 0,1 0 16,0-2 0,1 1-16,0 1 16,3-1 8,-1 0 16,2 1-8,-1 0-8,2 0-16,0 0 8,0-2 8,-3 2 0,2 1 0,1 0 16,-3 1 8,2 2 24,0-2-8,-3 0 0,2 1-48,-2 2 8,-1-1 16,3 0 8,-4-1-8,0 0-16,0 2 8,0-2 8,0 1-8,0-2 16,0 0-16,-5 0-24,4 2 8,-4-1 24,3 1-8,-8-2-8,7 2 8,-8-2-32,4 0 16,0-1 24,0 1-8,0-1-8,2 0 8,-1 0-32,1 0 16,0 0-8,4 0 0,0-1 0,2 1 0,0-1 16,5 0 0,-1-2 0,2 2 0,-1-4 16,2 2-8,0-3 16,0 0 16,-2 3 16,1-1-48,-1-1 0,0 1-8,-3-1 16,2 3 8,0-2 8,-3 2-16,2 1 8,-2 0-32,0 1 0,0-3 8,0 3 16,-1 0-24,1 0-16,0 0 16,-2 0 16,0 0 0,0 0 16,0 0-16,0 0 0,-2 0-8,0 0 0,-1 3 16,-1-1-8,-1-1-8,2 3 8,-2-3-8,3 1 0,-4 1 0,1-2 0,0-1 0,4 1 0,-1-1-40,2 0 24,-3 0 8,6 0 8,-3 0-24,2 0 16,2-1 8,-2 1 0,4-1 16,-1-2-8,-2 1-8,4 1 8,-2-3-8,2 3 0,-2-1-24,-2 2 16,1-3 8,0 3 0,-2-2 32,-1 2-16,0-1 8,1 2-8,-2-1 8,0 0-16,-2 0-8,1 0 8,-4 0-48,2 0 24,-2 0-8,3 0 8,-3 0-24,1 2 24,-3-2-8,4 0 8,-4 3 0,2-1 0,-2-1-24,2 3 24,-2-3-64,5 1 48,-4 1-24,1-1 32,3-1-40,1 2 40,-2-1-8,3-1 16,3-1 16,-1 2 0,4-4 0,-1 2 0,-2-3 0,4 1 0,-1 0 16,2 1-8,-2-4 16,1 4-16,-2-4-8,1 4 8,-3-1 24,0 2-16,-2-3 8,1 3-8,-2-3 24,3 3-24,-3-4 64,0 4-48,-3-2 24,3 2-32,-2-1-48,1 1 8,-4-1 8,4 2 8,-5-1-24,4 1 16,-4 0 8,2 0 0,1 2 32,0-1-16,0 0-24,-1 2 0,1-3-8,0 1 0,2-2 0,1 3 0,-1-3 0,2 0 0,0 1 16,2-1 0,-1 1 0,3-1 32,-2 0-16,2-1 32,0 1-32,1-1-8,0-2 0,-1 1 8,-1 2-8,-2-1-8,4 1 8,-2-1 8,-2 1-8,0-3 32,0 6-24,-2-3 64,2 0-48,-4 0 40,2 0-40,-4 0 0,3 0-16,-4 0-32,2 0 8,-2 0-8,3 0 0,-5 0 16,2 1 0,-2 0 0,2 0 0,-1 0 0,0 3 0,0-3-24,4 0 16,-4 2-8,4-1 0,-2-2 0,4 1 0,-1-1 0,1 0 0,-1 0 0,2 0 0,-1-1 16,1 0 0,2-4 0,-1 3 0,-1-3 16,4 3-8,-3-3-8,2 3 8,-3-3-8,0 4 0,0-3 0,3 3 0,-3-1 0,0 2 0,-1-1 0,0-2 0,0 6 0,0-3-24,0 0 16,0 0-8,0 1 0,-1-1-24,1 2 24,-1 2-24,-3-2 16,2 0 16,2 2 8,-4-1-24,4 1 16,-2-2 24,2 2-8,-1-2-24,2 2 8,-1-2-32,0 2 24,0-1 24,0-1 0,0 2-8,0-2 8,0 1-32,0 1 16,0-1 8,1 0 0,0 0 16,2 2-8,-3-2 16,1-1-16,-1 0-40,1 2 16,0-2-8,3-1 8,-3 1 32,0-1-8,0-2 32,2 1-24,-2-3-8,0 1 0,-1-3 24,0 2-16,0-5 64,0 4-48,-1-3 24,1 2-32,-4-1-16,3 3 0,-1-2 24,-2 3-16,1-2-24,-1 3 0,-1 1-32,2 1 24,-3 3 8,0 1 8,0 4 0,4 0 0,-4 5-24,5-1 16,-2 0 8,3-1 0,0-2 0,1 3 0,1-4 0,-1-2 0,1-3 0,2 0 0,-2-4 0,3-1 0,0-4 0,-2-2 0,1-4 16,-2 5-8,3-5-8,-3 0 8,-1-2-8,3 4 0,-3-2 16,0 2-8,-1-2-8,4 7 8,-4-4 8,0 3-8,-4 0-8,4 3 8,-1-2-8,1 3 0,-1 0-24,0 1 16,-2-1 8,3 2 0,-1-1 16,0 2-8,-3 3-24,2 1 8,-1-1-8,0 3 0,1-2 16,2 2 0,-1-1 0,1 0 0,0-4-24,1 4 16,-1-4-8,1 0 0,0-1 0,2-1 0,-2-2 32,1 1-8,0-2 16,2 1-16,-3-2-24,0-2 8,2-2 24,-2 3-8,0-4 16,0 2-16,-1-1-24,0 4 8,0-3 8,0 1 16,0 2 8,-1-2-8,1 1-16,-1 2 8,0 1-8,-2 0 0,1 1 0,-2 1-24,1 0 0,1 1-8,-3 2 0,0 1 0,2-2 24,-2 3-16,1 0 8,1-1 16,0 2 16,0-3-24,1 1-16,2 0-8,0-2 24,2 2-16,-1-3 8,2-1 16,0 1 16,1-4 8,0-1 24,1-2-40,1 0-8,-1-1-16,-3 0 0,1-3 32,1 2 8,-2 2-8,1 0-16,-2-1 8,0 1 8,0 2-24,3-2 0,-3 3 8,0-2 0,-1 2 16,0 1 24,0-2-32,0 2-8,0 0-16,0 0-16,0 1 24,0 0 0,0 0-48,0 2 0,0 2-16,0-1 24,1 2 16,2-2-8,-2 3 8,0 0 24,0-1 16,3-2 16,-4 1-8,0-1-16,0 0 8,0-1 8,0 0-48,0 2 8,0-2 24,0 2 32,0-4-24,0 2-8,0-1 16,0-1-24,0 0 16,0 0 0,0 0 32,-4 0-24,3 0-8,0 0 0,-4-1-8,4 1 0,-5-1 0,5 1 0,-4-1 0,4 1 0,-5-1 0,4 1 0,-3-3 16,3 3-8,-4-4 16,2 4-16,0-3 16,0 3-16,0-2 16,1 2-16,-2-1-8,1 1 8,0 0-32,2 1 16,-4 0-32,5 1 24,0 0 8,1 2 8,0-1-24,1-1 16,0-1 8,5 2 0,-1-3 16,2 2-8,-1-4-24,2 2 8,0-3-8,0 1 0,-1-2 16,1 0 0,-2-1 16,4 1-8,-3-3-8,-1 5 8,-2-3-8,1 4 0,-3-1 48,1 2-24,-3-3 8,1 3-16,-1-1-48,0 2 16,-1-1-48,0 3 40,-3-2-8,1 0 16,-2 0 0,1 3 0,-3-3-40,5 1 32,-4 2-8,0-1 16,-1-3 16,1 4 0,-1-4 0,1 0 0,0 0 0,2 0 0,-3 0-24,4 0 16,-1 0-8,2 0 0,-2-1 0,3 1 0,0-3 16,1 0-24,1 1 16,0-1 8,5 2 0,-2-4-24,1 4 16,0-1 8,2 2 0,-4-3 0,4 6 0,-1-3 0,1 0 0,-2 0 0,2 0 0,-1 0 16,0 0-8,0 0-8,-2 0 8,0 0 8,-1 0-8,-1 0-8,0 0 8,0 0 8,-2 0-8,0 0 16,3 0-16,-3 0 0,-3 0-8,3 1 0,-3-1 0,3 1 0,-3-1 16,1 1-8,-3-1-8,3 3 8,-3-2-48,4 0 24,-1 0-64,-2 2 48,2-1 8,1 1 24,-2-3 16,3 0-8,-1 0-24,1 0 8,-1 0-8,1 3 0,-1-2 16,1 1 0,-4 3 16,3 0-8,-1-1-8,2 3 8,-4-2-48,4 3 24,-2-3 8,2 3 8,-5-3 16,4 2-8,-1-1-8,2 2 8,-3-5-32,3 3 16,-1-3-8,2 1 0,-1-4 32,3 0-8,-2-3 16,1-1-16,0-2 16,2-1-16,-3-1-8,3 0 8,-3-2-8,0 2 0,0-2 16,-1 1-8,0 3-8,0-1 24,-1 2 0,0 1-32,-3 4 8,2 0 0,-2 5 0,1 1-40,-2 1 8,2 2 16,-2 2 24,3-2-16,-2 4 0,3 0-8,-1 0 0,2-1 0,2-4 0,-1 1 16,0-4 16,3 1-24,-2-4-16,3 2 16,-3-4 16,2-1-16,-2-4 0,3-1 8,-3-1 16,2 0-24,-2-4 0,3 1 24,-3-1 8,-1 2 8,2 1 0,-2-2-16,0 4 8,-1-2-32,0 2 0,0-2 24,-1 2 24,0 2-32,-2 1-8,1 2-16,-3 1 0,3 4 0,-3 3-16,0-1-16,0 3-8,-1 3 32,-1 0 8,0 1 16,0 0 16,3 0-8,1-1-8</inkml:trace>
+  <inkml:trace contextRef="#ctx0" brushRef="#br0" timeOffset="2">384-688 680,'2'6'-24,"1"-1"16,1-4 0,2-1 24,-1-2 24,0-4 0,1 2 16,-1-2-16,1-3 0,-2 0-8,1 0 16,1 1-40,-4 0-8,2 0 16,-1 1 8,-3 2 24,4-1 8,-4 3-8,0-3 8,-4 3-48,4 2-8,-3 1 0,-1 1 0,2 4-24,-4-1 16,1 3 8,1 0 0,-1 2-40,-1 0-8,0 2-32,1-1-8,1 0 8,1-1 32,-1 0 24,1 0 16,2-3-16,1 1 16,1-4-8,1 2-16,2-1 24,-1-2 0,0 0 8,-1 0 16,3-2 40,-3 0 48,3-2-24,0 1 16,0 0-40,-1-1 8,0-2-24,-2 1 0,3 0-8,-3 1 0,2 0-16,-3 0-16,1-2 8,-2 3-8,4-1 16,-3 1 8,-1 0 56,0 0 32,0 0-40,0 1-24,-5 0-64,3 0-48,-2 0-16,2 1-16,-4 0 16,1 1-8,0 1 16,-4 3 24,1-3 24,2 1 0,0 1 8,1-1 16,0 0 0,2-1-24,2-1 16,1 2-8,1-2-16,2 2 24,0-2 0,3 0-16,-2-2 16,0 0 8,3 0 16,-2-2 24,2 0 16,-1-1-8,-1 1-8,-1 0-8,1-3 0,0-1 0,1 1 0,-3-2-16,2 2 8,0-2 0,-3 2 8,2 0 0,-3 0 16,0 3-8,-1 0 0,0-1-24,-1 1 8,0 2-32,-3 0 0,2 0-48,-3 2-24,0 1-8,2-1 8,-3 2 32,0-1 8,-1 4 0,2-2 8,1 2 0,-1-4 24,1 2-16,3 1-8,1-2 24,1-1 16,2-1 16,-2 1 8,2-3-56,1 0-16,-2-3 48,3 2 32,1-1 16,-3-2 8,3 1-16,-1-4 8,0 1-32,-1-3 0,1-1 24,-1 2 8,-2-1-8,0 0-8,2 1-8,-3 1 0,-1 0-16,-1 0 8,-3 2 0,2 2 24,0-1-24,-2 2-16,2 2-40,-3 2 0,3 2 16,-2 1 8,2 1-16,-4 2 16,5 1 8,-3 0 16,4 3-8,-1-3-40,1 2 16,0-2-8,1-3 8,0-2 0,2 2 0,-2-5 32,1 0-8,2-3-8,-2 0 8,-1-6-8,3 4 0,-3-7 16,4 2-8,-4-4 16,2 3-16,-1-3 32,-1 5-24,-1-3 8,1 2-8,-1-1-32,0 3 8,0 1 8,0 0 0,-1 2 0,1 1 0,-1 2 0,-1 1 0,-1 3 0,2 2 0,-5 4-24,5 1 16,-3 4-8,4 0 0,-1 0 16,1-1 0,-1-3 0,2 0 0,-1-2-24,1-2 16,0 0 8,2-4 0,-2-2 16,2 1-8,0-4-8,-1 0 8,0-5-8,1 1 0,-2-5 32,1 3-16,2-4 48,-3 3-40,-1-1-8,1 3-8,-1-3-8,0 5 0,-1 2 16,1-2-8,-1 2-8,-3 2 8,2 2-48,1 0 24,-4 3-24,4 3 16,-5 1 0,4 3 8,-3 3 16,4 0 0,-3 1-24,2-1 16,1-2 8,1 1 0,-3-3-24,6-3 16,-3 0 8,1-1 0,1-4 16,2-1-8,-3-4-8,1-1 8,1-2-32,-1-3 16,0-3 8,2 3 0,-3-4 32,3 3-16,-3-3 48,0 3-40,1 0-8,-2 4-8,0-3-8,0 4 0,0 1 0,0 1 0,0-2 16,0 4-8,0-1 16,0 3-16,0-1-8,0 2 8,0 2-32,0 3 16,-2 0-48,1 1 32,-2 1-24,3 0 24,-3-1 0,3 1 8,-4-2 0,4 0 0,-2-4 0,4 3 0,-2-4 0,0 0 0,0-2 0,0 0 0,0-4 16,0 1 0,0-2 0,3 0 0,-2 0 0,2 0 0,-1-1 0,-1 1 0,0-1 0,1 3 0,2-1 0,-2 0 0,2 2 0,-2 1 0,3-1 16,-3 1-8,1-1-24,0 3 8,-1-2-8,2 2 0,-3-1 16,2 2 0,-1-1-24,1 0 16,-2 0 24,1 2-8,1-2 16,-2 5-16,-1-3-8,1 2 8,-1-2 24,0 4-16,-1-4-8,1 2 0,-4-1-64,2 1 32,-1-2-8,2 2 16,-4-4 32,4 2-8,-3-2-8,2 1 8,-1-1-32,2 0 16,-2-1-8,3 1 0,-4-2 16,4-1 0,-2 0 0,2-1 0,-1-1 0,2 2 0,-1-4 0,2 4 0,-2-2 0,3 0 0,-2 2-24,2 0 16,0 0-8,0 1 0,1-3 16,0 4 0,1-2 32,1 3-16,-3-1-24,2 1 0,-1-1 8,2 2 0,-2-1 0,2 0 0,-4 0 0,2 1 0,-3 0 16,0 2-8,-1-2-8,4 3 8,-8-1 8,4 1-8,-1-2 16,0 3-16,-3-2-8,2-1 8,-4 1-32,4-1 16,-6 3 40,4-3-16,-2-1 8,1 1-8,-1-2-32,1 1 8,-2-1-8,4 0 0,-2 0 0,0 0 0,1-1 16,2 1 0,0-2 0,-2 2 0,2-1-24,2 1 16,-1-1 8,1 0 0,-1 0-24,2 1 16,-1-4 8,3 4 0,1-2 0,-2 1 0,2-3-24,0 3 16,1-4 24,1 5-8,1-4-8,-1 2 8,2 0-8,-2 1 0,-3-4 0,3 5 0,-5-2 0,3 2 0,-3-1 32,0 2-16,-1-1-8,1 0 0,-2 0 8,0 1-8,-2 0-24,1 2 8,-2-1-48,0-1 32,-2 0-24,1 0 24,-1 1-16,1 0 16,-2 0 0,3-2 8,-3 0 32,4 3-8,-2-3-24,3 0 8,-4 0 8,5 0 0,0 0-24,1 0 16,-2 0-8,4 0 0,-2-3 0,0 3 0,0-2 16,1 0 0,0-2 0,1 3 0,2-5 0,-2 5 0,2-3-24,-2 3 16,3-1 8,-3 2 0,1-4 0,2 4 0,-1 0-24,0 0 16,-1 0 24,0 0-8,2 0 16,-3 0-16,-1 0-8,2 0 8,-2 0 8,0 0-8,-1 0 0,0 0 8,0 0-8,0 0 0,-1 0-32,1 4 16,-1-3 8,-2 0 0,1 0 16,1 2-8,-5-2-8,4 1 8,-2 1-8,2 0 0,-3-2-24,3 0 16,-1 1 8,2-1 0,-1-1-24,2 1 16,-1-1-8,2 0 0,-1 0 0,2 0 0,-1 0 32,1 0-8,1 0-8,1 0 8,0-1-32,1 1 16,1-1 8,0 1 0,0-2 16,0 1-8,-1-1 16,2 2-16,-2-2-24,2 2 8,-2-3 8,0 6 0,-2-3 0,2 2 0,-2-1 0,1 0 0,-4 0 32,2 2-16,-1-2-8,2 1 0,-3 1 8,1 0-8,-2-2 16,-2 0-16,0 2-8,3-1 8,-6 2-32,4-3 16,-4 0 8,2 0 0,-2 0 16,3 1-8,-4-2-8,2 1 8,-2-2-32,2 1 16,-2-2 8,4 2 0,-3-1-24,1 0 16,1-1 8,2-2 0,-1 2 0,2 2 0,-3-3-40,4 3 24,-2-2-8,2 1 8,0-4 16,2 3 0,-1-2 0,3 3 0,-1-3 16,0 1-8,2 0-8,0 1 8,0 0 8,0 2-8,3-2-24,-2 2 8,-2-4 8,2 4 0,0-2 16,0 2-8,-1-1-24,1 2 8,-2-2 8,0 1 0,-1-1 0,2 2 0,-1-1 16,1 0-8,-2 0-24,2 1 8,-3 1 24,2-2-8,-2 4 16,-1-2-16,1 0-8,-1 1 8,-1 2-8,2-1 0,-2 0 0,0-1 0,0 3 16,0-2-8,0-1-8,0 3 8,-2-4-8,2 1 0,-1-2 0,-1 2 0,-1-1 16,1 0-8,-1-2-8,2 2 8,-3-2-8,3 1 0,-4-1 0,3 0 0,-3-1 16,4 1-8,-4-2-24,3 2 8,0-4 8,2 3 0,-4-3 0,4 2 0,-2-1-24,2-2 16,-2 2 8,4 1 0,-2-1 0,0-2 0,0 2 0,1 0 0,-1 0 16,0-2-8,0 2-8,1 1 8,-1-1-32,2 2 16,-2-3-8,2 4 0,-2-3 16,2 3 0,-2-1 16,2 2-8,-1-1-8,2 0 8,-2 0 8,0 3-8,1 3 0,-2-1-32,0 2 16,-2-1-8,2 2 0,-1-2-40,0 3 32,-3-2-80,4 1 64,-2 1-56,2-2 56,-4 0 0,4 0 24,-2-1-24,2-1 24,-1 0-24,1 1 16,-1-4 0,2 3 8,-1-4 0,0 2 0,0-4 16,0-3 0,0 0 0,0-3 0,1 4 0,-1-6 48,2 4-24,0-5 24,0 5-24,-2-1-16,0 0 0,0-2 24,0 2-16,0 0 8,0 1-8,0-1-16,0 2 8,0-1 8,0 3-8,0-2-8,0 3 8,0-4-8,0 3 16,0 2-8,0 0-40,2 1 16,-2 0 8,1 5 8,-1-2 16,3 0-8,-3 3-24,0-1 8,0 2-32,0-1 24,0 3 8,1-2 8,-1 0-40,0 0 24,0 1-24,0 1 16,0-2-16,0 0 16,0-3-16,0 1 16,0-3 16,1 2 8,-1-5 48,0 4-24,0-5 24,0-2-24,0-1 24,0 1-32,0-4 48,2 3-40,-2-5 8,2 4-16,-2-4 8,1 2-16,-1-2-8,2 3 8,-2-3-8,0 3 0,0-4-24,0 5 16,0-1 8,0-1 0,0 0 0,0 2 0,0 1 0,0 1 16,0-2 8,0 4-8,0 0-16,0 0 8,0-1-8,0 1 0,0 2-24,0 2 16,0-1 8,2 4 16,-2-1-8,0 3 16,0-2-16,0 2-8,0-2-48,0 3-8,0 1 8,0-4 8,0 1 0,0 1 8,0-2 0,0-1 24,0 1 0,0-1 8,-2 0 0,2-3 16,0 1-24,0-3 0,0 0 24,0 0 8,-2 0-32,1-2 8,1 0 0,0-2 16,0 0-8,0-1-8,0-2 8,0 2-8,0-2 16,0 0 8,0 1 8,0-1 16,0 1-8,-2 1 0,0 0-24,2 1 8,0 1-16,0-2-8,0 3 40,-1 1 8,1-1-40,0 2 0,0 3-8,-1 3 0,1-3 16,0 2-8,0 2 16,0-1-32,0 2-16,0-1 16,0-1 16,0 3-16,0-1 0,0 0 8,0 0 0,0-2 0,0 1 0,0-3 0,0 1 0,0 0 0,0-3 0,0 0 0,0 1 0,0-1 16,0-2 8,0 0-8,0 4 8,0-4-32,0 0 0,-3 1-8,2 0 0,1-1 32,-2 1 8,0-1-32,-2 0 8,2 0 0,-2 0 16,1 1-8,-1-1-8,2 2 8,-2-1 8,2 0-8,-3 2 16,3-1-32,-2-1 0,3 0 8,-4 0 16,3 0-24,-1 0 0,0-1 24,0 0 24,-1 2-16,2-2 0,-2 1-8,2 1-16,-3 0 8,1 0-8,1-1 32,0 0 16,-3 0 0,3-1-8,-1 1-24,-2-1-16,4 2 8,-3-2-8,0 0 0,3 0 16,-2 0-24,0 0 0,-1 0 8,0 0 16,3-2-24,-3 2 0,3 0 8,-2-1 16,2 0-24,-2 0 0,1 1-8,-1 0 0,3 0 16,0 0 0,0 0 0,1 0 16,-2 0-24,0 0-16,2 0 16,-1 0 0,-1 0 8,2 0-24,0 0 16,0 0-8,-1 0-16,1 0-48,0 0-16,0 0 56,0 0 16,1 0 0,1 0 16,-1 1 8,1-1 16,1 1-24,-1-1-16,2 0 16,-1 0 16,1 0 0,1-1 16,-2 0-32,2 0-16,0-1 16,-1-2 16,1 3 0,0-1-8,-2 1 8,2 0-8,-2 0 16,0 0 24,0 0 0,1-1 0,-3-1-24,1 2 8,-1 0-16,1-1 16,-1 2 0,-1 0 8,0 0-16,0 0-8,0 0 8,0 0 8,0 0-8,-1 0-8,-2 0-8,0 0-24,-1 0 0,1 0 32,0 0 8,1 0 0,1 0-16,0 2-16,-3-2-8,4 0 16,-2 0 0,0 1-16,0-1 16,-1 1-8,-1 2-16,2-1 0,0-1 24,-2 0 0,3 0 8,-4 0 0,3 0 0,1 1-40,-2-1 8,2 1 0,0 0-8,0 1 32,-2-1 16,0 1 0,-1 0-8,2-1 8,-1 2-8,0-3 0,1 0 0,1 3-24,1-4 16,-3 0 24,3 0 8,0 0-32,-1 0 8,0 0-24,0 0 16,-4 0 8,3 0 0,-1 0-24,6 0 16,-3 0-8,0 0 0,2 0 16,3-3 0,-2 2 0,3-1 0,-1 1 0,-2-4 0,4 4 0,-1-4-24,0 4 16,1-3 8,0 2 0,0-1 16,-1 3-8,-1-3-8,0 3 8,-3-1-8,3 1 0,-4-1 0,2 2 0,-2-1 0,1 0 0,-2 0 16,1 0-8,-1 0 16,0 0-16,0 0 32,0 0-24,0 0 32,0 0-32,0 0-8,0 0 0,0 0 8,0 0-8,0 0-40,0 0 16,0 0-24,0 0 16,0 0 0,0 0 8,0 0 32,0 0-8,0 1-8,2 0-16,-1-1 8,2 0 8,-2 0 0,2 0 0,0 0 0,0-1 32,2 0 16,-3 0-40,2-1 0,-2-3-24,2 3-16,-4-1 0,3 1 24,-2-3 16,1 3 16,0-1-8,-1 0 8,0-1-16,-1-3-8,0 3 8,0-4-8,0 0 0,0 1 16,-1 1-8,0 1 16,-1-1-32,0 2-16,-2 0 16,4 0 16,-4 1 0,2 0-8,-1 2 8,0-1-8,-2 2 0,1 0 16,1 2-8,-3-2-24,3 2 8,-3 1 8,1 3 0,-1-1-40,3 3 24,-2 1-80,2-1 56,-2 0-40,4 2 48,-3-3 16,4 3 16,-2-4 0,4 2 0,-2-1-24,3-2 16,-2-1 8,0 1 0,1-3 16,0 0-8,-1-2 16,2 1-16,1-2 32,-2 0-24,2-4 48,0 2-40,1-3 24,1-1-24,0-4 24,0 5-32,-2-4 48,2 3-40,-4-4 64,3 6-56,-4-3 64,2 3-64,-3 0 24,3 2-32,-6 0 0,3 0-8,-4 0 8,2 3-16,-4-1-24,1 2 8,-2 1 8,1 2 0,-3 2-24,2-1 16,-1 3-32,1 0 24,0-1-24,1 2 16,0-1 16,1-1 8,2-2-40,0 3 24,2-1-24,1-2 16,0-3 0,1 3 8,2-1 16,-2-2 0,1-1 16,2 0-8,-3-1-8,1 2 8,2-4 8,2 1-8,-4-1-8,3-1 8,-2-5 8,5 4-8,-4-7-8,3 2 8,-2-2-8,-1 3 0,0-4 32,1 3-16,-4-1 64,1 5-48,-4 0 24,1 1-32,-4 1-32,1 3 0,-2 3-8,2 1 0,-3 4 32,2 0-8,-1 3-8,3-3 8,-2 3-8,3-1 0,-4-3-40,5 3 24,-2-2-8,3-2 8,-1 1 16,2-4 0,-1-2 0,3 3 0,-2-4 0,2 0 0,1-4 0,-1 2 0,0-4 16,0 0-8,2-3 16,0 3-16,-1-5 16,1 4-16,0-4-8,-1 1 8,0 0 24,-1 4-16,-1-3 64,1 4-48,-2 1 40,1 1-40,-2 2 16,-2-1-40,-1 5-24,0 4 0,0-1 16,2 3 0,-2 0 0,2-1-56,1 1 0,0-1 24,0-1 16,0 0 16,1-1 0,2-2-24,-2 1 0,1-2-8,-1-2 24,2 0 16,0-1 16,2-2-32,-3-1-8,2-4 24,-2 3 8,2-5-24,-1 2 8,0-2 16,-1 0 8,-1 0-32,-1 2 8,0 0 0,0 2 0,0 0 0,0 1 16,0 1-8,-1 2-8,1 1 8,0 2-8,-2 4-24,2-1 0,0 4 16,0 1 16,0 0-16,0 2 0,0-2 8,2-3 0,-1 1-24,0-1 0,0-3-8,2-2 24,0-1 0,1-1 8,-2-1 0,3-1 0,-3-2 0,2-3 16,-3-1-24,0 2 0,0 0 24,2-3 24,-3 1-32,0 2-8,0-2 0,0 3 0,0 0 0,-3 1 0,3 1 0,0 0 16,-1 3-8,0-3-8,1 3 8,-1 3-8,-2 2-24,3 1 0,0 2-8,0 0 24,0-2-16,0 2-8,0-2 0,3 1 24,-3-4-16,1 1 8,-1-2 0,1 3 0,0-4 16,2-1 0,-2-1 0,1-4 0,0 3 0,0-3 0,-1 0 0,0-3 16,1 0-8,-2 2 16,0-1 0,0 1 24,-2 0-8,1 2 0,-2 0-8,-1-1 0,0 2-16,2 1 8,-2 0-32,2 1 0,-3 1 8,3 1 0,-2 2-24,2 0 16,-3 1 24,3 2 8,1 2-48,-1 0 0,0 2 8,1-1 24,-2-1-16,3 0-16,0-2 16,0 1 0,-3-2 24,3 1 8,0-4-32,0 0 8,0-2-16,0 2 0,-1-1 32,1-1-8,-2 2-8,-2 0-16,2 0 8,-3-1-8,2 0-16,0 0 24,2 0 0,-1 1-16,1 0 16,1-2-8,0 0 0,0 0 0,0 0 0,1 1 16,1 0-24,-1 0 16,2-1 8,0 0 0,3-1 0,-1 1 0,-2-1 16,4 0-8,-1-3-8,2 3 8,-2-2-32,1-1 16,-2-2 24,2 4-8,-2-5-8,0 3 8,-1-4 8,1 5-8,-2-2-8,0 1 8,-1-3-8,2 4 0,-4-4 32,1 5-16,-2-3-8,1 2 0,-4-4-8,2 5 0,-1-3 0,1 3 0,-3-3 16,2 2-8,-1-1-8,1 2 8,-2-2-32,2 3 16,-2-2 24,4 3-8,-4-1-8,0 1 8,2 0-8,-1 1 0,-2 1-24,5 0 16,-3 1-32,2 0 24,-2 1-48,1 1 40,0 0 8,0 1 16,1 2 0,2-2 0,-1 1-24,1 2 16,-3-1 8,6-1 0,-3 1 0,1-2 0,-1 0-24,1-2 16,0-1 8,2 3 0,-2-5 0,0 1 0,0-2 0,2 0 0,0-2 16,0-1-8,0-4 16,2 3-16,-2-6 16,2 2-16,-3 0 16,3 0-16,-4-2 32,3 3-24,-3 1 32,0 1-32,-1 1-8,1 0 0,-1 1-8,0 3 0,0-2-24,0 2 16,-1 2-8,1 0 0,-1 4 16,1 2 0,0-2 0,0 1 0,0 0 16,1 0-8,0-1-8,2-2-16,-2 2 8,1-4-8,0 0-16,0 0 40,-1-2 24,0 0-8,-1-2-16,2 1 0,0-1 8,-2-3-24,0 3 0,0-1 8,0 0 16,0-1-8,0-1 16,0 2-16,-2 1-8,0-2 8,1 2-8,0 1-24,1 1 16,-2 3-8,-2 1 0,4-1 16,-1 2-24,2 1 16,-1-1-32,2 2 24,-2-4-8,2 1 8,0 0 16,-1-1 0,-1-3 16,0 1-8,1-1 0,-1-1-8,2 1 0,0-3-24,0 0 16,-2 1 8,2 0 0,-1-1 32,2 2-16,-2-5-8,0 3 0,1-1-8,0 1 0,-2-4 0,0 4 0,-2-4 16,2 3-8,-2-2-24,2 1 8,-1-3 8,0 5 0,-3-3 16,2 1-8,0 0 16,0 2-16,-2-1-8,0 2 8,-2 0 8,4 0-8,-4-1-8,0 3 8,0-1-32,0 2 16,1-1 8,2 3 0,-4-1 0,5 2 0,-4 0 0,1 1 0,1 1 0,2 2 0,-1-1-24,3 0 16,-1 0-8,1 1 0,0-1 16,1 0 0,1-1 0,-1 0 0,1-2 0,-1-1 0,1-2 0,1 2 0,0-4 0,-1 1 0,2-4 0,-2-2 0,2-1 0,-1 0 0,0-5 16,0 4-8,-2-4 32,3 5-24,-2-1 64,-1 2-48,-1-1 24,1 3-32,-1 0-16,0 2 0,0-2-32,0 2 16,-1 2-16,1 2 16,-1 2 8,1 0 0,-2 3-24,-1 3 16,1 1 8,2 2 0,-1-3 0,2 0 0,-1 0-24,1-4 16,0 1-8,2-4-16,-1 0 24,0-2 0,2-1 24,-3 0-8,0-1 16,3-2-16,-3 1 16,0-3-56,0 2 8,2 0 8,-2 1 8,0 1 24,0-2 8,2 1-32,-2 0 8,1 1 0,0-1 0,0 1-24,-1 0 16,0 0 8,-1 0 16,0 1-8,0 0 0,0 0-32,0 0 0,2 0-8,-2 0 24,2 0-40,0-3 0,-2 3 24,0-2 8,0 2-8,2 0 16,-2 0 24,0 0 8,0 0-48,0 0 0,0 0 40,0 0 0,0 0-8,0 0 8,0 0 8,0 0-32,0 0-8,0 0-16,0 0 24,0 0 0,-2 5 8,2-3-24,-2 0 16,2 1 8,0 1 16,0-1-24,0-1-16,2 0 32,-2 1 8,0-1-24,2 3-8,-1-3 8,2 1 16,-2-1 0,-1 3-8,1-3-16,1-1 8,0 1-8,-1 0 0,1-1 16,0 1 16,-2-2-24,0 0 0,2 0 8,-1-2 16,0 1-8,-1-1-8,2 1 8,0-1 8,-1 0-8,0-3-8,1 3-16,0-1 8,-2 1 8,0-3 0,0 3 0,0-2 16,0 2-8,-2-2-8,0 2 24,1-1 0,0 0-32,-1 1 8,0-2-16,1 1 0,0 1 16,1-1 16,-2 1-8,0-1-8,0-1-16,1 1 8,-1 1 8,2-2 0,-2 3 0,1-1 0,0 2 0,-2-2 16,2 1-24,1-1-16,0 1 16,-2-1 16,2 2 0,0-4-8,-2 2-16,0 1 8,0-2 8,1 2 16,1 0-8,0-1-8,-1 1 8,1-1 8,-2 1-8,2 0-8,-2-1-16,0 2-8,1-3 32,-2 3 8,2-1 0,0-1 8,0 2-32,-2 0 0,2 0 8,1 0-24,-2 2 16,-3 2 24,3-1 8,-1 3-32,2-1-8,-2 2 24,0 1 8,2-1 0,0 2-16,0-1-16,-1 1 8,0-1-8,2 0 0,0-2 0,0 1 0,0-2 16,2 1 0,0-4-24,-1-1 16,0-1 24,3-1 8,-1-1-8,-2-4 8,3 4-16,-3-4 16,0 0-16,3-1 16,-3-1-16,0-3-8,0 5 8,2-4-8,-2 2 0,-1 2 16,1 1-8,-1-2-8,0 3 24,0 1 16,0 2-16,0 1-16,0 3 0,0 1-8,0 1-24,0 3 16,0-2 8,0 2 0,0-3-24,1 1 0,2-2 16,-2-1 0,-1 1-16,2-3 16,-2 0 8,0 0 16,0 1-24,0-2 0,0 1 8,2 1 0,0 0 0,-1-2 16,0 3-8,1-2 16,0 0-32,-2 0 0,2 0 8,-2 1 0,0-1 0,0 1 16,0-2-24,0 4 0,2-2 8,-2 0 16,1 1-8,-1-2-8,0 2 8,3-1-8,-3-2-24,0 0 16,0 1-8,0-1 0,0 1 16,0-1 16,0 0-24,1 0 0,0 0 24,-1-1-24,0 0 0,0-4 8,0 1 0,0 0 0,0-3 0,0 1 0,0-2 16,-1-1-8,0 1-8,-2 1 8,0-1-8,1 0 16,-2 2 8,2-1-8,-2 2-16,1 0 8,0 1-8,2 1 0,0 0 0,0 0 0,1 2 0,0-1-24,-3 2 0,2-2 32,1 0 8,-1 1 0,0 1 8,-3-2-32,4 2-16,0 0-8,0 0 0,0 0 24,0 0-56,0 0 40,0 0-24,0 0 24,0 0 0,0 3 8,0-1 16,0 0 0,0 0 0,0 2 0,0-2 0,0 2 0,-1-2 16,1 0-8,-1 1 16,0 1-16,-3 0-24,4 2 8,-3-3-8,3 2 0,-4 1 16,4-1 0,-2 0 16,2 0-8,-2-1-8,4 0 8,-4 0-8,2-2 0,-2-2 16,4 1-8,-2-1 16,0 0-56,0 0-8,0 0 16,0 0 8,0-1 32,0-1 8,0-2-32,2-1 8,-1 0-16,0-3 0,0 0 16,2 2 16,-1-2-8,-1 1-8,-1 0-16,1 0 8,-1 0 8,0 1 16,0 1-24,0 0 0,0 0-32,0 2 8,0 0-24,-1 2 16,0 0-32,-1 1-8,-1 0-16,3 0 0,0 0 56,-2 1 16,-1 1 24,0 1 0,0-1-24,-1 4 16,2-2 8,-2 0 0,2 1 16,-3-3 8,2 2-32,0-1 8,2 0 0,-2 0 16,-1 0-24,2 0 0,1-2 8,1-1-24,0 0 16,0 0-8,0 0 0,1 0 16,1-1 0,-1-1 0,2-1 0,0 1 0,0-3 0,0 2 16,0-3-8,2 2-8,-1 0 8,-2 0-8,2 1 0,-1-3 0,-2 5 16,1-1 8,0 1 40,-1 0 40,-1 0-56,0-1-24,0-1-16,0 3 8,0 0 24,0 0 0,0 0 16,0 0-48,0 0 8,0 0-24,0 0-16,0 0-8,0 3 24,1-1-16,0-2-8,2 1 40,0 0 8,1-1-24,-2 0-8,3 0 24,-4 0 8,0 0-24,0 0 8,2 0 0,-2 0 0,-1 1 0,0-1 16,1 0 40,-1 2 48,0-1-40,0 1-16,-1 3-24,0-2-24,-2 1-16,1 3-8,-3-1 32,3 0 24,-2 1-8,2 0 0,-3 0-24,3 1-8,-1-1 8,1 0 16,1-1-24,-2-2 0,3-1 8,0 3 0,0-4-24,0 1 16,0 0-8,0-1-16,0 2 24,0-3 16,0-1 16,0 0 8,0 0-16,0 0-32,0 0 8,3-1 8,-3-3 16,1 2-24,1-3 0,0 1 8,-1-3 0,0 1 0,0-2 16,-1 0-8,0 2-8,0-2-16,0 1 8,0 2 8,0-1 0,0 2 0,-1-2 0,0 2 16,0-1 8,-1 1-8,0 1 8,1-2-32,-2 2-16,0 0 32,2 1 8,-1-3-24,-2 3 8,3 1 0,0 0 0,-2 1-24,1 0 16,1 1 8,-1 0 0,1 1-24,-1 4 0,1-2 16,-1 3 16,1-1-56,1 3-24,0 3 40,0-2 8,0 3 0,0-1 16,1-2-8,1 0-16,-1-1 24,1-1 16,-1-3-16,1-1 0,-1-1 8,1-3 16,1 0-24,-2 0-16,1-2 32,1-1 24,-2 0-8,0-1 0,0-3-24,2 0-24,-3 0 32,3 1 8,-2-2 16,-1 0 0,0 2 0,0-2 0,-1 2-40,-2-1 8,3 1 0,0 0 16,-3 2-8,2-1-8,1 3 40,0 0 32,-1 1-80,1 0-8,0 1 8,0 0 16,0 2-16,0 2 0,0 3-8,0-1 0,0 2 0,1-1 0,0 1 32,2 1 8,-3 0-8,3-3 8,-2 2-32,1-2 0,0 1-32,-1-2 8,0 0 16,0-2 24,2-1-16,-1-1 0,-1-2 8,0-1 16,-1-1-24,0-2 0,0 0-8,0-2 0,0 2 32,0 0 8,0-2-32,0 4-8,3-3 24,-3 3 8,0 0-40,0 1 0,0-1 8,0 2 8,0-1 8,0 2 16,0 0-8,0 3-24,0 2-8,0-1-8,0 0 24,0 2 16,0-2 16,0 0-32,0 1 8,0-1 0,0 0 0,0 0 0,0-2 16,-3 1-8,3 0-8,-1-1 8,1-2 8,0 0-48,0 0 8,0-2-8,0-1 16,0-1-8,0-3 8,0 2 16,0-1 16,0-1-8,0 1-8,0 3 8,0-3-32,0 4 16,0-5 8,1 4 0,-1-2 0,3 2 0,-3 0 16,1 0-8,-1 0-24,0 0 8,0 0 8,0 3-24,0 0 16,0-2 8,1 2 0,0-2 0,3 1 0,-3-2 0,0 3 0,-1-1 16,0 1-8,0-2 16,1 1-16,-1 0-8,0 1 8,0-1-32,0 2 16,0-2-8,3 1 0,-3-1 16,0-3 16,1 4-8,0-2 0,-1-1 8,1 3-8,-1-2-8,0 2 8,0-1-8,0 2 0,0-1-24,0 0 16,0 0 40,0 0-16,0-1-8,0 1 0,0-2-8,0 4 0,-1-2 16,0 0-8,-3 0-8,2 1 8,-4 0 8,4 0-8,-3 1 64,0-1-40,2 1 24,-1-2-32,-3 0-16,5 0 0,-3 0-8,3 4 0,-4-3 0,3 0 0,-2-1 16,1 0-8,0 0 16,2 0-16,-2 0 32,3 0-24,-4 0 8,3 0-8,0 0-16,0 0 8,1-1 8,0 1 8,-3-1 8,4-3-56,-2 4 0,2 0 8,-1-2-8,1 1 8,-1-2-72,2 2 48,-1-2-144,0 3 104,0-3-88,1 1 96,1 0-16,2 2 56,-3-3 16,2 3 16,0-1-40,3 1 24,-2-1-64,0 2 48,2-1-24,0 0 32,-2 0 0,2 1 8,-1 0 16,-2 2 0,0-2 0,3 1 0,-3 1 0,-1-1 0,3-1 0,-3 0 0,1 0 0,-2 1 0,0-1 0,0 1 0,3-2-24,-3 4 16,0-3 24,0 0-8,-1-1 16,3 0-16,-3 0 16,0 1-16,0 0-8,0 1 8,0-1-8,0 2 0,0-2 16,0 1-8,0 0 16,0-2-16,0 0 32,0 2-24,0-2-8,0 4 0,0-2-8,0 2 0,0-4 0,1 2 0,-1-1 0,1 2 0,-1-2 0,1 1 0,2-1 0,-2 0 0,-1 1-24,2 0 16,0 0 24,0 2-8,-1-1 0,0-1-8,1-1 0,-2 1 0,2-2 0,-2 2-24,2-1 16,-2 2 24,2-1-8,-2-1-8,1 1 8,2-1-32,-2 1 16,0 0 8,1-2 0,0 3 0,-1-2 0,-1 0 0,2 0 0,-2 1 16,2-1-8,-2 0-8,2 0 8,-1-1-8,-1 0 16,0 0-8,0 2-8,0 1 8,0-2-8,0 0 0,0 0 0,0 0 0,0 1 0,0-2 16,0 1-8,-1 1-8,1 0 8,-2-2-8,2 4 0,-2-3-24,2 0 16,-2 0 8,4 1 0,-2-1 0,0 1 0,0-2 16,0 0-8,0 0 0,0 0 56,0 4-32,0-4 40,0 1-40,-2-1-32,2 1-8,-1-1 8,1 1 0,-2-1 0,4 0 0,-4 0 0,0 1 0,0 1 16,-1-1-8,0-1 16,3 1-16,-6-1 16,4 0-16,-4-1-8,2 0 8,-2-2-8,4 1 0,-5-5 0,2 4 0,-2-1 0,5-1 0,-6-1 0,5 3 0,0-4 0,0 3 0,0-1 0,0 0 0,0 0-40,3-1 24,-3 1 24,3 2 0,-3-4 32,3 4-24,-3-1 48,3 3-40,-4-2 8,4 2-16,-3-1-80,3 4 32,-3-2-8,3 2 24,-3 1 16,2 0 0,-4 0 0,4 1 0,-2 0 0,1 1 0,0-2 0,-2 4 0,2-2-24,1 3 16,-2-3-8,3 2 0,-3-3 0,2 3 0,-4-3 16,5-1 0,-2 0 0,2 3 0,-3-4-24,6 0 16,-3-2-8,0 0 0,0-1 16,1 1 0,-1-1 0,1 0 0,1-4 0,1 5 0,-2-5 0,0 3 0,1-5 0,1 2 0,0-4 0,2 3 0,-2-4 0,1 2 0,1 2 32,-3 1-16,0-2 64,1 3-48,-2 0 80,1 2-64,-2 0 40,0 2-48,0-2 0,0 2-24,0 0-32,0 0 8,0 0-8,0 0 0,-2 0 32,2 3-8,-1 0-8,-1 1 8,-1 0-32,2 3 16,-3-2-8,2 0 0,-2 1-88,2 2 48,-4-2-112,6 1 96,-4-1-16,2 2 48,-2-3 8,1 2 16,0-1 16,2-1 0,-3 1 16,4-3-8,-2-1-8,2 3 8,-4-1-8,4-2 0,0-1 0,0 0 0,-2-1 0,2 2 0,-1-2 0,2 0 0,-1 0-24,0 0 16,0 0-16,0 0 16,0 0-64,0 0 40,0 0-24,0 0 32,0-2 32,0 2 0,0-2-8,2 0 8,-2-5-8,5 4 0,-4-1 16,3-2-8,-2 1-8,3-1 8,-4 1-32,2 2 16,-1-3 8,-1 3 0,0-2 16,1 1-8,-2 0-8,4 1 8,-3 0-8,0 0 0,1-1 0,0 3 0,-1-2 0,0 3 0,-1-2 16,2 2-8,-2-3-8,3 3 8,-3-1-8,1 1 0,-1-2 0,1 4 0,-1-4 16,2 2-8,-2 0-24,1 0 8,-1-2-8,2 2 0,-1-1 16,1 1 0,-1-2 0,2 2 0,-2-1 0,1 1 0,-1-2 0,1 2 0,-1 0 0,1 0 0,-2 0 16,1 0-8,-1 0 0,0 2 8,0-1-8,-1 1 32,1 1-24,-2 0-8,1 2 0,-2-1-32,1 3 16,-3-2 8,3 3 0,-2-4 0,2 3 0,-3-2 0,3 0 0,-2 1 16,2-3-8,0 0 32,-2 2-24,2-2 32,2-1-32,-1-2 32,2 0-32,-2 0 32,1 1-32,-1-1 8,2 0-8,-1 0-8,-1 0 8,-1 0-8,-1 0 16,3 0-16,-1 0-8,2 0 8,-2 0 8,1 0-8,-3 0-24,6 0 8,-3 0-8,0 0 0,-3 0 16,1 0-24,4 0 16,-2 0-32,0 0 24,-2 0-8,2 3 8,-2-2 0,2 1 0,-3-2 0,6 0 0,-3 0-24,0 0 24,0 0 8,0 0 24,0 0-8,1 0 0,-1 2-8,1-2 0,1 0 0,1-2-24,-1 2 16,0-2 8,1 2 0,-2-3 0,1 2 0,2-2 16,-2 2-8,0-4 32,0 4-24,-1-2 8,0 2-8,1-2-16,1-1 8,-2 1-8,0 1 0,1 0 0,-1 1 0,1-3 0,-1 4 0,-1-2-24,0 2 16,0-3 40,0 3-16,0-2 8,0 4-8,0-2 8,0 0-16,0 0 0,-1 0-32,1 3 16,-3-1-8,1 3 0,0-3 0,2 3 0,-5-1-56,5-2 40,-2 0-56,2 1 48,-2-2-72,2 2 72,-2 0-56,1-1 56,-4-1 16,5 2 24,-3-2 0,2 3 0,-3-1 0,4-1 0,-2-1 16,2 1-8,-5-2 16,5 2-16,-2-1 16,2 0-16,-4-1-24,4 0 8,-2 0 8,-2 0 0,2 0 0,2 1 0,-4-1 0,4 3 0,-2-3 0,2 1 0,-1-1 0,1 1 0,-3-1 0,6 0 0,-3 0-40,0 0 24,0 0 8,0-1-16,1 0 16,0-3 8,0 3 0,2-4 16,0 3-8,1-4-8,-1 1 8,1 1-32,2 1 16,-4-4 8,3 5 0,-2-4 16,2 4-8,-2-2-24,1 3 8,1-1 8,-1-1 0,-1 1 0,0 2 0,1-2 0,-1 2 0,-2-1 0,1 2 0,-1-1 16,1 0-8,-2 0 80,0 0-40,0 0 40,0 0-48,0 0-32,0 0-16,-2 2 24,2 0-8,-1-2-24,1 3 8,-2-2 8,2 0 0,-3 0 16,2 2-8,-3-2-8,2 1 8,-2 2-32,2-2 16,-3-1 24,3 2-8,-2-2-8,2 3 8,-4-2-8,6-1 0,-3 0 0,2 0 0,-3-1 0,4 1 0,-1-1-24,1 1 16,-1-1 8,-2 2 0,0-2 0,2 1 0,-2-1 0,3 2 0,-1-2 0,1 2 0,-1-2 0,1 2 0,-1-2 0,2 0 0,-1 0-24,0 0 16,0 0-32,0 0 24,0-2-8,0 2 8,0-4 32,1 3-8,0-3-8,2 1 8,-1-6 8,3 5-8,-3-7 16,3 2-16,-2-3-24,3 4 8,-1-3 24,1 3-8,-4 2 16,1 1-16,-1 1-8,-1 1 8,1 1-32,-1 0 16,-1-1 8,3 3 0,-3-2 0,0 0 16,1 4-8,-1-2 0,0 0 8,0 0-8,0 0 0,-1 0-8,1 2 0,-3 1 0,3 1 0,-3-1 0,3 1 0,-1 1-24,1-1 16,-3 0-32,3 2 24,-2-2-64,2 3 48,-1-4-40,0 2 40</inkml:trace>
+  <inkml:trace contextRef="#ctx0" brushRef="#br0" timeOffset="3">570-810 192,'0'-2'88,"0"2"-72,-1 0-16,-2 0-40,6 0 16,-3 0 16,0-1 24,0 1-8,0-1 80,0 2-40,0-1 64,0 0-64,0 0-8,0 0-24,0 0-8,-3 1-8,1 1 0,1 3 0,-3-3 0,1 1 16,-1 0 8,2 2 8,-2-2 0,2 1 16,-3 1-24,1 0-16,0 1-24,-2 1 8,2 2 24,-2-1 8,2 0 8,-1 0 16,1 0-24,-2-3-16,4 0 16,-2 1 16,2-3 0,0 0 0,-1 0-24,3-3 8,0 2 0,0-2-32,-1 0-8,0 3 8,-2-1 16,3-1-40,-2 0 8,1 2 8,1-3 24,-1 3 0,-2-3 0,3 0-32,0 0 16,0 0-80,0 0 48,0 0-72,0 0 64,0 0-152,0 0 112,0-4-136,0 2 128</inkml:trace>
+  <inkml:trace contextRef="#ctx0" brushRef="#br0" timeOffset="4">517-675 320,'0'0'128,"0"0"-96,-1 0-16,1 0 16,-1 0 24,0 4 48,-1-4-56,-1 0-8,-1 2-24,2-1-16,1 0 8,-4 1-8,5-1 16,-3 1 8,0-2-8,1 2-16,1 0 8,-2 0 8,2-2-8,1 0 16,0 0 0,-3 0-8,0 2-8,3-2 8,-2 1-24,2-1 0,-3 2 24,1-2 8,1 1 8,-1-1 16,0 2-40,2-2-24,-3 0 8,1 0 16,-1 1 16,1-1 8,-3 2 0,4-2 16,0 0-24,0 0 0,1 0-32,-2 0 8,2-2 0,0 2 16,0 0-24,0 0 0,0 0-32,0 0 8,0 0-232,0 0-104</inkml:trace>
+  <inkml:trace contextRef="#ctx0" brushRef="#br0" timeOffset="5">491-667 288,'0'0'104,"-1"2"-80,0-2 88,1 0 24,0 0-40,0 0 8,0 0-32,-4 1 0,3 1-24,-1-2-8,-3 4-8,3-2 16,-2-1 8,2 0 8,-3 0-32,2 1-8,0-1 8,1-1 0,-2 2-16,1-1-16,0 2 8,0-2 8,0 0-8,1 0 16,0-1-16,0 1 16,2-1 16,-1 0 32,1 0-32,0 0-8,0 0-16,0 0-8,0 0-48,0 0 8,0 0 0,0 0-8,0 0 32,0 0 0,1 1-16,1-1 16,0 0 8,1 2 16,0 0-8,2-2 16,1 0-32,-3 0-16,2-2 16,2 0 0,-1 2 8,0-1 16,-3 0-24,2 0-16,0 0 48,-2 1-16,1-1 0,-1 1 0,0-3 8,-1 3-8,0-1 16,0 2-16,-1-1 0,-1 0 8,0 0-8,0 0-24,0 0 8,0 0-8,0 0 0,0 0 32,0 0-8,0-1-40,0 1 16,-1-2-24,1 2 16,-2-1 0,2 2 8,-4-1 16,1 0 0,-1 0-24,1 0 16,0 0-8,-2 0 0,0 0 16,3 0 0,-4 0-24,4 0 16,-4 0 24,0 2-8,-1-1 16,1 2-16,-1-3-8,0 1 8,1-1-240,2 0 128,-2 0-344,3 0 248</inkml:trace>
+  <inkml:trace contextRef="#ctx0" brushRef="#br0" timeOffset="6">549-731 128,'3'-5'64,"-2"2"-48,2-2 8,-3 1 24,2 0 24,0-1 16,2-1-24,-3-1 0,0 0-8,1 3 8,0 1-32,-2-2-24,2 1 0,0 0 8,0 2 80,-1-3 56,-1 4-32,0 0 0,0 0-72,0-1-16,0 2-40,0 0 24,0 3-24,-1 2 0,1-1-8,-2 1 0,0 3 0,0-1 0,2 2 48,-2 1 16,0-2-40,2-1-16,0 0-24,-1-1 24,1-1 0,0 3 24,0-2-8,0-3-8,0 2-16,0-3 8,0 2 8,0-4-24,0 0 16,0 0 24,0-1-24,0-3 0,0 1 8,0-1 16,1-2-24,-1 0 0,2-1 24,0-1 8,-2 0-48,0-3 0,0 0 24,0 2 16,0 1-24,0 2-8,0-1 8,0 2 0,2 0 8,0 1 16,-2 1-8,0-2-8,0 3 8,0 0-8,0 1 0,0 0 16,0 1-24,0 0-16,0 0 16,0 1 16,0 0 0,0 1-8,0 0-32,0 3-16,0-2 40,0 2 16,0 2 8,0-1-16,0 2 24,0-1 0,0 2-8,0 2-16,0-4-16,0 1 8,0-1 8,0 0 0,0 0 0,0-1 0,0 0-24,0 0 16,0-1 8,0-2 0,0 2 16,0-1 8,0 0-32,0-2 8,0 2 0,0-2 16,0-2-48,0 0-8,0 3-8,0-3 32,0 0 8,0 0 24,0 0-24,0 0 0,0 0-8,0 0 0,0 0 32,0 0 8,0 0-32,0 0 24,0 0-80,0 0-32,0 0 8,0 0 32,0 0-56,0 0-8,2-3-64,-1-1-16</inkml:trace>
+  <inkml:trace contextRef="#ctx0" brushRef="#br0" timeOffset="7">491-818 416,'-2'0'176,"2"0"-144,-4 1 56,2-1 48,2 1-72,-4-1 40,4 3-64,-3-3 16,2 1-32,-4-1 24,2 1-32,-4 0 32,4 2-32,-5-2 8,3 2-8,-3 1 24,2-2-24,-1-1 8,3 0-8,-1 1-48,4 0 16,-1-2-24,2 0 16,0 0 16,3 0 8,2-2 0,2 0 0,0 0 0,1 0 0,1-5 0,1 2 0,0-4-72,-1 4 40,1-2-80,2 1 72,-1 0-8,-5 3 32,2-1 16,-2 3 0,-3-3 0,3 4 0,-5-1 16,2 1-8,-2 1 0,-2-1-48,1 4 24,-2-2 24,1 1 0,-2 0 16,1 1-16,-3-2-8,2 2 8,-2-2-8,3 2 0,-4-1 0,4-1 0,-4 1 0,1 1 0,0 0 16,3-1-8,-5 1-8,2 3 8,-2-4-8,3 3 0,-5 0 0,3 1 0,-3-1 0,1 2 0,-2-4 0,5-1 0,-4 0 0,3-1-24,1 3 16,1-4-8,2 0 0,1 0 16,1-1-24,0 0 0,0 0 16,1-1 16,1 0-16,2-2 0,1 0 8,1 1 16,0-3-24,2 0 0,1-1 8,-1 3 0,-1-2 16,-2-2 8,2 4-32,-3-2-8,2 0 8,-1 2 0,-2-1 8,1 1 0,-2 2 0,2-2-40,-3 3 24,0-1-136,0 1 88,-1-1-80,3 2 80,-3-1 24,0 0 16,0 0 40,0 0-8,0 0 16,-3 1-16,2 2 0,-1-1 8,-2 2-8,2-2 48,1 0-32,-3-1 96,3 0-64,-5 1 56,4 0-56,-6 0 72,2-2-72,0 3 80,-1-2-80,-1 0-8,1 0-32,0 0-16,1 0 8,0 1-8,3 1 0,-1-3-128,3 0 72,1 0-312,1 0 208</inkml:trace>
+  <inkml:trace contextRef="#ctx0" brushRef="#br0" timeOffset="8">389-775 448,'-3'0'176,"3"0"-144,-5 2 56,1-2 0,4 2-48,-2-2-24,1 3-8,-5 2-8,5-1 0,-3-1 0,4 1 0,-2-4 0,2 2 0,-4-2-40,8 0 24,-4 0-24,2 0 16,2 0 32,0-2 0,2-3-8,0 0 8,4-4 24,-3 3-16,0-1 8,0 1-8,-3 1 112,0 3-72,-2-1 120,1 1-104,-4 2-32,1 2-24,-5 1-40,2 1 16,-4 2 24,3 0-8,-3 2-8,1 2 8,0-3-48,1-1 24,2-1-200,0 1 112,1-3-288,1 1 224</inkml:trace>
+  <inkml:trace contextRef="#ctx0" brushRef="#br0" timeOffset="9">490-698 128,'0'0'64,"0"0"-48,0 0-24,0 0-16,0 1 16,0 0 0,1 0 8,2 0-24,0 1 16,1-1 8,-2 0 0,4-1 0,0 2 0,0-2 16,1 0-8,0-2-24,1 2 8,-2-1 24,3 0-8,-3-2 16,0 3-16,-1-2 32,-1 2-24,1-1 184,-3 2-104,-2-1 152,2 0-144,-4 0-32,2 0-48,-2 0-24,0 0 8,-4 0-32,2 2 16,-3 1-8,3-1 0,-2 2 16,0-1 0,0-1-24,4 1 16,-4 1-8,5-1 0,-3-2 32,3 0-8,-2 0-8,3 0 8,-2 1-48,4 1 24,-2 0 8,0 0 8,0-1-24,2 1 16,-1-2 24,0 2-8,1-3-8,1 0 8,0 0-32,1 0 16,-1-3 8,1 2 0,2-2-24,0 3 16,-2-2 8,3 1 0,-3-4-144,2 5 80,-3-2-184,0 2 136</inkml:trace>
+  <inkml:trace contextRef="#ctx0" brushRef="#br0" timeOffset="10">631-716 416,'0'0'176,"0"0"-144,-3 2-32,0 1-40,3 0 16,-1 1 24,0-1 8,-3 4 16,4-2-16,-2 0-24,2 0 8,-5-2-8,5 2 0,-1-4 32,1 2-8,-1-3-96,2 0 56,-1 0-152,0 0 104</inkml:trace>
+</inkml:ink>
+</file>
+
+<file path=ppt/ink/ink4.xml><?xml version="1.0" encoding="utf-8"?>
+<inkml:ink xmlns:inkml="http://www.w3.org/2003/InkML">
+  <inkml:definitions>
+    <inkml:context xml:id="ctx0">
+      <inkml:inkSource xml:id="inkSrc0">
+        <inkml:traceFormat>
+          <inkml:channel name="X" type="integer" max="2.14748E9" units="cm"/>
+          <inkml:channel name="Y" type="integer" max="2.14748E9" units="cm"/>
+          <inkml:channel name="F" type="integer" max="8192" units="dev"/>
+        </inkml:traceFormat>
+        <inkml:channelProperties>
+          <inkml:channelProperty channel="X" name="resolution" value="1000" units="1/cm"/>
+          <inkml:channelProperty channel="Y" name="resolution" value="1000" units="1/cm"/>
+          <inkml:channelProperty channel="F" name="resolution" value="1" units="1/dev"/>
+        </inkml:channelProperties>
+      </inkml:inkSource>
+      <inkml:timestamp xml:id="ts0" timeString="2019-12-14T15:19:33.472"/>
+    </inkml:context>
+    <inkml:brush xml:id="br0">
+      <inkml:brushProperty name="width" value="0.14092" units="cm"/>
+      <inkml:brushProperty name="height" value="0.14092" units="cm"/>
+      <inkml:brushProperty name="color" value="#00FF00"/>
+    </inkml:brush>
+  </inkml:definitions>
+  <inkml:trace contextRef="#ctx0" brushRef="#br0">-139-610 288,'0'-2'128,"0"2"-96,-2 0 40,-2 0 32,4 0-56,-2 0-8,0 0-24,-3-1 8,4 1-16,-4-1 48,4 1-32,-5-1 24,4-3-24,-2 2 0,1 1-8,0-1 8,2 0-16,-3-1 48,3-2-32,-2 2 24,3 0-24,-4-1-32,4 0 0,-1 1 8,1 0 0,-2-3 16,2 4-8,-1-3-8,2 1 8,-1-2 24,0 2-16,0-4 64,2 3-48,-1-2 24,3 3-32,-2-3-16,0 2 0,2-2-32,0 3 16,0-3 8,1 5 0,1-4 16,-3 4-8,2-3-8,2 4 8,-1-3 24,1 2-16,0-1 8,0 1-8,0 0 8,2 2-16,-3-2 16,1 2-16,0-3 32,0 3-24,-2 0 8,1 0-8,-2 0 8,3 3-16,-3-3 16,3 1-16,-2 0 32,1 0-24,-3 0-8,2 1 0,1-1-8,-1 3 0,-3-3 16,3 2-8,-3-1-8,2 2 8,-3-2 56,0 2-32,0-2 64,1 1-64,0 1-8,0 1-16,-2-3 8,2 3-8,-2-1 16,0 0-16,0 1-24,1-2 8,1 2-8,-1-2 0,-1 2 32,2 0-8,-1-2-8,1 1 8,-1-2 8,1 3-8,0-2 16,-1 1-16,1-2-8,-1 1 8,1-1-32,-1 1 16,1-1 8,-1 0 0,2-1 0,-2 0 0,1 2 0,-1-1 0,1-1 0,-1 0 0,1 0 0,-1 1 0,1-1 0,1 0 0,-1-1 0,1 1 0,-2-1-24,4 1 16,-3-1 8,2 0 0,-2 0 16,2 0-8,-1 0-8,1 0 8,-2 0 8,2 0-8,-2 0-8,4 0 8,-4-1-8,3 1 0,0-1 48,-3 2-24,2-2 24,-2 1-24,0-1 0,2 1-8,0-1 8,-1-1-16,1 0-8,1 2 8,-2-3 8,-1 3-8,1-4 16,1 4-16,-1-2 48,0 2-32,-1-3 24,2 3-24,-3-3 0,1 3-8,-1-4-16,0 4 8,1-2-8,0 2 0,-1-2 16,0 2-8,3-3-8,-3 3 8,0-3-8,0 3 0,2-4 0,-1 4 0,-1-2 0,2 1 0,-1-3 0,-1 4 0,0-3 0,0 3 0,1-3 0,0 3 0,-1-3 0,0 3 0,2-4 16,-1 4-8,-1-2-8,0 2 8,2-3-8,-2 3 0,-1-3 0,0 1-24,1 2 16,0-4 8,2 4 0,-3-2 0,2 2 0,-2-2 0,2 2 0,1-4 16,-2 4-8,-1-1-24,0 1 8,0-1 8,1 2 0,-1-1 16,0 0-8,0 0 16,0 0-16,0 0 0,0 0 8,0 0-8,0 0 0,0 0 8,0 0-8,0 0 16,0 0-16,0 0 0,0 0-32,0 0 16,0 0-8,0 0 0,0 0-8,0 0 16,0 0 24,0 0-8,1 0 0,2 0-8,-2 0 16,-1-1-24,0 1 0,0 0 24,0 0-8,0 0 0,0 0-32,0 0 16,0 0 24,0 0-8,0 0 16,0 0-32,0 0-16,0 0 16,0 0 16,0 0 0,0 0 16,0 0-16,0 0-24,0 0 8,0 0-8,0 0 0,0 0 32,0 0-24,0 0-16,2 0 32,-2 0 8,0 0 0,0 0 8,0 0-16,2 0 0,-2-3 24,0 3 40,0 0-40,0 0 0,0 0 0,0 0 0,0 0-16,0 0 8,0 0 0,0 0 8,0 0-16,0 0 8,0 0-16,0 0 0,0 0-32,0 0 16,0 0-16,0 0 16,2 0 24,-1 0-8,0 0-8,-1 0 8,2 0-32,-1-2 16,1 2 8,-2 0 16,0-1-24,1 1 0,2 0 8,-3 0 16,0 0-8,1 0-24,-1 0 8,2-1 8,-1-2 0,0 3 0,-1 0 0,1 0 0,-1-2 0,3 1 16,-2-2-8,-1 2-8,0 0 8,2 0-8,-2-1 16,2-2 8,-2 2-32,0-2 8,0 2-40,0 1 8,0-2 16,0-1 24,0 1-40,0 1 8,0 0 8,0-1 24,0 0-16,-2-1 0,2 2-8,-2-1 0,2 0 32,-1 0 8,1 0-8,-3 1-16,2-2-16,1 2 8,0 0 8,0-1 0,0 1 16,0-2-24,0 4-16,0-2 16,0 0 16,0 1-16,0-1 0,0 1 8,0 0 0,0 0-24,0 0 16,0 1-8,0 0 0,0-3 16,0 2 0,1 0-24,2-1 16,-2-1 8,1 2 16,1 0-24,0 0 0,0-2 8,0 3 16,1-3-8,-1 3-8,0 0-16,0-2-8,1 2 16,0 0 16,-3 0-16,0 0 0,3 0 8,-2 0 0,0 0 0,2 0 16,-2-2-24,1 2 0,-1 0 8,0 0 16,3 0-8,-3 0-8,2 0 8,-1 0-8,1 0-24,-2 0 16,2 0 8,-2-1 16,3 1-8,-2 0-8,0 0 8,1 0 8,2 0-8,-3-1-8,0 0 8,3 0-8,-1 1 16,-1-3 8,2 3-8,-2 0-16,2 0-16,-2-1-8,0 0 16,-2 1 0,3-2 8,-3 2 0,2 0 0,-2 0 0,1 0 0,0 0 16,0 0-8,0 0 16,-2 0-32,0 0 0,0 0 8,4 0 16,-4-3-8,0 3-8,2 0 8,-2 0-8,0 0 0,3 0 0,-2 0 0,0 0 0,2 0 0,-1 0 16,-1 0-24,1 0 0,1 0-8,-2 0-16,0 0 40,2 0 8,0 0 0,-1 0-16,0 0 8,0 0-8,1 0-24,-1 0 0,0 0 32,0 0 8,-2 0 0,1-1-16,0 1-16,0 0 8,-1 0 8,2 0 16,-1 0-8,0 0-8,-1 0 8,1 0-8,2 0-24,-2 0 16,1 0 8,0 0 16,1 0-24,-1 0-16,-1 0 32,2 0 8,-1 0-24,1 0-8,-2 0 8,2 0 16,-2 0 0,3 0 16,-3 0-16,2 0-8,0 0 8,0 0-8,1 0-24,-3-2 16,2 2 8,-1 0 16,1 0-8,-2 0-8,3 0 8,-3 0-8,2 0 0,-3 0 0,0 0 0,1 0 16,-1 0-8,2 2-8,-2-1 8,-1 2-8,0-3 0,2 3 16,-2 1-24,1-2-16,-1 2 16,0 1 16,0-1 0,0 1-8,0 2 8,0-3 8,0 3-8,0-2-8,0 1-16,0 0 8,0-1 8,0 1 0,0-2-24,0 1 0,0-2-8,0 2 24,0-1 0,0 1 8,0-1 16,0-1 8,0 0-8,0 1-16,0-1 8,0-1-8,0 0 0,0 2 0,0-2-24,0 2 16,0-1 8,0 0 0,0-1 0,0 2 0,0-2-24,0 0 0,0 2 16,0-2 16,0 1 0,0 2-8,-1-1 8,1-1 8,0 3-24,-2-2 0,2-1 8,-1 2 0,1 0 0,0-3 0,-3 0 0,3 2 0,-1-1 16,-1-1 8,1-1 8,0 0-16,-3 0-16,2 0 8,-3 2 8,3-1-8,-2-1-8,1 0 8,-2 0-8,1 1 0,0-1 16,-2 0-24,1 0 0,-2 0 8,1 3 0,1-4 0,-2 0 0,4 2 0,-3-2 16,1 0-24,-2 1 0,4-1 8,-2 0 16,0 2-8,0-2-8,0 1 8,1-1-8,-1 0-24,0 1 16,2-1 24,-2 1 8,0-1-32,3 1-8,-2 0 8,-1-1 0,2 0 8,-1 4 0,1-4 0,-1 1 0,2-1 0,-2 1 0,2-1 0,-3 0 0,3 0 0,-2 1 16,1-2-24,0 1 0,0 0 8,1 0 0,-2 0-24,2 1 16,-3-1 24,0 0 8,0 2-32,1-2 8,-1 0 0,0 1 0,0 0 0,1 1 0,-4-2 16,5 3 8,-2-2-32,0 0-8,2-1 8,0 0 0,0 0-16,-2 0 16,4 0 24,0 0 8,-3-1-8,3 1-16,0 0-16,-3 0-8,2-1 32,1 1 8,-3 0-24,2-3-8,-3 3 8,4 0 0,-2 0 8,1 0 16,0-2-24,1 2 0,0 0 8,-2 0 16,1-1-8,1 1-8,0 0 8,-2 0 8,2-1-24,0 1-16,0 0 16,-3-2 0,4 2 8,-2 0 0,2 0 16,-2-1-24,2 1 0,-1 0 8,-1-1 16,1 0-24,1 1 0,-2-4 8,2 3 0,-1 0 0,-1 0 0,0 0 0,0 0 16,1 1-8,-1-2-8,1-1 8,-1-1-8,2 3 0,-1 0-24,1 0 16,0 0-8,0-1-16,0 1 24,0 0 0,0 0 8,0-1 16,0-1-8,0 3 16,0 0-16,0-1 16,0 0-32,0 0 0,0 0 24,0-1-8,0 1-8,0-1-16,0-2 8,0 3 8,0 0 16,0-1-8,0-1-8,0 0 8,0-1-8,0 2 16,0 1-8,0-3-8,0 2 8,0-2 40,0 2-24,0 0-24,0-1-8,-2 1-32,2-1 64,0 0 32,0 1-24,-1-2-16,1 2-8,0 0-8,0-2 0,0 2-24,0-1 16,0 0-32,0-1 8,0 4 16,0-2 8,0 1 24,0-2 8,0 2 8,0 0 16,0 0-24,0 0 0,0 0-24,0-1-8,-2 0 8,2 2 16,0 0-8,0 0 0,0 0 8,-2 0-1192,2 2 648</inkml:trace>
+  <inkml:trace contextRef="#ctx0" brushRef="#br0" timeOffset="1">267-819 320,'0'1'128,"0"-1"-96,0 0 8,0 0-8,0 0-16,0 0-32,0 0 8,0 0 40,0 2-16,0 2 32,0-1-32,0 2-24,1-1 0,1 3 8,-1-1 0,2 2 16,-2 0-8,1-2-8,-1 3 8,1-2-8,-1 3 0,1-5 0,2 5 0,-3-3-24,3 0 16,-3 0 8,0-2 0,0-1 0,2 0 0,-2-1 0,1 0 0,-1-2 0,2 1 0,-2-2 16,0 0-8,0-3 32,0 0-24,1-4 8,1 4-8,-3-5 56,0 1-40,0-4 8,0 5-24,0-4-48,0 0 16,0 0 8,0 3 8,-3-3 0,1 5 0,0-3 32,1 5-16,-3-1 8,3 0-8,-5 1-32,5 2 8,-1 0 8,-1 1 0,-2 0 0,4 2 0,-4 1 0,4 1 0,-2 1 0,0 1 0,0 1 0,2 0 0,-2 1-24,3 3 16,-2-1 8,2 2 0,0-3-24,2 2 16,-2-1 8,1-1 0,1-1 0,-1 1 0,1-4 0,2 1 0,-3-2 0,1 2 0,-1-3 0,1 0 0,-1-3 48,1 3-24,-1-6 112,2 2-72,-2-4 24,3-1-56,-2-5 40,3 0-48,-2-2 8,1-1-16,-2-1 8,1 2-16,0-1-8,-3 4 8,0-1-8,2 3 0,-4-2 32,2 7-16,0-3-8,0 1 0,-5 3-8,4 2 0,-1 0 0,1 2 0,-5 1 16,5 1-8,-4 3-24,4 3 8,-3 1 8,4 1 0,-1 0 0,1 3 0,0-1 0,1-2 0,0 0 0,2-2 0,-2 1-24,0-3 16,0 0-8,2-3 0,-2 0 0,1-1 0,-1-3 32,2 2-8,-2-6 16,0 2-16,0-6 16,0 3-16,1-8-24,1 1 8,-3-2 8,0 0 0,0-1 16,0 3-8,-3-2-8,3 2 8,-3 0 8,2 3-8,-1-1 16,-1 4-16,-1-3-8,1 5 8,0-2 8,0 3-8,-2 0-24,4 2 8,-2 2-8,1 2 0,1 2 16,1 3 0,-2 1 0,4 1 0,-2 1 0,1 2 0,1 2 16,-1-3-8,1-4-24,-1 1 8,2-2 8,-2-4 0,0 1-24,2-1 16,-2-6 8,0 0 0,0-3 16,2-2-8,-2-3-8,1 1 8,-2-3-8,0 1 0,-2-2 0,2 5 0,-1-3 16,1 3-8,-4 0-8,3 0 8,-3 0 8,4 4-8,-2-1-8,2 1 8,-4 1-8,4 2 0,-3 0-24,3 1 16,-2-1-8,4 2 0,-2-1-24,0 0 24,0 1 8,1 1 8,-1 2 0,2 1 0,-1-2-24,3 2 16,0-2 24,-1 0-8,3-2-8,-1 1 8,0-2-8,3 0 0,-1-1 0,1 0 0,-1-2 16,4 0-8,-3-2-8,-1 4 8,0-2-8,-1 0 0,-2 1 16,1 2-8,-4-2 16,1 2-16,-2-2 32,0 4-24,-3-2-24,1 0 0,-3 0-32,1 0 24,-7 0-8,6 0 8,-5 0-24,4 2 24,-5-2 8,4 0 8,-2 0-24,1 2 16,2-2-8,0 3 0,0-3 32,1 1-8,0-1-24,2 0 8,0 0-48,3 0 32,0 0-8,1 0 16,-1-1 32,3 1-8,0-3-8,5 3 8,-2-4-32,1 2 16,-1-1 24,4 2-8,2-4 16,0 2-16,-2-1-24,0 2 8,-2-3 24,-1 4-8,0-3 48,-2 4-32,-4-2 24,2 2-24,-3-1 24,0 1-32,-3-3-8,2 6 0,-4-3-32,0 0 16,-3 0-8,2 2 0,0-1 0,-1 3 0,-1-3 32,1 0-8,0 0-8,2 3 8,-2-3-32,5 0 16,-3-1 8,2 1 0,0-1 0,2 0-24,2 0 16,-1 0-32,0 2 24,0-2 8,3 2 8,0-2 0,4 0 0,0-2-24,-1 2 16,0-2 24,3 2-8,-3-2 32,2 1-24,-4-3-8,3 4 0,-3-2-8,0 2 0,-2-1 64,1 2-32,-3-2 40,2 1-40,-5-3-16,1 6-8,-3-3 8,0 0-8,-3 0-8,4 1 8,-6 0-8,4 0 0,-2 2-24,2-1 16,-4-1-8,7 0 0,-7-1 16,7 0 0,-4 0 16,3 2-8,1 0 16,0-1-16,-2-1-24,4 0 8,-2 0-8,3 0 0,-2 0 16,1 0-40,2 0 24,-1 0-8,0 0 8,0 0 32,2 0-8,-1 0-24,2 0 8,0-1-8,-1 1 0,2-2 16,1 2 0,-1-2 0,2 2 0,0-1 16,0 0-8,-1-1 32,-2 2-24,2-3-8,-3 3 0,1-1-32,-1 2 16,-1-1 24,3 0-8,-4 0 32,1 0-24,-2 0-8,-3 0 0,2 0-32,-2 0 16,1 0 8,-1 0 0,-3 0 0,2 0 0,-2 0-24,4 0 16,-4 0 8,3 0 0,1 0 0,-1 3 0,-1-2 0,3 0 0,-2 0 0,2 2 0,-2-1-24,3-1 16,-1 1 24,2-2-8,-1 4 16,-1-1-32,1 3-16,-1-1-8,1 1 24,1 0 0,0-2 24,0 3-8,0-2-8,0-1-16,0 1 8,0-1 8,1 2 16,1-3-24,-1 1-16,1-1 16,1 2 0,1-3-16,-1 0 16,0-1 8,0 0 16,1-1-8,-2 0-8,2-1 8,-2-2 8,2 1-8,-2-4 16,2 2-32,-3-1 0,0-2 24,0 2 8,-1-2-8,0 2 8,0-2-32,0 3 0,-1-4 8,0 2 0,0-1-24,-2 3 16,2-1 24,-1 3 24,2-1-32,-1 0-24,1 2 8,0 1 16,-3 0-16,2 0 0,1 0 24,0 0 8,0 0-32,0 0-8,-1 2-16,1 3 0,0 1 24,0 1 16,0 1 0,0 1-8,1 1 8,-1-2 8,1 3-24,-1-1 0,0-2-8,0 3 0,0 0 16,0-2 16,0 0-24,0-1 0,0 0 8,0-4 16,3 1-8,-3-1-8,0-2-16,1-1-8,1-1 16,-1-1 0,2-3 8,-2-3 16,1 0-8,1-2-8,0-1 24,-1 0 0,1-1-8,-3 3-16,0-1 8,0 3-8,-3-2 0,1 0 0,-3 3 0,3 1 0,-3-2 16,2 4 8,-2 0-32,0 0 8,0 2-16,1 2 0,-1 0 16,0 4 0,2-1-24,0 1 16,0 2-8,0 0 0,1 0 16,2 3 0,0-1-24,0 0 16,2-2 8,-2 0 0,3 0 0,0-1 0,0 0 0,0-2 0,1 0-24,-1-1 16,0-1 24,0-1 8,2-1-32,-1 2 8,-2-3 0,2 0 0,0-3-24,0 2 16,-1-1 24,2-2 8,-3-2-8,2-1 8,1-2-16,-2-1-8,1 0 8,-2-2-8,2 2 0,-2 0 16,-1-1-8,3 0 16,-3 1-16,-1 1 16,0 0 0,0 2 8,0 1-40,0 1 8,0 3 0,0-2 0,-1 3 0,-3 2 0,2 5 0,-2-1 16,2 2-24,-3 1 0,3 4-8,1 2 0,-2 1 0,2 2 0,0-2 16,1-1 0,0-1 0,1-1 16,0-4-8,2-1-8,0 0 8,1-2-8,-2-1-24,2-4 0,-2 0 32,3-2-8,-3-4 0,2-1 8,-2-4 8,2 1-8,-2-4-8,-1 1 8,-1-2-8,0-1 16,-1 2 8,-1 1-32,0 2-8,-1 0 8,2 5 32,-3-1 24,2 3-40,-4-1-16,1 3 0,-1 0 16,-1 2-56,0 2 32,0 2 0,1 2 16,-2 2 0,3-2 0,-2 4-40,4 0 24,-1-2-48,0 3 40,2 1-8,2-1 16,-1 0 16,2-2 0,-1 2 16,2-2-8,-1 0-8,3-1 8,-2-2-32,1-2 16,-2 3 24,2-2-8,0 1-24,-2-3 8,0 0 8,2-1 0,-2-1 16,0 4-24,-1-5-16,0 1 16,1-1 0,2 0 8,-2-1 0,2-3 16,0 2 8,-1 1-8,0-3 8,0 1 16,1-1 16,-3 1-8,2-1-8,1 0-8,-2 0 16,0 2-24,-1-1-16,0 0 0,0 2 8,0-1 8,0 1-32,0-1 8,-1 1 16,0 0 8,-4 0-8,2 1-16,0 0-16,2 0 8,-1 0 8,-2 1-56,2 0 0,1 2-16,-2 0 24,3 0 32,0 0 8,3-1-16,-2 0 16,2 1-8,2 0 0,-1-3 16,4 1 0,-2-1-24,2-1 16,-1 0 8,2-1 16,-1-2 24,0 2 32,-1-2 0,-1-1 0,-2 1-8,1 0 16,-2-3-8,-1 4 0,-2-1-40,0-1-8,-2 2-8,-1 1 8,0-1-32,-2 3 0,-1 0-8,-2 0 0,0 4 16,0-1 16,-1 1-24,2 1-16,0-1 16,1 0 16,0 1-56,1 0-24,3-1 0,1 2 24,1-3-16,0 3 24,1-2 24,0 0 8,2 0 8,0-2 0,2 1 0,-2-1 16,3-1-8,0 0-8,0-1-16,1 0 8,1-1 8,0-1 0,1-2 32,-2-2 16,1-1 0,0-1-8,-1 0-24,-1 0 8,0-2-16,-4 3 16,2-2-16,-3 2 16,-1 1 0,0-1 8,-1 2-16,-3-1 8,2 4-16,-4 1-8,1 0-16,0 1-8,-1 2 16,0 3 16,-1-1-16,2 1 0,-1 1-48,3 1 0,0 0 24,0 1 16,1-1-8,0 2 0,2-3 16,2 2 0,0-4-16,-1 2 16,2-2 8,0-2 0,-1 0-24,3-2 0,0 0 16,-1-2 16,0 0 0,0-2 16,1-3 0,0 2 24,-2-2-40,1-2-8,-2 1 0,-1-2 16,3 0 8,-4-1 24,0 4-24,-4-1-16,2 3 0,-2-1 8,0 3-8,0 1 16,0 2-32,-1 1 0,0 1-8,1 5 0,0-1 0,2 5 0,-3-2 0,3 0-16,0 1 0,1-2 24,1-1-16,0-1 8,0-2 0,1 1 0,1-2 16,-1-1 16,0-2-24,0 0 0,4-2 8,-2-3 16,-1 1-8,-1-1 16,0-4-16,1 2-8,0-2 8,-2 1-8,0-2 0,-2 4 0,0-1 16,0 0 24,-2 0-32,2 4-24,-3 0 8,3 2 0,-3 2 24,0 3 8,2 4-48,0 0 0,0 2 8,-2 1 8,3 0 8,1 0 16,-2-3-24,2-1 0,1-1-8,0-2 0,0 0 0,1-2 0,2-2 32,-2-1 8,1-2-8,3-5-16,-2-2-16,0-2 8,0 2 8,1-2 16,-3 0-8,1 0 16,-2 1 0,0 0 8,0 4-16,-2-2-16,1 3 24,-1 1 0,-2 3-32,2 1-8,-2 1-16,-2 2 0,3 4-48,-2 2-16,0 4 40,-1 1 24,3 0 24,-2 1 8,5-1-24,-3-1 16,3 0-8,0-3 0,0-3 16,3 0 0,-3-2-24,2-2 16,1 3 8,-2-5 16,0-5-24,3 4 0,-1-4 24,1-1-8,-2-2-8,3 1 8,1-5-8,-2 4 0,0-3 0,3 1 0,-2-2-24,-2 4 16,3-1 8,-1 2 0,-2-2 0,1 5 0,-3-1-24,2 3 16,-1-4 24,-1 5-8,1-2-8,-1 3 8,1 0-32,2 3 16,-2-1 8,2 3 16,-2 1 8,2-1-48,-2 1 0,2 0-64,-3 1-8,0-2 16,0 3 32,1-3 24,-2 1 32,3-1 16,-3-3 8,0 0-56,0 3 0,0-5-32,0-2 16,0-2 24,0-1 8,0-2 8,-3 1 16,1-2 8,1 1 8,0-1-40,-3 2 8,1-2 0,-3 1 0,1 1 0,0 1 0,2 0 16,0 1 24,0 2-32,0-1-24,-1-1 8,2 1 0,1 2-16,0 0 0,1 0 16,0-2 0,1 1-16,0 1 16,3-1 8,-1 0 16,2 1-8,-1 0-8,2 0-16,0 0 8,0-2 8,-3 2 0,2 1 0,1 0 16,-3 1 8,2 2 24,0-2-8,-3 0 0,2 1-48,-2 2 8,-1-1 16,3 0 8,-4-1-8,0 0-16,0 2 8,0-2 8,0 1-8,0-2 16,0 0-16,-5 0-24,4 2 8,-4-1 24,3 1-8,-8-2-8,7 2 8,-8-2-32,4 0 16,0-1 24,0 1-8,0-1-8,2 0 8,-1 0-32,1 0 16,0 0-8,4 0 0,0-1 0,2 1 0,0-1 16,5 0 0,-1-2 0,2 2 0,-1-4 16,2 2-8,0-3 16,0 0 16,-2 3 16,1-1-48,-1-1 0,0 1-8,-3-1 16,2 3 8,0-2 8,-3 2-16,2 1 8,-2 0-32,0 1 0,0-3 8,0 3 16,-1 0-24,1 0-16,0 0 16,-2 0 16,0 0 0,0 0 16,0 0-16,0 0 0,-2 0-8,0 0 0,-1 3 16,-1-1-8,-1-1-8,2 3 8,-2-3-8,3 1 0,-4 1 0,1-2 0,0-1 0,4 1 0,-1-1-40,2 0 24,-3 0 8,6 0 8,-3 0-24,2 0 16,2-1 8,-2 1 0,4-1 16,-1-2-8,-2 1-8,4 1 8,-2-3-8,2 3 0,-2-1-24,-2 2 16,1-3 8,0 3 0,-2-2 32,-1 2-16,0-1 8,1 2-8,-2-1 8,0 0-16,-2 0-8,1 0 8,-4 0-48,2 0 24,-2 0-8,3 0 8,-3 0-24,1 2 24,-3-2-8,4 0 8,-4 3 0,2-1 0,-2-1-24,2 3 24,-2-3-64,5 1 48,-4 1-24,1-1 32,3-1-40,1 2 40,-2-1-8,3-1 16,3-1 16,-1 2 0,4-4 0,-1 2 0,-2-3 0,4 1 0,-1 0 16,2 1-8,-2-4 16,1 4-16,-2-4-8,1 4 8,-3-1 24,0 2-16,-2-3 8,1 3-8,-2-3 24,3 3-24,-3-4 64,0 4-48,-3-2 24,3 2-32,-2-1-48,1 1 8,-4-1 8,4 2 8,-5-1-24,4 1 16,-4 0 8,2 0 0,1 2 32,0-1-16,0 0-24,-1 2 0,1-3-8,0 1 0,2-2 0,1 3 0,-1-3 0,2 0 0,0 1 16,2-1 0,-1 1 0,3-1 32,-2 0-16,2-1 32,0 1-32,1-1-8,0-2 0,-1 1 8,-1 2-8,-2-1-8,4 1 8,-2-1 8,-2 1-8,0-3 32,0 6-24,-2-3 64,2 0-48,-4 0 40,2 0-40,-4 0 0,3 0-16,-4 0-32,2 0 8,-2 0-8,3 0 0,-5 0 16,2 1 0,-2 0 0,2 0 0,-1 0 0,0 3 0,0-3-24,4 0 16,-4 2-8,4-1 0,-2-2 0,4 1 0,-1-1 0,1 0 0,-1 0 0,2 0 0,-1-1 16,1 0 0,2-4 0,-1 3 0,-1-3 16,4 3-8,-3-3-8,2 3 8,-3-3-8,0 4 0,0-3 0,3 3 0,-3-1 0,0 2 0,-1-1 0,0-2 0,0 6 0,0-3-24,0 0 16,0 0-8,0 1 0,-1-1-24,1 2 24,-1 2-24,-3-2 16,2 0 16,2 2 8,-4-1-24,4 1 16,-2-2 24,2 2-8,-1-2-24,2 2 8,-1-2-32,0 2 24,0-1 24,0-1 0,0 2-8,0-2 8,0 1-32,0 1 16,0-1 8,1 0 0,0 0 16,2 2-8,-3-2 16,1-1-16,-1 0-40,1 2 16,0-2-8,3-1 8,-3 1 32,0-1-8,0-2 32,2 1-24,-2-3-8,0 1 0,-1-3 24,0 2-16,0-5 64,0 4-48,-1-3 24,1 2-32,-4-1-16,3 3 0,-1-2 24,-2 3-16,1-2-24,-1 3 0,-1 1-32,2 1 24,-3 3 8,0 1 8,0 4 0,4 0 0,-4 5-24,5-1 16,-2 0 8,3-1 0,0-2 0,1 3 0,1-4 0,-1-2 0,1-3 0,2 0 0,-2-4 0,3-1 0,0-4 0,-2-2 0,1-4 16,-2 5-8,3-5-8,-3 0 8,-1-2-8,3 4 0,-3-2 16,0 2-8,-1-2-8,4 7 8,-4-4 8,0 3-8,-4 0-8,4 3 8,-1-2-8,1 3 0,-1 0-24,0 1 16,-2-1 8,3 2 0,-1-1 16,0 2-8,-3 3-24,2 1 8,-1-1-8,0 3 0,1-2 16,2 2 0,-1-1 0,1 0 0,0-4-24,1 4 16,-1-4-8,1 0 0,0-1 0,2-1 0,-2-2 32,1 1-8,0-2 16,2 1-16,-3-2-24,0-2 8,2-2 24,-2 3-8,0-4 16,0 2-16,-1-1-24,0 4 8,0-3 8,0 1 16,0 2 8,-1-2-8,1 1-16,-1 2 8,0 1-8,-2 0 0,1 1 0,-2 1-24,1 0 0,1 1-8,-3 2 0,0 1 0,2-2 24,-2 3-16,1 0 8,1-1 16,0 2 16,0-3-24,1 1-16,2 0-8,0-2 24,2 2-16,-1-3 8,2-1 16,0 1 16,1-4 8,0-1 24,1-2-40,1 0-8,-1-1-16,-3 0 0,1-3 32,1 2 8,-2 2-8,1 0-16,-2-1 8,0 1 8,0 2-24,3-2 0,-3 3 8,0-2 0,-1 2 16,0 1 24,0-2-32,0 2-8,0 0-16,0 0-16,0 1 24,0 0 0,0 0-48,0 2 0,0 2-16,0-1 24,1 2 16,2-2-8,-2 3 8,0 0 24,0-1 16,3-2 16,-4 1-8,0-1-16,0 0 8,0-1 8,0 0-48,0 2 8,0-2 24,0 2 32,0-4-24,0 2-8,0-1 16,0-1-24,0 0 16,0 0 0,0 0 32,-4 0-24,3 0-8,0 0 0,-4-1-8,4 1 0,-5-1 0,5 1 0,-4-1 0,4 1 0,-5-1 0,4 1 0,-3-3 16,3 3-8,-4-4 16,2 4-16,0-3 16,0 3-16,0-2 16,1 2-16,-2-1-8,1 1 8,0 0-32,2 1 16,-4 0-32,5 1 24,0 0 8,1 2 8,0-1-24,1-1 16,0-1 8,5 2 0,-1-3 16,2 2-8,-1-4-24,2 2 8,0-3-8,0 1 0,-1-2 16,1 0 0,-2-1 16,4 1-8,-3-3-8,-1 5 8,-2-3-8,1 4 0,-3-1 48,1 2-24,-3-3 8,1 3-16,-1-1-48,0 2 16,-1-1-48,0 3 40,-3-2-8,1 0 16,-2 0 0,1 3 0,-3-3-40,5 1 32,-4 2-8,0-1 16,-1-3 16,1 4 0,-1-4 0,1 0 0,0 0 0,2 0 0,-3 0-24,4 0 16,-1 0-8,2 0 0,-2-1 0,3 1 0,0-3 16,1 0-24,1 1 16,0-1 8,5 2 0,-2-4-24,1 4 16,0-1 8,2 2 0,-4-3 0,4 6 0,-1-3 0,1 0 0,-2 0 0,2 0 0,-1 0 16,0 0-8,0 0-8,-2 0 8,0 0 8,-1 0-8,-1 0-8,0 0 8,0 0 8,-2 0-8,0 0 16,3 0-16,-3 0 0,-3 0-8,3 1 0,-3-1 0,3 1 0,-3-1 16,1 1-8,-3-1-8,3 3 8,-3-2-48,4 0 24,-1 0-64,-2 2 48,2-1 8,1 1 24,-2-3 16,3 0-8,-1 0-24,1 0 8,-1 0-8,1 3 0,-1-2 16,1 1 0,-4 3 16,3 0-8,-1-1-8,2 3 8,-4-2-48,4 3 24,-2-3 8,2 3 8,-5-3 16,4 2-8,-1-1-8,2 2 8,-3-5-32,3 3 16,-1-3-8,2 1 0,-1-4 32,3 0-8,-2-3 16,1-1-16,0-2 16,2-1-16,-3-1-8,3 0 8,-3-2-8,0 2 0,0-2 16,-1 1-8,0 3-8,0-1 24,-1 2 0,0 1-32,-3 4 8,2 0 0,-2 5 0,1 1-40,-2 1 8,2 2 16,-2 2 24,3-2-16,-2 4 0,3 0-8,-1 0 0,2-1 0,2-4 0,-1 1 16,0-4 16,3 1-24,-2-4-16,3 2 16,-3-4 16,2-1-16,-2-4 0,3-1 8,-3-1 16,2 0-24,-2-4 0,3 1 24,-3-1 8,-1 2 8,2 1 0,-2-2-16,0 4 8,-1-2-32,0 2 0,0-2 24,-1 2 24,0 2-32,-2 1-8,1 2-16,-3 1 0,3 4 0,-3 3-16,0-1-16,0 3-8,-1 3 32,-1 0 8,0 1 16,0 0 16,3 0-8,1-1-8</inkml:trace>
+  <inkml:trace contextRef="#ctx0" brushRef="#br0" timeOffset="2">384-688 680,'2'6'-24,"1"-1"16,1-4 0,2-1 24,-1-2 24,0-4 0,1 2 16,-1-2-16,1-3 0,-2 0-8,1 0 16,1 1-40,-4 0-8,2 0 16,-1 1 8,-3 2 24,4-1 8,-4 3-8,0-3 8,-4 3-48,4 2-8,-3 1 0,-1 1 0,2 4-24,-4-1 16,1 3 8,1 0 0,-1 2-40,-1 0-8,0 2-32,1-1-8,1 0 8,1-1 32,-1 0 24,1 0 16,2-3-16,1 1 16,1-4-8,1 2-16,2-1 24,-1-2 0,0 0 8,-1 0 16,3-2 40,-3 0 48,3-2-24,0 1 16,0 0-40,-1-1 8,0-2-24,-2 1 0,3 0-8,-3 1 0,2 0-16,-3 0-16,1-2 8,-2 3-8,4-1 16,-3 1 8,-1 0 56,0 0 32,0 0-40,0 1-24,-5 0-64,3 0-48,-2 0-16,2 1-16,-4 0 16,1 1-8,0 1 16,-4 3 24,1-3 24,2 1 0,0 1 8,1-1 16,0 0 0,2-1-24,2-1 16,1 2-8,1-2-16,2 2 24,0-2 0,3 0-16,-2-2 16,0 0 8,3 0 16,-2-2 24,2 0 16,-1-1-8,-1 1-8,-1 0-8,1-3 0,0-1 0,1 1 0,-3-2-16,2 2 8,0-2 0,-3 2 8,2 0 0,-3 0 16,0 3-8,-1 0 0,0-1-24,-1 1 8,0 2-32,-3 0 0,2 0-48,-3 2-24,0 1-8,2-1 8,-3 2 32,0-1 8,-1 4 0,2-2 8,1 2 0,-1-4 24,1 2-16,3 1-8,1-2 24,1-1 16,2-1 16,-2 1 8,2-3-56,1 0-16,-2-3 48,3 2 32,1-1 16,-3-2 8,3 1-16,-1-4 8,0 1-32,-1-3 0,1-1 24,-1 2 8,-2-1-8,0 0-8,2 1-8,-3 1 0,-1 0-16,-1 0 8,-3 2 0,2 2 24,0-1-24,-2 2-16,2 2-40,-3 2 0,3 2 16,-2 1 8,2 1-16,-4 2 16,5 1 8,-3 0 16,4 3-8,-1-3-40,1 2 16,0-2-8,1-3 8,0-2 0,2 2 0,-2-5 32,1 0-8,2-3-8,-2 0 8,-1-6-8,3 4 0,-3-7 16,4 2-8,-4-4 16,2 3-16,-1-3 32,-1 5-24,-1-3 8,1 2-8,-1-1-32,0 3 8,0 1 8,0 0 0,-1 2 0,1 1 0,-1 2 0,-1 1 0,-1 3 0,2 2 0,-5 4-24,5 1 16,-3 4-8,4 0 0,-1 0 16,1-1 0,-1-3 0,2 0 0,-1-2-24,1-2 16,0 0 8,2-4 0,-2-2 16,2 1-8,0-4-8,-1 0 8,0-5-8,1 1 0,-2-5 32,1 3-16,2-4 48,-3 3-40,-1-1-8,1 3-8,-1-3-8,0 5 0,-1 2 16,1-2-8,-1 2-8,-3 2 8,2 2-48,1 0 24,-4 3-24,4 3 16,-5 1 0,4 3 8,-3 3 16,4 0 0,-3 1-24,2-1 16,1-2 8,1 1 0,-3-3-24,6-3 16,-3 0 8,1-1 0,1-4 16,2-1-8,-3-4-8,1-1 8,1-2-32,-1-3 16,0-3 8,2 3 0,-3-4 32,3 3-16,-3-3 48,0 3-40,1 0-8,-2 4-8,0-3-8,0 4 0,0 1 0,0 1 0,0-2 16,0 4-8,0-1 16,0 3-16,0-1-8,0 2 8,0 2-32,0 3 16,-2 0-48,1 1 32,-2 1-24,3 0 24,-3-1 0,3 1 8,-4-2 0,4 0 0,-2-4 0,4 3 0,-2-4 0,0 0 0,0-2 0,0 0 0,0-4 16,0 1 0,0-2 0,3 0 0,-2 0 0,2 0 0,-1-1 0,-1 1 0,0-1 0,1 3 0,2-1 0,-2 0 0,2 2 0,-2 1 0,3-1 16,-3 1-8,1-1-24,0 3 8,-1-2-8,2 2 0,-3-1 16,2 2 0,-1-1-24,1 0 16,-2 0 24,1 2-8,1-2 16,-2 5-16,-1-3-8,1 2 8,-1-2 24,0 4-16,-1-4-8,1 2 0,-4-1-64,2 1 32,-1-2-8,2 2 16,-4-4 32,4 2-8,-3-2-8,2 1 8,-1-1-32,2 0 16,-2-1-8,3 1 0,-4-2 16,4-1 0,-2 0 0,2-1 0,-1-1 0,2 2 0,-1-4 0,2 4 0,-2-2 0,3 0 0,-2 2-24,2 0 16,0 0-8,0 1 0,1-3 16,0 4 0,1-2 32,1 3-16,-3-1-24,2 1 0,-1-1 8,2 2 0,-2-1 0,2 0 0,-4 0 0,2 1 0,-3 0 16,0 2-8,-1-2-8,4 3 8,-8-1 8,4 1-8,-1-2 16,0 3-16,-3-2-8,2-1 8,-4 1-32,4-1 16,-6 3 40,4-3-16,-2-1 8,1 1-8,-1-2-32,1 1 8,-2-1-8,4 0 0,-2 0 0,0 0 0,1-1 16,2 1 0,0-2 0,-2 2 0,2-1-24,2 1 16,-1-1 8,1 0 0,-1 0-24,2 1 16,-1-4 8,3 4 0,1-2 0,-2 1 0,2-3-24,0 3 16,1-4 24,1 5-8,1-4-8,-1 2 8,2 0-8,-2 1 0,-3-4 0,3 5 0,-5-2 0,3 2 0,-3-1 32,0 2-16,-1-1-8,1 0 0,-2 0 8,0 1-8,-2 0-24,1 2 8,-2-1-48,0-1 32,-2 0-24,1 0 24,-1 1-16,1 0 16,-2 0 0,3-2 8,-3 0 32,4 3-8,-2-3-24,3 0 8,-4 0 8,5 0 0,0 0-24,1 0 16,-2 0-8,4 0 0,-2-3 0,0 3 0,0-2 16,1 0 0,0-2 0,1 3 0,2-5 0,-2 5 0,2-3-24,-2 3 16,3-1 8,-3 2 0,1-4 0,2 4 0,-1 0-24,0 0 16,-1 0 24,0 0-8,2 0 16,-3 0-16,-1 0-8,2 0 8,-2 0 8,0 0-8,-1 0 0,0 0 8,0 0-8,0 0 0,-1 0-32,1 4 16,-1-3 8,-2 0 0,1 0 16,1 2-8,-5-2-8,4 1 8,-2 1-8,2 0 0,-3-2-24,3 0 16,-1 1 8,2-1 0,-1-1-24,2 1 16,-1-1-8,2 0 0,-1 0 0,2 0 0,-1 0 32,1 0-8,1 0-8,1 0 8,0-1-32,1 1 16,1-1 8,0 1 0,0-2 16,0 1-8,-1-1 16,2 2-16,-2-2-24,2 2 8,-2-3 8,0 6 0,-2-3 0,2 2 0,-2-1 0,1 0 0,-4 0 32,2 2-16,-1-2-8,2 1 0,-3 1 8,1 0-8,-2-2 16,-2 0-16,0 2-8,3-1 8,-6 2-32,4-3 16,-4 0 8,2 0 0,-2 0 16,3 1-8,-4-2-8,2 1 8,-2-2-32,2 1 16,-2-2 8,4 2 0,-3-1-24,1 0 16,1-1 8,2-2 0,-1 2 0,2 2 0,-3-3-40,4 3 24,-2-2-8,2 1 8,0-4 16,2 3 0,-1-2 0,3 3 0,-1-3 16,0 1-8,2 0-8,0 1 8,0 0 8,0 2-8,3-2-24,-2 2 8,-2-4 8,2 4 0,0-2 16,0 2-8,-1-1-24,1 2 8,-2-2 8,0 1 0,-1-1 0,2 2 0,-1-1 16,1 0-8,-2 0-24,2 1 8,-3 1 24,2-2-8,-2 4 16,-1-2-16,1 0-8,-1 1 8,-1 2-8,2-1 0,-2 0 0,0-1 0,0 3 16,0-2-8,0-1-8,0 3 8,-2-4-8,2 1 0,-1-2 0,-1 2 0,-1-1 16,1 0-8,-1-2-8,2 2 8,-3-2-8,3 1 0,-4-1 0,3 0 0,-3-1 16,4 1-8,-4-2-24,3 2 8,0-4 8,2 3 0,-4-3 0,4 2 0,-2-1-24,2-2 16,-2 2 8,4 1 0,-2-1 0,0-2 0,0 2 0,1 0 0,-1 0 16,0-2-8,0 2-8,1 1 8,-1-1-32,2 2 16,-2-3-8,2 4 0,-2-3 16,2 3 0,-2-1 16,2 2-8,-1-1-8,2 0 8,-2 0 8,0 3-8,1 3 0,-2-1-32,0 2 16,-2-1-8,2 2 0,-1-2-40,0 3 32,-3-2-80,4 1 64,-2 1-56,2-2 56,-4 0 0,4 0 24,-2-1-24,2-1 24,-1 0-24,1 1 16,-1-4 0,2 3 8,-1-4 0,0 2 0,0-4 16,0-3 0,0 0 0,0-3 0,1 4 0,-1-6 48,2 4-24,0-5 24,0 5-24,-2-1-16,0 0 0,0-2 24,0 2-16,0 0 8,0 1-8,0-1-16,0 2 8,0-1 8,0 3-8,0-2-8,0 3 8,0-4-8,0 3 16,0 2-8,0 0-40,2 1 16,-2 0 8,1 5 8,-1-2 16,3 0-8,-3 3-24,0-1 8,0 2-32,0-1 24,0 3 8,1-2 8,-1 0-40,0 0 24,0 1-24,0 1 16,0-2-16,0 0 16,0-3-16,0 1 16,0-3 16,1 2 8,-1-5 48,0 4-24,0-5 24,0-2-24,0-1 24,0 1-32,0-4 48,2 3-40,-2-5 8,2 4-16,-2-4 8,1 2-16,-1-2-8,2 3 8,-2-3-8,0 3 0,0-4-24,0 5 16,0-1 8,0-1 0,0 0 0,0 2 0,0 1 0,0 1 16,0-2 8,0 4-8,0 0-16,0 0 8,0-1-8,0 1 0,0 2-24,0 2 16,0-1 8,2 4 16,-2-1-8,0 3 16,0-2-16,0 2-8,0-2-48,0 3-8,0 1 8,0-4 8,0 1 0,0 1 8,0-2 0,0-1 24,0 1 0,0-1 8,-2 0 0,2-3 16,0 1-24,0-3 0,0 0 24,0 0 8,-2 0-32,1-2 8,1 0 0,0-2 16,0 0-8,0-1-8,0-2 8,0 2-8,0-2 16,0 0 8,0 1 8,0-1 16,0 1-8,-2 1 0,0 0-24,2 1 8,0 1-16,0-2-8,0 3 40,-1 1 8,1-1-40,0 2 0,0 3-8,-1 3 0,1-3 16,0 2-8,0 2 16,0-1-32,0 2-16,0-1 16,0-1 16,0 3-16,0-1 0,0 0 8,0 0 0,0-2 0,0 1 0,0-3 0,0 1 0,0 0 0,0-3 0,0 0 0,0 1 0,0-1 16,0-2 8,0 0-8,0 4 8,0-4-32,0 0 0,-3 1-8,2 0 0,1-1 32,-2 1 8,0-1-32,-2 0 8,2 0 0,-2 0 16,1 1-8,-1-1-8,2 2 8,-2-1 8,2 0-8,-3 2 16,3-1-32,-2-1 0,3 0 8,-4 0 16,3 0-24,-1 0 0,0-1 24,0 0 24,-1 2-16,2-2 0,-2 1-8,2 1-16,-3 0 8,1 0-8,1-1 32,0 0 16,-3 0 0,3-1-8,-1 1-24,-2-1-16,4 2 8,-3-2-8,0 0 0,3 0 16,-2 0-24,0 0 0,-1 0 8,0 0 16,3-2-24,-3 2 0,3 0 8,-2-1 16,2 0-24,-2 0 0,1 1-8,-1 0 0,3 0 16,0 0 0,0 0 0,1 0 16,-2 0-24,0 0-16,2 0 16,-1 0 0,-1 0 8,2 0-24,0 0 16,0 0-8,-1 0-16,1 0-48,0 0-16,0 0 56,0 0 16,1 0 0,1 0 16,-1 1 8,1-1 16,1 1-24,-1-1-16,2 0 16,-1 0 16,1 0 0,1-1 16,-2 0-32,2 0-16,0-1 16,-1-2 16,1 3 0,0-1-8,-2 1 8,2 0-8,-2 0 16,0 0 24,0 0 0,1-1 0,-3-1-24,1 2 8,-1 0-16,1-1 16,-1 2 0,-1 0 8,0 0-16,0 0-8,0 0 8,0 0 8,0 0-8,-1 0-8,-2 0-8,0 0-24,-1 0 0,1 0 32,0 0 8,1 0 0,1 0-16,0 2-16,-3-2-8,4 0 16,-2 0 0,0 1-16,0-1 16,-1 1-8,-1 2-16,2-1 0,0-1 24,-2 0 0,3 0 8,-4 0 0,3 0 0,1 1-40,-2-1 8,2 1 0,0 0-8,0 1 32,-2-1 16,0 1 0,-1 0-8,2-1 8,-1 2-8,0-3 0,1 0 0,1 3-24,1-4 16,-3 0 24,3 0 8,0 0-32,-1 0 8,0 0-24,0 0 16,-4 0 8,3 0 0,-1 0-24,6 0 16,-3 0-8,0 0 0,2 0 16,3-3 0,-2 2 0,3-1 0,-1 1 0,-2-4 0,4 4 0,-1-4-24,0 4 16,1-3 8,0 2 0,0-1 16,-1 3-8,-1-3-8,0 3 8,-3-1-8,3 1 0,-4-1 0,2 2 0,-2-1 0,1 0 0,-2 0 16,1 0-8,-1 0 16,0 0-16,0 0 32,0 0-24,0 0 32,0 0-32,0 0-8,0 0 0,0 0 8,0 0-8,0 0-40,0 0 16,0 0-24,0 0 16,0 0 0,0 0 8,0 0 32,0 0-8,0 1-8,2 0-16,-1-1 8,2 0 8,-2 0 0,2 0 0,0 0 0,0-1 32,2 0 16,-3 0-40,2-1 0,-2-3-24,2 3-16,-4-1 0,3 1 24,-2-3 16,1 3 16,0-1-8,-1 0 8,0-1-16,-1-3-8,0 3 8,0-4-8,0 0 0,0 1 16,-1 1-8,0 1 16,-1-1-32,0 2-16,-2 0 16,4 0 16,-4 1 0,2 0-8,-1 2 8,0-1-8,-2 2 0,1 0 16,1 2-8,-3-2-24,3 2 8,-3 1 8,1 3 0,-1-1-40,3 3 24,-2 1-80,2-1 56,-2 0-40,4 2 48,-3-3 16,4 3 16,-2-4 0,4 2 0,-2-1-24,3-2 16,-2-1 8,0 1 0,1-3 16,0 0-8,-1-2 16,2 1-16,1-2 32,-2 0-24,2-4 48,0 2-40,1-3 24,1-1-24,0-4 24,0 5-32,-2-4 48,2 3-40,-4-4 64,3 6-56,-4-3 64,2 3-64,-3 0 24,3 2-32,-6 0 0,3 0-8,-4 0 8,2 3-16,-4-1-24,1 2 8,-2 1 8,1 2 0,-3 2-24,2-1 16,-1 3-32,1 0 24,0-1-24,1 2 16,0-1 16,1-1 8,2-2-40,0 3 24,2-1-24,1-2 16,0-3 0,1 3 8,2-1 16,-2-2 0,1-1 16,2 0-8,-3-1-8,1 2 8,2-4 8,2 1-8,-4-1-8,3-1 8,-2-5 8,5 4-8,-4-7-8,3 2 8,-2-2-8,-1 3 0,0-4 32,1 3-16,-4-1 64,1 5-48,-4 0 24,1 1-32,-4 1-32,1 3 0,-2 3-8,2 1 0,-3 4 32,2 0-8,-1 3-8,3-3 8,-2 3-8,3-1 0,-4-3-40,5 3 24,-2-2-8,3-2 8,-1 1 16,2-4 0,-1-2 0,3 3 0,-2-4 0,2 0 0,1-4 0,-1 2 0,0-4 16,0 0-8,2-3 16,0 3-16,-1-5 16,1 4-16,0-4-8,-1 1 8,0 0 24,-1 4-16,-1-3 64,1 4-48,-2 1 40,1 1-40,-2 2 16,-2-1-40,-1 5-24,0 4 0,0-1 16,2 3 0,-2 0 0,2-1-56,1 1 0,0-1 24,0-1 16,0 0 16,1-1 0,2-2-24,-2 1 0,1-2-8,-1-2 24,2 0 16,0-1 16,2-2-32,-3-1-8,2-4 24,-2 3 8,2-5-24,-1 2 8,0-2 16,-1 0 8,-1 0-32,-1 2 8,0 0 0,0 2 0,0 0 0,0 1 16,0 1-8,-1 2-8,1 1 8,0 2-8,-2 4-24,2-1 0,0 4 16,0 1 16,0 0-16,0 2 0,0-2 8,2-3 0,-1 1-24,0-1 0,0-3-8,2-2 24,0-1 0,1-1 8,-2-1 0,3-1 0,-3-2 0,2-3 16,-3-1-24,0 2 0,0 0 24,2-3 24,-3 1-32,0 2-8,0-2 0,0 3 0,0 0 0,-3 1 0,3 1 0,0 0 16,-1 3-8,0-3-8,1 3 8,-1 3-8,-2 2-24,3 1 0,0 2-8,0 0 24,0-2-16,0 2-8,0-2 0,3 1 24,-3-4-16,1 1 8,-1-2 0,1 3 0,0-4 16,2-1 0,-2-1 0,1-4 0,0 3 0,0-3 0,-1 0 0,0-3 16,1 0-8,-2 2 16,0-1 0,0 1 24,-2 0-8,1 2 0,-2 0-8,-1-1 0,0 2-16,2 1 8,-2 0-32,2 1 0,-3 1 8,3 1 0,-2 2-24,2 0 16,-3 1 24,3 2 8,1 2-48,-1 0 0,0 2 8,1-1 24,-2-1-16,3 0-16,0-2 16,0 1 0,-3-2 24,3 1 8,0-4-32,0 0 8,0-2-16,0 2 0,-1-1 32,1-1-8,-2 2-8,-2 0-16,2 0 8,-3-1-8,2 0-16,0 0 24,2 0 0,-1 1-16,1 0 16,1-2-8,0 0 0,0 0 0,0 0 0,1 1 16,1 0-24,-1 0 16,2-1 8,0 0 0,3-1 0,-1 1 0,-2-1 16,4 0-8,-1-3-8,2 3 8,-2-2-32,1-1 16,-2-2 24,2 4-8,-2-5-8,0 3 8,-1-4 8,1 5-8,-2-2-8,0 1 8,-1-3-8,2 4 0,-4-4 32,1 5-16,-2-3-8,1 2 0,-4-4-8,2 5 0,-1-3 0,1 3 0,-3-3 16,2 2-8,-1-1-8,1 2 8,-2-2-32,2 3 16,-2-2 24,4 3-8,-4-1-8,0 1 8,2 0-8,-1 1 0,-2 1-24,5 0 16,-3 1-32,2 0 24,-2 1-48,1 1 40,0 0 8,0 1 16,1 2 0,2-2 0,-1 1-24,1 2 16,-3-1 8,6-1 0,-3 1 0,1-2 0,-1 0-24,1-2 16,0-1 8,2 3 0,-2-5 0,0 1 0,0-2 0,2 0 0,0-2 16,0-1-8,0-4 16,2 3-16,-2-6 16,2 2-16,-3 0 16,3 0-16,-4-2 32,3 3-24,-3 1 32,0 1-32,-1 1-8,1 0 0,-1 1-8,0 3 0,0-2-24,0 2 16,-1 2-8,1 0 0,-1 4 16,1 2 0,0-2 0,0 1 0,0 0 16,1 0-8,0-1-8,2-2-16,-2 2 8,1-4-8,0 0-16,0 0 40,-1-2 24,0 0-8,-1-2-16,2 1 0,0-1 8,-2-3-24,0 3 0,0-1 8,0 0 16,0-1-8,0-1 16,0 2-16,-2 1-8,0-2 8,1 2-8,0 1-24,1 1 16,-2 3-8,-2 1 0,4-1 16,-1 2-24,2 1 16,-1-1-32,2 2 24,-2-4-8,2 1 8,0 0 16,-1-1 0,-1-3 16,0 1-8,1-1 0,-1-1-8,2 1 0,0-3-24,0 0 16,-2 1 8,2 0 0,-1-1 32,2 2-16,-2-5-8,0 3 0,1-1-8,0 1 0,-2-4 0,0 4 0,-2-4 16,2 3-8,-2-2-24,2 1 8,-1-3 8,0 5 0,-3-3 16,2 1-8,0 0 16,0 2-16,-2-1-8,0 2 8,-2 0 8,4 0-8,-4-1-8,0 3 8,0-1-32,0 2 16,1-1 8,2 3 0,-4-1 0,5 2 0,-4 0 0,1 1 0,1 1 0,2 2 0,-1-1-24,3 0 16,-1 0-8,1 1 0,0-1 16,1 0 0,1-1 0,-1 0 0,1-2 0,-1-1 0,1-2 0,1 2 0,0-4 0,-1 1 0,2-4 0,-2-2 0,2-1 0,-1 0 0,0-5 16,0 4-8,-2-4 32,3 5-24,-2-1 64,-1 2-48,-1-1 24,1 3-32,-1 0-16,0 2 0,0-2-32,0 2 16,-1 2-16,1 2 16,-1 2 8,1 0 0,-2 3-24,-1 3 16,1 1 8,2 2 0,-1-3 0,2 0 0,-1 0-24,1-4 16,0 1-8,2-4-16,-1 0 24,0-2 0,2-1 24,-3 0-8,0-1 16,3-2-16,-3 1 16,0-3-56,0 2 8,2 0 8,-2 1 8,0 1 24,0-2 8,2 1-32,-2 0 8,1 1 0,0-1 0,0 1-24,-1 0 16,0 0 8,-1 0 16,0 1-8,0 0 0,0 0-32,0 0 0,2 0-8,-2 0 24,2 0-40,0-3 0,-2 3 24,0-2 8,0 2-8,2 0 16,-2 0 24,0 0 8,0 0-48,0 0 0,0 0 40,0 0 0,0 0-8,0 0 8,0 0 8,0 0-32,0 0-8,0 0-16,0 0 24,0 0 0,-2 5 8,2-3-24,-2 0 16,2 1 8,0 1 16,0-1-24,0-1-16,2 0 32,-2 1 8,0-1-24,2 3-8,-1-3 8,2 1 16,-2-1 0,-1 3-8,1-3-16,1-1 8,0 1-8,-1 0 0,1-1 16,0 1 16,-2-2-24,0 0 0,2 0 8,-1-2 16,0 1-8,-1-1-8,2 1 8,0-1 8,-1 0-8,0-3-8,1 3-16,0-1 8,-2 1 8,0-3 0,0 3 0,0-2 16,0 2-8,-2-2-8,0 2 24,1-1 0,0 0-32,-1 1 8,0-2-16,1 1 0,0 1 16,1-1 16,-2 1-8,0-1-8,0-1-16,1 1 8,-1 1 8,2-2 0,-2 3 0,1-1 0,0 2 0,-2-2 16,2 1-24,1-1-16,0 1 16,-2-1 16,2 2 0,0-4-8,-2 2-16,0 1 8,0-2 8,1 2 16,1 0-8,0-1-8,-1 1 8,1-1 8,-2 1-8,2 0-8,-2-1-16,0 2-8,1-3 32,-2 3 8,2-1 0,0-1 8,0 2-32,-2 0 0,2 0 8,1 0-24,-2 2 16,-3 2 24,3-1 8,-1 3-32,2-1-8,-2 2 24,0 1 8,2-1 0,0 2-16,0-1-16,-1 1 8,0-1-8,2 0 0,0-2 0,0 1 0,0-2 16,2 1 0,0-4-24,-1-1 16,0-1 24,3-1 8,-1-1-8,-2-4 8,3 4-16,-3-4 16,0 0-16,3-1 16,-3-1-16,0-3-8,0 5 8,2-4-8,-2 2 0,-1 2 16,1 1-8,-1-2-8,0 3 24,0 1 16,0 2-16,0 1-16,0 3 0,0 1-8,0 1-24,0 3 16,0-2 8,0 2 0,0-3-24,1 1 0,2-2 16,-2-1 0,-1 1-16,2-3 16,-2 0 8,0 0 16,0 1-24,0-2 0,0 1 8,2 1 0,0 0 0,-1-2 16,0 3-8,1-2 16,0 0-32,-2 0 0,2 0 8,-2 1 0,0-1 0,0 1 16,0-2-24,0 4 0,2-2 8,-2 0 16,1 1-8,-1-2-8,0 2 8,3-1-8,-3-2-24,0 0 16,0 1-8,0-1 0,0 1 16,0-1 16,0 0-24,1 0 0,0 0 24,-1-1-24,0 0 0,0-4 8,0 1 0,0 0 0,0-3 0,0 1 0,0-2 16,-1-1-8,0 1-8,-2 1 8,0-1-8,1 0 16,-2 2 8,2-1-8,-2 2-16,1 0 8,0 1-8,2 1 0,0 0 0,0 0 0,1 2 0,0-1-24,-3 2 0,2-2 32,1 0 8,-1 1 0,0 1 8,-3-2-32,4 2-16,0 0-8,0 0 0,0 0 24,0 0-56,0 0 40,0 0-24,0 0 24,0 0 0,0 3 8,0-1 16,0 0 0,0 0 0,0 2 0,0-2 0,0 2 0,-1-2 16,1 0-8,-1 1 16,0 1-16,-3 0-24,4 2 8,-3-3-8,3 2 0,-4 1 16,4-1 0,-2 0 16,2 0-8,-2-1-8,4 0 8,-4 0-8,2-2 0,-2-2 16,4 1-8,-2-1 16,0 0-56,0 0-8,0 0 16,0 0 8,0-1 32,0-1 8,0-2-32,2-1 8,-1 0-16,0-3 0,0 0 16,2 2 16,-1-2-8,-1 1-8,-1 0-16,1 0 8,-1 0 8,0 1 16,0 1-24,0 0 0,0 0-32,0 2 8,0 0-24,-1 2 16,0 0-32,-1 1-8,-1 0-16,3 0 0,0 0 56,-2 1 16,-1 1 24,0 1 0,0-1-24,-1 4 16,2-2 8,-2 0 0,2 1 16,-3-3 8,2 2-32,0-1 8,2 0 0,-2 0 16,-1 0-24,2 0 0,1-2 8,1-1-24,0 0 16,0 0-8,0 0 0,1 0 16,1-1 0,-1-1 0,2-1 0,0 1 0,0-3 0,0 2 16,0-3-8,2 2-8,-1 0 8,-2 0-8,2 1 0,-1-3 0,-2 5 16,1-1 8,0 1 40,-1 0 40,-1 0-56,0-1-24,0-1-16,0 3 8,0 0 24,0 0 0,0 0 16,0 0-48,0 0 8,0 0-24,0 0-16,0 0-8,0 3 24,1-1-16,0-2-8,2 1 40,0 0 8,1-1-24,-2 0-8,3 0 24,-4 0 8,0 0-24,0 0 8,2 0 0,-2 0 0,-1 1 0,0-1 16,1 0 40,-1 2 48,0-1-40,0 1-16,-1 3-24,0-2-24,-2 1-16,1 3-8,-3-1 32,3 0 24,-2 1-8,2 0 0,-3 0-24,3 1-8,-1-1 8,1 0 16,1-1-24,-2-2 0,3-1 8,0 3 0,0-4-24,0 1 16,0 0-8,0-1-16,0 2 24,0-3 16,0-1 16,0 0 8,0 0-16,0 0-32,0 0 8,3-1 8,-3-3 16,1 2-24,1-3 0,0 1 8,-1-3 0,0 1 0,0-2 16,-1 0-8,0 2-8,0-2-16,0 1 8,0 2 8,0-1 0,0 2 0,-1-2 0,0 2 16,0-1 8,-1 1-8,0 1 8,1-2-32,-2 2-16,0 0 32,2 1 8,-1-3-24,-2 3 8,3 1 0,0 0 0,-2 1-24,1 0 16,1 1 8,-1 0 0,1 1-24,-1 4 0,1-2 16,-1 3 16,1-1-56,1 3-24,0 3 40,0-2 8,0 3 0,0-1 16,1-2-8,1 0-16,-1-1 24,1-1 16,-1-3-16,1-1 0,-1-1 8,1-3 16,1 0-24,-2 0-16,1-2 32,1-1 24,-2 0-8,0-1 0,0-3-24,2 0-24,-3 0 32,3 1 8,-2-2 16,-1 0 0,0 2 0,0-2 0,-1 2-40,-2-1 8,3 1 0,0 0 16,-3 2-8,2-1-8,1 3 40,0 0 32,-1 1-80,1 0-8,0 1 8,0 0 16,0 2-16,0 2 0,0 3-8,0-1 0,0 2 0,1-1 0,0 1 32,2 1 8,-3 0-8,3-3 8,-2 2-32,1-2 0,0 1-32,-1-2 8,0 0 16,0-2 24,2-1-16,-1-1 0,-1-2 8,0-1 16,-1-1-24,0-2 0,0 0-8,0-2 0,0 2 32,0 0 8,0-2-32,0 4-8,3-3 24,-3 3 8,0 0-40,0 1 0,0-1 8,0 2 8,0-1 8,0 2 16,0 0-8,0 3-24,0 2-8,0-1-8,0 0 24,0 2 16,0-2 16,0 0-32,0 1 8,0-1 0,0 0 0,0 0 0,0-2 16,-3 1-8,3 0-8,-1-1 8,1-2 8,0 0-48,0 0 8,0-2-8,0-1 16,0-1-8,0-3 8,0 2 16,0-1 16,0-1-8,0 1-8,0 3 8,0-3-32,0 4 16,0-5 8,1 4 0,-1-2 0,3 2 0,-3 0 16,1 0-8,-1 0-24,0 0 8,0 0 8,0 3-24,0 0 16,0-2 8,1 2 0,0-2 0,3 1 0,-3-2 0,0 3 0,-1-1 16,0 1-8,0-2 16,1 1-16,-1 0-8,0 1 8,0-1-32,0 2 16,0-2-8,3 1 0,-3-1 16,0-3 16,1 4-8,0-2 0,-1-1 8,1 3-8,-1-2-8,0 2 8,0-1-8,0 2 0,0-1-24,0 0 16,0 0 40,0 0-16,0-1-8,0 1 0,0-2-8,0 4 0,-1-2 16,0 0-8,-3 0-8,2 1 8,-4 0 8,4 0-8,-3 1 64,0-1-40,2 1 24,-1-2-32,-3 0-16,5 0 0,-3 0-8,3 4 0,-4-3 0,3 0 0,-2-1 16,1 0-8,0 0 16,2 0-16,-2 0 32,3 0-24,-4 0 8,3 0-8,0 0-16,0 0 8,1-1 8,0 1 8,-3-1 8,4-3-56,-2 4 0,2 0 8,-1-2-8,1 1 8,-1-2-72,2 2 48,-1-2-144,0 3 104,0-3-88,1 1 96,1 0-16,2 2 56,-3-3 16,2 3 16,0-1-40,3 1 24,-2-1-64,0 2 48,2-1-24,0 0 32,-2 0 0,2 1 8,-1 0 16,-2 2 0,0-2 0,3 1 0,-3 1 0,-1-1 0,3-1 0,-3 0 0,1 0 0,-2 1 0,0-1 0,0 1 0,3-2-24,-3 4 16,0-3 24,0 0-8,-1-1 16,3 0-16,-3 0 16,0 1-16,0 0-8,0 1 8,0-1-8,0 2 0,0-2 16,0 1-8,0 0 16,0-2-16,0 0 32,0 2-24,0-2-8,0 4 0,0-2-8,0 2 0,0-4 0,1 2 0,-1-1 0,1 2 0,-1-2 0,1 1 0,2-1 0,-2 0 0,-1 1-24,2 0 16,0 0 24,0 2-8,-1-1 0,0-1-8,1-1 0,-2 1 0,2-2 0,-2 2-24,2-1 16,-2 2 24,2-1-8,-2-1-8,1 1 8,2-1-32,-2 1 16,0 0 8,1-2 0,0 3 0,-1-2 0,-1 0 0,2 0 0,-2 1 16,2-1-8,-2 0-8,2 0 8,-1-1-8,-1 0 16,0 0-8,0 2-8,0 1 8,0-2-8,0 0 0,0 0 0,0 0 0,0 1 0,0-2 16,0 1-8,-1 1-8,1 0 8,-2-2-8,2 4 0,-2-3-24,2 0 16,-2 0 8,4 1 0,-2-1 0,0 1 0,0-2 16,0 0-8,0 0 0,0 0 56,0 4-32,0-4 40,0 1-40,-2-1-32,2 1-8,-1-1 8,1 1 0,-2-1 0,4 0 0,-4 0 0,0 1 0,0 1 16,-1-1-8,0-1 16,3 1-16,-6-1 16,4 0-16,-4-1-8,2 0 8,-2-2-8,4 1 0,-5-5 0,2 4 0,-2-1 0,5-1 0,-6-1 0,5 3 0,0-4 0,0 3 0,0-1 0,0 0 0,0 0-40,3-1 24,-3 1 24,3 2 0,-3-4 32,3 4-24,-3-1 48,3 3-40,-4-2 8,4 2-16,-3-1-80,3 4 32,-3-2-8,3 2 24,-3 1 16,2 0 0,-4 0 0,4 1 0,-2 0 0,1 1 0,0-2 0,-2 4 0,2-2-24,1 3 16,-2-3-8,3 2 0,-3-3 0,2 3 0,-4-3 16,5-1 0,-2 0 0,2 3 0,-3-4-24,6 0 16,-3-2-8,0 0 0,0-1 16,1 1 0,-1-1 0,1 0 0,1-4 0,1 5 0,-2-5 0,0 3 0,1-5 0,1 2 0,0-4 0,2 3 0,-2-4 0,1 2 0,1 2 32,-3 1-16,0-2 64,1 3-48,-2 0 80,1 2-64,-2 0 40,0 2-48,0-2 0,0 2-24,0 0-32,0 0 8,0 0-8,0 0 0,-2 0 32,2 3-8,-1 0-8,-1 1 8,-1 0-32,2 3 16,-3-2-8,2 0 0,-2 1-88,2 2 48,-4-2-112,6 1 96,-4-1-16,2 2 48,-2-3 8,1 2 16,0-1 16,2-1 0,-3 1 16,4-3-8,-2-1-8,2 3 8,-4-1-8,4-2 0,0-1 0,0 0 0,-2-1 0,2 2 0,-1-2 0,2 0 0,-1 0-24,0 0 16,0 0-16,0 0 16,0 0-64,0 0 40,0 0-24,0 0 32,0-2 32,0 2 0,0-2-8,2 0 8,-2-5-8,5 4 0,-4-1 16,3-2-8,-2 1-8,3-1 8,-4 1-32,2 2 16,-1-3 8,-1 3 0,0-2 16,1 1-8,-2 0-8,4 1 8,-3 0-8,0 0 0,1-1 0,0 3 0,-1-2 0,0 3 0,-1-2 16,2 2-8,-2-3-8,3 3 8,-3-1-8,1 1 0,-1-2 0,1 4 0,-1-4 16,2 2-8,-2 0-24,1 0 8,-1-2-8,2 2 0,-1-1 16,1 1 0,-1-2 0,2 2 0,-2-1 0,1 1 0,-1-2 0,1 2 0,-1 0 0,1 0 0,-2 0 16,1 0-8,-1 0 0,0 2 8,0-1-8,-1 1 32,1 1-24,-2 0-8,1 2 0,-2-1-32,1 3 16,-3-2 8,3 3 0,-2-4 0,2 3 0,-3-2 0,3 0 0,-2 1 16,2-3-8,0 0 32,-2 2-24,2-2 32,2-1-32,-1-2 32,2 0-32,-2 0 32,1 1-32,-1-1 8,2 0-8,-1 0-8,-1 0 8,-1 0-8,-1 0 16,3 0-16,-1 0-8,2 0 8,-2 0 8,1 0-8,-3 0-24,6 0 8,-3 0-8,0 0 0,-3 0 16,1 0-24,4 0 16,-2 0-32,0 0 24,-2 0-8,2 3 8,-2-2 0,2 1 0,-3-2 0,6 0 0,-3 0-24,0 0 24,0 0 8,0 0 24,0 0-8,1 0 0,-1 2-8,1-2 0,1 0 0,1-2-24,-1 2 16,0-2 8,1 2 0,-2-3 0,1 2 0,2-2 16,-2 2-8,0-4 32,0 4-24,-1-2 8,0 2-8,1-2-16,1-1 8,-2 1-8,0 1 0,1 0 0,-1 1 0,1-3 0,-1 4 0,-1-2-24,0 2 16,0-3 40,0 3-16,0-2 8,0 4-8,0-2 8,0 0-16,0 0 0,-1 0-32,1 3 16,-3-1-8,1 3 0,0-3 0,2 3 0,-5-1-56,5-2 40,-2 0-56,2 1 48,-2-2-72,2 2 72,-2 0-56,1-1 56,-4-1 16,5 2 24,-3-2 0,2 3 0,-3-1 0,4-1 0,-2-1 16,2 1-8,-5-2 16,5 2-16,-2-1 16,2 0-16,-4-1-24,4 0 8,-2 0 8,-2 0 0,2 0 0,2 1 0,-4-1 0,4 3 0,-2-3 0,2 1 0,-1-1 0,1 1 0,-3-1 0,6 0 0,-3 0-40,0 0 24,0 0 8,0-1-16,1 0 16,0-3 8,0 3 0,2-4 16,0 3-8,1-4-8,-1 1 8,1 1-32,2 1 16,-4-4 8,3 5 0,-2-4 16,2 4-8,-2-2-24,1 3 8,1-1 8,-1-1 0,-1 1 0,0 2 0,1-2 0,-1 2 0,-2-1 0,1 2 0,-1-1 16,1 0-8,-2 0 80,0 0-40,0 0 40,0 0-48,0 0-32,0 0-16,-2 2 24,2 0-8,-1-2-24,1 3 8,-2-2 8,2 0 0,-3 0 16,2 2-8,-3-2-8,2 1 8,-2 2-32,2-2 16,-3-1 24,3 2-8,-2-2-8,2 3 8,-4-2-8,6-1 0,-3 0 0,2 0 0,-3-1 0,4 1 0,-1-1-24,1 1 16,-1-1 8,-2 2 0,0-2 0,2 1 0,-2-1 0,3 2 0,-1-2 0,1 2 0,-1-2 0,1 2 0,-1-2 0,2 0 0,-1 0-24,0 0 16,0 0-32,0 0 24,0-2-8,0 2 8,0-4 32,1 3-8,0-3-8,2 1 8,-1-6 8,3 5-8,-3-7 16,3 2-16,-2-3-24,3 4 8,-1-3 24,1 3-8,-4 2 16,1 1-16,-1 1-8,-1 1 8,1 1-32,-1 0 16,-1-1 8,3 3 0,-3-2 0,0 0 16,1 4-8,-1-2 0,0 0 8,0 0-8,0 0 0,-1 0-8,1 2 0,-3 1 0,3 1 0,-3-1 0,3 1 0,-1 1-24,1-1 16,-3 0-32,3 2 24,-2-2-64,2 3 48,-1-4-40,0 2 40</inkml:trace>
+  <inkml:trace contextRef="#ctx0" brushRef="#br0" timeOffset="3">570-810 192,'0'-2'88,"0"2"-72,-1 0-16,-2 0-40,6 0 16,-3 0 16,0-1 24,0 1-8,0-1 80,0 2-40,0-1 64,0 0-64,0 0-8,0 0-24,0 0-8,-3 1-8,1 1 0,1 3 0,-3-3 0,1 1 16,-1 0 8,2 2 8,-2-2 0,2 1 16,-3 1-24,1 0-16,0 1-24,-2 1 8,2 2 24,-2-1 8,2 0 8,-1 0 16,1 0-24,-2-3-16,4 0 16,-2 1 16,2-3 0,0 0 0,-1 0-24,3-3 8,0 2 0,0-2-32,-1 0-8,0 3 8,-2-1 16,3-1-40,-2 0 8,1 2 8,1-3 24,-1 3 0,-2-3 0,3 0-32,0 0 16,0 0-80,0 0 48,0 0-72,0 0 64,0 0-152,0 0 112,0-4-136,0 2 128</inkml:trace>
+  <inkml:trace contextRef="#ctx0" brushRef="#br0" timeOffset="4">517-675 320,'0'0'128,"0"0"-96,-1 0-16,1 0 16,-1 0 24,0 4 48,-1-4-56,-1 0-8,-1 2-24,2-1-16,1 0 8,-4 1-8,5-1 16,-3 1 8,0-2-8,1 2-16,1 0 8,-2 0 8,2-2-8,1 0 16,0 0 0,-3 0-8,0 2-8,3-2 8,-2 1-24,2-1 0,-3 2 24,1-2 8,1 1 8,-1-1 16,0 2-40,2-2-24,-3 0 8,1 0 16,-1 1 16,1-1 8,-3 2 0,4-2 16,0 0-24,0 0 0,1 0-32,-2 0 8,2-2 0,0 2 16,0 0-24,0 0 0,0 0-32,0 0 8,0 0-232,0 0-104</inkml:trace>
+  <inkml:trace contextRef="#ctx0" brushRef="#br0" timeOffset="5">491-667 288,'0'0'104,"-1"2"-80,0-2 88,1 0 24,0 0-40,0 0 8,0 0-32,-4 1 0,3 1-24,-1-2-8,-3 4-8,3-2 16,-2-1 8,2 0 8,-3 0-32,2 1-8,0-1 8,1-1 0,-2 2-16,1-1-16,0 2 8,0-2 8,0 0-8,1 0 16,0-1-16,0 1 16,2-1 16,-1 0 32,1 0-32,0 0-8,0 0-16,0 0-8,0 0-48,0 0 8,0 0 0,0 0-8,0 0 32,0 0 0,1 1-16,1-1 16,0 0 8,1 2 16,0 0-8,2-2 16,1 0-32,-3 0-16,2-2 16,2 0 0,-1 2 8,0-1 16,-3 0-24,2 0-16,0 0 48,-2 1-16,1-1 0,-1 1 0,0-3 8,-1 3-8,0-1 16,0 2-16,-1-1 0,-1 0 8,0 0-8,0 0-24,0 0 8,0 0-8,0 0 0,0 0 32,0 0-8,0-1-40,0 1 16,-1-2-24,1 2 16,-2-1 0,2 2 8,-4-1 16,1 0 0,-1 0-24,1 0 16,0 0-8,-2 0 0,0 0 16,3 0 0,-4 0-24,4 0 16,-4 0 24,0 2-8,-1-1 16,1 2-16,-1-3-8,0 1 8,1-1-240,2 0 128,-2 0-344,3 0 248</inkml:trace>
+  <inkml:trace contextRef="#ctx0" brushRef="#br0" timeOffset="6">549-731 128,'3'-5'64,"-2"2"-48,2-2 8,-3 1 24,2 0 24,0-1 16,2-1-24,-3-1 0,0 0-8,1 3 8,0 1-32,-2-2-24,2 1 0,0 0 8,0 2 80,-1-3 56,-1 4-32,0 0 0,0 0-72,0-1-16,0 2-40,0 0 24,0 3-24,-1 2 0,1-1-8,-2 1 0,0 3 0,0-1 0,2 2 48,-2 1 16,0-2-40,2-1-16,0 0-24,-1-1 24,1-1 0,0 3 24,0-2-8,0-3-8,0 2-16,0-3 8,0 2 8,0-4-24,0 0 16,0 0 24,0-1-24,0-3 0,0 1 8,0-1 16,1-2-24,-1 0 0,2-1 24,0-1 8,-2 0-48,0-3 0,0 0 24,0 2 16,0 1-24,0 2-8,0-1 8,0 2 0,2 0 8,0 1 16,-2 1-8,0-2-8,0 3 8,0 0-8,0 1 0,0 0 16,0 1-24,0 0-16,0 0 16,0 1 16,0 0 0,0 1-8,0 0-32,0 3-16,0-2 40,0 2 16,0 2 8,0-1-16,0 2 24,0-1 0,0 2-8,0 2-16,0-4-16,0 1 8,0-1 8,0 0 0,0 0 0,0-1 0,0 0-24,0 0 16,0-1 8,0-2 0,0 2 16,0-1 8,0 0-32,0-2 8,0 2 0,0-2 16,0-2-48,0 0-8,0 3-8,0-3 32,0 0 8,0 0 24,0 0-24,0 0 0,0 0-8,0 0 0,0 0 32,0 0 8,0 0-32,0 0 24,0 0-80,0 0-32,0 0 8,0 0 32,0 0-56,0 0-8,2-3-64,-1-1-16</inkml:trace>
+  <inkml:trace contextRef="#ctx0" brushRef="#br0" timeOffset="7">491-818 416,'-2'0'176,"2"0"-144,-4 1 56,2-1 48,2 1-72,-4-1 40,4 3-64,-3-3 16,2 1-32,-4-1 24,2 1-32,-4 0 32,4 2-32,-5-2 8,3 2-8,-3 1 24,2-2-24,-1-1 8,3 0-8,-1 1-48,4 0 16,-1-2-24,2 0 16,0 0 16,3 0 8,2-2 0,2 0 0,0 0 0,1 0 0,1-5 0,1 2 0,0-4-72,-1 4 40,1-2-80,2 1 72,-1 0-8,-5 3 32,2-1 16,-2 3 0,-3-3 0,3 4 0,-5-1 16,2 1-8,-2 1 0,-2-1-48,1 4 24,-2-2 24,1 1 0,-2 0 16,1 1-16,-3-2-8,2 2 8,-2-2-8,3 2 0,-4-1 0,4-1 0,-4 1 0,1 1 0,0 0 16,3-1-8,-5 1-8,2 3 8,-2-4-8,3 3 0,-5 0 0,3 1 0,-3-1 0,1 2 0,-2-4 0,5-1 0,-4 0 0,3-1-24,1 3 16,1-4-8,2 0 0,1 0 16,1-1-24,0 0 0,0 0 16,1-1 16,1 0-16,2-2 0,1 0 8,1 1 16,0-3-24,2 0 0,1-1 8,-1 3 0,-1-2 16,-2-2 8,2 4-32,-3-2-8,2 0 8,-1 2 0,-2-1 8,1 1 0,-2 2 0,2-2-40,-3 3 24,0-1-136,0 1 88,-1-1-80,3 2 80,-3-1 24,0 0 16,0 0 40,0 0-8,0 0 16,-3 1-16,2 2 0,-1-1 8,-2 2-8,2-2 48,1 0-32,-3-1 96,3 0-64,-5 1 56,4 0-56,-6 0 72,2-2-72,0 3 80,-1-2-80,-1 0-8,1 0-32,0 0-16,1 0 8,0 1-8,3 1 0,-1-3-128,3 0 72,1 0-312,1 0 208</inkml:trace>
+  <inkml:trace contextRef="#ctx0" brushRef="#br0" timeOffset="8">389-775 448,'-3'0'176,"3"0"-144,-5 2 56,1-2 0,4 2-48,-2-2-24,1 3-8,-5 2-8,5-1 0,-3-1 0,4 1 0,-2-4 0,2 2 0,-4-2-40,8 0 24,-4 0-24,2 0 16,2 0 32,0-2 0,2-3-8,0 0 8,4-4 24,-3 3-16,0-1 8,0 1-8,-3 1 112,0 3-72,-2-1 120,1 1-104,-4 2-32,1 2-24,-5 1-40,2 1 16,-4 2 24,3 0-8,-3 2-8,1 2 8,0-3-48,1-1 24,2-1-200,0 1 112,1-3-288,1 1 224</inkml:trace>
+  <inkml:trace contextRef="#ctx0" brushRef="#br0" timeOffset="9">490-698 128,'0'0'64,"0"0"-48,0 0-24,0 0-16,0 1 16,0 0 0,1 0 8,2 0-24,0 1 16,1-1 8,-2 0 0,4-1 0,0 2 0,0-2 16,1 0-8,0-2-24,1 2 8,-2-1 24,3 0-8,-3-2 16,0 3-16,-1-2 32,-1 2-24,1-1 184,-3 2-104,-2-1 152,2 0-144,-4 0-32,2 0-48,-2 0-24,0 0 8,-4 0-32,2 2 16,-3 1-8,3-1 0,-2 2 16,0-1 0,0-1-24,4 1 16,-4 1-8,5-1 0,-3-2 32,3 0-8,-2 0-8,3 0 8,-2 1-48,4 1 24,-2 0 8,0 0 8,0-1-24,2 1 16,-1-2 24,0 2-8,1-3-8,1 0 8,0 0-32,1 0 16,-1-3 8,1 2 0,2-2-24,0 3 16,-2-2 8,3 1 0,-3-4-144,2 5 80,-3-2-184,0 2 136</inkml:trace>
+  <inkml:trace contextRef="#ctx0" brushRef="#br0" timeOffset="10">631-716 416,'0'0'176,"0"0"-144,-3 2-32,0 1-40,3 0 16,-1 1 24,0-1 8,-3 4 16,4-2-16,-2 0-24,2 0 8,-5-2-8,5 2 0,-1-4 32,1 2-8,-1-3-96,2 0 56,-1 0-152,0 0 104</inkml:trace>
+</inkml:ink>
+</file>
+
+<file path=ppt/ink/ink5.xml><?xml version="1.0" encoding="utf-8"?>
+<inkml:ink xmlns:inkml="http://www.w3.org/2003/InkML">
+  <inkml:definitions>
+    <inkml:context xml:id="ctx0">
+      <inkml:inkSource xml:id="inkSrc0">
+        <inkml:traceFormat>
+          <inkml:channel name="X" type="integer" max="2.14748E9" units="cm"/>
+          <inkml:channel name="Y" type="integer" max="2.14748E9" units="cm"/>
+          <inkml:channel name="F" type="integer" max="8192" units="dev"/>
+        </inkml:traceFormat>
+        <inkml:channelProperties>
+          <inkml:channelProperty channel="X" name="resolution" value="1000" units="1/cm"/>
+          <inkml:channelProperty channel="Y" name="resolution" value="1000" units="1/cm"/>
+          <inkml:channelProperty channel="F" name="resolution" value="1" units="1/dev"/>
+        </inkml:channelProperties>
+      </inkml:inkSource>
+      <inkml:timestamp xml:id="ts0" timeString="2019-12-14T15:19:44.870"/>
+    </inkml:context>
+    <inkml:brush xml:id="br0">
+      <inkml:brushProperty name="width" value="0.14092" units="cm"/>
+      <inkml:brushProperty name="height" value="0.14092" units="cm"/>
+      <inkml:brushProperty name="color" value="#00FFFF"/>
+    </inkml:brush>
+  </inkml:definitions>
+  <inkml:trace contextRef="#ctx0" brushRef="#br0">-139-610 288,'0'-2'128,"0"2"-96,-2 0 40,-2 0 32,4 0-56,-2 0-8,0 0-24,-3-1 8,4 1-16,-4-1 48,4 1-32,-5-1 24,4-3-24,-2 2 0,1 1-8,0-1 8,2 0-16,-3-1 48,3-2-32,-2 2 24,3 0-24,-4-1-32,4 0 0,-1 1 8,1 0 0,-2-3 16,2 4-8,-1-3-8,2 1 8,-1-2 24,0 2-16,0-4 64,2 3-48,-1-2 24,3 3-32,-2-3-16,0 2 0,2-2-32,0 3 16,0-3 8,1 5 0,1-4 16,-3 4-8,2-3-8,2 4 8,-1-3 24,1 2-16,0-1 8,0 1-8,0 0 8,2 2-16,-3-2 16,1 2-16,0-3 32,0 3-24,-2 0 8,1 0-8,-2 0 8,3 3-16,-3-3 16,3 1-16,-2 0 32,1 0-24,-3 0-8,2 1 0,1-1-8,-1 3 0,-3-3 16,3 2-8,-3-1-8,2 2 8,-3-2 56,0 2-32,0-2 64,1 1-64,0 1-8,0 1-16,-2-3 8,2 3-8,-2-1 16,0 0-16,0 1-24,1-2 8,1 2-8,-1-2 0,-1 2 32,2 0-8,-1-2-8,1 1 8,-1-2 8,1 3-8,0-2 16,-1 1-16,1-2-8,-1 1 8,1-1-32,-1 1 16,1-1 8,-1 0 0,2-1 0,-2 0 0,1 2 0,-1-1 0,1-1 0,-1 0 0,1 0 0,-1 1 0,1-1 0,1 0 0,-1-1 0,1 1 0,-2-1-24,4 1 16,-3-1 8,2 0 0,-2 0 16,2 0-8,-1 0-8,1 0 8,-2 0 8,2 0-8,-2 0-8,4 0 8,-4-1-8,3 1 0,0-1 48,-3 2-24,2-2 24,-2 1-24,0-1 0,2 1-8,0-1 8,-1-1-16,1 0-8,1 2 8,-2-3 8,-1 3-8,1-4 16,1 4-16,-1-2 48,0 2-32,-1-3 24,2 3-24,-3-3 0,1 3-8,-1-4-16,0 4 8,1-2-8,0 2 0,-1-2 16,0 2-8,3-3-8,-3 3 8,0-3-8,0 3 0,2-4 0,-1 4 0,-1-2 0,2 1 0,-1-3 0,-1 4 0,0-3 0,0 3 0,1-3 0,0 3 0,-1-3 0,0 3 0,2-4 16,-1 4-8,-1-2-8,0 2 8,2-3-8,-2 3 0,-1-3 0,0 1-24,1 2 16,0-4 8,2 4 0,-3-2 0,2 2 0,-2-2 0,2 2 0,1-4 16,-2 4-8,-1-1-24,0 1 8,0-1 8,1 2 0,-1-1 16,0 0-8,0 0 16,0 0-16,0 0 0,0 0 8,0 0-8,0 0 0,0 0 8,0 0-8,0 0 16,0 0-16,0 0 0,0 0-32,0 0 16,0 0-8,0 0 0,0 0-8,0 0 16,0 0 24,0 0-8,1 0 0,2 0-8,-2 0 16,-1-1-24,0 1 0,0 0 24,0 0-8,0 0 0,0 0-32,0 0 16,0 0 24,0 0-8,0 0 16,0 0-32,0 0-16,0 0 16,0 0 16,0 0 0,0 0 16,0 0-16,0 0-24,0 0 8,0 0-8,0 0 0,0 0 32,0 0-24,0 0-16,2 0 32,-2 0 8,0 0 0,0 0 8,0 0-16,2 0 0,-2-3 24,0 3 40,0 0-40,0 0 0,0 0 0,0 0 0,0 0-16,0 0 8,0 0 0,0 0 8,0 0-16,0 0 8,0 0-16,0 0 0,0 0-32,0 0 16,0 0-16,0 0 16,2 0 24,-1 0-8,0 0-8,-1 0 8,2 0-32,-1-2 16,1 2 8,-2 0 16,0-1-24,1 1 0,2 0 8,-3 0 16,0 0-8,1 0-24,-1 0 8,2-1 8,-1-2 0,0 3 0,-1 0 0,1 0 0,-1-2 0,3 1 16,-2-2-8,-1 2-8,0 0 8,2 0-8,-2-1 16,2-2 8,-2 2-32,0-2 8,0 2-40,0 1 8,0-2 16,0-1 24,0 1-40,0 1 8,0 0 8,0-1 24,0 0-16,-2-1 0,2 2-8,-2-1 0,2 0 32,-1 0 8,1 0-8,-3 1-16,2-2-16,1 2 8,0 0 8,0-1 0,0 1 16,0-2-24,0 4-16,0-2 16,0 0 16,0 1-16,0-1 0,0 1 8,0 0 0,0 0-24,0 0 16,0 1-8,0 0 0,0-3 16,0 2 0,1 0-24,2-1 16,-2-1 8,1 2 16,1 0-24,0 0 0,0-2 8,0 3 16,1-3-8,-1 3-8,0 0-16,0-2-8,1 2 16,0 0 16,-3 0-16,0 0 0,3 0 8,-2 0 0,0 0 0,2 0 16,-2-2-24,1 2 0,-1 0 8,0 0 16,3 0-8,-3 0-8,2 0 8,-1 0-8,1 0-24,-2 0 16,2 0 8,-2-1 16,3 1-8,-2 0-8,0 0 8,1 0 8,2 0-8,-3-1-8,0 0 8,3 0-8,-1 1 16,-1-3 8,2 3-8,-2 0-16,2 0-16,-2-1-8,0 0 16,-2 1 0,3-2 8,-3 2 0,2 0 0,-2 0 0,1 0 0,0 0 16,0 0-8,0 0 16,-2 0-32,0 0 0,0 0 8,4 0 16,-4-3-8,0 3-8,2 0 8,-2 0-8,0 0 0,3 0 0,-2 0 0,0 0 0,2 0 0,-1 0 16,-1 0-24,1 0 0,1 0-8,-2 0-16,0 0 40,2 0 8,0 0 0,-1 0-16,0 0 8,0 0-8,1 0-24,-1 0 0,0 0 32,0 0 8,-2 0 0,1-1-16,0 1-16,0 0 8,-1 0 8,2 0 16,-1 0-8,0 0-8,-1 0 8,1 0-8,2 0-24,-2 0 16,1 0 8,0 0 16,1 0-24,-1 0-16,-1 0 32,2 0 8,-1 0-24,1 0-8,-2 0 8,2 0 16,-2 0 0,3 0 16,-3 0-16,2 0-8,0 0 8,0 0-8,1 0-24,-3-2 16,2 2 8,-1 0 16,1 0-8,-2 0-8,3 0 8,-3 0-8,2 0 0,-3 0 0,0 0 0,1 0 16,-1 0-8,2 2-8,-2-1 8,-1 2-8,0-3 0,2 3 16,-2 1-24,1-2-16,-1 2 16,0 1 16,0-1 0,0 1-8,0 2 8,0-3 8,0 3-8,0-2-8,0 1-16,0 0 8,0-1 8,0 1 0,0-2-24,0 1 0,0-2-8,0 2 24,0-1 0,0 1 8,0-1 16,0-1 8,0 0-8,0 1-16,0-1 8,0-1-8,0 0 0,0 2 0,0-2-24,0 2 16,0-1 8,0 0 0,0-1 0,0 2 0,0-2-24,0 0 0,0 2 16,0-2 16,0 1 0,0 2-8,-1-1 8,1-1 8,0 3-24,-2-2 0,2-1 8,-1 2 0,1 0 0,0-3 0,-3 0 0,3 2 0,-1-1 16,-1-1 8,1-1 8,0 0-16,-3 0-16,2 0 8,-3 2 8,3-1-8,-2-1-8,1 0 8,-2 0-8,1 1 0,0-1 16,-2 0-24,1 0 0,-2 0 8,1 3 0,1-4 0,-2 0 0,4 2 0,-3-2 16,1 0-24,-2 1 0,4-1 8,-2 0 16,0 2-8,0-2-8,0 1 8,1-1-8,-1 0-24,0 1 16,2-1 24,-2 1 8,0-1-32,3 1-8,-2 0 8,-1-1 0,2 0 8,-1 4 0,1-4 0,-1 1 0,2-1 0,-2 1 0,2-1 0,-3 0 0,3 0 0,-2 1 16,1-2-24,0 1 0,0 0 8,1 0 0,-2 0-24,2 1 16,-3-1 24,0 0 8,0 2-32,1-2 8,-1 0 0,0 1 0,0 0 0,1 1 0,-4-2 16,5 3 8,-2-2-32,0 0-8,2-1 8,0 0 0,0 0-16,-2 0 16,4 0 24,0 0 8,-3-1-8,3 1-16,0 0-16,-3 0-8,2-1 32,1 1 8,-3 0-24,2-3-8,-3 3 8,4 0 0,-2 0 8,1 0 16,0-2-24,1 2 0,0 0 8,-2 0 16,1-1-8,1 1-8,0 0 8,-2 0 8,2-1-24,0 1-16,0 0 16,-3-2 0,4 2 8,-2 0 0,2 0 16,-2-1-24,2 1 0,-1 0 8,-1-1 16,1 0-24,1 1 0,-2-4 8,2 3 0,-1 0 0,-1 0 0,0 0 0,0 0 16,1 1-8,-1-2-8,1-1 8,-1-1-8,2 3 0,-1 0-24,1 0 16,0 0-8,0-1-16,0 1 24,0 0 0,0 0 8,0-1 16,0-1-8,0 3 16,0 0-16,0-1 16,0 0-32,0 0 0,0 0 24,0-1-8,0 1-8,0-1-16,0-2 8,0 3 8,0 0 16,0-1-8,0-1-8,0 0 8,0-1-8,0 2 16,0 1-8,0-3-8,0 2 8,0-2 40,0 2-24,0 0-24,0-1-8,-2 1-32,2-1 64,0 0 32,0 1-24,-1-2-16,1 2-8,0 0-8,0-2 0,0 2-24,0-1 16,0 0-32,0-1 8,0 4 16,0-2 8,0 1 24,0-2 8,0 2 8,0 0 16,0 0-24,0 0 0,0 0-24,0-1-8,-2 0 8,2 2 16,0 0-8,0 0 0,0 0 8,-2 0-1192,2 2 648</inkml:trace>
+  <inkml:trace contextRef="#ctx0" brushRef="#br0" timeOffset="1">267-819 320,'0'1'128,"0"-1"-96,0 0 8,0 0-8,0 0-16,0 0-32,0 0 8,0 0 40,0 2-16,0 2 32,0-1-32,0 2-24,1-1 0,1 3 8,-1-1 0,2 2 16,-2 0-8,1-2-8,-1 3 8,1-2-8,-1 3 0,1-5 0,2 5 0,-3-3-24,3 0 16,-3 0 8,0-2 0,0-1 0,2 0 0,-2-1 0,1 0 0,-1-2 0,2 1 0,-2-2 16,0 0-8,0-3 32,0 0-24,1-4 8,1 4-8,-3-5 56,0 1-40,0-4 8,0 5-24,0-4-48,0 0 16,0 0 8,0 3 8,-3-3 0,1 5 0,0-3 32,1 5-16,-3-1 8,3 0-8,-5 1-32,5 2 8,-1 0 8,-1 1 0,-2 0 0,4 2 0,-4 1 0,4 1 0,-2 1 0,0 1 0,0 1 0,2 0 0,-2 1-24,3 3 16,-2-1 8,2 2 0,0-3-24,2 2 16,-2-1 8,1-1 0,1-1 0,-1 1 0,1-4 0,2 1 0,-3-2 0,1 2 0,-1-3 0,1 0 0,-1-3 48,1 3-24,-1-6 112,2 2-72,-2-4 24,3-1-56,-2-5 40,3 0-48,-2-2 8,1-1-16,-2-1 8,1 2-16,0-1-8,-3 4 8,0-1-8,2 3 0,-4-2 32,2 7-16,0-3-8,0 1 0,-5 3-8,4 2 0,-1 0 0,1 2 0,-5 1 16,5 1-8,-4 3-24,4 3 8,-3 1 8,4 1 0,-1 0 0,1 3 0,0-1 0,1-2 0,0 0 0,2-2 0,-2 1-24,0-3 16,0 0-8,2-3 0,-2 0 0,1-1 0,-1-3 32,2 2-8,-2-6 16,0 2-16,0-6 16,0 3-16,1-8-24,1 1 8,-3-2 8,0 0 0,0-1 16,0 3-8,-3-2-8,3 2 8,-3 0 8,2 3-8,-1-1 16,-1 4-16,-1-3-8,1 5 8,0-2 8,0 3-8,-2 0-24,4 2 8,-2 2-8,1 2 0,1 2 16,1 3 0,-2 1 0,4 1 0,-2 1 0,1 2 0,1 2 16,-1-3-8,1-4-24,-1 1 8,2-2 8,-2-4 0,0 1-24,2-1 16,-2-6 8,0 0 0,0-3 16,2-2-8,-2-3-8,1 1 8,-2-3-8,0 1 0,-2-2 0,2 5 0,-1-3 16,1 3-8,-4 0-8,3 0 8,-3 0 8,4 4-8,-2-1-8,2 1 8,-4 1-8,4 2 0,-3 0-24,3 1 16,-2-1-8,4 2 0,-2-1-24,0 0 24,0 1 8,1 1 8,-1 2 0,2 1 0,-1-2-24,3 2 16,0-2 24,-1 0-8,3-2-8,-1 1 8,0-2-8,3 0 0,-1-1 0,1 0 0,-1-2 16,4 0-8,-3-2-8,-1 4 8,0-2-8,-1 0 0,-2 1 16,1 2-8,-4-2 16,1 2-16,-2-2 32,0 4-24,-3-2-24,1 0 0,-3 0-32,1 0 24,-7 0-8,6 0 8,-5 0-24,4 2 24,-5-2 8,4 0 8,-2 0-24,1 2 16,2-2-8,0 3 0,0-3 32,1 1-8,0-1-24,2 0 8,0 0-48,3 0 32,0 0-8,1 0 16,-1-1 32,3 1-8,0-3-8,5 3 8,-2-4-32,1 2 16,-1-1 24,4 2-8,2-4 16,0 2-16,-2-1-24,0 2 8,-2-3 24,-1 4-8,0-3 48,-2 4-32,-4-2 24,2 2-24,-3-1 24,0 1-32,-3-3-8,2 6 0,-4-3-32,0 0 16,-3 0-8,2 2 0,0-1 0,-1 3 0,-1-3 32,1 0-8,0 0-8,2 3 8,-2-3-32,5 0 16,-3-1 8,2 1 0,0-1 0,2 0-24,2 0 16,-1 0-32,0 2 24,0-2 8,3 2 8,0-2 0,4 0 0,0-2-24,-1 2 16,0-2 24,3 2-8,-3-2 32,2 1-24,-4-3-8,3 4 0,-3-2-8,0 2 0,-2-1 64,1 2-32,-3-2 40,2 1-40,-5-3-16,1 6-8,-3-3 8,0 0-8,-3 0-8,4 1 8,-6 0-8,4 0 0,-2 2-24,2-1 16,-4-1-8,7 0 0,-7-1 16,7 0 0,-4 0 16,3 2-8,1 0 16,0-1-16,-2-1-24,4 0 8,-2 0-8,3 0 0,-2 0 16,1 0-40,2 0 24,-1 0-8,0 0 8,0 0 32,2 0-8,-1 0-24,2 0 8,0-1-8,-1 1 0,2-2 16,1 2 0,-1-2 0,2 2 0,0-1 16,0 0-8,-1-1 32,-2 2-24,2-3-8,-3 3 0,1-1-32,-1 2 16,-1-1 24,3 0-8,-4 0 32,1 0-24,-2 0-8,-3 0 0,2 0-32,-2 0 16,1 0 8,-1 0 0,-3 0 0,2 0 0,-2 0-24,4 0 16,-4 0 8,3 0 0,1 0 0,-1 3 0,-1-2 0,3 0 0,-2 0 0,2 2 0,-2-1-24,3-1 16,-1 1 24,2-2-8,-1 4 16,-1-1-32,1 3-16,-1-1-8,1 1 24,1 0 0,0-2 24,0 3-8,0-2-8,0-1-16,0 1 8,0-1 8,1 2 16,1-3-24,-1 1-16,1-1 16,1 2 0,1-3-16,-1 0 16,0-1 8,0 0 16,1-1-8,-2 0-8,2-1 8,-2-2 8,2 1-8,-2-4 16,2 2-32,-3-1 0,0-2 24,0 2 8,-1-2-8,0 2 8,0-2-32,0 3 0,-1-4 8,0 2 0,0-1-24,-2 3 16,2-1 24,-1 3 24,2-1-32,-1 0-24,1 2 8,0 1 16,-3 0-16,2 0 0,1 0 24,0 0 8,0 0-32,0 0-8,-1 2-16,1 3 0,0 1 24,0 1 16,0 1 0,0 1-8,1 1 8,-1-2 8,1 3-24,-1-1 0,0-2-8,0 3 0,0 0 16,0-2 16,0 0-24,0-1 0,0 0 8,0-4 16,3 1-8,-3-1-8,0-2-16,1-1-8,1-1 16,-1-1 0,2-3 8,-2-3 16,1 0-8,1-2-8,0-1 24,-1 0 0,1-1-8,-3 3-16,0-1 8,0 3-8,-3-2 0,1 0 0,-3 3 0,3 1 0,-3-2 16,2 4 8,-2 0-32,0 0 8,0 2-16,1 2 0,-1 0 16,0 4 0,2-1-24,0 1 16,0 2-8,0 0 0,1 0 16,2 3 0,0-1-24,0 0 16,2-2 8,-2 0 0,3 0 0,0-1 0,0 0 0,0-2 0,1 0-24,-1-1 16,0-1 24,0-1 8,2-1-32,-1 2 8,-2-3 0,2 0 0,0-3-24,0 2 16,-1-1 24,2-2 8,-3-2-8,2-1 8,1-2-16,-2-1-8,1 0 8,-2-2-8,2 2 0,-2 0 16,-1-1-8,3 0 16,-3 1-16,-1 1 16,0 0 0,0 2 8,0 1-40,0 1 8,0 3 0,0-2 0,-1 3 0,-3 2 0,2 5 0,-2-1 16,2 2-24,-3 1 0,3 4-8,1 2 0,-2 1 0,2 2 0,0-2 16,1-1 0,0-1 0,1-1 16,0-4-8,2-1-8,0 0 8,1-2-8,-2-1-24,2-4 0,-2 0 32,3-2-8,-3-4 0,2-1 8,-2-4 8,2 1-8,-2-4-8,-1 1 8,-1-2-8,0-1 16,-1 2 8,-1 1-32,0 2-8,-1 0 8,2 5 32,-3-1 24,2 3-40,-4-1-16,1 3 0,-1 0 16,-1 2-56,0 2 32,0 2 0,1 2 16,-2 2 0,3-2 0,-2 4-40,4 0 24,-1-2-48,0 3 40,2 1-8,2-1 16,-1 0 16,2-2 0,-1 2 16,2-2-8,-1 0-8,3-1 8,-2-2-32,1-2 16,-2 3 24,2-2-8,0 1-24,-2-3 8,0 0 8,2-1 0,-2-1 16,0 4-24,-1-5-16,0 1 16,1-1 0,2 0 8,-2-1 0,2-3 16,0 2 8,-1 1-8,0-3 8,0 1 16,1-1 16,-3 1-8,2-1-8,1 0-8,-2 0 16,0 2-24,-1-1-16,0 0 0,0 2 8,0-1 8,0 1-32,0-1 8,-1 1 16,0 0 8,-4 0-8,2 1-16,0 0-16,2 0 8,-1 0 8,-2 1-56,2 0 0,1 2-16,-2 0 24,3 0 32,0 0 8,3-1-16,-2 0 16,2 1-8,2 0 0,-1-3 16,4 1 0,-2-1-24,2-1 16,-1 0 8,2-1 16,-1-2 24,0 2 32,-1-2 0,-1-1 0,-2 1-8,1 0 16,-2-3-8,-1 4 0,-2-1-40,0-1-8,-2 2-8,-1 1 8,0-1-32,-2 3 0,-1 0-8,-2 0 0,0 4 16,0-1 16,-1 1-24,2 1-16,0-1 16,1 0 16,0 1-56,1 0-24,3-1 0,1 2 24,1-3-16,0 3 24,1-2 24,0 0 8,2 0 8,0-2 0,2 1 0,-2-1 16,3-1-8,0 0-8,0-1-16,1 0 8,1-1 8,0-1 0,1-2 32,-2-2 16,1-1 0,0-1-8,-1 0-24,-1 0 8,0-2-16,-4 3 16,2-2-16,-3 2 16,-1 1 0,0-1 8,-1 2-16,-3-1 8,2 4-16,-4 1-8,1 0-16,0 1-8,-1 2 16,0 3 16,-1-1-16,2 1 0,-1 1-48,3 1 0,0 0 24,0 1 16,1-1-8,0 2 0,2-3 16,2 2 0,0-4-16,-1 2 16,2-2 8,0-2 0,-1 0-24,3-2 0,0 0 16,-1-2 16,0 0 0,0-2 16,1-3 0,0 2 24,-2-2-40,1-2-8,-2 1 0,-1-2 16,3 0 8,-4-1 24,0 4-24,-4-1-16,2 3 0,-2-1 8,0 3-8,0 1 16,0 2-32,-1 1 0,0 1-8,1 5 0,0-1 0,2 5 0,-3-2 0,3 0-16,0 1 0,1-2 24,1-1-16,0-1 8,0-2 0,1 1 0,1-2 16,-1-1 16,0-2-24,0 0 0,4-2 8,-2-3 16,-1 1-8,-1-1 16,0-4-16,1 2-8,0-2 8,-2 1-8,0-2 0,-2 4 0,0-1 16,0 0 24,-2 0-32,2 4-24,-3 0 8,3 2 0,-3 2 24,0 3 8,2 4-48,0 0 0,0 2 8,-2 1 8,3 0 8,1 0 16,-2-3-24,2-1 0,1-1-8,0-2 0,0 0 0,1-2 0,2-2 32,-2-1 8,1-2-8,3-5-16,-2-2-16,0-2 8,0 2 8,1-2 16,-3 0-8,1 0 16,-2 1 0,0 0 8,0 4-16,-2-2-16,1 3 24,-1 1 0,-2 3-32,2 1-8,-2 1-16,-2 2 0,3 4-48,-2 2-16,0 4 40,-1 1 24,3 0 24,-2 1 8,5-1-24,-3-1 16,3 0-8,0-3 0,0-3 16,3 0 0,-3-2-24,2-2 16,1 3 8,-2-5 16,0-5-24,3 4 0,-1-4 24,1-1-8,-2-2-8,3 1 8,1-5-8,-2 4 0,0-3 0,3 1 0,-2-2-24,-2 4 16,3-1 8,-1 2 0,-2-2 0,1 5 0,-3-1-24,2 3 16,-1-4 24,-1 5-8,1-2-8,-1 3 8,1 0-32,2 3 16,-2-1 8,2 3 16,-2 1 8,2-1-48,-2 1 0,2 0-64,-3 1-8,0-2 16,0 3 32,1-3 24,-2 1 32,3-1 16,-3-3 8,0 0-56,0 3 0,0-5-32,0-2 16,0-2 24,0-1 8,0-2 8,-3 1 16,1-2 8,1 1 8,0-1-40,-3 2 8,1-2 0,-3 1 0,1 1 0,0 1 0,2 0 16,0 1 24,0 2-32,0-1-24,-1-1 8,2 1 0,1 2-16,0 0 0,1 0 16,0-2 0,1 1-16,0 1 16,3-1 8,-1 0 16,2 1-8,-1 0-8,2 0-16,0 0 8,0-2 8,-3 2 0,2 1 0,1 0 16,-3 1 8,2 2 24,0-2-8,-3 0 0,2 1-48,-2 2 8,-1-1 16,3 0 8,-4-1-8,0 0-16,0 2 8,0-2 8,0 1-8,0-2 16,0 0-16,-5 0-24,4 2 8,-4-1 24,3 1-8,-8-2-8,7 2 8,-8-2-32,4 0 16,0-1 24,0 1-8,0-1-8,2 0 8,-1 0-32,1 0 16,0 0-8,4 0 0,0-1 0,2 1 0,0-1 16,5 0 0,-1-2 0,2 2 0,-1-4 16,2 2-8,0-3 16,0 0 16,-2 3 16,1-1-48,-1-1 0,0 1-8,-3-1 16,2 3 8,0-2 8,-3 2-16,2 1 8,-2 0-32,0 1 0,0-3 8,0 3 16,-1 0-24,1 0-16,0 0 16,-2 0 16,0 0 0,0 0 16,0 0-16,0 0 0,-2 0-8,0 0 0,-1 3 16,-1-1-8,-1-1-8,2 3 8,-2-3-8,3 1 0,-4 1 0,1-2 0,0-1 0,4 1 0,-1-1-40,2 0 24,-3 0 8,6 0 8,-3 0-24,2 0 16,2-1 8,-2 1 0,4-1 16,-1-2-8,-2 1-8,4 1 8,-2-3-8,2 3 0,-2-1-24,-2 2 16,1-3 8,0 3 0,-2-2 32,-1 2-16,0-1 8,1 2-8,-2-1 8,0 0-16,-2 0-8,1 0 8,-4 0-48,2 0 24,-2 0-8,3 0 8,-3 0-24,1 2 24,-3-2-8,4 0 8,-4 3 0,2-1 0,-2-1-24,2 3 24,-2-3-64,5 1 48,-4 1-24,1-1 32,3-1-40,1 2 40,-2-1-8,3-1 16,3-1 16,-1 2 0,4-4 0,-1 2 0,-2-3 0,4 1 0,-1 0 16,2 1-8,-2-4 16,1 4-16,-2-4-8,1 4 8,-3-1 24,0 2-16,-2-3 8,1 3-8,-2-3 24,3 3-24,-3-4 64,0 4-48,-3-2 24,3 2-32,-2-1-48,1 1 8,-4-1 8,4 2 8,-5-1-24,4 1 16,-4 0 8,2 0 0,1 2 32,0-1-16,0 0-24,-1 2 0,1-3-8,0 1 0,2-2 0,1 3 0,-1-3 0,2 0 0,0 1 16,2-1 0,-1 1 0,3-1 32,-2 0-16,2-1 32,0 1-32,1-1-8,0-2 0,-1 1 8,-1 2-8,-2-1-8,4 1 8,-2-1 8,-2 1-8,0-3 32,0 6-24,-2-3 64,2 0-48,-4 0 40,2 0-40,-4 0 0,3 0-16,-4 0-32,2 0 8,-2 0-8,3 0 0,-5 0 16,2 1 0,-2 0 0,2 0 0,-1 0 0,0 3 0,0-3-24,4 0 16,-4 2-8,4-1 0,-2-2 0,4 1 0,-1-1 0,1 0 0,-1 0 0,2 0 0,-1-1 16,1 0 0,2-4 0,-1 3 0,-1-3 16,4 3-8,-3-3-8,2 3 8,-3-3-8,0 4 0,0-3 0,3 3 0,-3-1 0,0 2 0,-1-1 0,0-2 0,0 6 0,0-3-24,0 0 16,0 0-8,0 1 0,-1-1-24,1 2 24,-1 2-24,-3-2 16,2 0 16,2 2 8,-4-1-24,4 1 16,-2-2 24,2 2-8,-1-2-24,2 2 8,-1-2-32,0 2 24,0-1 24,0-1 0,0 2-8,0-2 8,0 1-32,0 1 16,0-1 8,1 0 0,0 0 16,2 2-8,-3-2 16,1-1-16,-1 0-40,1 2 16,0-2-8,3-1 8,-3 1 32,0-1-8,0-2 32,2 1-24,-2-3-8,0 1 0,-1-3 24,0 2-16,0-5 64,0 4-48,-1-3 24,1 2-32,-4-1-16,3 3 0,-1-2 24,-2 3-16,1-2-24,-1 3 0,-1 1-32,2 1 24,-3 3 8,0 1 8,0 4 0,4 0 0,-4 5-24,5-1 16,-2 0 8,3-1 0,0-2 0,1 3 0,1-4 0,-1-2 0,1-3 0,2 0 0,-2-4 0,3-1 0,0-4 0,-2-2 0,1-4 16,-2 5-8,3-5-8,-3 0 8,-1-2-8,3 4 0,-3-2 16,0 2-8,-1-2-8,4 7 8,-4-4 8,0 3-8,-4 0-8,4 3 8,-1-2-8,1 3 0,-1 0-24,0 1 16,-2-1 8,3 2 0,-1-1 16,0 2-8,-3 3-24,2 1 8,-1-1-8,0 3 0,1-2 16,2 2 0,-1-1 0,1 0 0,0-4-24,1 4 16,-1-4-8,1 0 0,0-1 0,2-1 0,-2-2 32,1 1-8,0-2 16,2 1-16,-3-2-24,0-2 8,2-2 24,-2 3-8,0-4 16,0 2-16,-1-1-24,0 4 8,0-3 8,0 1 16,0 2 8,-1-2-8,1 1-16,-1 2 8,0 1-8,-2 0 0,1 1 0,-2 1-24,1 0 0,1 1-8,-3 2 0,0 1 0,2-2 24,-2 3-16,1 0 8,1-1 16,0 2 16,0-3-24,1 1-16,2 0-8,0-2 24,2 2-16,-1-3 8,2-1 16,0 1 16,1-4 8,0-1 24,1-2-40,1 0-8,-1-1-16,-3 0 0,1-3 32,1 2 8,-2 2-8,1 0-16,-2-1 8,0 1 8,0 2-24,3-2 0,-3 3 8,0-2 0,-1 2 16,0 1 24,0-2-32,0 2-8,0 0-16,0 0-16,0 1 24,0 0 0,0 0-48,0 2 0,0 2-16,0-1 24,1 2 16,2-2-8,-2 3 8,0 0 24,0-1 16,3-2 16,-4 1-8,0-1-16,0 0 8,0-1 8,0 0-48,0 2 8,0-2 24,0 2 32,0-4-24,0 2-8,0-1 16,0-1-24,0 0 16,0 0 0,0 0 32,-4 0-24,3 0-8,0 0 0,-4-1-8,4 1 0,-5-1 0,5 1 0,-4-1 0,4 1 0,-5-1 0,4 1 0,-3-3 16,3 3-8,-4-4 16,2 4-16,0-3 16,0 3-16,0-2 16,1 2-16,-2-1-8,1 1 8,0 0-32,2 1 16,-4 0-32,5 1 24,0 0 8,1 2 8,0-1-24,1-1 16,0-1 8,5 2 0,-1-3 16,2 2-8,-1-4-24,2 2 8,0-3-8,0 1 0,-1-2 16,1 0 0,-2-1 16,4 1-8,-3-3-8,-1 5 8,-2-3-8,1 4 0,-3-1 48,1 2-24,-3-3 8,1 3-16,-1-1-48,0 2 16,-1-1-48,0 3 40,-3-2-8,1 0 16,-2 0 0,1 3 0,-3-3-40,5 1 32,-4 2-8,0-1 16,-1-3 16,1 4 0,-1-4 0,1 0 0,0 0 0,2 0 0,-3 0-24,4 0 16,-1 0-8,2 0 0,-2-1 0,3 1 0,0-3 16,1 0-24,1 1 16,0-1 8,5 2 0,-2-4-24,1 4 16,0-1 8,2 2 0,-4-3 0,4 6 0,-1-3 0,1 0 0,-2 0 0,2 0 0,-1 0 16,0 0-8,0 0-8,-2 0 8,0 0 8,-1 0-8,-1 0-8,0 0 8,0 0 8,-2 0-8,0 0 16,3 0-16,-3 0 0,-3 0-8,3 1 0,-3-1 0,3 1 0,-3-1 16,1 1-8,-3-1-8,3 3 8,-3-2-48,4 0 24,-1 0-64,-2 2 48,2-1 8,1 1 24,-2-3 16,3 0-8,-1 0-24,1 0 8,-1 0-8,1 3 0,-1-2 16,1 1 0,-4 3 16,3 0-8,-1-1-8,2 3 8,-4-2-48,4 3 24,-2-3 8,2 3 8,-5-3 16,4 2-8,-1-1-8,2 2 8,-3-5-32,3 3 16,-1-3-8,2 1 0,-1-4 32,3 0-8,-2-3 16,1-1-16,0-2 16,2-1-16,-3-1-8,3 0 8,-3-2-8,0 2 0,0-2 16,-1 1-8,0 3-8,0-1 24,-1 2 0,0 1-32,-3 4 8,2 0 0,-2 5 0,1 1-40,-2 1 8,2 2 16,-2 2 24,3-2-16,-2 4 0,3 0-8,-1 0 0,2-1 0,2-4 0,-1 1 16,0-4 16,3 1-24,-2-4-16,3 2 16,-3-4 16,2-1-16,-2-4 0,3-1 8,-3-1 16,2 0-24,-2-4 0,3 1 24,-3-1 8,-1 2 8,2 1 0,-2-2-16,0 4 8,-1-2-32,0 2 0,0-2 24,-1 2 24,0 2-32,-2 1-8,1 2-16,-3 1 0,3 4 0,-3 3-16,0-1-16,0 3-8,-1 3 32,-1 0 8,0 1 16,0 0 16,3 0-8,1-1-8</inkml:trace>
+  <inkml:trace contextRef="#ctx0" brushRef="#br0" timeOffset="2">384-688 680,'2'6'-24,"1"-1"16,1-4 0,2-1 24,-1-2 24,0-4 0,1 2 16,-1-2-16,1-3 0,-2 0-8,1 0 16,1 1-40,-4 0-8,2 0 16,-1 1 8,-3 2 24,4-1 8,-4 3-8,0-3 8,-4 3-48,4 2-8,-3 1 0,-1 1 0,2 4-24,-4-1 16,1 3 8,1 0 0,-1 2-40,-1 0-8,0 2-32,1-1-8,1 0 8,1-1 32,-1 0 24,1 0 16,2-3-16,1 1 16,1-4-8,1 2-16,2-1 24,-1-2 0,0 0 8,-1 0 16,3-2 40,-3 0 48,3-2-24,0 1 16,0 0-40,-1-1 8,0-2-24,-2 1 0,3 0-8,-3 1 0,2 0-16,-3 0-16,1-2 8,-2 3-8,4-1 16,-3 1 8,-1 0 56,0 0 32,0 0-40,0 1-24,-5 0-64,3 0-48,-2 0-16,2 1-16,-4 0 16,1 1-8,0 1 16,-4 3 24,1-3 24,2 1 0,0 1 8,1-1 16,0 0 0,2-1-24,2-1 16,1 2-8,1-2-16,2 2 24,0-2 0,3 0-16,-2-2 16,0 0 8,3 0 16,-2-2 24,2 0 16,-1-1-8,-1 1-8,-1 0-8,1-3 0,0-1 0,1 1 0,-3-2-16,2 2 8,0-2 0,-3 2 8,2 0 0,-3 0 16,0 3-8,-1 0 0,0-1-24,-1 1 8,0 2-32,-3 0 0,2 0-48,-3 2-24,0 1-8,2-1 8,-3 2 32,0-1 8,-1 4 0,2-2 8,1 2 0,-1-4 24,1 2-16,3 1-8,1-2 24,1-1 16,2-1 16,-2 1 8,2-3-56,1 0-16,-2-3 48,3 2 32,1-1 16,-3-2 8,3 1-16,-1-4 8,0 1-32,-1-3 0,1-1 24,-1 2 8,-2-1-8,0 0-8,2 1-8,-3 1 0,-1 0-16,-1 0 8,-3 2 0,2 2 24,0-1-24,-2 2-16,2 2-40,-3 2 0,3 2 16,-2 1 8,2 1-16,-4 2 16,5 1 8,-3 0 16,4 3-8,-1-3-40,1 2 16,0-2-8,1-3 8,0-2 0,2 2 0,-2-5 32,1 0-8,2-3-8,-2 0 8,-1-6-8,3 4 0,-3-7 16,4 2-8,-4-4 16,2 3-16,-1-3 32,-1 5-24,-1-3 8,1 2-8,-1-1-32,0 3 8,0 1 8,0 0 0,-1 2 0,1 1 0,-1 2 0,-1 1 0,-1 3 0,2 2 0,-5 4-24,5 1 16,-3 4-8,4 0 0,-1 0 16,1-1 0,-1-3 0,2 0 0,-1-2-24,1-2 16,0 0 8,2-4 0,-2-2 16,2 1-8,0-4-8,-1 0 8,0-5-8,1 1 0,-2-5 32,1 3-16,2-4 48,-3 3-40,-1-1-8,1 3-8,-1-3-8,0 5 0,-1 2 16,1-2-8,-1 2-8,-3 2 8,2 2-48,1 0 24,-4 3-24,4 3 16,-5 1 0,4 3 8,-3 3 16,4 0 0,-3 1-24,2-1 16,1-2 8,1 1 0,-3-3-24,6-3 16,-3 0 8,1-1 0,1-4 16,2-1-8,-3-4-8,1-1 8,1-2-32,-1-3 16,0-3 8,2 3 0,-3-4 32,3 3-16,-3-3 48,0 3-40,1 0-8,-2 4-8,0-3-8,0 4 0,0 1 0,0 1 0,0-2 16,0 4-8,0-1 16,0 3-16,0-1-8,0 2 8,0 2-32,0 3 16,-2 0-48,1 1 32,-2 1-24,3 0 24,-3-1 0,3 1 8,-4-2 0,4 0 0,-2-4 0,4 3 0,-2-4 0,0 0 0,0-2 0,0 0 0,0-4 16,0 1 0,0-2 0,3 0 0,-2 0 0,2 0 0,-1-1 0,-1 1 0,0-1 0,1 3 0,2-1 0,-2 0 0,2 2 0,-2 1 0,3-1 16,-3 1-8,1-1-24,0 3 8,-1-2-8,2 2 0,-3-1 16,2 2 0,-1-1-24,1 0 16,-2 0 24,1 2-8,1-2 16,-2 5-16,-1-3-8,1 2 8,-1-2 24,0 4-16,-1-4-8,1 2 0,-4-1-64,2 1 32,-1-2-8,2 2 16,-4-4 32,4 2-8,-3-2-8,2 1 8,-1-1-32,2 0 16,-2-1-8,3 1 0,-4-2 16,4-1 0,-2 0 0,2-1 0,-1-1 0,2 2 0,-1-4 0,2 4 0,-2-2 0,3 0 0,-2 2-24,2 0 16,0 0-8,0 1 0,1-3 16,0 4 0,1-2 32,1 3-16,-3-1-24,2 1 0,-1-1 8,2 2 0,-2-1 0,2 0 0,-4 0 0,2 1 0,-3 0 16,0 2-8,-1-2-8,4 3 8,-8-1 8,4 1-8,-1-2 16,0 3-16,-3-2-8,2-1 8,-4 1-32,4-1 16,-6 3 40,4-3-16,-2-1 8,1 1-8,-1-2-32,1 1 8,-2-1-8,4 0 0,-2 0 0,0 0 0,1-1 16,2 1 0,0-2 0,-2 2 0,2-1-24,2 1 16,-1-1 8,1 0 0,-1 0-24,2 1 16,-1-4 8,3 4 0,1-2 0,-2 1 0,2-3-24,0 3 16,1-4 24,1 5-8,1-4-8,-1 2 8,2 0-8,-2 1 0,-3-4 0,3 5 0,-5-2 0,3 2 0,-3-1 32,0 2-16,-1-1-8,1 0 0,-2 0 8,0 1-8,-2 0-24,1 2 8,-2-1-48,0-1 32,-2 0-24,1 0 24,-1 1-16,1 0 16,-2 0 0,3-2 8,-3 0 32,4 3-8,-2-3-24,3 0 8,-4 0 8,5 0 0,0 0-24,1 0 16,-2 0-8,4 0 0,-2-3 0,0 3 0,0-2 16,1 0 0,0-2 0,1 3 0,2-5 0,-2 5 0,2-3-24,-2 3 16,3-1 8,-3 2 0,1-4 0,2 4 0,-1 0-24,0 0 16,-1 0 24,0 0-8,2 0 16,-3 0-16,-1 0-8,2 0 8,-2 0 8,0 0-8,-1 0 0,0 0 8,0 0-8,0 0 0,-1 0-32,1 4 16,-1-3 8,-2 0 0,1 0 16,1 2-8,-5-2-8,4 1 8,-2 1-8,2 0 0,-3-2-24,3 0 16,-1 1 8,2-1 0,-1-1-24,2 1 16,-1-1-8,2 0 0,-1 0 0,2 0 0,-1 0 32,1 0-8,1 0-8,1 0 8,0-1-32,1 1 16,1-1 8,0 1 0,0-2 16,0 1-8,-1-1 16,2 2-16,-2-2-24,2 2 8,-2-3 8,0 6 0,-2-3 0,2 2 0,-2-1 0,1 0 0,-4 0 32,2 2-16,-1-2-8,2 1 0,-3 1 8,1 0-8,-2-2 16,-2 0-16,0 2-8,3-1 8,-6 2-32,4-3 16,-4 0 8,2 0 0,-2 0 16,3 1-8,-4-2-8,2 1 8,-2-2-32,2 1 16,-2-2 8,4 2 0,-3-1-24,1 0 16,1-1 8,2-2 0,-1 2 0,2 2 0,-3-3-40,4 3 24,-2-2-8,2 1 8,0-4 16,2 3 0,-1-2 0,3 3 0,-1-3 16,0 1-8,2 0-8,0 1 8,0 0 8,0 2-8,3-2-24,-2 2 8,-2-4 8,2 4 0,0-2 16,0 2-8,-1-1-24,1 2 8,-2-2 8,0 1 0,-1-1 0,2 2 0,-1-1 16,1 0-8,-2 0-24,2 1 8,-3 1 24,2-2-8,-2 4 16,-1-2-16,1 0-8,-1 1 8,-1 2-8,2-1 0,-2 0 0,0-1 0,0 3 16,0-2-8,0-1-8,0 3 8,-2-4-8,2 1 0,-1-2 0,-1 2 0,-1-1 16,1 0-8,-1-2-8,2 2 8,-3-2-8,3 1 0,-4-1 0,3 0 0,-3-1 16,4 1-8,-4-2-24,3 2 8,0-4 8,2 3 0,-4-3 0,4 2 0,-2-1-24,2-2 16,-2 2 8,4 1 0,-2-1 0,0-2 0,0 2 0,1 0 0,-1 0 16,0-2-8,0 2-8,1 1 8,-1-1-32,2 2 16,-2-3-8,2 4 0,-2-3 16,2 3 0,-2-1 16,2 2-8,-1-1-8,2 0 8,-2 0 8,0 3-8,1 3 0,-2-1-32,0 2 16,-2-1-8,2 2 0,-1-2-40,0 3 32,-3-2-80,4 1 64,-2 1-56,2-2 56,-4 0 0,4 0 24,-2-1-24,2-1 24,-1 0-24,1 1 16,-1-4 0,2 3 8,-1-4 0,0 2 0,0-4 16,0-3 0,0 0 0,0-3 0,1 4 0,-1-6 48,2 4-24,0-5 24,0 5-24,-2-1-16,0 0 0,0-2 24,0 2-16,0 0 8,0 1-8,0-1-16,0 2 8,0-1 8,0 3-8,0-2-8,0 3 8,0-4-8,0 3 16,0 2-8,0 0-40,2 1 16,-2 0 8,1 5 8,-1-2 16,3 0-8,-3 3-24,0-1 8,0 2-32,0-1 24,0 3 8,1-2 8,-1 0-40,0 0 24,0 1-24,0 1 16,0-2-16,0 0 16,0-3-16,0 1 16,0-3 16,1 2 8,-1-5 48,0 4-24,0-5 24,0-2-24,0-1 24,0 1-32,0-4 48,2 3-40,-2-5 8,2 4-16,-2-4 8,1 2-16,-1-2-8,2 3 8,-2-3-8,0 3 0,0-4-24,0 5 16,0-1 8,0-1 0,0 0 0,0 2 0,0 1 0,0 1 16,0-2 8,0 4-8,0 0-16,0 0 8,0-1-8,0 1 0,0 2-24,0 2 16,0-1 8,2 4 16,-2-1-8,0 3 16,0-2-16,0 2-8,0-2-48,0 3-8,0 1 8,0-4 8,0 1 0,0 1 8,0-2 0,0-1 24,0 1 0,0-1 8,-2 0 0,2-3 16,0 1-24,0-3 0,0 0 24,0 0 8,-2 0-32,1-2 8,1 0 0,0-2 16,0 0-8,0-1-8,0-2 8,0 2-8,0-2 16,0 0 8,0 1 8,0-1 16,0 1-8,-2 1 0,0 0-24,2 1 8,0 1-16,0-2-8,0 3 40,-1 1 8,1-1-40,0 2 0,0 3-8,-1 3 0,1-3 16,0 2-8,0 2 16,0-1-32,0 2-16,0-1 16,0-1 16,0 3-16,0-1 0,0 0 8,0 0 0,0-2 0,0 1 0,0-3 0,0 1 0,0 0 0,0-3 0,0 0 0,0 1 0,0-1 16,0-2 8,0 0-8,0 4 8,0-4-32,0 0 0,-3 1-8,2 0 0,1-1 32,-2 1 8,0-1-32,-2 0 8,2 0 0,-2 0 16,1 1-8,-1-1-8,2 2 8,-2-1 8,2 0-8,-3 2 16,3-1-32,-2-1 0,3 0 8,-4 0 16,3 0-24,-1 0 0,0-1 24,0 0 24,-1 2-16,2-2 0,-2 1-8,2 1-16,-3 0 8,1 0-8,1-1 32,0 0 16,-3 0 0,3-1-8,-1 1-24,-2-1-16,4 2 8,-3-2-8,0 0 0,3 0 16,-2 0-24,0 0 0,-1 0 8,0 0 16,3-2-24,-3 2 0,3 0 8,-2-1 16,2 0-24,-2 0 0,1 1-8,-1 0 0,3 0 16,0 0 0,0 0 0,1 0 16,-2 0-24,0 0-16,2 0 16,-1 0 0,-1 0 8,2 0-24,0 0 16,0 0-8,-1 0-16,1 0-48,0 0-16,0 0 56,0 0 16,1 0 0,1 0 16,-1 1 8,1-1 16,1 1-24,-1-1-16,2 0 16,-1 0 16,1 0 0,1-1 16,-2 0-32,2 0-16,0-1 16,-1-2 16,1 3 0,0-1-8,-2 1 8,2 0-8,-2 0 16,0 0 24,0 0 0,1-1 0,-3-1-24,1 2 8,-1 0-16,1-1 16,-1 2 0,-1 0 8,0 0-16,0 0-8,0 0 8,0 0 8,0 0-8,-1 0-8,-2 0-8,0 0-24,-1 0 0,1 0 32,0 0 8,1 0 0,1 0-16,0 2-16,-3-2-8,4 0 16,-2 0 0,0 1-16,0-1 16,-1 1-8,-1 2-16,2-1 0,0-1 24,-2 0 0,3 0 8,-4 0 0,3 0 0,1 1-40,-2-1 8,2 1 0,0 0-8,0 1 32,-2-1 16,0 1 0,-1 0-8,2-1 8,-1 2-8,0-3 0,1 0 0,1 3-24,1-4 16,-3 0 24,3 0 8,0 0-32,-1 0 8,0 0-24,0 0 16,-4 0 8,3 0 0,-1 0-24,6 0 16,-3 0-8,0 0 0,2 0 16,3-3 0,-2 2 0,3-1 0,-1 1 0,-2-4 0,4 4 0,-1-4-24,0 4 16,1-3 8,0 2 0,0-1 16,-1 3-8,-1-3-8,0 3 8,-3-1-8,3 1 0,-4-1 0,2 2 0,-2-1 0,1 0 0,-2 0 16,1 0-8,-1 0 16,0 0-16,0 0 32,0 0-24,0 0 32,0 0-32,0 0-8,0 0 0,0 0 8,0 0-8,0 0-40,0 0 16,0 0-24,0 0 16,0 0 0,0 0 8,0 0 32,0 0-8,0 1-8,2 0-16,-1-1 8,2 0 8,-2 0 0,2 0 0,0 0 0,0-1 32,2 0 16,-3 0-40,2-1 0,-2-3-24,2 3-16,-4-1 0,3 1 24,-2-3 16,1 3 16,0-1-8,-1 0 8,0-1-16,-1-3-8,0 3 8,0-4-8,0 0 0,0 1 16,-1 1-8,0 1 16,-1-1-32,0 2-16,-2 0 16,4 0 16,-4 1 0,2 0-8,-1 2 8,0-1-8,-2 2 0,1 0 16,1 2-8,-3-2-24,3 2 8,-3 1 8,1 3 0,-1-1-40,3 3 24,-2 1-80,2-1 56,-2 0-40,4 2 48,-3-3 16,4 3 16,-2-4 0,4 2 0,-2-1-24,3-2 16,-2-1 8,0 1 0,1-3 16,0 0-8,-1-2 16,2 1-16,1-2 32,-2 0-24,2-4 48,0 2-40,1-3 24,1-1-24,0-4 24,0 5-32,-2-4 48,2 3-40,-4-4 64,3 6-56,-4-3 64,2 3-64,-3 0 24,3 2-32,-6 0 0,3 0-8,-4 0 8,2 3-16,-4-1-24,1 2 8,-2 1 8,1 2 0,-3 2-24,2-1 16,-1 3-32,1 0 24,0-1-24,1 2 16,0-1 16,1-1 8,2-2-40,0 3 24,2-1-24,1-2 16,0-3 0,1 3 8,2-1 16,-2-2 0,1-1 16,2 0-8,-3-1-8,1 2 8,2-4 8,2 1-8,-4-1-8,3-1 8,-2-5 8,5 4-8,-4-7-8,3 2 8,-2-2-8,-1 3 0,0-4 32,1 3-16,-4-1 64,1 5-48,-4 0 24,1 1-32,-4 1-32,1 3 0,-2 3-8,2 1 0,-3 4 32,2 0-8,-1 3-8,3-3 8,-2 3-8,3-1 0,-4-3-40,5 3 24,-2-2-8,3-2 8,-1 1 16,2-4 0,-1-2 0,3 3 0,-2-4 0,2 0 0,1-4 0,-1 2 0,0-4 16,0 0-8,2-3 16,0 3-16,-1-5 16,1 4-16,0-4-8,-1 1 8,0 0 24,-1 4-16,-1-3 64,1 4-48,-2 1 40,1 1-40,-2 2 16,-2-1-40,-1 5-24,0 4 0,0-1 16,2 3 0,-2 0 0,2-1-56,1 1 0,0-1 24,0-1 16,0 0 16,1-1 0,2-2-24,-2 1 0,1-2-8,-1-2 24,2 0 16,0-1 16,2-2-32,-3-1-8,2-4 24,-2 3 8,2-5-24,-1 2 8,0-2 16,-1 0 8,-1 0-32,-1 2 8,0 0 0,0 2 0,0 0 0,0 1 16,0 1-8,-1 2-8,1 1 8,0 2-8,-2 4-24,2-1 0,0 4 16,0 1 16,0 0-16,0 2 0,0-2 8,2-3 0,-1 1-24,0-1 0,0-3-8,2-2 24,0-1 0,1-1 8,-2-1 0,3-1 0,-3-2 0,2-3 16,-3-1-24,0 2 0,0 0 24,2-3 24,-3 1-32,0 2-8,0-2 0,0 3 0,0 0 0,-3 1 0,3 1 0,0 0 16,-1 3-8,0-3-8,1 3 8,-1 3-8,-2 2-24,3 1 0,0 2-8,0 0 24,0-2-16,0 2-8,0-2 0,3 1 24,-3-4-16,1 1 8,-1-2 0,1 3 0,0-4 16,2-1 0,-2-1 0,1-4 0,0 3 0,0-3 0,-1 0 0,0-3 16,1 0-8,-2 2 16,0-1 0,0 1 24,-2 0-8,1 2 0,-2 0-8,-1-1 0,0 2-16,2 1 8,-2 0-32,2 1 0,-3 1 8,3 1 0,-2 2-24,2 0 16,-3 1 24,3 2 8,1 2-48,-1 0 0,0 2 8,1-1 24,-2-1-16,3 0-16,0-2 16,0 1 0,-3-2 24,3 1 8,0-4-32,0 0 8,0-2-16,0 2 0,-1-1 32,1-1-8,-2 2-8,-2 0-16,2 0 8,-3-1-8,2 0-16,0 0 24,2 0 0,-1 1-16,1 0 16,1-2-8,0 0 0,0 0 0,0 0 0,1 1 16,1 0-24,-1 0 16,2-1 8,0 0 0,3-1 0,-1 1 0,-2-1 16,4 0-8,-1-3-8,2 3 8,-2-2-32,1-1 16,-2-2 24,2 4-8,-2-5-8,0 3 8,-1-4 8,1 5-8,-2-2-8,0 1 8,-1-3-8,2 4 0,-4-4 32,1 5-16,-2-3-8,1 2 0,-4-4-8,2 5 0,-1-3 0,1 3 0,-3-3 16,2 2-8,-1-1-8,1 2 8,-2-2-32,2 3 16,-2-2 24,4 3-8,-4-1-8,0 1 8,2 0-8,-1 1 0,-2 1-24,5 0 16,-3 1-32,2 0 24,-2 1-48,1 1 40,0 0 8,0 1 16,1 2 0,2-2 0,-1 1-24,1 2 16,-3-1 8,6-1 0,-3 1 0,1-2 0,-1 0-24,1-2 16,0-1 8,2 3 0,-2-5 0,0 1 0,0-2 0,2 0 0,0-2 16,0-1-8,0-4 16,2 3-16,-2-6 16,2 2-16,-3 0 16,3 0-16,-4-2 32,3 3-24,-3 1 32,0 1-32,-1 1-8,1 0 0,-1 1-8,0 3 0,0-2-24,0 2 16,-1 2-8,1 0 0,-1 4 16,1 2 0,0-2 0,0 1 0,0 0 16,1 0-8,0-1-8,2-2-16,-2 2 8,1-4-8,0 0-16,0 0 40,-1-2 24,0 0-8,-1-2-16,2 1 0,0-1 8,-2-3-24,0 3 0,0-1 8,0 0 16,0-1-8,0-1 16,0 2-16,-2 1-8,0-2 8,1 2-8,0 1-24,1 1 16,-2 3-8,-2 1 0,4-1 16,-1 2-24,2 1 16,-1-1-32,2 2 24,-2-4-8,2 1 8,0 0 16,-1-1 0,-1-3 16,0 1-8,1-1 0,-1-1-8,2 1 0,0-3-24,0 0 16,-2 1 8,2 0 0,-1-1 32,2 2-16,-2-5-8,0 3 0,1-1-8,0 1 0,-2-4 0,0 4 0,-2-4 16,2 3-8,-2-2-24,2 1 8,-1-3 8,0 5 0,-3-3 16,2 1-8,0 0 16,0 2-16,-2-1-8,0 2 8,-2 0 8,4 0-8,-4-1-8,0 3 8,0-1-32,0 2 16,1-1 8,2 3 0,-4-1 0,5 2 0,-4 0 0,1 1 0,1 1 0,2 2 0,-1-1-24,3 0 16,-1 0-8,1 1 0,0-1 16,1 0 0,1-1 0,-1 0 0,1-2 0,-1-1 0,1-2 0,1 2 0,0-4 0,-1 1 0,2-4 0,-2-2 0,2-1 0,-1 0 0,0-5 16,0 4-8,-2-4 32,3 5-24,-2-1 64,-1 2-48,-1-1 24,1 3-32,-1 0-16,0 2 0,0-2-32,0 2 16,-1 2-16,1 2 16,-1 2 8,1 0 0,-2 3-24,-1 3 16,1 1 8,2 2 0,-1-3 0,2 0 0,-1 0-24,1-4 16,0 1-8,2-4-16,-1 0 24,0-2 0,2-1 24,-3 0-8,0-1 16,3-2-16,-3 1 16,0-3-56,0 2 8,2 0 8,-2 1 8,0 1 24,0-2 8,2 1-32,-2 0 8,1 1 0,0-1 0,0 1-24,-1 0 16,0 0 8,-1 0 16,0 1-8,0 0 0,0 0-32,0 0 0,2 0-8,-2 0 24,2 0-40,0-3 0,-2 3 24,0-2 8,0 2-8,2 0 16,-2 0 24,0 0 8,0 0-48,0 0 0,0 0 40,0 0 0,0 0-8,0 0 8,0 0 8,0 0-32,0 0-8,0 0-16,0 0 24,0 0 0,-2 5 8,2-3-24,-2 0 16,2 1 8,0 1 16,0-1-24,0-1-16,2 0 32,-2 1 8,0-1-24,2 3-8,-1-3 8,2 1 16,-2-1 0,-1 3-8,1-3-16,1-1 8,0 1-8,-1 0 0,1-1 16,0 1 16,-2-2-24,0 0 0,2 0 8,-1-2 16,0 1-8,-1-1-8,2 1 8,0-1 8,-1 0-8,0-3-8,1 3-16,0-1 8,-2 1 8,0-3 0,0 3 0,0-2 16,0 2-8,-2-2-8,0 2 24,1-1 0,0 0-32,-1 1 8,0-2-16,1 1 0,0 1 16,1-1 16,-2 1-8,0-1-8,0-1-16,1 1 8,-1 1 8,2-2 0,-2 3 0,1-1 0,0 2 0,-2-2 16,2 1-24,1-1-16,0 1 16,-2-1 16,2 2 0,0-4-8,-2 2-16,0 1 8,0-2 8,1 2 16,1 0-8,0-1-8,-1 1 8,1-1 8,-2 1-8,2 0-8,-2-1-16,0 2-8,1-3 32,-2 3 8,2-1 0,0-1 8,0 2-32,-2 0 0,2 0 8,1 0-24,-2 2 16,-3 2 24,3-1 8,-1 3-32,2-1-8,-2 2 24,0 1 8,2-1 0,0 2-16,0-1-16,-1 1 8,0-1-8,2 0 0,0-2 0,0 1 0,0-2 16,2 1 0,0-4-24,-1-1 16,0-1 24,3-1 8,-1-1-8,-2-4 8,3 4-16,-3-4 16,0 0-16,3-1 16,-3-1-16,0-3-8,0 5 8,2-4-8,-2 2 0,-1 2 16,1 1-8,-1-2-8,0 3 24,0 1 16,0 2-16,0 1-16,0 3 0,0 1-8,0 1-24,0 3 16,0-2 8,0 2 0,0-3-24,1 1 0,2-2 16,-2-1 0,-1 1-16,2-3 16,-2 0 8,0 0 16,0 1-24,0-2 0,0 1 8,2 1 0,0 0 0,-1-2 16,0 3-8,1-2 16,0 0-32,-2 0 0,2 0 8,-2 1 0,0-1 0,0 1 16,0-2-24,0 4 0,2-2 8,-2 0 16,1 1-8,-1-2-8,0 2 8,3-1-8,-3-2-24,0 0 16,0 1-8,0-1 0,0 1 16,0-1 16,0 0-24,1 0 0,0 0 24,-1-1-24,0 0 0,0-4 8,0 1 0,0 0 0,0-3 0,0 1 0,0-2 16,-1-1-8,0 1-8,-2 1 8,0-1-8,1 0 16,-2 2 8,2-1-8,-2 2-16,1 0 8,0 1-8,2 1 0,0 0 0,0 0 0,1 2 0,0-1-24,-3 2 0,2-2 32,1 0 8,-1 1 0,0 1 8,-3-2-32,4 2-16,0 0-8,0 0 0,0 0 24,0 0-56,0 0 40,0 0-24,0 0 24,0 0 0,0 3 8,0-1 16,0 0 0,0 0 0,0 2 0,0-2 0,0 2 0,-1-2 16,1 0-8,-1 1 16,0 1-16,-3 0-24,4 2 8,-3-3-8,3 2 0,-4 1 16,4-1 0,-2 0 16,2 0-8,-2-1-8,4 0 8,-4 0-8,2-2 0,-2-2 16,4 1-8,-2-1 16,0 0-56,0 0-8,0 0 16,0 0 8,0-1 32,0-1 8,0-2-32,2-1 8,-1 0-16,0-3 0,0 0 16,2 2 16,-1-2-8,-1 1-8,-1 0-16,1 0 8,-1 0 8,0 1 16,0 1-24,0 0 0,0 0-32,0 2 8,0 0-24,-1 2 16,0 0-32,-1 1-8,-1 0-16,3 0 0,0 0 56,-2 1 16,-1 1 24,0 1 0,0-1-24,-1 4 16,2-2 8,-2 0 0,2 1 16,-3-3 8,2 2-32,0-1 8,2 0 0,-2 0 16,-1 0-24,2 0 0,1-2 8,1-1-24,0 0 16,0 0-8,0 0 0,1 0 16,1-1 0,-1-1 0,2-1 0,0 1 0,0-3 0,0 2 16,0-3-8,2 2-8,-1 0 8,-2 0-8,2 1 0,-1-3 0,-2 5 16,1-1 8,0 1 40,-1 0 40,-1 0-56,0-1-24,0-1-16,0 3 8,0 0 24,0 0 0,0 0 16,0 0-48,0 0 8,0 0-24,0 0-16,0 0-8,0 3 24,1-1-16,0-2-8,2 1 40,0 0 8,1-1-24,-2 0-8,3 0 24,-4 0 8,0 0-24,0 0 8,2 0 0,-2 0 0,-1 1 0,0-1 16,1 0 40,-1 2 48,0-1-40,0 1-16,-1 3-24,0-2-24,-2 1-16,1 3-8,-3-1 32,3 0 24,-2 1-8,2 0 0,-3 0-24,3 1-8,-1-1 8,1 0 16,1-1-24,-2-2 0,3-1 8,0 3 0,0-4-24,0 1 16,0 0-8,0-1-16,0 2 24,0-3 16,0-1 16,0 0 8,0 0-16,0 0-32,0 0 8,3-1 8,-3-3 16,1 2-24,1-3 0,0 1 8,-1-3 0,0 1 0,0-2 16,-1 0-8,0 2-8,0-2-16,0 1 8,0 2 8,0-1 0,0 2 0,-1-2 0,0 2 16,0-1 8,-1 1-8,0 1 8,1-2-32,-2 2-16,0 0 32,2 1 8,-1-3-24,-2 3 8,3 1 0,0 0 0,-2 1-24,1 0 16,1 1 8,-1 0 0,1 1-24,-1 4 0,1-2 16,-1 3 16,1-1-56,1 3-24,0 3 40,0-2 8,0 3 0,0-1 16,1-2-8,1 0-16,-1-1 24,1-1 16,-1-3-16,1-1 0,-1-1 8,1-3 16,1 0-24,-2 0-16,1-2 32,1-1 24,-2 0-8,0-1 0,0-3-24,2 0-24,-3 0 32,3 1 8,-2-2 16,-1 0 0,0 2 0,0-2 0,-1 2-40,-2-1 8,3 1 0,0 0 16,-3 2-8,2-1-8,1 3 40,0 0 32,-1 1-80,1 0-8,0 1 8,0 0 16,0 2-16,0 2 0,0 3-8,0-1 0,0 2 0,1-1 0,0 1 32,2 1 8,-3 0-8,3-3 8,-2 2-32,1-2 0,0 1-32,-1-2 8,0 0 16,0-2 24,2-1-16,-1-1 0,-1-2 8,0-1 16,-1-1-24,0-2 0,0 0-8,0-2 0,0 2 32,0 0 8,0-2-32,0 4-8,3-3 24,-3 3 8,0 0-40,0 1 0,0-1 8,0 2 8,0-1 8,0 2 16,0 0-8,0 3-24,0 2-8,0-1-8,0 0 24,0 2 16,0-2 16,0 0-32,0 1 8,0-1 0,0 0 0,0 0 0,0-2 16,-3 1-8,3 0-8,-1-1 8,1-2 8,0 0-48,0 0 8,0-2-8,0-1 16,0-1-8,0-3 8,0 2 16,0-1 16,0-1-8,0 1-8,0 3 8,0-3-32,0 4 16,0-5 8,1 4 0,-1-2 0,3 2 0,-3 0 16,1 0-8,-1 0-24,0 0 8,0 0 8,0 3-24,0 0 16,0-2 8,1 2 0,0-2 0,3 1 0,-3-2 0,0 3 0,-1-1 16,0 1-8,0-2 16,1 1-16,-1 0-8,0 1 8,0-1-32,0 2 16,0-2-8,3 1 0,-3-1 16,0-3 16,1 4-8,0-2 0,-1-1 8,1 3-8,-1-2-8,0 2 8,0-1-8,0 2 0,0-1-24,0 0 16,0 0 40,0 0-16,0-1-8,0 1 0,0-2-8,0 4 0,-1-2 16,0 0-8,-3 0-8,2 1 8,-4 0 8,4 0-8,-3 1 64,0-1-40,2 1 24,-1-2-32,-3 0-16,5 0 0,-3 0-8,3 4 0,-4-3 0,3 0 0,-2-1 16,1 0-8,0 0 16,2 0-16,-2 0 32,3 0-24,-4 0 8,3 0-8,0 0-16,0 0 8,1-1 8,0 1 8,-3-1 8,4-3-56,-2 4 0,2 0 8,-1-2-8,1 1 8,-1-2-72,2 2 48,-1-2-144,0 3 104,0-3-88,1 1 96,1 0-16,2 2 56,-3-3 16,2 3 16,0-1-40,3 1 24,-2-1-64,0 2 48,2-1-24,0 0 32,-2 0 0,2 1 8,-1 0 16,-2 2 0,0-2 0,3 1 0,-3 1 0,-1-1 0,3-1 0,-3 0 0,1 0 0,-2 1 0,0-1 0,0 1 0,3-2-24,-3 4 16,0-3 24,0 0-8,-1-1 16,3 0-16,-3 0 16,0 1-16,0 0-8,0 1 8,0-1-8,0 2 0,0-2 16,0 1-8,0 0 16,0-2-16,0 0 32,0 2-24,0-2-8,0 4 0,0-2-8,0 2 0,0-4 0,1 2 0,-1-1 0,1 2 0,-1-2 0,1 1 0,2-1 0,-2 0 0,-1 1-24,2 0 16,0 0 24,0 2-8,-1-1 0,0-1-8,1-1 0,-2 1 0,2-2 0,-2 2-24,2-1 16,-2 2 24,2-1-8,-2-1-8,1 1 8,2-1-32,-2 1 16,0 0 8,1-2 0,0 3 0,-1-2 0,-1 0 0,2 0 0,-2 1 16,2-1-8,-2 0-8,2 0 8,-1-1-8,-1 0 16,0 0-8,0 2-8,0 1 8,0-2-8,0 0 0,0 0 0,0 0 0,0 1 0,0-2 16,0 1-8,-1 1-8,1 0 8,-2-2-8,2 4 0,-2-3-24,2 0 16,-2 0 8,4 1 0,-2-1 0,0 1 0,0-2 16,0 0-8,0 0 0,0 0 56,0 4-32,0-4 40,0 1-40,-2-1-32,2 1-8,-1-1 8,1 1 0,-2-1 0,4 0 0,-4 0 0,0 1 0,0 1 16,-1-1-8,0-1 16,3 1-16,-6-1 16,4 0-16,-4-1-8,2 0 8,-2-2-8,4 1 0,-5-5 0,2 4 0,-2-1 0,5-1 0,-6-1 0,5 3 0,0-4 0,0 3 0,0-1 0,0 0 0,0 0-40,3-1 24,-3 1 24,3 2 0,-3-4 32,3 4-24,-3-1 48,3 3-40,-4-2 8,4 2-16,-3-1-80,3 4 32,-3-2-8,3 2 24,-3 1 16,2 0 0,-4 0 0,4 1 0,-2 0 0,1 1 0,0-2 0,-2 4 0,2-2-24,1 3 16,-2-3-8,3 2 0,-3-3 0,2 3 0,-4-3 16,5-1 0,-2 0 0,2 3 0,-3-4-24,6 0 16,-3-2-8,0 0 0,0-1 16,1 1 0,-1-1 0,1 0 0,1-4 0,1 5 0,-2-5 0,0 3 0,1-5 0,1 2 0,0-4 0,2 3 0,-2-4 0,1 2 0,1 2 32,-3 1-16,0-2 64,1 3-48,-2 0 80,1 2-64,-2 0 40,0 2-48,0-2 0,0 2-24,0 0-32,0 0 8,0 0-8,0 0 0,-2 0 32,2 3-8,-1 0-8,-1 1 8,-1 0-32,2 3 16,-3-2-8,2 0 0,-2 1-88,2 2 48,-4-2-112,6 1 96,-4-1-16,2 2 48,-2-3 8,1 2 16,0-1 16,2-1 0,-3 1 16,4-3-8,-2-1-8,2 3 8,-4-1-8,4-2 0,0-1 0,0 0 0,-2-1 0,2 2 0,-1-2 0,2 0 0,-1 0-24,0 0 16,0 0-16,0 0 16,0 0-64,0 0 40,0 0-24,0 0 32,0-2 32,0 2 0,0-2-8,2 0 8,-2-5-8,5 4 0,-4-1 16,3-2-8,-2 1-8,3-1 8,-4 1-32,2 2 16,-1-3 8,-1 3 0,0-2 16,1 1-8,-2 0-8,4 1 8,-3 0-8,0 0 0,1-1 0,0 3 0,-1-2 0,0 3 0,-1-2 16,2 2-8,-2-3-8,3 3 8,-3-1-8,1 1 0,-1-2 0,1 4 0,-1-4 16,2 2-8,-2 0-24,1 0 8,-1-2-8,2 2 0,-1-1 16,1 1 0,-1-2 0,2 2 0,-2-1 0,1 1 0,-1-2 0,1 2 0,-1 0 0,1 0 0,-2 0 16,1 0-8,-1 0 0,0 2 8,0-1-8,-1 1 32,1 1-24,-2 0-8,1 2 0,-2-1-32,1 3 16,-3-2 8,3 3 0,-2-4 0,2 3 0,-3-2 0,3 0 0,-2 1 16,2-3-8,0 0 32,-2 2-24,2-2 32,2-1-32,-1-2 32,2 0-32,-2 0 32,1 1-32,-1-1 8,2 0-8,-1 0-8,-1 0 8,-1 0-8,-1 0 16,3 0-16,-1 0-8,2 0 8,-2 0 8,1 0-8,-3 0-24,6 0 8,-3 0-8,0 0 0,-3 0 16,1 0-24,4 0 16,-2 0-32,0 0 24,-2 0-8,2 3 8,-2-2 0,2 1 0,-3-2 0,6 0 0,-3 0-24,0 0 24,0 0 8,0 0 24,0 0-8,1 0 0,-1 2-8,1-2 0,1 0 0,1-2-24,-1 2 16,0-2 8,1 2 0,-2-3 0,1 2 0,2-2 16,-2 2-8,0-4 32,0 4-24,-1-2 8,0 2-8,1-2-16,1-1 8,-2 1-8,0 1 0,1 0 0,-1 1 0,1-3 0,-1 4 0,-1-2-24,0 2 16,0-3 40,0 3-16,0-2 8,0 4-8,0-2 8,0 0-16,0 0 0,-1 0-32,1 3 16,-3-1-8,1 3 0,0-3 0,2 3 0,-5-1-56,5-2 40,-2 0-56,2 1 48,-2-2-72,2 2 72,-2 0-56,1-1 56,-4-1 16,5 2 24,-3-2 0,2 3 0,-3-1 0,4-1 0,-2-1 16,2 1-8,-5-2 16,5 2-16,-2-1 16,2 0-16,-4-1-24,4 0 8,-2 0 8,-2 0 0,2 0 0,2 1 0,-4-1 0,4 3 0,-2-3 0,2 1 0,-1-1 0,1 1 0,-3-1 0,6 0 0,-3 0-40,0 0 24,0 0 8,0-1-16,1 0 16,0-3 8,0 3 0,2-4 16,0 3-8,1-4-8,-1 1 8,1 1-32,2 1 16,-4-4 8,3 5 0,-2-4 16,2 4-8,-2-2-24,1 3 8,1-1 8,-1-1 0,-1 1 0,0 2 0,1-2 0,-1 2 0,-2-1 0,1 2 0,-1-1 16,1 0-8,-2 0 80,0 0-40,0 0 40,0 0-48,0 0-32,0 0-16,-2 2 24,2 0-8,-1-2-24,1 3 8,-2-2 8,2 0 0,-3 0 16,2 2-8,-3-2-8,2 1 8,-2 2-32,2-2 16,-3-1 24,3 2-8,-2-2-8,2 3 8,-4-2-8,6-1 0,-3 0 0,2 0 0,-3-1 0,4 1 0,-1-1-24,1 1 16,-1-1 8,-2 2 0,0-2 0,2 1 0,-2-1 0,3 2 0,-1-2 0,1 2 0,-1-2 0,1 2 0,-1-2 0,2 0 0,-1 0-24,0 0 16,0 0-32,0 0 24,0-2-8,0 2 8,0-4 32,1 3-8,0-3-8,2 1 8,-1-6 8,3 5-8,-3-7 16,3 2-16,-2-3-24,3 4 8,-1-3 24,1 3-8,-4 2 16,1 1-16,-1 1-8,-1 1 8,1 1-32,-1 0 16,-1-1 8,3 3 0,-3-2 0,0 0 16,1 4-8,-1-2 0,0 0 8,0 0-8,0 0 0,-1 0-8,1 2 0,-3 1 0,3 1 0,-3-1 0,3 1 0,-1 1-24,1-1 16,-3 0-32,3 2 24,-2-2-64,2 3 48,-1-4-40,0 2 40</inkml:trace>
+  <inkml:trace contextRef="#ctx0" brushRef="#br0" timeOffset="3">570-810 192,'0'-2'88,"0"2"-72,-1 0-16,-2 0-40,6 0 16,-3 0 16,0-1 24,0 1-8,0-1 80,0 2-40,0-1 64,0 0-64,0 0-8,0 0-24,0 0-8,-3 1-8,1 1 0,1 3 0,-3-3 0,1 1 16,-1 0 8,2 2 8,-2-2 0,2 1 16,-3 1-24,1 0-16,0 1-24,-2 1 8,2 2 24,-2-1 8,2 0 8,-1 0 16,1 0-24,-2-3-16,4 0 16,-2 1 16,2-3 0,0 0 0,-1 0-24,3-3 8,0 2 0,0-2-32,-1 0-8,0 3 8,-2-1 16,3-1-40,-2 0 8,1 2 8,1-3 24,-1 3 0,-2-3 0,3 0-32,0 0 16,0 0-80,0 0 48,0 0-72,0 0 64,0 0-152,0 0 112,0-4-136,0 2 128</inkml:trace>
+  <inkml:trace contextRef="#ctx0" brushRef="#br0" timeOffset="4">517-675 320,'0'0'128,"0"0"-96,-1 0-16,1 0 16,-1 0 24,0 4 48,-1-4-56,-1 0-8,-1 2-24,2-1-16,1 0 8,-4 1-8,5-1 16,-3 1 8,0-2-8,1 2-16,1 0 8,-2 0 8,2-2-8,1 0 16,0 0 0,-3 0-8,0 2-8,3-2 8,-2 1-24,2-1 0,-3 2 24,1-2 8,1 1 8,-1-1 16,0 2-40,2-2-24,-3 0 8,1 0 16,-1 1 16,1-1 8,-3 2 0,4-2 16,0 0-24,0 0 0,1 0-32,-2 0 8,2-2 0,0 2 16,0 0-24,0 0 0,0 0-32,0 0 8,0 0-232,0 0-104</inkml:trace>
+  <inkml:trace contextRef="#ctx0" brushRef="#br0" timeOffset="5">491-667 288,'0'0'104,"-1"2"-80,0-2 88,1 0 24,0 0-40,0 0 8,0 0-32,-4 1 0,3 1-24,-1-2-8,-3 4-8,3-2 16,-2-1 8,2 0 8,-3 0-32,2 1-8,0-1 8,1-1 0,-2 2-16,1-1-16,0 2 8,0-2 8,0 0-8,1 0 16,0-1-16,0 1 16,2-1 16,-1 0 32,1 0-32,0 0-8,0 0-16,0 0-8,0 0-48,0 0 8,0 0 0,0 0-8,0 0 32,0 0 0,1 1-16,1-1 16,0 0 8,1 2 16,0 0-8,2-2 16,1 0-32,-3 0-16,2-2 16,2 0 0,-1 2 8,0-1 16,-3 0-24,2 0-16,0 0 48,-2 1-16,1-1 0,-1 1 0,0-3 8,-1 3-8,0-1 16,0 2-16,-1-1 0,-1 0 8,0 0-8,0 0-24,0 0 8,0 0-8,0 0 0,0 0 32,0 0-8,0-1-40,0 1 16,-1-2-24,1 2 16,-2-1 0,2 2 8,-4-1 16,1 0 0,-1 0-24,1 0 16,0 0-8,-2 0 0,0 0 16,3 0 0,-4 0-24,4 0 16,-4 0 24,0 2-8,-1-1 16,1 2-16,-1-3-8,0 1 8,1-1-240,2 0 128,-2 0-344,3 0 248</inkml:trace>
+  <inkml:trace contextRef="#ctx0" brushRef="#br0" timeOffset="6">549-731 128,'3'-5'64,"-2"2"-48,2-2 8,-3 1 24,2 0 24,0-1 16,2-1-24,-3-1 0,0 0-8,1 3 8,0 1-32,-2-2-24,2 1 0,0 0 8,0 2 80,-1-3 56,-1 4-32,0 0 0,0 0-72,0-1-16,0 2-40,0 0 24,0 3-24,-1 2 0,1-1-8,-2 1 0,0 3 0,0-1 0,2 2 48,-2 1 16,0-2-40,2-1-16,0 0-24,-1-1 24,1-1 0,0 3 24,0-2-8,0-3-8,0 2-16,0-3 8,0 2 8,0-4-24,0 0 16,0 0 24,0-1-24,0-3 0,0 1 8,0-1 16,1-2-24,-1 0 0,2-1 24,0-1 8,-2 0-48,0-3 0,0 0 24,0 2 16,0 1-24,0 2-8,0-1 8,0 2 0,2 0 8,0 1 16,-2 1-8,0-2-8,0 3 8,0 0-8,0 1 0,0 0 16,0 1-24,0 0-16,0 0 16,0 1 16,0 0 0,0 1-8,0 0-32,0 3-16,0-2 40,0 2 16,0 2 8,0-1-16,0 2 24,0-1 0,0 2-8,0 2-16,0-4-16,0 1 8,0-1 8,0 0 0,0 0 0,0-1 0,0 0-24,0 0 16,0-1 8,0-2 0,0 2 16,0-1 8,0 0-32,0-2 8,0 2 0,0-2 16,0-2-48,0 0-8,0 3-8,0-3 32,0 0 8,0 0 24,0 0-24,0 0 0,0 0-8,0 0 0,0 0 32,0 0 8,0 0-32,0 0 24,0 0-80,0 0-32,0 0 8,0 0 32,0 0-56,0 0-8,2-3-64,-1-1-16</inkml:trace>
+  <inkml:trace contextRef="#ctx0" brushRef="#br0" timeOffset="7">491-818 416,'-2'0'176,"2"0"-144,-4 1 56,2-1 48,2 1-72,-4-1 40,4 3-64,-3-3 16,2 1-32,-4-1 24,2 1-32,-4 0 32,4 2-32,-5-2 8,3 2-8,-3 1 24,2-2-24,-1-1 8,3 0-8,-1 1-48,4 0 16,-1-2-24,2 0 16,0 0 16,3 0 8,2-2 0,2 0 0,0 0 0,1 0 0,1-5 0,1 2 0,0-4-72,-1 4 40,1-2-80,2 1 72,-1 0-8,-5 3 32,2-1 16,-2 3 0,-3-3 0,3 4 0,-5-1 16,2 1-8,-2 1 0,-2-1-48,1 4 24,-2-2 24,1 1 0,-2 0 16,1 1-16,-3-2-8,2 2 8,-2-2-8,3 2 0,-4-1 0,4-1 0,-4 1 0,1 1 0,0 0 16,3-1-8,-5 1-8,2 3 8,-2-4-8,3 3 0,-5 0 0,3 1 0,-3-1 0,1 2 0,-2-4 0,5-1 0,-4 0 0,3-1-24,1 3 16,1-4-8,2 0 0,1 0 16,1-1-24,0 0 0,0 0 16,1-1 16,1 0-16,2-2 0,1 0 8,1 1 16,0-3-24,2 0 0,1-1 8,-1 3 0,-1-2 16,-2-2 8,2 4-32,-3-2-8,2 0 8,-1 2 0,-2-1 8,1 1 0,-2 2 0,2-2-40,-3 3 24,0-1-136,0 1 88,-1-1-80,3 2 80,-3-1 24,0 0 16,0 0 40,0 0-8,0 0 16,-3 1-16,2 2 0,-1-1 8,-2 2-8,2-2 48,1 0-32,-3-1 96,3 0-64,-5 1 56,4 0-56,-6 0 72,2-2-72,0 3 80,-1-2-80,-1 0-8,1 0-32,0 0-16,1 0 8,0 1-8,3 1 0,-1-3-128,3 0 72,1 0-312,1 0 208</inkml:trace>
+  <inkml:trace contextRef="#ctx0" brushRef="#br0" timeOffset="8">389-775 448,'-3'0'176,"3"0"-144,-5 2 56,1-2 0,4 2-48,-2-2-24,1 3-8,-5 2-8,5-1 0,-3-1 0,4 1 0,-2-4 0,2 2 0,-4-2-40,8 0 24,-4 0-24,2 0 16,2 0 32,0-2 0,2-3-8,0 0 8,4-4 24,-3 3-16,0-1 8,0 1-8,-3 1 112,0 3-72,-2-1 120,1 1-104,-4 2-32,1 2-24,-5 1-40,2 1 16,-4 2 24,3 0-8,-3 2-8,1 2 8,0-3-48,1-1 24,2-1-200,0 1 112,1-3-288,1 1 224</inkml:trace>
+  <inkml:trace contextRef="#ctx0" brushRef="#br0" timeOffset="9">490-698 128,'0'0'64,"0"0"-48,0 0-24,0 0-16,0 1 16,0 0 0,1 0 8,2 0-24,0 1 16,1-1 8,-2 0 0,4-1 0,0 2 0,0-2 16,1 0-8,0-2-24,1 2 8,-2-1 24,3 0-8,-3-2 16,0 3-16,-1-2 32,-1 2-24,1-1 184,-3 2-104,-2-1 152,2 0-144,-4 0-32,2 0-48,-2 0-24,0 0 8,-4 0-32,2 2 16,-3 1-8,3-1 0,-2 2 16,0-1 0,0-1-24,4 1 16,-4 1-8,5-1 0,-3-2 32,3 0-8,-2 0-8,3 0 8,-2 1-48,4 1 24,-2 0 8,0 0 8,0-1-24,2 1 16,-1-2 24,0 2-8,1-3-8,1 0 8,0 0-32,1 0 16,-1-3 8,1 2 0,2-2-24,0 3 16,-2-2 8,3 1 0,-3-4-144,2 5 80,-3-2-184,0 2 136</inkml:trace>
+  <inkml:trace contextRef="#ctx0" brushRef="#br0" timeOffset="10">631-716 416,'0'0'176,"0"0"-144,-3 2-32,0 1-40,3 0 16,-1 1 24,0-1 8,-3 4 16,4-2-16,-2 0-24,2 0 8,-5-2-8,5 2 0,-1-4 32,1 2-8,-1-3-96,2 0 56,-1 0-152,0 0 104</inkml:trace>
+</inkml:ink>
+</file>
+
+<file path=ppt/ink/ink6.xml><?xml version="1.0" encoding="utf-8"?>
+<inkml:ink xmlns:inkml="http://www.w3.org/2003/InkML">
+  <inkml:definitions>
+    <inkml:context xml:id="ctx0">
+      <inkml:inkSource xml:id="inkSrc0">
+        <inkml:traceFormat>
+          <inkml:channel name="X" type="integer" max="2.14748E9" units="cm"/>
+          <inkml:channel name="Y" type="integer" max="2.14748E9" units="cm"/>
+          <inkml:channel name="F" type="integer" max="8192" units="dev"/>
+        </inkml:traceFormat>
+        <inkml:channelProperties>
+          <inkml:channelProperty channel="X" name="resolution" value="1000" units="1/cm"/>
+          <inkml:channelProperty channel="Y" name="resolution" value="1000" units="1/cm"/>
+          <inkml:channelProperty channel="F" name="resolution" value="1" units="1/dev"/>
+        </inkml:channelProperties>
+      </inkml:inkSource>
+      <inkml:timestamp xml:id="ts0" timeString="2019-12-14T15:20:17.713"/>
+    </inkml:context>
+    <inkml:brush xml:id="br0">
+      <inkml:brushProperty name="width" value="0.14092" units="cm"/>
+      <inkml:brushProperty name="height" value="0.14092" units="cm"/>
+      <inkml:brushProperty name="color" value="#0000FF"/>
+    </inkml:brush>
+  </inkml:definitions>
+  <inkml:trace contextRef="#ctx0" brushRef="#br0">-139-610 288,'0'-2'128,"0"2"-96,-2 0 40,-2 0 32,4 0-56,-2 0-8,0 0-24,-3-1 8,4 1-16,-4-1 48,4 1-32,-5-1 24,4-3-24,-2 2 0,1 1-8,0-1 8,2 0-16,-3-1 48,3-2-32,-2 2 24,3 0-24,-4-1-32,4 0 0,-1 1 8,1 0 0,-2-3 16,2 4-8,-1-3-8,2 1 8,-1-2 24,0 2-16,0-4 64,2 3-48,-1-2 24,3 3-32,-2-3-16,0 2 0,2-2-32,0 3 16,0-3 8,1 5 0,1-4 16,-3 4-8,2-3-8,2 4 8,-1-3 24,1 2-16,0-1 8,0 1-8,0 0 8,2 2-16,-3-2 16,1 2-16,0-3 32,0 3-24,-2 0 8,1 0-8,-2 0 8,3 3-16,-3-3 16,3 1-16,-2 0 32,1 0-24,-3 0-8,2 1 0,1-1-8,-1 3 0,-3-3 16,3 2-8,-3-1-8,2 2 8,-3-2 56,0 2-32,0-2 64,1 1-64,0 1-8,0 1-16,-2-3 8,2 3-8,-2-1 16,0 0-16,0 1-24,1-2 8,1 2-8,-1-2 0,-1 2 32,2 0-8,-1-2-8,1 1 8,-1-2 8,1 3-8,0-2 16,-1 1-16,1-2-8,-1 1 8,1-1-32,-1 1 16,1-1 8,-1 0 0,2-1 0,-2 0 0,1 2 0,-1-1 0,1-1 0,-1 0 0,1 0 0,-1 1 0,1-1 0,1 0 0,-1-1 0,1 1 0,-2-1-24,4 1 16,-3-1 8,2 0 0,-2 0 16,2 0-8,-1 0-8,1 0 8,-2 0 8,2 0-8,-2 0-8,4 0 8,-4-1-8,3 1 0,0-1 48,-3 2-24,2-2 24,-2 1-24,0-1 0,2 1-8,0-1 8,-1-1-16,1 0-8,1 2 8,-2-3 8,-1 3-8,1-4 16,1 4-16,-1-2 48,0 2-32,-1-3 24,2 3-24,-3-3 0,1 3-8,-1-4-16,0 4 8,1-2-8,0 2 0,-1-2 16,0 2-8,3-3-8,-3 3 8,0-3-8,0 3 0,2-4 0,-1 4 0,-1-2 0,2 1 0,-1-3 0,-1 4 0,0-3 0,0 3 0,1-3 0,0 3 0,-1-3 0,0 3 0,2-4 16,-1 4-8,-1-2-8,0 2 8,2-3-8,-2 3 0,-1-3 0,0 1-24,1 2 16,0-4 8,2 4 0,-3-2 0,2 2 0,-2-2 0,2 2 0,1-4 16,-2 4-8,-1-1-24,0 1 8,0-1 8,1 2 0,-1-1 16,0 0-8,0 0 16,0 0-16,0 0 0,0 0 8,0 0-8,0 0 0,0 0 8,0 0-8,0 0 16,0 0-16,0 0 0,0 0-32,0 0 16,0 0-8,0 0 0,0 0-8,0 0 16,0 0 24,0 0-8,1 0 0,2 0-8,-2 0 16,-1-1-24,0 1 0,0 0 24,0 0-8,0 0 0,0 0-32,0 0 16,0 0 24,0 0-8,0 0 16,0 0-32,0 0-16,0 0 16,0 0 16,0 0 0,0 0 16,0 0-16,0 0-24,0 0 8,0 0-8,0 0 0,0 0 32,0 0-24,0 0-16,2 0 32,-2 0 8,0 0 0,0 0 8,0 0-16,2 0 0,-2-3 24,0 3 40,0 0-40,0 0 0,0 0 0,0 0 0,0 0-16,0 0 8,0 0 0,0 0 8,0 0-16,0 0 8,0 0-16,0 0 0,0 0-32,0 0 16,0 0-16,0 0 16,2 0 24,-1 0-8,0 0-8,-1 0 8,2 0-32,-1-2 16,1 2 8,-2 0 16,0-1-24,1 1 0,2 0 8,-3 0 16,0 0-8,1 0-24,-1 0 8,2-1 8,-1-2 0,0 3 0,-1 0 0,1 0 0,-1-2 0,3 1 16,-2-2-8,-1 2-8,0 0 8,2 0-8,-2-1 16,2-2 8,-2 2-32,0-2 8,0 2-40,0 1 8,0-2 16,0-1 24,0 1-40,0 1 8,0 0 8,0-1 24,0 0-16,-2-1 0,2 2-8,-2-1 0,2 0 32,-1 0 8,1 0-8,-3 1-16,2-2-16,1 2 8,0 0 8,0-1 0,0 1 16,0-2-24,0 4-16,0-2 16,0 0 16,0 1-16,0-1 0,0 1 8,0 0 0,0 0-24,0 0 16,0 1-8,0 0 0,0-3 16,0 2 0,1 0-24,2-1 16,-2-1 8,1 2 16,1 0-24,0 0 0,0-2 8,0 3 16,1-3-8,-1 3-8,0 0-16,0-2-8,1 2 16,0 0 16,-3 0-16,0 0 0,3 0 8,-2 0 0,0 0 0,2 0 16,-2-2-24,1 2 0,-1 0 8,0 0 16,3 0-8,-3 0-8,2 0 8,-1 0-8,1 0-24,-2 0 16,2 0 8,-2-1 16,3 1-8,-2 0-8,0 0 8,1 0 8,2 0-8,-3-1-8,0 0 8,3 0-8,-1 1 16,-1-3 8,2 3-8,-2 0-16,2 0-16,-2-1-8,0 0 16,-2 1 0,3-2 8,-3 2 0,2 0 0,-2 0 0,1 0 0,0 0 16,0 0-8,0 0 16,-2 0-32,0 0 0,0 0 8,4 0 16,-4-3-8,0 3-8,2 0 8,-2 0-8,0 0 0,3 0 0,-2 0 0,0 0 0,2 0 0,-1 0 16,-1 0-24,1 0 0,1 0-8,-2 0-16,0 0 40,2 0 8,0 0 0,-1 0-16,0 0 8,0 0-8,1 0-24,-1 0 0,0 0 32,0 0 8,-2 0 0,1-1-16,0 1-16,0 0 8,-1 0 8,2 0 16,-1 0-8,0 0-8,-1 0 8,1 0-8,2 0-24,-2 0 16,1 0 8,0 0 16,1 0-24,-1 0-16,-1 0 32,2 0 8,-1 0-24,1 0-8,-2 0 8,2 0 16,-2 0 0,3 0 16,-3 0-16,2 0-8,0 0 8,0 0-8,1 0-24,-3-2 16,2 2 8,-1 0 16,1 0-8,-2 0-8,3 0 8,-3 0-8,2 0 0,-3 0 0,0 0 0,1 0 16,-1 0-8,2 2-8,-2-1 8,-1 2-8,0-3 0,2 3 16,-2 1-24,1-2-16,-1 2 16,0 1 16,0-1 0,0 1-8,0 2 8,0-3 8,0 3-8,0-2-8,0 1-16,0 0 8,0-1 8,0 1 0,0-2-24,0 1 0,0-2-8,0 2 24,0-1 0,0 1 8,0-1 16,0-1 8,0 0-8,0 1-16,0-1 8,0-1-8,0 0 0,0 2 0,0-2-24,0 2 16,0-1 8,0 0 0,0-1 0,0 2 0,0-2-24,0 0 0,0 2 16,0-2 16,0 1 0,0 2-8,-1-1 8,1-1 8,0 3-24,-2-2 0,2-1 8,-1 2 0,1 0 0,0-3 0,-3 0 0,3 2 0,-1-1 16,-1-1 8,1-1 8,0 0-16,-3 0-16,2 0 8,-3 2 8,3-1-8,-2-1-8,1 0 8,-2 0-8,1 1 0,0-1 16,-2 0-24,1 0 0,-2 0 8,1 3 0,1-4 0,-2 0 0,4 2 0,-3-2 16,1 0-24,-2 1 0,4-1 8,-2 0 16,0 2-8,0-2-8,0 1 8,1-1-8,-1 0-24,0 1 16,2-1 24,-2 1 8,0-1-32,3 1-8,-2 0 8,-1-1 0,2 0 8,-1 4 0,1-4 0,-1 1 0,2-1 0,-2 1 0,2-1 0,-3 0 0,3 0 0,-2 1 16,1-2-24,0 1 0,0 0 8,1 0 0,-2 0-24,2 1 16,-3-1 24,0 0 8,0 2-32,1-2 8,-1 0 0,0 1 0,0 0 0,1 1 0,-4-2 16,5 3 8,-2-2-32,0 0-8,2-1 8,0 0 0,0 0-16,-2 0 16,4 0 24,0 0 8,-3-1-8,3 1-16,0 0-16,-3 0-8,2-1 32,1 1 8,-3 0-24,2-3-8,-3 3 8,4 0 0,-2 0 8,1 0 16,0-2-24,1 2 0,0 0 8,-2 0 16,1-1-8,1 1-8,0 0 8,-2 0 8,2-1-24,0 1-16,0 0 16,-3-2 0,4 2 8,-2 0 0,2 0 16,-2-1-24,2 1 0,-1 0 8,-1-1 16,1 0-24,1 1 0,-2-4 8,2 3 0,-1 0 0,-1 0 0,0 0 0,0 0 16,1 1-8,-1-2-8,1-1 8,-1-1-8,2 3 0,-1 0-24,1 0 16,0 0-8,0-1-16,0 1 24,0 0 0,0 0 8,0-1 16,0-1-8,0 3 16,0 0-16,0-1 16,0 0-32,0 0 0,0 0 24,0-1-8,0 1-8,0-1-16,0-2 8,0 3 8,0 0 16,0-1-8,0-1-8,0 0 8,0-1-8,0 2 16,0 1-8,0-3-8,0 2 8,0-2 40,0 2-24,0 0-24,0-1-8,-2 1-32,2-1 64,0 0 32,0 1-24,-1-2-16,1 2-8,0 0-8,0-2 0,0 2-24,0-1 16,0 0-32,0-1 8,0 4 16,0-2 8,0 1 24,0-2 8,0 2 8,0 0 16,0 0-24,0 0 0,0 0-24,0-1-8,-2 0 8,2 2 16,0 0-8,0 0 0,0 0 8,-2 0-1192,2 2 648</inkml:trace>
+  <inkml:trace contextRef="#ctx0" brushRef="#br0" timeOffset="1">267-819 320,'0'1'128,"0"-1"-96,0 0 8,0 0-8,0 0-16,0 0-32,0 0 8,0 0 40,0 2-16,0 2 32,0-1-32,0 2-24,1-1 0,1 3 8,-1-1 0,2 2 16,-2 0-8,1-2-8,-1 3 8,1-2-8,-1 3 0,1-5 0,2 5 0,-3-3-24,3 0 16,-3 0 8,0-2 0,0-1 0,2 0 0,-2-1 0,1 0 0,-1-2 0,2 1 0,-2-2 16,0 0-8,0-3 32,0 0-24,1-4 8,1 4-8,-3-5 56,0 1-40,0-4 8,0 5-24,0-4-48,0 0 16,0 0 8,0 3 8,-3-3 0,1 5 0,0-3 32,1 5-16,-3-1 8,3 0-8,-5 1-32,5 2 8,-1 0 8,-1 1 0,-2 0 0,4 2 0,-4 1 0,4 1 0,-2 1 0,0 1 0,0 1 0,2 0 0,-2 1-24,3 3 16,-2-1 8,2 2 0,0-3-24,2 2 16,-2-1 8,1-1 0,1-1 0,-1 1 0,1-4 0,2 1 0,-3-2 0,1 2 0,-1-3 0,1 0 0,-1-3 48,1 3-24,-1-6 112,2 2-72,-2-4 24,3-1-56,-2-5 40,3 0-48,-2-2 8,1-1-16,-2-1 8,1 2-16,0-1-8,-3 4 8,0-1-8,2 3 0,-4-2 32,2 7-16,0-3-8,0 1 0,-5 3-8,4 2 0,-1 0 0,1 2 0,-5 1 16,5 1-8,-4 3-24,4 3 8,-3 1 8,4 1 0,-1 0 0,1 3 0,0-1 0,1-2 0,0 0 0,2-2 0,-2 1-24,0-3 16,0 0-8,2-3 0,-2 0 0,1-1 0,-1-3 32,2 2-8,-2-6 16,0 2-16,0-6 16,0 3-16,1-8-24,1 1 8,-3-2 8,0 0 0,0-1 16,0 3-8,-3-2-8,3 2 8,-3 0 8,2 3-8,-1-1 16,-1 4-16,-1-3-8,1 5 8,0-2 8,0 3-8,-2 0-24,4 2 8,-2 2-8,1 2 0,1 2 16,1 3 0,-2 1 0,4 1 0,-2 1 0,1 2 0,1 2 16,-1-3-8,1-4-24,-1 1 8,2-2 8,-2-4 0,0 1-24,2-1 16,-2-6 8,0 0 0,0-3 16,2-2-8,-2-3-8,1 1 8,-2-3-8,0 1 0,-2-2 0,2 5 0,-1-3 16,1 3-8,-4 0-8,3 0 8,-3 0 8,4 4-8,-2-1-8,2 1 8,-4 1-8,4 2 0,-3 0-24,3 1 16,-2-1-8,4 2 0,-2-1-24,0 0 24,0 1 8,1 1 8,-1 2 0,2 1 0,-1-2-24,3 2 16,0-2 24,-1 0-8,3-2-8,-1 1 8,0-2-8,3 0 0,-1-1 0,1 0 0,-1-2 16,4 0-8,-3-2-8,-1 4 8,0-2-8,-1 0 0,-2 1 16,1 2-8,-4-2 16,1 2-16,-2-2 32,0 4-24,-3-2-24,1 0 0,-3 0-32,1 0 24,-7 0-8,6 0 8,-5 0-24,4 2 24,-5-2 8,4 0 8,-2 0-24,1 2 16,2-2-8,0 3 0,0-3 32,1 1-8,0-1-24,2 0 8,0 0-48,3 0 32,0 0-8,1 0 16,-1-1 32,3 1-8,0-3-8,5 3 8,-2-4-32,1 2 16,-1-1 24,4 2-8,2-4 16,0 2-16,-2-1-24,0 2 8,-2-3 24,-1 4-8,0-3 48,-2 4-32,-4-2 24,2 2-24,-3-1 24,0 1-32,-3-3-8,2 6 0,-4-3-32,0 0 16,-3 0-8,2 2 0,0-1 0,-1 3 0,-1-3 32,1 0-8,0 0-8,2 3 8,-2-3-32,5 0 16,-3-1 8,2 1 0,0-1 0,2 0-24,2 0 16,-1 0-32,0 2 24,0-2 8,3 2 8,0-2 0,4 0 0,0-2-24,-1 2 16,0-2 24,3 2-8,-3-2 32,2 1-24,-4-3-8,3 4 0,-3-2-8,0 2 0,-2-1 64,1 2-32,-3-2 40,2 1-40,-5-3-16,1 6-8,-3-3 8,0 0-8,-3 0-8,4 1 8,-6 0-8,4 0 0,-2 2-24,2-1 16,-4-1-8,7 0 0,-7-1 16,7 0 0,-4 0 16,3 2-8,1 0 16,0-1-16,-2-1-24,4 0 8,-2 0-8,3 0 0,-2 0 16,1 0-40,2 0 24,-1 0-8,0 0 8,0 0 32,2 0-8,-1 0-24,2 0 8,0-1-8,-1 1 0,2-2 16,1 2 0,-1-2 0,2 2 0,0-1 16,0 0-8,-1-1 32,-2 2-24,2-3-8,-3 3 0,1-1-32,-1 2 16,-1-1 24,3 0-8,-4 0 32,1 0-24,-2 0-8,-3 0 0,2 0-32,-2 0 16,1 0 8,-1 0 0,-3 0 0,2 0 0,-2 0-24,4 0 16,-4 0 8,3 0 0,1 0 0,-1 3 0,-1-2 0,3 0 0,-2 0 0,2 2 0,-2-1-24,3-1 16,-1 1 24,2-2-8,-1 4 16,-1-1-32,1 3-16,-1-1-8,1 1 24,1 0 0,0-2 24,0 3-8,0-2-8,0-1-16,0 1 8,0-1 8,1 2 16,1-3-24,-1 1-16,1-1 16,1 2 0,1-3-16,-1 0 16,0-1 8,0 0 16,1-1-8,-2 0-8,2-1 8,-2-2 8,2 1-8,-2-4 16,2 2-32,-3-1 0,0-2 24,0 2 8,-1-2-8,0 2 8,0-2-32,0 3 0,-1-4 8,0 2 0,0-1-24,-2 3 16,2-1 24,-1 3 24,2-1-32,-1 0-24,1 2 8,0 1 16,-3 0-16,2 0 0,1 0 24,0 0 8,0 0-32,0 0-8,-1 2-16,1 3 0,0 1 24,0 1 16,0 1 0,0 1-8,1 1 8,-1-2 8,1 3-24,-1-1 0,0-2-8,0 3 0,0 0 16,0-2 16,0 0-24,0-1 0,0 0 8,0-4 16,3 1-8,-3-1-8,0-2-16,1-1-8,1-1 16,-1-1 0,2-3 8,-2-3 16,1 0-8,1-2-8,0-1 24,-1 0 0,1-1-8,-3 3-16,0-1 8,0 3-8,-3-2 0,1 0 0,-3 3 0,3 1 0,-3-2 16,2 4 8,-2 0-32,0 0 8,0 2-16,1 2 0,-1 0 16,0 4 0,2-1-24,0 1 16,0 2-8,0 0 0,1 0 16,2 3 0,0-1-24,0 0 16,2-2 8,-2 0 0,3 0 0,0-1 0,0 0 0,0-2 0,1 0-24,-1-1 16,0-1 24,0-1 8,2-1-32,-1 2 8,-2-3 0,2 0 0,0-3-24,0 2 16,-1-1 24,2-2 8,-3-2-8,2-1 8,1-2-16,-2-1-8,1 0 8,-2-2-8,2 2 0,-2 0 16,-1-1-8,3 0 16,-3 1-16,-1 1 16,0 0 0,0 2 8,0 1-40,0 1 8,0 3 0,0-2 0,-1 3 0,-3 2 0,2 5 0,-2-1 16,2 2-24,-3 1 0,3 4-8,1 2 0,-2 1 0,2 2 0,0-2 16,1-1 0,0-1 0,1-1 16,0-4-8,2-1-8,0 0 8,1-2-8,-2-1-24,2-4 0,-2 0 32,3-2-8,-3-4 0,2-1 8,-2-4 8,2 1-8,-2-4-8,-1 1 8,-1-2-8,0-1 16,-1 2 8,-1 1-32,0 2-8,-1 0 8,2 5 32,-3-1 24,2 3-40,-4-1-16,1 3 0,-1 0 16,-1 2-56,0 2 32,0 2 0,1 2 16,-2 2 0,3-2 0,-2 4-40,4 0 24,-1-2-48,0 3 40,2 1-8,2-1 16,-1 0 16,2-2 0,-1 2 16,2-2-8,-1 0-8,3-1 8,-2-2-32,1-2 16,-2 3 24,2-2-8,0 1-24,-2-3 8,0 0 8,2-1 0,-2-1 16,0 4-24,-1-5-16,0 1 16,1-1 0,2 0 8,-2-1 0,2-3 16,0 2 8,-1 1-8,0-3 8,0 1 16,1-1 16,-3 1-8,2-1-8,1 0-8,-2 0 16,0 2-24,-1-1-16,0 0 0,0 2 8,0-1 8,0 1-32,0-1 8,-1 1 16,0 0 8,-4 0-8,2 1-16,0 0-16,2 0 8,-1 0 8,-2 1-56,2 0 0,1 2-16,-2 0 24,3 0 32,0 0 8,3-1-16,-2 0 16,2 1-8,2 0 0,-1-3 16,4 1 0,-2-1-24,2-1 16,-1 0 8,2-1 16,-1-2 24,0 2 32,-1-2 0,-1-1 0,-2 1-8,1 0 16,-2-3-8,-1 4 0,-2-1-40,0-1-8,-2 2-8,-1 1 8,0-1-32,-2 3 0,-1 0-8,-2 0 0,0 4 16,0-1 16,-1 1-24,2 1-16,0-1 16,1 0 16,0 1-56,1 0-24,3-1 0,1 2 24,1-3-16,0 3 24,1-2 24,0 0 8,2 0 8,0-2 0,2 1 0,-2-1 16,3-1-8,0 0-8,0-1-16,1 0 8,1-1 8,0-1 0,1-2 32,-2-2 16,1-1 0,0-1-8,-1 0-24,-1 0 8,0-2-16,-4 3 16,2-2-16,-3 2 16,-1 1 0,0-1 8,-1 2-16,-3-1 8,2 4-16,-4 1-8,1 0-16,0 1-8,-1 2 16,0 3 16,-1-1-16,2 1 0,-1 1-48,3 1 0,0 0 24,0 1 16,1-1-8,0 2 0,2-3 16,2 2 0,0-4-16,-1 2 16,2-2 8,0-2 0,-1 0-24,3-2 0,0 0 16,-1-2 16,0 0 0,0-2 16,1-3 0,0 2 24,-2-2-40,1-2-8,-2 1 0,-1-2 16,3 0 8,-4-1 24,0 4-24,-4-1-16,2 3 0,-2-1 8,0 3-8,0 1 16,0 2-32,-1 1 0,0 1-8,1 5 0,0-1 0,2 5 0,-3-2 0,3 0-16,0 1 0,1-2 24,1-1-16,0-1 8,0-2 0,1 1 0,1-2 16,-1-1 16,0-2-24,0 0 0,4-2 8,-2-3 16,-1 1-8,-1-1 16,0-4-16,1 2-8,0-2 8,-2 1-8,0-2 0,-2 4 0,0-1 16,0 0 24,-2 0-32,2 4-24,-3 0 8,3 2 0,-3 2 24,0 3 8,2 4-48,0 0 0,0 2 8,-2 1 8,3 0 8,1 0 16,-2-3-24,2-1 0,1-1-8,0-2 0,0 0 0,1-2 0,2-2 32,-2-1 8,1-2-8,3-5-16,-2-2-16,0-2 8,0 2 8,1-2 16,-3 0-8,1 0 16,-2 1 0,0 0 8,0 4-16,-2-2-16,1 3 24,-1 1 0,-2 3-32,2 1-8,-2 1-16,-2 2 0,3 4-48,-2 2-16,0 4 40,-1 1 24,3 0 24,-2 1 8,5-1-24,-3-1 16,3 0-8,0-3 0,0-3 16,3 0 0,-3-2-24,2-2 16,1 3 8,-2-5 16,0-5-24,3 4 0,-1-4 24,1-1-8,-2-2-8,3 1 8,1-5-8,-2 4 0,0-3 0,3 1 0,-2-2-24,-2 4 16,3-1 8,-1 2 0,-2-2 0,1 5 0,-3-1-24,2 3 16,-1-4 24,-1 5-8,1-2-8,-1 3 8,1 0-32,2 3 16,-2-1 8,2 3 16,-2 1 8,2-1-48,-2 1 0,2 0-64,-3 1-8,0-2 16,0 3 32,1-3 24,-2 1 32,3-1 16,-3-3 8,0 0-56,0 3 0,0-5-32,0-2 16,0-2 24,0-1 8,0-2 8,-3 1 16,1-2 8,1 1 8,0-1-40,-3 2 8,1-2 0,-3 1 0,1 1 0,0 1 0,2 0 16,0 1 24,0 2-32,0-1-24,-1-1 8,2 1 0,1 2-16,0 0 0,1 0 16,0-2 0,1 1-16,0 1 16,3-1 8,-1 0 16,2 1-8,-1 0-8,2 0-16,0 0 8,0-2 8,-3 2 0,2 1 0,1 0 16,-3 1 8,2 2 24,0-2-8,-3 0 0,2 1-48,-2 2 8,-1-1 16,3 0 8,-4-1-8,0 0-16,0 2 8,0-2 8,0 1-8,0-2 16,0 0-16,-5 0-24,4 2 8,-4-1 24,3 1-8,-8-2-8,7 2 8,-8-2-32,4 0 16,0-1 24,0 1-8,0-1-8,2 0 8,-1 0-32,1 0 16,0 0-8,4 0 0,0-1 0,2 1 0,0-1 16,5 0 0,-1-2 0,2 2 0,-1-4 16,2 2-8,0-3 16,0 0 16,-2 3 16,1-1-48,-1-1 0,0 1-8,-3-1 16,2 3 8,0-2 8,-3 2-16,2 1 8,-2 0-32,0 1 0,0-3 8,0 3 16,-1 0-24,1 0-16,0 0 16,-2 0 16,0 0 0,0 0 16,0 0-16,0 0 0,-2 0-8,0 0 0,-1 3 16,-1-1-8,-1-1-8,2 3 8,-2-3-8,3 1 0,-4 1 0,1-2 0,0-1 0,4 1 0,-1-1-40,2 0 24,-3 0 8,6 0 8,-3 0-24,2 0 16,2-1 8,-2 1 0,4-1 16,-1-2-8,-2 1-8,4 1 8,-2-3-8,2 3 0,-2-1-24,-2 2 16,1-3 8,0 3 0,-2-2 32,-1 2-16,0-1 8,1 2-8,-2-1 8,0 0-16,-2 0-8,1 0 8,-4 0-48,2 0 24,-2 0-8,3 0 8,-3 0-24,1 2 24,-3-2-8,4 0 8,-4 3 0,2-1 0,-2-1-24,2 3 24,-2-3-64,5 1 48,-4 1-24,1-1 32,3-1-40,1 2 40,-2-1-8,3-1 16,3-1 16,-1 2 0,4-4 0,-1 2 0,-2-3 0,4 1 0,-1 0 16,2 1-8,-2-4 16,1 4-16,-2-4-8,1 4 8,-3-1 24,0 2-16,-2-3 8,1 3-8,-2-3 24,3 3-24,-3-4 64,0 4-48,-3-2 24,3 2-32,-2-1-48,1 1 8,-4-1 8,4 2 8,-5-1-24,4 1 16,-4 0 8,2 0 0,1 2 32,0-1-16,0 0-24,-1 2 0,1-3-8,0 1 0,2-2 0,1 3 0,-1-3 0,2 0 0,0 1 16,2-1 0,-1 1 0,3-1 32,-2 0-16,2-1 32,0 1-32,1-1-8,0-2 0,-1 1 8,-1 2-8,-2-1-8,4 1 8,-2-1 8,-2 1-8,0-3 32,0 6-24,-2-3 64,2 0-48,-4 0 40,2 0-40,-4 0 0,3 0-16,-4 0-32,2 0 8,-2 0-8,3 0 0,-5 0 16,2 1 0,-2 0 0,2 0 0,-1 0 0,0 3 0,0-3-24,4 0 16,-4 2-8,4-1 0,-2-2 0,4 1 0,-1-1 0,1 0 0,-1 0 0,2 0 0,-1-1 16,1 0 0,2-4 0,-1 3 0,-1-3 16,4 3-8,-3-3-8,2 3 8,-3-3-8,0 4 0,0-3 0,3 3 0,-3-1 0,0 2 0,-1-1 0,0-2 0,0 6 0,0-3-24,0 0 16,0 0-8,0 1 0,-1-1-24,1 2 24,-1 2-24,-3-2 16,2 0 16,2 2 8,-4-1-24,4 1 16,-2-2 24,2 2-8,-1-2-24,2 2 8,-1-2-32,0 2 24,0-1 24,0-1 0,0 2-8,0-2 8,0 1-32,0 1 16,0-1 8,1 0 0,0 0 16,2 2-8,-3-2 16,1-1-16,-1 0-40,1 2 16,0-2-8,3-1 8,-3 1 32,0-1-8,0-2 32,2 1-24,-2-3-8,0 1 0,-1-3 24,0 2-16,0-5 64,0 4-48,-1-3 24,1 2-32,-4-1-16,3 3 0,-1-2 24,-2 3-16,1-2-24,-1 3 0,-1 1-32,2 1 24,-3 3 8,0 1 8,0 4 0,4 0 0,-4 5-24,5-1 16,-2 0 8,3-1 0,0-2 0,1 3 0,1-4 0,-1-2 0,1-3 0,2 0 0,-2-4 0,3-1 0,0-4 0,-2-2 0,1-4 16,-2 5-8,3-5-8,-3 0 8,-1-2-8,3 4 0,-3-2 16,0 2-8,-1-2-8,4 7 8,-4-4 8,0 3-8,-4 0-8,4 3 8,-1-2-8,1 3 0,-1 0-24,0 1 16,-2-1 8,3 2 0,-1-1 16,0 2-8,-3 3-24,2 1 8,-1-1-8,0 3 0,1-2 16,2 2 0,-1-1 0,1 0 0,0-4-24,1 4 16,-1-4-8,1 0 0,0-1 0,2-1 0,-2-2 32,1 1-8,0-2 16,2 1-16,-3-2-24,0-2 8,2-2 24,-2 3-8,0-4 16,0 2-16,-1-1-24,0 4 8,0-3 8,0 1 16,0 2 8,-1-2-8,1 1-16,-1 2 8,0 1-8,-2 0 0,1 1 0,-2 1-24,1 0 0,1 1-8,-3 2 0,0 1 0,2-2 24,-2 3-16,1 0 8,1-1 16,0 2 16,0-3-24,1 1-16,2 0-8,0-2 24,2 2-16,-1-3 8,2-1 16,0 1 16,1-4 8,0-1 24,1-2-40,1 0-8,-1-1-16,-3 0 0,1-3 32,1 2 8,-2 2-8,1 0-16,-2-1 8,0 1 8,0 2-24,3-2 0,-3 3 8,0-2 0,-1 2 16,0 1 24,0-2-32,0 2-8,0 0-16,0 0-16,0 1 24,0 0 0,0 0-48,0 2 0,0 2-16,0-1 24,1 2 16,2-2-8,-2 3 8,0 0 24,0-1 16,3-2 16,-4 1-8,0-1-16,0 0 8,0-1 8,0 0-48,0 2 8,0-2 24,0 2 32,0-4-24,0 2-8,0-1 16,0-1-24,0 0 16,0 0 0,0 0 32,-4 0-24,3 0-8,0 0 0,-4-1-8,4 1 0,-5-1 0,5 1 0,-4-1 0,4 1 0,-5-1 0,4 1 0,-3-3 16,3 3-8,-4-4 16,2 4-16,0-3 16,0 3-16,0-2 16,1 2-16,-2-1-8,1 1 8,0 0-32,2 1 16,-4 0-32,5 1 24,0 0 8,1 2 8,0-1-24,1-1 16,0-1 8,5 2 0,-1-3 16,2 2-8,-1-4-24,2 2 8,0-3-8,0 1 0,-1-2 16,1 0 0,-2-1 16,4 1-8,-3-3-8,-1 5 8,-2-3-8,1 4 0,-3-1 48,1 2-24,-3-3 8,1 3-16,-1-1-48,0 2 16,-1-1-48,0 3 40,-3-2-8,1 0 16,-2 0 0,1 3 0,-3-3-40,5 1 32,-4 2-8,0-1 16,-1-3 16,1 4 0,-1-4 0,1 0 0,0 0 0,2 0 0,-3 0-24,4 0 16,-1 0-8,2 0 0,-2-1 0,3 1 0,0-3 16,1 0-24,1 1 16,0-1 8,5 2 0,-2-4-24,1 4 16,0-1 8,2 2 0,-4-3 0,4 6 0,-1-3 0,1 0 0,-2 0 0,2 0 0,-1 0 16,0 0-8,0 0-8,-2 0 8,0 0 8,-1 0-8,-1 0-8,0 0 8,0 0 8,-2 0-8,0 0 16,3 0-16,-3 0 0,-3 0-8,3 1 0,-3-1 0,3 1 0,-3-1 16,1 1-8,-3-1-8,3 3 8,-3-2-48,4 0 24,-1 0-64,-2 2 48,2-1 8,1 1 24,-2-3 16,3 0-8,-1 0-24,1 0 8,-1 0-8,1 3 0,-1-2 16,1 1 0,-4 3 16,3 0-8,-1-1-8,2 3 8,-4-2-48,4 3 24,-2-3 8,2 3 8,-5-3 16,4 2-8,-1-1-8,2 2 8,-3-5-32,3 3 16,-1-3-8,2 1 0,-1-4 32,3 0-8,-2-3 16,1-1-16,0-2 16,2-1-16,-3-1-8,3 0 8,-3-2-8,0 2 0,0-2 16,-1 1-8,0 3-8,0-1 24,-1 2 0,0 1-32,-3 4 8,2 0 0,-2 5 0,1 1-40,-2 1 8,2 2 16,-2 2 24,3-2-16,-2 4 0,3 0-8,-1 0 0,2-1 0,2-4 0,-1 1 16,0-4 16,3 1-24,-2-4-16,3 2 16,-3-4 16,2-1-16,-2-4 0,3-1 8,-3-1 16,2 0-24,-2-4 0,3 1 24,-3-1 8,-1 2 8,2 1 0,-2-2-16,0 4 8,-1-2-32,0 2 0,0-2 24,-1 2 24,0 2-32,-2 1-8,1 2-16,-3 1 0,3 4 0,-3 3-16,0-1-16,0 3-8,-1 3 32,-1 0 8,0 1 16,0 0 16,3 0-8,1-1-8</inkml:trace>
+  <inkml:trace contextRef="#ctx0" brushRef="#br0" timeOffset="2">384-688 680,'2'6'-24,"1"-1"16,1-4 0,2-1 24,-1-2 24,0-4 0,1 2 16,-1-2-16,1-3 0,-2 0-8,1 0 16,1 1-40,-4 0-8,2 0 16,-1 1 8,-3 2 24,4-1 8,-4 3-8,0-3 8,-4 3-48,4 2-8,-3 1 0,-1 1 0,2 4-24,-4-1 16,1 3 8,1 0 0,-1 2-40,-1 0-8,0 2-32,1-1-8,1 0 8,1-1 32,-1 0 24,1 0 16,2-3-16,1 1 16,1-4-8,1 2-16,2-1 24,-1-2 0,0 0 8,-1 0 16,3-2 40,-3 0 48,3-2-24,0 1 16,0 0-40,-1-1 8,0-2-24,-2 1 0,3 0-8,-3 1 0,2 0-16,-3 0-16,1-2 8,-2 3-8,4-1 16,-3 1 8,-1 0 56,0 0 32,0 0-40,0 1-24,-5 0-64,3 0-48,-2 0-16,2 1-16,-4 0 16,1 1-8,0 1 16,-4 3 24,1-3 24,2 1 0,0 1 8,1-1 16,0 0 0,2-1-24,2-1 16,1 2-8,1-2-16,2 2 24,0-2 0,3 0-16,-2-2 16,0 0 8,3 0 16,-2-2 24,2 0 16,-1-1-8,-1 1-8,-1 0-8,1-3 0,0-1 0,1 1 0,-3-2-16,2 2 8,0-2 0,-3 2 8,2 0 0,-3 0 16,0 3-8,-1 0 0,0-1-24,-1 1 8,0 2-32,-3 0 0,2 0-48,-3 2-24,0 1-8,2-1 8,-3 2 32,0-1 8,-1 4 0,2-2 8,1 2 0,-1-4 24,1 2-16,3 1-8,1-2 24,1-1 16,2-1 16,-2 1 8,2-3-56,1 0-16,-2-3 48,3 2 32,1-1 16,-3-2 8,3 1-16,-1-4 8,0 1-32,-1-3 0,1-1 24,-1 2 8,-2-1-8,0 0-8,2 1-8,-3 1 0,-1 0-16,-1 0 8,-3 2 0,2 2 24,0-1-24,-2 2-16,2 2-40,-3 2 0,3 2 16,-2 1 8,2 1-16,-4 2 16,5 1 8,-3 0 16,4 3-8,-1-3-40,1 2 16,0-2-8,1-3 8,0-2 0,2 2 0,-2-5 32,1 0-8,2-3-8,-2 0 8,-1-6-8,3 4 0,-3-7 16,4 2-8,-4-4 16,2 3-16,-1-3 32,-1 5-24,-1-3 8,1 2-8,-1-1-32,0 3 8,0 1 8,0 0 0,-1 2 0,1 1 0,-1 2 0,-1 1 0,-1 3 0,2 2 0,-5 4-24,5 1 16,-3 4-8,4 0 0,-1 0 16,1-1 0,-1-3 0,2 0 0,-1-2-24,1-2 16,0 0 8,2-4 0,-2-2 16,2 1-8,0-4-8,-1 0 8,0-5-8,1 1 0,-2-5 32,1 3-16,2-4 48,-3 3-40,-1-1-8,1 3-8,-1-3-8,0 5 0,-1 2 16,1-2-8,-1 2-8,-3 2 8,2 2-48,1 0 24,-4 3-24,4 3 16,-5 1 0,4 3 8,-3 3 16,4 0 0,-3 1-24,2-1 16,1-2 8,1 1 0,-3-3-24,6-3 16,-3 0 8,1-1 0,1-4 16,2-1-8,-3-4-8,1-1 8,1-2-32,-1-3 16,0-3 8,2 3 0,-3-4 32,3 3-16,-3-3 48,0 3-40,1 0-8,-2 4-8,0-3-8,0 4 0,0 1 0,0 1 0,0-2 16,0 4-8,0-1 16,0 3-16,0-1-8,0 2 8,0 2-32,0 3 16,-2 0-48,1 1 32,-2 1-24,3 0 24,-3-1 0,3 1 8,-4-2 0,4 0 0,-2-4 0,4 3 0,-2-4 0,0 0 0,0-2 0,0 0 0,0-4 16,0 1 0,0-2 0,3 0 0,-2 0 0,2 0 0,-1-1 0,-1 1 0,0-1 0,1 3 0,2-1 0,-2 0 0,2 2 0,-2 1 0,3-1 16,-3 1-8,1-1-24,0 3 8,-1-2-8,2 2 0,-3-1 16,2 2 0,-1-1-24,1 0 16,-2 0 24,1 2-8,1-2 16,-2 5-16,-1-3-8,1 2 8,-1-2 24,0 4-16,-1-4-8,1 2 0,-4-1-64,2 1 32,-1-2-8,2 2 16,-4-4 32,4 2-8,-3-2-8,2 1 8,-1-1-32,2 0 16,-2-1-8,3 1 0,-4-2 16,4-1 0,-2 0 0,2-1 0,-1-1 0,2 2 0,-1-4 0,2 4 0,-2-2 0,3 0 0,-2 2-24,2 0 16,0 0-8,0 1 0,1-3 16,0 4 0,1-2 32,1 3-16,-3-1-24,2 1 0,-1-1 8,2 2 0,-2-1 0,2 0 0,-4 0 0,2 1 0,-3 0 16,0 2-8,-1-2-8,4 3 8,-8-1 8,4 1-8,-1-2 16,0 3-16,-3-2-8,2-1 8,-4 1-32,4-1 16,-6 3 40,4-3-16,-2-1 8,1 1-8,-1-2-32,1 1 8,-2-1-8,4 0 0,-2 0 0,0 0 0,1-1 16,2 1 0,0-2 0,-2 2 0,2-1-24,2 1 16,-1-1 8,1 0 0,-1 0-24,2 1 16,-1-4 8,3 4 0,1-2 0,-2 1 0,2-3-24,0 3 16,1-4 24,1 5-8,1-4-8,-1 2 8,2 0-8,-2 1 0,-3-4 0,3 5 0,-5-2 0,3 2 0,-3-1 32,0 2-16,-1-1-8,1 0 0,-2 0 8,0 1-8,-2 0-24,1 2 8,-2-1-48,0-1 32,-2 0-24,1 0 24,-1 1-16,1 0 16,-2 0 0,3-2 8,-3 0 32,4 3-8,-2-3-24,3 0 8,-4 0 8,5 0 0,0 0-24,1 0 16,-2 0-8,4 0 0,-2-3 0,0 3 0,0-2 16,1 0 0,0-2 0,1 3 0,2-5 0,-2 5 0,2-3-24,-2 3 16,3-1 8,-3 2 0,1-4 0,2 4 0,-1 0-24,0 0 16,-1 0 24,0 0-8,2 0 16,-3 0-16,-1 0-8,2 0 8,-2 0 8,0 0-8,-1 0 0,0 0 8,0 0-8,0 0 0,-1 0-32,1 4 16,-1-3 8,-2 0 0,1 0 16,1 2-8,-5-2-8,4 1 8,-2 1-8,2 0 0,-3-2-24,3 0 16,-1 1 8,2-1 0,-1-1-24,2 1 16,-1-1-8,2 0 0,-1 0 0,2 0 0,-1 0 32,1 0-8,1 0-8,1 0 8,0-1-32,1 1 16,1-1 8,0 1 0,0-2 16,0 1-8,-1-1 16,2 2-16,-2-2-24,2 2 8,-2-3 8,0 6 0,-2-3 0,2 2 0,-2-1 0,1 0 0,-4 0 32,2 2-16,-1-2-8,2 1 0,-3 1 8,1 0-8,-2-2 16,-2 0-16,0 2-8,3-1 8,-6 2-32,4-3 16,-4 0 8,2 0 0,-2 0 16,3 1-8,-4-2-8,2 1 8,-2-2-32,2 1 16,-2-2 8,4 2 0,-3-1-24,1 0 16,1-1 8,2-2 0,-1 2 0,2 2 0,-3-3-40,4 3 24,-2-2-8,2 1 8,0-4 16,2 3 0,-1-2 0,3 3 0,-1-3 16,0 1-8,2 0-8,0 1 8,0 0 8,0 2-8,3-2-24,-2 2 8,-2-4 8,2 4 0,0-2 16,0 2-8,-1-1-24,1 2 8,-2-2 8,0 1 0,-1-1 0,2 2 0,-1-1 16,1 0-8,-2 0-24,2 1 8,-3 1 24,2-2-8,-2 4 16,-1-2-16,1 0-8,-1 1 8,-1 2-8,2-1 0,-2 0 0,0-1 0,0 3 16,0-2-8,0-1-8,0 3 8,-2-4-8,2 1 0,-1-2 0,-1 2 0,-1-1 16,1 0-8,-1-2-8,2 2 8,-3-2-8,3 1 0,-4-1 0,3 0 0,-3-1 16,4 1-8,-4-2-24,3 2 8,0-4 8,2 3 0,-4-3 0,4 2 0,-2-1-24,2-2 16,-2 2 8,4 1 0,-2-1 0,0-2 0,0 2 0,1 0 0,-1 0 16,0-2-8,0 2-8,1 1 8,-1-1-32,2 2 16,-2-3-8,2 4 0,-2-3 16,2 3 0,-2-1 16,2 2-8,-1-1-8,2 0 8,-2 0 8,0 3-8,1 3 0,-2-1-32,0 2 16,-2-1-8,2 2 0,-1-2-40,0 3 32,-3-2-80,4 1 64,-2 1-56,2-2 56,-4 0 0,4 0 24,-2-1-24,2-1 24,-1 0-24,1 1 16,-1-4 0,2 3 8,-1-4 0,0 2 0,0-4 16,0-3 0,0 0 0,0-3 0,1 4 0,-1-6 48,2 4-24,0-5 24,0 5-24,-2-1-16,0 0 0,0-2 24,0 2-16,0 0 8,0 1-8,0-1-16,0 2 8,0-1 8,0 3-8,0-2-8,0 3 8,0-4-8,0 3 16,0 2-8,0 0-40,2 1 16,-2 0 8,1 5 8,-1-2 16,3 0-8,-3 3-24,0-1 8,0 2-32,0-1 24,0 3 8,1-2 8,-1 0-40,0 0 24,0 1-24,0 1 16,0-2-16,0 0 16,0-3-16,0 1 16,0-3 16,1 2 8,-1-5 48,0 4-24,0-5 24,0-2-24,0-1 24,0 1-32,0-4 48,2 3-40,-2-5 8,2 4-16,-2-4 8,1 2-16,-1-2-8,2 3 8,-2-3-8,0 3 0,0-4-24,0 5 16,0-1 8,0-1 0,0 0 0,0 2 0,0 1 0,0 1 16,0-2 8,0 4-8,0 0-16,0 0 8,0-1-8,0 1 0,0 2-24,0 2 16,0-1 8,2 4 16,-2-1-8,0 3 16,0-2-16,0 2-8,0-2-48,0 3-8,0 1 8,0-4 8,0 1 0,0 1 8,0-2 0,0-1 24,0 1 0,0-1 8,-2 0 0,2-3 16,0 1-24,0-3 0,0 0 24,0 0 8,-2 0-32,1-2 8,1 0 0,0-2 16,0 0-8,0-1-8,0-2 8,0 2-8,0-2 16,0 0 8,0 1 8,0-1 16,0 1-8,-2 1 0,0 0-24,2 1 8,0 1-16,0-2-8,0 3 40,-1 1 8,1-1-40,0 2 0,0 3-8,-1 3 0,1-3 16,0 2-8,0 2 16,0-1-32,0 2-16,0-1 16,0-1 16,0 3-16,0-1 0,0 0 8,0 0 0,0-2 0,0 1 0,0-3 0,0 1 0,0 0 0,0-3 0,0 0 0,0 1 0,0-1 16,0-2 8,0 0-8,0 4 8,0-4-32,0 0 0,-3 1-8,2 0 0,1-1 32,-2 1 8,0-1-32,-2 0 8,2 0 0,-2 0 16,1 1-8,-1-1-8,2 2 8,-2-1 8,2 0-8,-3 2 16,3-1-32,-2-1 0,3 0 8,-4 0 16,3 0-24,-1 0 0,0-1 24,0 0 24,-1 2-16,2-2 0,-2 1-8,2 1-16,-3 0 8,1 0-8,1-1 32,0 0 16,-3 0 0,3-1-8,-1 1-24,-2-1-16,4 2 8,-3-2-8,0 0 0,3 0 16,-2 0-24,0 0 0,-1 0 8,0 0 16,3-2-24,-3 2 0,3 0 8,-2-1 16,2 0-24,-2 0 0,1 1-8,-1 0 0,3 0 16,0 0 0,0 0 0,1 0 16,-2 0-24,0 0-16,2 0 16,-1 0 0,-1 0 8,2 0-24,0 0 16,0 0-8,-1 0-16,1 0-48,0 0-16,0 0 56,0 0 16,1 0 0,1 0 16,-1 1 8,1-1 16,1 1-24,-1-1-16,2 0 16,-1 0 16,1 0 0,1-1 16,-2 0-32,2 0-16,0-1 16,-1-2 16,1 3 0,0-1-8,-2 1 8,2 0-8,-2 0 16,0 0 24,0 0 0,1-1 0,-3-1-24,1 2 8,-1 0-16,1-1 16,-1 2 0,-1 0 8,0 0-16,0 0-8,0 0 8,0 0 8,0 0-8,-1 0-8,-2 0-8,0 0-24,-1 0 0,1 0 32,0 0 8,1 0 0,1 0-16,0 2-16,-3-2-8,4 0 16,-2 0 0,0 1-16,0-1 16,-1 1-8,-1 2-16,2-1 0,0-1 24,-2 0 0,3 0 8,-4 0 0,3 0 0,1 1-40,-2-1 8,2 1 0,0 0-8,0 1 32,-2-1 16,0 1 0,-1 0-8,2-1 8,-1 2-8,0-3 0,1 0 0,1 3-24,1-4 16,-3 0 24,3 0 8,0 0-32,-1 0 8,0 0-24,0 0 16,-4 0 8,3 0 0,-1 0-24,6 0 16,-3 0-8,0 0 0,2 0 16,3-3 0,-2 2 0,3-1 0,-1 1 0,-2-4 0,4 4 0,-1-4-24,0 4 16,1-3 8,0 2 0,0-1 16,-1 3-8,-1-3-8,0 3 8,-3-1-8,3 1 0,-4-1 0,2 2 0,-2-1 0,1 0 0,-2 0 16,1 0-8,-1 0 16,0 0-16,0 0 32,0 0-24,0 0 32,0 0-32,0 0-8,0 0 0,0 0 8,0 0-8,0 0-40,0 0 16,0 0-24,0 0 16,0 0 0,0 0 8,0 0 32,0 0-8,0 1-8,2 0-16,-1-1 8,2 0 8,-2 0 0,2 0 0,0 0 0,0-1 32,2 0 16,-3 0-40,2-1 0,-2-3-24,2 3-16,-4-1 0,3 1 24,-2-3 16,1 3 16,0-1-8,-1 0 8,0-1-16,-1-3-8,0 3 8,0-4-8,0 0 0,0 1 16,-1 1-8,0 1 16,-1-1-32,0 2-16,-2 0 16,4 0 16,-4 1 0,2 0-8,-1 2 8,0-1-8,-2 2 0,1 0 16,1 2-8,-3-2-24,3 2 8,-3 1 8,1 3 0,-1-1-40,3 3 24,-2 1-80,2-1 56,-2 0-40,4 2 48,-3-3 16,4 3 16,-2-4 0,4 2 0,-2-1-24,3-2 16,-2-1 8,0 1 0,1-3 16,0 0-8,-1-2 16,2 1-16,1-2 32,-2 0-24,2-4 48,0 2-40,1-3 24,1-1-24,0-4 24,0 5-32,-2-4 48,2 3-40,-4-4 64,3 6-56,-4-3 64,2 3-64,-3 0 24,3 2-32,-6 0 0,3 0-8,-4 0 8,2 3-16,-4-1-24,1 2 8,-2 1 8,1 2 0,-3 2-24,2-1 16,-1 3-32,1 0 24,0-1-24,1 2 16,0-1 16,1-1 8,2-2-40,0 3 24,2-1-24,1-2 16,0-3 0,1 3 8,2-1 16,-2-2 0,1-1 16,2 0-8,-3-1-8,1 2 8,2-4 8,2 1-8,-4-1-8,3-1 8,-2-5 8,5 4-8,-4-7-8,3 2 8,-2-2-8,-1 3 0,0-4 32,1 3-16,-4-1 64,1 5-48,-4 0 24,1 1-32,-4 1-32,1 3 0,-2 3-8,2 1 0,-3 4 32,2 0-8,-1 3-8,3-3 8,-2 3-8,3-1 0,-4-3-40,5 3 24,-2-2-8,3-2 8,-1 1 16,2-4 0,-1-2 0,3 3 0,-2-4 0,2 0 0,1-4 0,-1 2 0,0-4 16,0 0-8,2-3 16,0 3-16,-1-5 16,1 4-16,0-4-8,-1 1 8,0 0 24,-1 4-16,-1-3 64,1 4-48,-2 1 40,1 1-40,-2 2 16,-2-1-40,-1 5-24,0 4 0,0-1 16,2 3 0,-2 0 0,2-1-56,1 1 0,0-1 24,0-1 16,0 0 16,1-1 0,2-2-24,-2 1 0,1-2-8,-1-2 24,2 0 16,0-1 16,2-2-32,-3-1-8,2-4 24,-2 3 8,2-5-24,-1 2 8,0-2 16,-1 0 8,-1 0-32,-1 2 8,0 0 0,0 2 0,0 0 0,0 1 16,0 1-8,-1 2-8,1 1 8,0 2-8,-2 4-24,2-1 0,0 4 16,0 1 16,0 0-16,0 2 0,0-2 8,2-3 0,-1 1-24,0-1 0,0-3-8,2-2 24,0-1 0,1-1 8,-2-1 0,3-1 0,-3-2 0,2-3 16,-3-1-24,0 2 0,0 0 24,2-3 24,-3 1-32,0 2-8,0-2 0,0 3 0,0 0 0,-3 1 0,3 1 0,0 0 16,-1 3-8,0-3-8,1 3 8,-1 3-8,-2 2-24,3 1 0,0 2-8,0 0 24,0-2-16,0 2-8,0-2 0,3 1 24,-3-4-16,1 1 8,-1-2 0,1 3 0,0-4 16,2-1 0,-2-1 0,1-4 0,0 3 0,0-3 0,-1 0 0,0-3 16,1 0-8,-2 2 16,0-1 0,0 1 24,-2 0-8,1 2 0,-2 0-8,-1-1 0,0 2-16,2 1 8,-2 0-32,2 1 0,-3 1 8,3 1 0,-2 2-24,2 0 16,-3 1 24,3 2 8,1 2-48,-1 0 0,0 2 8,1-1 24,-2-1-16,3 0-16,0-2 16,0 1 0,-3-2 24,3 1 8,0-4-32,0 0 8,0-2-16,0 2 0,-1-1 32,1-1-8,-2 2-8,-2 0-16,2 0 8,-3-1-8,2 0-16,0 0 24,2 0 0,-1 1-16,1 0 16,1-2-8,0 0 0,0 0 0,0 0 0,1 1 16,1 0-24,-1 0 16,2-1 8,0 0 0,3-1 0,-1 1 0,-2-1 16,4 0-8,-1-3-8,2 3 8,-2-2-32,1-1 16,-2-2 24,2 4-8,-2-5-8,0 3 8,-1-4 8,1 5-8,-2-2-8,0 1 8,-1-3-8,2 4 0,-4-4 32,1 5-16,-2-3-8,1 2 0,-4-4-8,2 5 0,-1-3 0,1 3 0,-3-3 16,2 2-8,-1-1-8,1 2 8,-2-2-32,2 3 16,-2-2 24,4 3-8,-4-1-8,0 1 8,2 0-8,-1 1 0,-2 1-24,5 0 16,-3 1-32,2 0 24,-2 1-48,1 1 40,0 0 8,0 1 16,1 2 0,2-2 0,-1 1-24,1 2 16,-3-1 8,6-1 0,-3 1 0,1-2 0,-1 0-24,1-2 16,0-1 8,2 3 0,-2-5 0,0 1 0,0-2 0,2 0 0,0-2 16,0-1-8,0-4 16,2 3-16,-2-6 16,2 2-16,-3 0 16,3 0-16,-4-2 32,3 3-24,-3 1 32,0 1-32,-1 1-8,1 0 0,-1 1-8,0 3 0,0-2-24,0 2 16,-1 2-8,1 0 0,-1 4 16,1 2 0,0-2 0,0 1 0,0 0 16,1 0-8,0-1-8,2-2-16,-2 2 8,1-4-8,0 0-16,0 0 40,-1-2 24,0 0-8,-1-2-16,2 1 0,0-1 8,-2-3-24,0 3 0,0-1 8,0 0 16,0-1-8,0-1 16,0 2-16,-2 1-8,0-2 8,1 2-8,0 1-24,1 1 16,-2 3-8,-2 1 0,4-1 16,-1 2-24,2 1 16,-1-1-32,2 2 24,-2-4-8,2 1 8,0 0 16,-1-1 0,-1-3 16,0 1-8,1-1 0,-1-1-8,2 1 0,0-3-24,0 0 16,-2 1 8,2 0 0,-1-1 32,2 2-16,-2-5-8,0 3 0,1-1-8,0 1 0,-2-4 0,0 4 0,-2-4 16,2 3-8,-2-2-24,2 1 8,-1-3 8,0 5 0,-3-3 16,2 1-8,0 0 16,0 2-16,-2-1-8,0 2 8,-2 0 8,4 0-8,-4-1-8,0 3 8,0-1-32,0 2 16,1-1 8,2 3 0,-4-1 0,5 2 0,-4 0 0,1 1 0,1 1 0,2 2 0,-1-1-24,3 0 16,-1 0-8,1 1 0,0-1 16,1 0 0,1-1 0,-1 0 0,1-2 0,-1-1 0,1-2 0,1 2 0,0-4 0,-1 1 0,2-4 0,-2-2 0,2-1 0,-1 0 0,0-5 16,0 4-8,-2-4 32,3 5-24,-2-1 64,-1 2-48,-1-1 24,1 3-32,-1 0-16,0 2 0,0-2-32,0 2 16,-1 2-16,1 2 16,-1 2 8,1 0 0,-2 3-24,-1 3 16,1 1 8,2 2 0,-1-3 0,2 0 0,-1 0-24,1-4 16,0 1-8,2-4-16,-1 0 24,0-2 0,2-1 24,-3 0-8,0-1 16,3-2-16,-3 1 16,0-3-56,0 2 8,2 0 8,-2 1 8,0 1 24,0-2 8,2 1-32,-2 0 8,1 1 0,0-1 0,0 1-24,-1 0 16,0 0 8,-1 0 16,0 1-8,0 0 0,0 0-32,0 0 0,2 0-8,-2 0 24,2 0-40,0-3 0,-2 3 24,0-2 8,0 2-8,2 0 16,-2 0 24,0 0 8,0 0-48,0 0 0,0 0 40,0 0 0,0 0-8,0 0 8,0 0 8,0 0-32,0 0-8,0 0-16,0 0 24,0 0 0,-2 5 8,2-3-24,-2 0 16,2 1 8,0 1 16,0-1-24,0-1-16,2 0 32,-2 1 8,0-1-24,2 3-8,-1-3 8,2 1 16,-2-1 0,-1 3-8,1-3-16,1-1 8,0 1-8,-1 0 0,1-1 16,0 1 16,-2-2-24,0 0 0,2 0 8,-1-2 16,0 1-8,-1-1-8,2 1 8,0-1 8,-1 0-8,0-3-8,1 3-16,0-1 8,-2 1 8,0-3 0,0 3 0,0-2 16,0 2-8,-2-2-8,0 2 24,1-1 0,0 0-32,-1 1 8,0-2-16,1 1 0,0 1 16,1-1 16,-2 1-8,0-1-8,0-1-16,1 1 8,-1 1 8,2-2 0,-2 3 0,1-1 0,0 2 0,-2-2 16,2 1-24,1-1-16,0 1 16,-2-1 16,2 2 0,0-4-8,-2 2-16,0 1 8,0-2 8,1 2 16,1 0-8,0-1-8,-1 1 8,1-1 8,-2 1-8,2 0-8,-2-1-16,0 2-8,1-3 32,-2 3 8,2-1 0,0-1 8,0 2-32,-2 0 0,2 0 8,1 0-24,-2 2 16,-3 2 24,3-1 8,-1 3-32,2-1-8,-2 2 24,0 1 8,2-1 0,0 2-16,0-1-16,-1 1 8,0-1-8,2 0 0,0-2 0,0 1 0,0-2 16,2 1 0,0-4-24,-1-1 16,0-1 24,3-1 8,-1-1-8,-2-4 8,3 4-16,-3-4 16,0 0-16,3-1 16,-3-1-16,0-3-8,0 5 8,2-4-8,-2 2 0,-1 2 16,1 1-8,-1-2-8,0 3 24,0 1 16,0 2-16,0 1-16,0 3 0,0 1-8,0 1-24,0 3 16,0-2 8,0 2 0,0-3-24,1 1 0,2-2 16,-2-1 0,-1 1-16,2-3 16,-2 0 8,0 0 16,0 1-24,0-2 0,0 1 8,2 1 0,0 0 0,-1-2 16,0 3-8,1-2 16,0 0-32,-2 0 0,2 0 8,-2 1 0,0-1 0,0 1 16,0-2-24,0 4 0,2-2 8,-2 0 16,1 1-8,-1-2-8,0 2 8,3-1-8,-3-2-24,0 0 16,0 1-8,0-1 0,0 1 16,0-1 16,0 0-24,1 0 0,0 0 24,-1-1-24,0 0 0,0-4 8,0 1 0,0 0 0,0-3 0,0 1 0,0-2 16,-1-1-8,0 1-8,-2 1 8,0-1-8,1 0 16,-2 2 8,2-1-8,-2 2-16,1 0 8,0 1-8,2 1 0,0 0 0,0 0 0,1 2 0,0-1-24,-3 2 0,2-2 32,1 0 8,-1 1 0,0 1 8,-3-2-32,4 2-16,0 0-8,0 0 0,0 0 24,0 0-56,0 0 40,0 0-24,0 0 24,0 0 0,0 3 8,0-1 16,0 0 0,0 0 0,0 2 0,0-2 0,0 2 0,-1-2 16,1 0-8,-1 1 16,0 1-16,-3 0-24,4 2 8,-3-3-8,3 2 0,-4 1 16,4-1 0,-2 0 16,2 0-8,-2-1-8,4 0 8,-4 0-8,2-2 0,-2-2 16,4 1-8,-2-1 16,0 0-56,0 0-8,0 0 16,0 0 8,0-1 32,0-1 8,0-2-32,2-1 8,-1 0-16,0-3 0,0 0 16,2 2 16,-1-2-8,-1 1-8,-1 0-16,1 0 8,-1 0 8,0 1 16,0 1-24,0 0 0,0 0-32,0 2 8,0 0-24,-1 2 16,0 0-32,-1 1-8,-1 0-16,3 0 0,0 0 56,-2 1 16,-1 1 24,0 1 0,0-1-24,-1 4 16,2-2 8,-2 0 0,2 1 16,-3-3 8,2 2-32,0-1 8,2 0 0,-2 0 16,-1 0-24,2 0 0,1-2 8,1-1-24,0 0 16,0 0-8,0 0 0,1 0 16,1-1 0,-1-1 0,2-1 0,0 1 0,0-3 0,0 2 16,0-3-8,2 2-8,-1 0 8,-2 0-8,2 1 0,-1-3 0,-2 5 16,1-1 8,0 1 40,-1 0 40,-1 0-56,0-1-24,0-1-16,0 3 8,0 0 24,0 0 0,0 0 16,0 0-48,0 0 8,0 0-24,0 0-16,0 0-8,0 3 24,1-1-16,0-2-8,2 1 40,0 0 8,1-1-24,-2 0-8,3 0 24,-4 0 8,0 0-24,0 0 8,2 0 0,-2 0 0,-1 1 0,0-1 16,1 0 40,-1 2 48,0-1-40,0 1-16,-1 3-24,0-2-24,-2 1-16,1 3-8,-3-1 32,3 0 24,-2 1-8,2 0 0,-3 0-24,3 1-8,-1-1 8,1 0 16,1-1-24,-2-2 0,3-1 8,0 3 0,0-4-24,0 1 16,0 0-8,0-1-16,0 2 24,0-3 16,0-1 16,0 0 8,0 0-16,0 0-32,0 0 8,3-1 8,-3-3 16,1 2-24,1-3 0,0 1 8,-1-3 0,0 1 0,0-2 16,-1 0-8,0 2-8,0-2-16,0 1 8,0 2 8,0-1 0,0 2 0,-1-2 0,0 2 16,0-1 8,-1 1-8,0 1 8,1-2-32,-2 2-16,0 0 32,2 1 8,-1-3-24,-2 3 8,3 1 0,0 0 0,-2 1-24,1 0 16,1 1 8,-1 0 0,1 1-24,-1 4 0,1-2 16,-1 3 16,1-1-56,1 3-24,0 3 40,0-2 8,0 3 0,0-1 16,1-2-8,1 0-16,-1-1 24,1-1 16,-1-3-16,1-1 0,-1-1 8,1-3 16,1 0-24,-2 0-16,1-2 32,1-1 24,-2 0-8,0-1 0,0-3-24,2 0-24,-3 0 32,3 1 8,-2-2 16,-1 0 0,0 2 0,0-2 0,-1 2-40,-2-1 8,3 1 0,0 0 16,-3 2-8,2-1-8,1 3 40,0 0 32,-1 1-80,1 0-8,0 1 8,0 0 16,0 2-16,0 2 0,0 3-8,0-1 0,0 2 0,1-1 0,0 1 32,2 1 8,-3 0-8,3-3 8,-2 2-32,1-2 0,0 1-32,-1-2 8,0 0 16,0-2 24,2-1-16,-1-1 0,-1-2 8,0-1 16,-1-1-24,0-2 0,0 0-8,0-2 0,0 2 32,0 0 8,0-2-32,0 4-8,3-3 24,-3 3 8,0 0-40,0 1 0,0-1 8,0 2 8,0-1 8,0 2 16,0 0-8,0 3-24,0 2-8,0-1-8,0 0 24,0 2 16,0-2 16,0 0-32,0 1 8,0-1 0,0 0 0,0 0 0,0-2 16,-3 1-8,3 0-8,-1-1 8,1-2 8,0 0-48,0 0 8,0-2-8,0-1 16,0-1-8,0-3 8,0 2 16,0-1 16,0-1-8,0 1-8,0 3 8,0-3-32,0 4 16,0-5 8,1 4 0,-1-2 0,3 2 0,-3 0 16,1 0-8,-1 0-24,0 0 8,0 0 8,0 3-24,0 0 16,0-2 8,1 2 0,0-2 0,3 1 0,-3-2 0,0 3 0,-1-1 16,0 1-8,0-2 16,1 1-16,-1 0-8,0 1 8,0-1-32,0 2 16,0-2-8,3 1 0,-3-1 16,0-3 16,1 4-8,0-2 0,-1-1 8,1 3-8,-1-2-8,0 2 8,0-1-8,0 2 0,0-1-24,0 0 16,0 0 40,0 0-16,0-1-8,0 1 0,0-2-8,0 4 0,-1-2 16,0 0-8,-3 0-8,2 1 8,-4 0 8,4 0-8,-3 1 64,0-1-40,2 1 24,-1-2-32,-3 0-16,5 0 0,-3 0-8,3 4 0,-4-3 0,3 0 0,-2-1 16,1 0-8,0 0 16,2 0-16,-2 0 32,3 0-24,-4 0 8,3 0-8,0 0-16,0 0 8,1-1 8,0 1 8,-3-1 8,4-3-56,-2 4 0,2 0 8,-1-2-8,1 1 8,-1-2-72,2 2 48,-1-2-144,0 3 104,0-3-88,1 1 96,1 0-16,2 2 56,-3-3 16,2 3 16,0-1-40,3 1 24,-2-1-64,0 2 48,2-1-24,0 0 32,-2 0 0,2 1 8,-1 0 16,-2 2 0,0-2 0,3 1 0,-3 1 0,-1-1 0,3-1 0,-3 0 0,1 0 0,-2 1 0,0-1 0,0 1 0,3-2-24,-3 4 16,0-3 24,0 0-8,-1-1 16,3 0-16,-3 0 16,0 1-16,0 0-8,0 1 8,0-1-8,0 2 0,0-2 16,0 1-8,0 0 16,0-2-16,0 0 32,0 2-24,0-2-8,0 4 0,0-2-8,0 2 0,0-4 0,1 2 0,-1-1 0,1 2 0,-1-2 0,1 1 0,2-1 0,-2 0 0,-1 1-24,2 0 16,0 0 24,0 2-8,-1-1 0,0-1-8,1-1 0,-2 1 0,2-2 0,-2 2-24,2-1 16,-2 2 24,2-1-8,-2-1-8,1 1 8,2-1-32,-2 1 16,0 0 8,1-2 0,0 3 0,-1-2 0,-1 0 0,2 0 0,-2 1 16,2-1-8,-2 0-8,2 0 8,-1-1-8,-1 0 16,0 0-8,0 2-8,0 1 8,0-2-8,0 0 0,0 0 0,0 0 0,0 1 0,0-2 16,0 1-8,-1 1-8,1 0 8,-2-2-8,2 4 0,-2-3-24,2 0 16,-2 0 8,4 1 0,-2-1 0,0 1 0,0-2 16,0 0-8,0 0 0,0 0 56,0 4-32,0-4 40,0 1-40,-2-1-32,2 1-8,-1-1 8,1 1 0,-2-1 0,4 0 0,-4 0 0,0 1 0,0 1 16,-1-1-8,0-1 16,3 1-16,-6-1 16,4 0-16,-4-1-8,2 0 8,-2-2-8,4 1 0,-5-5 0,2 4 0,-2-1 0,5-1 0,-6-1 0,5 3 0,0-4 0,0 3 0,0-1 0,0 0 0,0 0-40,3-1 24,-3 1 24,3 2 0,-3-4 32,3 4-24,-3-1 48,3 3-40,-4-2 8,4 2-16,-3-1-80,3 4 32,-3-2-8,3 2 24,-3 1 16,2 0 0,-4 0 0,4 1 0,-2 0 0,1 1 0,0-2 0,-2 4 0,2-2-24,1 3 16,-2-3-8,3 2 0,-3-3 0,2 3 0,-4-3 16,5-1 0,-2 0 0,2 3 0,-3-4-24,6 0 16,-3-2-8,0 0 0,0-1 16,1 1 0,-1-1 0,1 0 0,1-4 0,1 5 0,-2-5 0,0 3 0,1-5 0,1 2 0,0-4 0,2 3 0,-2-4 0,1 2 0,1 2 32,-3 1-16,0-2 64,1 3-48,-2 0 80,1 2-64,-2 0 40,0 2-48,0-2 0,0 2-24,0 0-32,0 0 8,0 0-8,0 0 0,-2 0 32,2 3-8,-1 0-8,-1 1 8,-1 0-32,2 3 16,-3-2-8,2 0 0,-2 1-88,2 2 48,-4-2-112,6 1 96,-4-1-16,2 2 48,-2-3 8,1 2 16,0-1 16,2-1 0,-3 1 16,4-3-8,-2-1-8,2 3 8,-4-1-8,4-2 0,0-1 0,0 0 0,-2-1 0,2 2 0,-1-2 0,2 0 0,-1 0-24,0 0 16,0 0-16,0 0 16,0 0-64,0 0 40,0 0-24,0 0 32,0-2 32,0 2 0,0-2-8,2 0 8,-2-5-8,5 4 0,-4-1 16,3-2-8,-2 1-8,3-1 8,-4 1-32,2 2 16,-1-3 8,-1 3 0,0-2 16,1 1-8,-2 0-8,4 1 8,-3 0-8,0 0 0,1-1 0,0 3 0,-1-2 0,0 3 0,-1-2 16,2 2-8,-2-3-8,3 3 8,-3-1-8,1 1 0,-1-2 0,1 4 0,-1-4 16,2 2-8,-2 0-24,1 0 8,-1-2-8,2 2 0,-1-1 16,1 1 0,-1-2 0,2 2 0,-2-1 0,1 1 0,-1-2 0,1 2 0,-1 0 0,1 0 0,-2 0 16,1 0-8,-1 0 0,0 2 8,0-1-8,-1 1 32,1 1-24,-2 0-8,1 2 0,-2-1-32,1 3 16,-3-2 8,3 3 0,-2-4 0,2 3 0,-3-2 0,3 0 0,-2 1 16,2-3-8,0 0 32,-2 2-24,2-2 32,2-1-32,-1-2 32,2 0-32,-2 0 32,1 1-32,-1-1 8,2 0-8,-1 0-8,-1 0 8,-1 0-8,-1 0 16,3 0-16,-1 0-8,2 0 8,-2 0 8,1 0-8,-3 0-24,6 0 8,-3 0-8,0 0 0,-3 0 16,1 0-24,4 0 16,-2 0-32,0 0 24,-2 0-8,2 3 8,-2-2 0,2 1 0,-3-2 0,6 0 0,-3 0-24,0 0 24,0 0 8,0 0 24,0 0-8,1 0 0,-1 2-8,1-2 0,1 0 0,1-2-24,-1 2 16,0-2 8,1 2 0,-2-3 0,1 2 0,2-2 16,-2 2-8,0-4 32,0 4-24,-1-2 8,0 2-8,1-2-16,1-1 8,-2 1-8,0 1 0,1 0 0,-1 1 0,1-3 0,-1 4 0,-1-2-24,0 2 16,0-3 40,0 3-16,0-2 8,0 4-8,0-2 8,0 0-16,0 0 0,-1 0-32,1 3 16,-3-1-8,1 3 0,0-3 0,2 3 0,-5-1-56,5-2 40,-2 0-56,2 1 48,-2-2-72,2 2 72,-2 0-56,1-1 56,-4-1 16,5 2 24,-3-2 0,2 3 0,-3-1 0,4-1 0,-2-1 16,2 1-8,-5-2 16,5 2-16,-2-1 16,2 0-16,-4-1-24,4 0 8,-2 0 8,-2 0 0,2 0 0,2 1 0,-4-1 0,4 3 0,-2-3 0,2 1 0,-1-1 0,1 1 0,-3-1 0,6 0 0,-3 0-40,0 0 24,0 0 8,0-1-16,1 0 16,0-3 8,0 3 0,2-4 16,0 3-8,1-4-8,-1 1 8,1 1-32,2 1 16,-4-4 8,3 5 0,-2-4 16,2 4-8,-2-2-24,1 3 8,1-1 8,-1-1 0,-1 1 0,0 2 0,1-2 0,-1 2 0,-2-1 0,1 2 0,-1-1 16,1 0-8,-2 0 80,0 0-40,0 0 40,0 0-48,0 0-32,0 0-16,-2 2 24,2 0-8,-1-2-24,1 3 8,-2-2 8,2 0 0,-3 0 16,2 2-8,-3-2-8,2 1 8,-2 2-32,2-2 16,-3-1 24,3 2-8,-2-2-8,2 3 8,-4-2-8,6-1 0,-3 0 0,2 0 0,-3-1 0,4 1 0,-1-1-24,1 1 16,-1-1 8,-2 2 0,0-2 0,2 1 0,-2-1 0,3 2 0,-1-2 0,1 2 0,-1-2 0,1 2 0,-1-2 0,2 0 0,-1 0-24,0 0 16,0 0-32,0 0 24,0-2-8,0 2 8,0-4 32,1 3-8,0-3-8,2 1 8,-1-6 8,3 5-8,-3-7 16,3 2-16,-2-3-24,3 4 8,-1-3 24,1 3-8,-4 2 16,1 1-16,-1 1-8,-1 1 8,1 1-32,-1 0 16,-1-1 8,3 3 0,-3-2 0,0 0 16,1 4-8,-1-2 0,0 0 8,0 0-8,0 0 0,-1 0-8,1 2 0,-3 1 0,3 1 0,-3-1 0,3 1 0,-1 1-24,1-1 16,-3 0-32,3 2 24,-2-2-64,2 3 48,-1-4-40,0 2 40</inkml:trace>
+  <inkml:trace contextRef="#ctx0" brushRef="#br0" timeOffset="3">570-810 192,'0'-2'88,"0"2"-72,-1 0-16,-2 0-40,6 0 16,-3 0 16,0-1 24,0 1-8,0-1 80,0 2-40,0-1 64,0 0-64,0 0-8,0 0-24,0 0-8,-3 1-8,1 1 0,1 3 0,-3-3 0,1 1 16,-1 0 8,2 2 8,-2-2 0,2 1 16,-3 1-24,1 0-16,0 1-24,-2 1 8,2 2 24,-2-1 8,2 0 8,-1 0 16,1 0-24,-2-3-16,4 0 16,-2 1 16,2-3 0,0 0 0,-1 0-24,3-3 8,0 2 0,0-2-32,-1 0-8,0 3 8,-2-1 16,3-1-40,-2 0 8,1 2 8,1-3 24,-1 3 0,-2-3 0,3 0-32,0 0 16,0 0-80,0 0 48,0 0-72,0 0 64,0 0-152,0 0 112,0-4-136,0 2 128</inkml:trace>
+  <inkml:trace contextRef="#ctx0" brushRef="#br0" timeOffset="4">517-675 320,'0'0'128,"0"0"-96,-1 0-16,1 0 16,-1 0 24,0 4 48,-1-4-56,-1 0-8,-1 2-24,2-1-16,1 0 8,-4 1-8,5-1 16,-3 1 8,0-2-8,1 2-16,1 0 8,-2 0 8,2-2-8,1 0 16,0 0 0,-3 0-8,0 2-8,3-2 8,-2 1-24,2-1 0,-3 2 24,1-2 8,1 1 8,-1-1 16,0 2-40,2-2-24,-3 0 8,1 0 16,-1 1 16,1-1 8,-3 2 0,4-2 16,0 0-24,0 0 0,1 0-32,-2 0 8,2-2 0,0 2 16,0 0-24,0 0 0,0 0-32,0 0 8,0 0-232,0 0-104</inkml:trace>
+  <inkml:trace contextRef="#ctx0" brushRef="#br0" timeOffset="5">491-667 288,'0'0'104,"-1"2"-80,0-2 88,1 0 24,0 0-40,0 0 8,0 0-32,-4 1 0,3 1-24,-1-2-8,-3 4-8,3-2 16,-2-1 8,2 0 8,-3 0-32,2 1-8,0-1 8,1-1 0,-2 2-16,1-1-16,0 2 8,0-2 8,0 0-8,1 0 16,0-1-16,0 1 16,2-1 16,-1 0 32,1 0-32,0 0-8,0 0-16,0 0-8,0 0-48,0 0 8,0 0 0,0 0-8,0 0 32,0 0 0,1 1-16,1-1 16,0 0 8,1 2 16,0 0-8,2-2 16,1 0-32,-3 0-16,2-2 16,2 0 0,-1 2 8,0-1 16,-3 0-24,2 0-16,0 0 48,-2 1-16,1-1 0,-1 1 0,0-3 8,-1 3-8,0-1 16,0 2-16,-1-1 0,-1 0 8,0 0-8,0 0-24,0 0 8,0 0-8,0 0 0,0 0 32,0 0-8,0-1-40,0 1 16,-1-2-24,1 2 16,-2-1 0,2 2 8,-4-1 16,1 0 0,-1 0-24,1 0 16,0 0-8,-2 0 0,0 0 16,3 0 0,-4 0-24,4 0 16,-4 0 24,0 2-8,-1-1 16,1 2-16,-1-3-8,0 1 8,1-1-240,2 0 128,-2 0-344,3 0 248</inkml:trace>
+  <inkml:trace contextRef="#ctx0" brushRef="#br0" timeOffset="6">549-731 128,'3'-5'64,"-2"2"-48,2-2 8,-3 1 24,2 0 24,0-1 16,2-1-24,-3-1 0,0 0-8,1 3 8,0 1-32,-2-2-24,2 1 0,0 0 8,0 2 80,-1-3 56,-1 4-32,0 0 0,0 0-72,0-1-16,0 2-40,0 0 24,0 3-24,-1 2 0,1-1-8,-2 1 0,0 3 0,0-1 0,2 2 48,-2 1 16,0-2-40,2-1-16,0 0-24,-1-1 24,1-1 0,0 3 24,0-2-8,0-3-8,0 2-16,0-3 8,0 2 8,0-4-24,0 0 16,0 0 24,0-1-24,0-3 0,0 1 8,0-1 16,1-2-24,-1 0 0,2-1 24,0-1 8,-2 0-48,0-3 0,0 0 24,0 2 16,0 1-24,0 2-8,0-1 8,0 2 0,2 0 8,0 1 16,-2 1-8,0-2-8,0 3 8,0 0-8,0 1 0,0 0 16,0 1-24,0 0-16,0 0 16,0 1 16,0 0 0,0 1-8,0 0-32,0 3-16,0-2 40,0 2 16,0 2 8,0-1-16,0 2 24,0-1 0,0 2-8,0 2-16,0-4-16,0 1 8,0-1 8,0 0 0,0 0 0,0-1 0,0 0-24,0 0 16,0-1 8,0-2 0,0 2 16,0-1 8,0 0-32,0-2 8,0 2 0,0-2 16,0-2-48,0 0-8,0 3-8,0-3 32,0 0 8,0 0 24,0 0-24,0 0 0,0 0-8,0 0 0,0 0 32,0 0 8,0 0-32,0 0 24,0 0-80,0 0-32,0 0 8,0 0 32,0 0-56,0 0-8,2-3-64,-1-1-16</inkml:trace>
+  <inkml:trace contextRef="#ctx0" brushRef="#br0" timeOffset="7">491-818 416,'-2'0'176,"2"0"-144,-4 1 56,2-1 48,2 1-72,-4-1 40,4 3-64,-3-3 16,2 1-32,-4-1 24,2 1-32,-4 0 32,4 2-32,-5-2 8,3 2-8,-3 1 24,2-2-24,-1-1 8,3 0-8,-1 1-48,4 0 16,-1-2-24,2 0 16,0 0 16,3 0 8,2-2 0,2 0 0,0 0 0,1 0 0,1-5 0,1 2 0,0-4-72,-1 4 40,1-2-80,2 1 72,-1 0-8,-5 3 32,2-1 16,-2 3 0,-3-3 0,3 4 0,-5-1 16,2 1-8,-2 1 0,-2-1-48,1 4 24,-2-2 24,1 1 0,-2 0 16,1 1-16,-3-2-8,2 2 8,-2-2-8,3 2 0,-4-1 0,4-1 0,-4 1 0,1 1 0,0 0 16,3-1-8,-5 1-8,2 3 8,-2-4-8,3 3 0,-5 0 0,3 1 0,-3-1 0,1 2 0,-2-4 0,5-1 0,-4 0 0,3-1-24,1 3 16,1-4-8,2 0 0,1 0 16,1-1-24,0 0 0,0 0 16,1-1 16,1 0-16,2-2 0,1 0 8,1 1 16,0-3-24,2 0 0,1-1 8,-1 3 0,-1-2 16,-2-2 8,2 4-32,-3-2-8,2 0 8,-1 2 0,-2-1 8,1 1 0,-2 2 0,2-2-40,-3 3 24,0-1-136,0 1 88,-1-1-80,3 2 80,-3-1 24,0 0 16,0 0 40,0 0-8,0 0 16,-3 1-16,2 2 0,-1-1 8,-2 2-8,2-2 48,1 0-32,-3-1 96,3 0-64,-5 1 56,4 0-56,-6 0 72,2-2-72,0 3 80,-1-2-80,-1 0-8,1 0-32,0 0-16,1 0 8,0 1-8,3 1 0,-1-3-128,3 0 72,1 0-312,1 0 208</inkml:trace>
+  <inkml:trace contextRef="#ctx0" brushRef="#br0" timeOffset="8">389-775 448,'-3'0'176,"3"0"-144,-5 2 56,1-2 0,4 2-48,-2-2-24,1 3-8,-5 2-8,5-1 0,-3-1 0,4 1 0,-2-4 0,2 2 0,-4-2-40,8 0 24,-4 0-24,2 0 16,2 0 32,0-2 0,2-3-8,0 0 8,4-4 24,-3 3-16,0-1 8,0 1-8,-3 1 112,0 3-72,-2-1 120,1 1-104,-4 2-32,1 2-24,-5 1-40,2 1 16,-4 2 24,3 0-8,-3 2-8,1 2 8,0-3-48,1-1 24,2-1-200,0 1 112,1-3-288,1 1 224</inkml:trace>
+  <inkml:trace contextRef="#ctx0" brushRef="#br0" timeOffset="9">490-698 128,'0'0'64,"0"0"-48,0 0-24,0 0-16,0 1 16,0 0 0,1 0 8,2 0-24,0 1 16,1-1 8,-2 0 0,4-1 0,0 2 0,0-2 16,1 0-8,0-2-24,1 2 8,-2-1 24,3 0-8,-3-2 16,0 3-16,-1-2 32,-1 2-24,1-1 184,-3 2-104,-2-1 152,2 0-144,-4 0-32,2 0-48,-2 0-24,0 0 8,-4 0-32,2 2 16,-3 1-8,3-1 0,-2 2 16,0-1 0,0-1-24,4 1 16,-4 1-8,5-1 0,-3-2 32,3 0-8,-2 0-8,3 0 8,-2 1-48,4 1 24,-2 0 8,0 0 8,0-1-24,2 1 16,-1-2 24,0 2-8,1-3-8,1 0 8,0 0-32,1 0 16,-1-3 8,1 2 0,2-2-24,0 3 16,-2-2 8,3 1 0,-3-4-144,2 5 80,-3-2-184,0 2 136</inkml:trace>
+  <inkml:trace contextRef="#ctx0" brushRef="#br0" timeOffset="10">631-716 416,'0'0'176,"0"0"-144,-3 2-32,0 1-40,3 0 16,-1 1 24,0-1 8,-3 4 16,4-2-16,-2 0-24,2 0 8,-5-2-8,5 2 0,-1-4 32,1 2-8,-1-3-96,2 0 56,-1 0-152,0 0 104</inkml:trace>
+</inkml:ink>
+</file>
+
+<file path=ppt/ink/ink7.xml><?xml version="1.0" encoding="utf-8"?>
+<inkml:ink xmlns:inkml="http://www.w3.org/2003/InkML">
+  <inkml:definitions>
+    <inkml:context xml:id="ctx0">
+      <inkml:inkSource xml:id="inkSrc0">
+        <inkml:traceFormat>
+          <inkml:channel name="X" type="integer" max="2.14748E9" units="cm"/>
+          <inkml:channel name="Y" type="integer" max="2.14748E9" units="cm"/>
+          <inkml:channel name="F" type="integer" max="8192" units="dev"/>
+        </inkml:traceFormat>
+        <inkml:channelProperties>
+          <inkml:channelProperty channel="X" name="resolution" value="1000" units="1/cm"/>
+          <inkml:channelProperty channel="Y" name="resolution" value="1000" units="1/cm"/>
+          <inkml:channelProperty channel="F" name="resolution" value="1" units="1/dev"/>
+        </inkml:channelProperties>
+      </inkml:inkSource>
+      <inkml:timestamp xml:id="ts0" timeString="2019-12-14T15:21:02.742"/>
+    </inkml:context>
+    <inkml:brush xml:id="br0">
+      <inkml:brushProperty name="width" value="0.14092" units="cm"/>
+      <inkml:brushProperty name="height" value="0.14092" units="cm"/>
+      <inkml:brushProperty name="color" value="#A020F0"/>
+    </inkml:brush>
+  </inkml:definitions>
+  <inkml:trace contextRef="#ctx0" brushRef="#br0">-139-610 288,'0'-2'128,"0"2"-96,-2 0 40,-2 0 32,4 0-56,-2 0-8,0 0-24,-3-1 8,4 1-16,-4-1 48,4 1-32,-5-1 24,4-3-24,-2 2 0,1 1-8,0-1 8,2 0-16,-3-1 48,3-2-32,-2 2 24,3 0-24,-4-1-32,4 0 0,-1 1 8,1 0 0,-2-3 16,2 4-8,-1-3-8,2 1 8,-1-2 24,0 2-16,0-4 64,2 3-48,-1-2 24,3 3-32,-2-3-16,0 2 0,2-2-32,0 3 16,0-3 8,1 5 0,1-4 16,-3 4-8,2-3-8,2 4 8,-1-3 24,1 2-16,0-1 8,0 1-8,0 0 8,2 2-16,-3-2 16,1 2-16,0-3 32,0 3-24,-2 0 8,1 0-8,-2 0 8,3 3-16,-3-3 16,3 1-16,-2 0 32,1 0-24,-3 0-8,2 1 0,1-1-8,-1 3 0,-3-3 16,3 2-8,-3-1-8,2 2 8,-3-2 56,0 2-32,0-2 64,1 1-64,0 1-8,0 1-16,-2-3 8,2 3-8,-2-1 16,0 0-16,0 1-24,1-2 8,1 2-8,-1-2 0,-1 2 32,2 0-8,-1-2-8,1 1 8,-1-2 8,1 3-8,0-2 16,-1 1-16,1-2-8,-1 1 8,1-1-32,-1 1 16,1-1 8,-1 0 0,2-1 0,-2 0 0,1 2 0,-1-1 0,1-1 0,-1 0 0,1 0 0,-1 1 0,1-1 0,1 0 0,-1-1 0,1 1 0,-2-1-24,4 1 16,-3-1 8,2 0 0,-2 0 16,2 0-8,-1 0-8,1 0 8,-2 0 8,2 0-8,-2 0-8,4 0 8,-4-1-8,3 1 0,0-1 48,-3 2-24,2-2 24,-2 1-24,0-1 0,2 1-8,0-1 8,-1-1-16,1 0-8,1 2 8,-2-3 8,-1 3-8,1-4 16,1 4-16,-1-2 48,0 2-32,-1-3 24,2 3-24,-3-3 0,1 3-8,-1-4-16,0 4 8,1-2-8,0 2 0,-1-2 16,0 2-8,3-3-8,-3 3 8,0-3-8,0 3 0,2-4 0,-1 4 0,-1-2 0,2 1 0,-1-3 0,-1 4 0,0-3 0,0 3 0,1-3 0,0 3 0,-1-3 0,0 3 0,2-4 16,-1 4-8,-1-2-8,0 2 8,2-3-8,-2 3 0,-1-3 0,0 1-24,1 2 16,0-4 8,2 4 0,-3-2 0,2 2 0,-2-2 0,2 2 0,1-4 16,-2 4-8,-1-1-24,0 1 8,0-1 8,1 2 0,-1-1 16,0 0-8,0 0 16,0 0-16,0 0 0,0 0 8,0 0-8,0 0 0,0 0 8,0 0-8,0 0 16,0 0-16,0 0 0,0 0-32,0 0 16,0 0-8,0 0 0,0 0-8,0 0 16,0 0 24,0 0-8,1 0 0,2 0-8,-2 0 16,-1-1-24,0 1 0,0 0 24,0 0-8,0 0 0,0 0-32,0 0 16,0 0 24,0 0-8,0 0 16,0 0-32,0 0-16,0 0 16,0 0 16,0 0 0,0 0 16,0 0-16,0 0-24,0 0 8,0 0-8,0 0 0,0 0 32,0 0-24,0 0-16,2 0 32,-2 0 8,0 0 0,0 0 8,0 0-16,2 0 0,-2-3 24,0 3 40,0 0-40,0 0 0,0 0 0,0 0 0,0 0-16,0 0 8,0 0 0,0 0 8,0 0-16,0 0 8,0 0-16,0 0 0,0 0-32,0 0 16,0 0-16,0 0 16,2 0 24,-1 0-8,0 0-8,-1 0 8,2 0-32,-1-2 16,1 2 8,-2 0 16,0-1-24,1 1 0,2 0 8,-3 0 16,0 0-8,1 0-24,-1 0 8,2-1 8,-1-2 0,0 3 0,-1 0 0,1 0 0,-1-2 0,3 1 16,-2-2-8,-1 2-8,0 0 8,2 0-8,-2-1 16,2-2 8,-2 2-32,0-2 8,0 2-40,0 1 8,0-2 16,0-1 24,0 1-40,0 1 8,0 0 8,0-1 24,0 0-16,-2-1 0,2 2-8,-2-1 0,2 0 32,-1 0 8,1 0-8,-3 1-16,2-2-16,1 2 8,0 0 8,0-1 0,0 1 16,0-2-24,0 4-16,0-2 16,0 0 16,0 1-16,0-1 0,0 1 8,0 0 0,0 0-24,0 0 16,0 1-8,0 0 0,0-3 16,0 2 0,1 0-24,2-1 16,-2-1 8,1 2 16,1 0-24,0 0 0,0-2 8,0 3 16,1-3-8,-1 3-8,0 0-16,0-2-8,1 2 16,0 0 16,-3 0-16,0 0 0,3 0 8,-2 0 0,0 0 0,2 0 16,-2-2-24,1 2 0,-1 0 8,0 0 16,3 0-8,-3 0-8,2 0 8,-1 0-8,1 0-24,-2 0 16,2 0 8,-2-1 16,3 1-8,-2 0-8,0 0 8,1 0 8,2 0-8,-3-1-8,0 0 8,3 0-8,-1 1 16,-1-3 8,2 3-8,-2 0-16,2 0-16,-2-1-8,0 0 16,-2 1 0,3-2 8,-3 2 0,2 0 0,-2 0 0,1 0 0,0 0 16,0 0-8,0 0 16,-2 0-32,0 0 0,0 0 8,4 0 16,-4-3-8,0 3-8,2 0 8,-2 0-8,0 0 0,3 0 0,-2 0 0,0 0 0,2 0 0,-1 0 16,-1 0-24,1 0 0,1 0-8,-2 0-16,0 0 40,2 0 8,0 0 0,-1 0-16,0 0 8,0 0-8,1 0-24,-1 0 0,0 0 32,0 0 8,-2 0 0,1-1-16,0 1-16,0 0 8,-1 0 8,2 0 16,-1 0-8,0 0-8,-1 0 8,1 0-8,2 0-24,-2 0 16,1 0 8,0 0 16,1 0-24,-1 0-16,-1 0 32,2 0 8,-1 0-24,1 0-8,-2 0 8,2 0 16,-2 0 0,3 0 16,-3 0-16,2 0-8,0 0 8,0 0-8,1 0-24,-3-2 16,2 2 8,-1 0 16,1 0-8,-2 0-8,3 0 8,-3 0-8,2 0 0,-3 0 0,0 0 0,1 0 16,-1 0-8,2 2-8,-2-1 8,-1 2-8,0-3 0,2 3 16,-2 1-24,1-2-16,-1 2 16,0 1 16,0-1 0,0 1-8,0 2 8,0-3 8,0 3-8,0-2-8,0 1-16,0 0 8,0-1 8,0 1 0,0-2-24,0 1 0,0-2-8,0 2 24,0-1 0,0 1 8,0-1 16,0-1 8,0 0-8,0 1-16,0-1 8,0-1-8,0 0 0,0 2 0,0-2-24,0 2 16,0-1 8,0 0 0,0-1 0,0 2 0,0-2-24,0 0 0,0 2 16,0-2 16,0 1 0,0 2-8,-1-1 8,1-1 8,0 3-24,-2-2 0,2-1 8,-1 2 0,1 0 0,0-3 0,-3 0 0,3 2 0,-1-1 16,-1-1 8,1-1 8,0 0-16,-3 0-16,2 0 8,-3 2 8,3-1-8,-2-1-8,1 0 8,-2 0-8,1 1 0,0-1 16,-2 0-24,1 0 0,-2 0 8,1 3 0,1-4 0,-2 0 0,4 2 0,-3-2 16,1 0-24,-2 1 0,4-1 8,-2 0 16,0 2-8,0-2-8,0 1 8,1-1-8,-1 0-24,0 1 16,2-1 24,-2 1 8,0-1-32,3 1-8,-2 0 8,-1-1 0,2 0 8,-1 4 0,1-4 0,-1 1 0,2-1 0,-2 1 0,2-1 0,-3 0 0,3 0 0,-2 1 16,1-2-24,0 1 0,0 0 8,1 0 0,-2 0-24,2 1 16,-3-1 24,0 0 8,0 2-32,1-2 8,-1 0 0,0 1 0,0 0 0,1 1 0,-4-2 16,5 3 8,-2-2-32,0 0-8,2-1 8,0 0 0,0 0-16,-2 0 16,4 0 24,0 0 8,-3-1-8,3 1-16,0 0-16,-3 0-8,2-1 32,1 1 8,-3 0-24,2-3-8,-3 3 8,4 0 0,-2 0 8,1 0 16,0-2-24,1 2 0,0 0 8,-2 0 16,1-1-8,1 1-8,0 0 8,-2 0 8,2-1-24,0 1-16,0 0 16,-3-2 0,4 2 8,-2 0 0,2 0 16,-2-1-24,2 1 0,-1 0 8,-1-1 16,1 0-24,1 1 0,-2-4 8,2 3 0,-1 0 0,-1 0 0,0 0 0,0 0 16,1 1-8,-1-2-8,1-1 8,-1-1-8,2 3 0,-1 0-24,1 0 16,0 0-8,0-1-16,0 1 24,0 0 0,0 0 8,0-1 16,0-1-8,0 3 16,0 0-16,0-1 16,0 0-32,0 0 0,0 0 24,0-1-8,0 1-8,0-1-16,0-2 8,0 3 8,0 0 16,0-1-8,0-1-8,0 0 8,0-1-8,0 2 16,0 1-8,0-3-8,0 2 8,0-2 40,0 2-24,0 0-24,0-1-8,-2 1-32,2-1 64,0 0 32,0 1-24,-1-2-16,1 2-8,0 0-8,0-2 0,0 2-24,0-1 16,0 0-32,0-1 8,0 4 16,0-2 8,0 1 24,0-2 8,0 2 8,0 0 16,0 0-24,0 0 0,0 0-24,0-1-8,-2 0 8,2 2 16,0 0-8,0 0 0,0 0 8,-2 0-1192,2 2 648</inkml:trace>
+  <inkml:trace contextRef="#ctx0" brushRef="#br0" timeOffset="1">267-819 320,'0'1'128,"0"-1"-96,0 0 8,0 0-8,0 0-16,0 0-32,0 0 8,0 0 40,0 2-16,0 2 32,0-1-32,0 2-24,1-1 0,1 3 8,-1-1 0,2 2 16,-2 0-8,1-2-8,-1 3 8,1-2-8,-1 3 0,1-5 0,2 5 0,-3-3-24,3 0 16,-3 0 8,0-2 0,0-1 0,2 0 0,-2-1 0,1 0 0,-1-2 0,2 1 0,-2-2 16,0 0-8,0-3 32,0 0-24,1-4 8,1 4-8,-3-5 56,0 1-40,0-4 8,0 5-24,0-4-48,0 0 16,0 0 8,0 3 8,-3-3 0,1 5 0,0-3 32,1 5-16,-3-1 8,3 0-8,-5 1-32,5 2 8,-1 0 8,-1 1 0,-2 0 0,4 2 0,-4 1 0,4 1 0,-2 1 0,0 1 0,0 1 0,2 0 0,-2 1-24,3 3 16,-2-1 8,2 2 0,0-3-24,2 2 16,-2-1 8,1-1 0,1-1 0,-1 1 0,1-4 0,2 1 0,-3-2 0,1 2 0,-1-3 0,1 0 0,-1-3 48,1 3-24,-1-6 112,2 2-72,-2-4 24,3-1-56,-2-5 40,3 0-48,-2-2 8,1-1-16,-2-1 8,1 2-16,0-1-8,-3 4 8,0-1-8,2 3 0,-4-2 32,2 7-16,0-3-8,0 1 0,-5 3-8,4 2 0,-1 0 0,1 2 0,-5 1 16,5 1-8,-4 3-24,4 3 8,-3 1 8,4 1 0,-1 0 0,1 3 0,0-1 0,1-2 0,0 0 0,2-2 0,-2 1-24,0-3 16,0 0-8,2-3 0,-2 0 0,1-1 0,-1-3 32,2 2-8,-2-6 16,0 2-16,0-6 16,0 3-16,1-8-24,1 1 8,-3-2 8,0 0 0,0-1 16,0 3-8,-3-2-8,3 2 8,-3 0 8,2 3-8,-1-1 16,-1 4-16,-1-3-8,1 5 8,0-2 8,0 3-8,-2 0-24,4 2 8,-2 2-8,1 2 0,1 2 16,1 3 0,-2 1 0,4 1 0,-2 1 0,1 2 0,1 2 16,-1-3-8,1-4-24,-1 1 8,2-2 8,-2-4 0,0 1-24,2-1 16,-2-6 8,0 0 0,0-3 16,2-2-8,-2-3-8,1 1 8,-2-3-8,0 1 0,-2-2 0,2 5 0,-1-3 16,1 3-8,-4 0-8,3 0 8,-3 0 8,4 4-8,-2-1-8,2 1 8,-4 1-8,4 2 0,-3 0-24,3 1 16,-2-1-8,4 2 0,-2-1-24,0 0 24,0 1 8,1 1 8,-1 2 0,2 1 0,-1-2-24,3 2 16,0-2 24,-1 0-8,3-2-8,-1 1 8,0-2-8,3 0 0,-1-1 0,1 0 0,-1-2 16,4 0-8,-3-2-8,-1 4 8,0-2-8,-1 0 0,-2 1 16,1 2-8,-4-2 16,1 2-16,-2-2 32,0 4-24,-3-2-24,1 0 0,-3 0-32,1 0 24,-7 0-8,6 0 8,-5 0-24,4 2 24,-5-2 8,4 0 8,-2 0-24,1 2 16,2-2-8,0 3 0,0-3 32,1 1-8,0-1-24,2 0 8,0 0-48,3 0 32,0 0-8,1 0 16,-1-1 32,3 1-8,0-3-8,5 3 8,-2-4-32,1 2 16,-1-1 24,4 2-8,2-4 16,0 2-16,-2-1-24,0 2 8,-2-3 24,-1 4-8,0-3 48,-2 4-32,-4-2 24,2 2-24,-3-1 24,0 1-32,-3-3-8,2 6 0,-4-3-32,0 0 16,-3 0-8,2 2 0,0-1 0,-1 3 0,-1-3 32,1 0-8,0 0-8,2 3 8,-2-3-32,5 0 16,-3-1 8,2 1 0,0-1 0,2 0-24,2 0 16,-1 0-32,0 2 24,0-2 8,3 2 8,0-2 0,4 0 0,0-2-24,-1 2 16,0-2 24,3 2-8,-3-2 32,2 1-24,-4-3-8,3 4 0,-3-2-8,0 2 0,-2-1 64,1 2-32,-3-2 40,2 1-40,-5-3-16,1 6-8,-3-3 8,0 0-8,-3 0-8,4 1 8,-6 0-8,4 0 0,-2 2-24,2-1 16,-4-1-8,7 0 0,-7-1 16,7 0 0,-4 0 16,3 2-8,1 0 16,0-1-16,-2-1-24,4 0 8,-2 0-8,3 0 0,-2 0 16,1 0-40,2 0 24,-1 0-8,0 0 8,0 0 32,2 0-8,-1 0-24,2 0 8,0-1-8,-1 1 0,2-2 16,1 2 0,-1-2 0,2 2 0,0-1 16,0 0-8,-1-1 32,-2 2-24,2-3-8,-3 3 0,1-1-32,-1 2 16,-1-1 24,3 0-8,-4 0 32,1 0-24,-2 0-8,-3 0 0,2 0-32,-2 0 16,1 0 8,-1 0 0,-3 0 0,2 0 0,-2 0-24,4 0 16,-4 0 8,3 0 0,1 0 0,-1 3 0,-1-2 0,3 0 0,-2 0 0,2 2 0,-2-1-24,3-1 16,-1 1 24,2-2-8,-1 4 16,-1-1-32,1 3-16,-1-1-8,1 1 24,1 0 0,0-2 24,0 3-8,0-2-8,0-1-16,0 1 8,0-1 8,1 2 16,1-3-24,-1 1-16,1-1 16,1 2 0,1-3-16,-1 0 16,0-1 8,0 0 16,1-1-8,-2 0-8,2-1 8,-2-2 8,2 1-8,-2-4 16,2 2-32,-3-1 0,0-2 24,0 2 8,-1-2-8,0 2 8,0-2-32,0 3 0,-1-4 8,0 2 0,0-1-24,-2 3 16,2-1 24,-1 3 24,2-1-32,-1 0-24,1 2 8,0 1 16,-3 0-16,2 0 0,1 0 24,0 0 8,0 0-32,0 0-8,-1 2-16,1 3 0,0 1 24,0 1 16,0 1 0,0 1-8,1 1 8,-1-2 8,1 3-24,-1-1 0,0-2-8,0 3 0,0 0 16,0-2 16,0 0-24,0-1 0,0 0 8,0-4 16,3 1-8,-3-1-8,0-2-16,1-1-8,1-1 16,-1-1 0,2-3 8,-2-3 16,1 0-8,1-2-8,0-1 24,-1 0 0,1-1-8,-3 3-16,0-1 8,0 3-8,-3-2 0,1 0 0,-3 3 0,3 1 0,-3-2 16,2 4 8,-2 0-32,0 0 8,0 2-16,1 2 0,-1 0 16,0 4 0,2-1-24,0 1 16,0 2-8,0 0 0,1 0 16,2 3 0,0-1-24,0 0 16,2-2 8,-2 0 0,3 0 0,0-1 0,0 0 0,0-2 0,1 0-24,-1-1 16,0-1 24,0-1 8,2-1-32,-1 2 8,-2-3 0,2 0 0,0-3-24,0 2 16,-1-1 24,2-2 8,-3-2-8,2-1 8,1-2-16,-2-1-8,1 0 8,-2-2-8,2 2 0,-2 0 16,-1-1-8,3 0 16,-3 1-16,-1 1 16,0 0 0,0 2 8,0 1-40,0 1 8,0 3 0,0-2 0,-1 3 0,-3 2 0,2 5 0,-2-1 16,2 2-24,-3 1 0,3 4-8,1 2 0,-2 1 0,2 2 0,0-2 16,1-1 0,0-1 0,1-1 16,0-4-8,2-1-8,0 0 8,1-2-8,-2-1-24,2-4 0,-2 0 32,3-2-8,-3-4 0,2-1 8,-2-4 8,2 1-8,-2-4-8,-1 1 8,-1-2-8,0-1 16,-1 2 8,-1 1-32,0 2-8,-1 0 8,2 5 32,-3-1 24,2 3-40,-4-1-16,1 3 0,-1 0 16,-1 2-56,0 2 32,0 2 0,1 2 16,-2 2 0,3-2 0,-2 4-40,4 0 24,-1-2-48,0 3 40,2 1-8,2-1 16,-1 0 16,2-2 0,-1 2 16,2-2-8,-1 0-8,3-1 8,-2-2-32,1-2 16,-2 3 24,2-2-8,0 1-24,-2-3 8,0 0 8,2-1 0,-2-1 16,0 4-24,-1-5-16,0 1 16,1-1 0,2 0 8,-2-1 0,2-3 16,0 2 8,-1 1-8,0-3 8,0 1 16,1-1 16,-3 1-8,2-1-8,1 0-8,-2 0 16,0 2-24,-1-1-16,0 0 0,0 2 8,0-1 8,0 1-32,0-1 8,-1 1 16,0 0 8,-4 0-8,2 1-16,0 0-16,2 0 8,-1 0 8,-2 1-56,2 0 0,1 2-16,-2 0 24,3 0 32,0 0 8,3-1-16,-2 0 16,2 1-8,2 0 0,-1-3 16,4 1 0,-2-1-24,2-1 16,-1 0 8,2-1 16,-1-2 24,0 2 32,-1-2 0,-1-1 0,-2 1-8,1 0 16,-2-3-8,-1 4 0,-2-1-40,0-1-8,-2 2-8,-1 1 8,0-1-32,-2 3 0,-1 0-8,-2 0 0,0 4 16,0-1 16,-1 1-24,2 1-16,0-1 16,1 0 16,0 1-56,1 0-24,3-1 0,1 2 24,1-3-16,0 3 24,1-2 24,0 0 8,2 0 8,0-2 0,2 1 0,-2-1 16,3-1-8,0 0-8,0-1-16,1 0 8,1-1 8,0-1 0,1-2 32,-2-2 16,1-1 0,0-1-8,-1 0-24,-1 0 8,0-2-16,-4 3 16,2-2-16,-3 2 16,-1 1 0,0-1 8,-1 2-16,-3-1 8,2 4-16,-4 1-8,1 0-16,0 1-8,-1 2 16,0 3 16,-1-1-16,2 1 0,-1 1-48,3 1 0,0 0 24,0 1 16,1-1-8,0 2 0,2-3 16,2 2 0,0-4-16,-1 2 16,2-2 8,0-2 0,-1 0-24,3-2 0,0 0 16,-1-2 16,0 0 0,0-2 16,1-3 0,0 2 24,-2-2-40,1-2-8,-2 1 0,-1-2 16,3 0 8,-4-1 24,0 4-24,-4-1-16,2 3 0,-2-1 8,0 3-8,0 1 16,0 2-32,-1 1 0,0 1-8,1 5 0,0-1 0,2 5 0,-3-2 0,3 0-16,0 1 0,1-2 24,1-1-16,0-1 8,0-2 0,1 1 0,1-2 16,-1-1 16,0-2-24,0 0 0,4-2 8,-2-3 16,-1 1-8,-1-1 16,0-4-16,1 2-8,0-2 8,-2 1-8,0-2 0,-2 4 0,0-1 16,0 0 24,-2 0-32,2 4-24,-3 0 8,3 2 0,-3 2 24,0 3 8,2 4-48,0 0 0,0 2 8,-2 1 8,3 0 8,1 0 16,-2-3-24,2-1 0,1-1-8,0-2 0,0 0 0,1-2 0,2-2 32,-2-1 8,1-2-8,3-5-16,-2-2-16,0-2 8,0 2 8,1-2 16,-3 0-8,1 0 16,-2 1 0,0 0 8,0 4-16,-2-2-16,1 3 24,-1 1 0,-2 3-32,2 1-8,-2 1-16,-2 2 0,3 4-48,-2 2-16,0 4 40,-1 1 24,3 0 24,-2 1 8,5-1-24,-3-1 16,3 0-8,0-3 0,0-3 16,3 0 0,-3-2-24,2-2 16,1 3 8,-2-5 16,0-5-24,3 4 0,-1-4 24,1-1-8,-2-2-8,3 1 8,1-5-8,-2 4 0,0-3 0,3 1 0,-2-2-24,-2 4 16,3-1 8,-1 2 0,-2-2 0,1 5 0,-3-1-24,2 3 16,-1-4 24,-1 5-8,1-2-8,-1 3 8,1 0-32,2 3 16,-2-1 8,2 3 16,-2 1 8,2-1-48,-2 1 0,2 0-64,-3 1-8,0-2 16,0 3 32,1-3 24,-2 1 32,3-1 16,-3-3 8,0 0-56,0 3 0,0-5-32,0-2 16,0-2 24,0-1 8,0-2 8,-3 1 16,1-2 8,1 1 8,0-1-40,-3 2 8,1-2 0,-3 1 0,1 1 0,0 1 0,2 0 16,0 1 24,0 2-32,0-1-24,-1-1 8,2 1 0,1 2-16,0 0 0,1 0 16,0-2 0,1 1-16,0 1 16,3-1 8,-1 0 16,2 1-8,-1 0-8,2 0-16,0 0 8,0-2 8,-3 2 0,2 1 0,1 0 16,-3 1 8,2 2 24,0-2-8,-3 0 0,2 1-48,-2 2 8,-1-1 16,3 0 8,-4-1-8,0 0-16,0 2 8,0-2 8,0 1-8,0-2 16,0 0-16,-5 0-24,4 2 8,-4-1 24,3 1-8,-8-2-8,7 2 8,-8-2-32,4 0 16,0-1 24,0 1-8,0-1-8,2 0 8,-1 0-32,1 0 16,0 0-8,4 0 0,0-1 0,2 1 0,0-1 16,5 0 0,-1-2 0,2 2 0,-1-4 16,2 2-8,0-3 16,0 0 16,-2 3 16,1-1-48,-1-1 0,0 1-8,-3-1 16,2 3 8,0-2 8,-3 2-16,2 1 8,-2 0-32,0 1 0,0-3 8,0 3 16,-1 0-24,1 0-16,0 0 16,-2 0 16,0 0 0,0 0 16,0 0-16,0 0 0,-2 0-8,0 0 0,-1 3 16,-1-1-8,-1-1-8,2 3 8,-2-3-8,3 1 0,-4 1 0,1-2 0,0-1 0,4 1 0,-1-1-40,2 0 24,-3 0 8,6 0 8,-3 0-24,2 0 16,2-1 8,-2 1 0,4-1 16,-1-2-8,-2 1-8,4 1 8,-2-3-8,2 3 0,-2-1-24,-2 2 16,1-3 8,0 3 0,-2-2 32,-1 2-16,0-1 8,1 2-8,-2-1 8,0 0-16,-2 0-8,1 0 8,-4 0-48,2 0 24,-2 0-8,3 0 8,-3 0-24,1 2 24,-3-2-8,4 0 8,-4 3 0,2-1 0,-2-1-24,2 3 24,-2-3-64,5 1 48,-4 1-24,1-1 32,3-1-40,1 2 40,-2-1-8,3-1 16,3-1 16,-1 2 0,4-4 0,-1 2 0,-2-3 0,4 1 0,-1 0 16,2 1-8,-2-4 16,1 4-16,-2-4-8,1 4 8,-3-1 24,0 2-16,-2-3 8,1 3-8,-2-3 24,3 3-24,-3-4 64,0 4-48,-3-2 24,3 2-32,-2-1-48,1 1 8,-4-1 8,4 2 8,-5-1-24,4 1 16,-4 0 8,2 0 0,1 2 32,0-1-16,0 0-24,-1 2 0,1-3-8,0 1 0,2-2 0,1 3 0,-1-3 0,2 0 0,0 1 16,2-1 0,-1 1 0,3-1 32,-2 0-16,2-1 32,0 1-32,1-1-8,0-2 0,-1 1 8,-1 2-8,-2-1-8,4 1 8,-2-1 8,-2 1-8,0-3 32,0 6-24,-2-3 64,2 0-48,-4 0 40,2 0-40,-4 0 0,3 0-16,-4 0-32,2 0 8,-2 0-8,3 0 0,-5 0 16,2 1 0,-2 0 0,2 0 0,-1 0 0,0 3 0,0-3-24,4 0 16,-4 2-8,4-1 0,-2-2 0,4 1 0,-1-1 0,1 0 0,-1 0 0,2 0 0,-1-1 16,1 0 0,2-4 0,-1 3 0,-1-3 16,4 3-8,-3-3-8,2 3 8,-3-3-8,0 4 0,0-3 0,3 3 0,-3-1 0,0 2 0,-1-1 0,0-2 0,0 6 0,0-3-24,0 0 16,0 0-8,0 1 0,-1-1-24,1 2 24,-1 2-24,-3-2 16,2 0 16,2 2 8,-4-1-24,4 1 16,-2-2 24,2 2-8,-1-2-24,2 2 8,-1-2-32,0 2 24,0-1 24,0-1 0,0 2-8,0-2 8,0 1-32,0 1 16,0-1 8,1 0 0,0 0 16,2 2-8,-3-2 16,1-1-16,-1 0-40,1 2 16,0-2-8,3-1 8,-3 1 32,0-1-8,0-2 32,2 1-24,-2-3-8,0 1 0,-1-3 24,0 2-16,0-5 64,0 4-48,-1-3 24,1 2-32,-4-1-16,3 3 0,-1-2 24,-2 3-16,1-2-24,-1 3 0,-1 1-32,2 1 24,-3 3 8,0 1 8,0 4 0,4 0 0,-4 5-24,5-1 16,-2 0 8,3-1 0,0-2 0,1 3 0,1-4 0,-1-2 0,1-3 0,2 0 0,-2-4 0,3-1 0,0-4 0,-2-2 0,1-4 16,-2 5-8,3-5-8,-3 0 8,-1-2-8,3 4 0,-3-2 16,0 2-8,-1-2-8,4 7 8,-4-4 8,0 3-8,-4 0-8,4 3 8,-1-2-8,1 3 0,-1 0-24,0 1 16,-2-1 8,3 2 0,-1-1 16,0 2-8,-3 3-24,2 1 8,-1-1-8,0 3 0,1-2 16,2 2 0,-1-1 0,1 0 0,0-4-24,1 4 16,-1-4-8,1 0 0,0-1 0,2-1 0,-2-2 32,1 1-8,0-2 16,2 1-16,-3-2-24,0-2 8,2-2 24,-2 3-8,0-4 16,0 2-16,-1-1-24,0 4 8,0-3 8,0 1 16,0 2 8,-1-2-8,1 1-16,-1 2 8,0 1-8,-2 0 0,1 1 0,-2 1-24,1 0 0,1 1-8,-3 2 0,0 1 0,2-2 24,-2 3-16,1 0 8,1-1 16,0 2 16,0-3-24,1 1-16,2 0-8,0-2 24,2 2-16,-1-3 8,2-1 16,0 1 16,1-4 8,0-1 24,1-2-40,1 0-8,-1-1-16,-3 0 0,1-3 32,1 2 8,-2 2-8,1 0-16,-2-1 8,0 1 8,0 2-24,3-2 0,-3 3 8,0-2 0,-1 2 16,0 1 24,0-2-32,0 2-8,0 0-16,0 0-16,0 1 24,0 0 0,0 0-48,0 2 0,0 2-16,0-1 24,1 2 16,2-2-8,-2 3 8,0 0 24,0-1 16,3-2 16,-4 1-8,0-1-16,0 0 8,0-1 8,0 0-48,0 2 8,0-2 24,0 2 32,0-4-24,0 2-8,0-1 16,0-1-24,0 0 16,0 0 0,0 0 32,-4 0-24,3 0-8,0 0 0,-4-1-8,4 1 0,-5-1 0,5 1 0,-4-1 0,4 1 0,-5-1 0,4 1 0,-3-3 16,3 3-8,-4-4 16,2 4-16,0-3 16,0 3-16,0-2 16,1 2-16,-2-1-8,1 1 8,0 0-32,2 1 16,-4 0-32,5 1 24,0 0 8,1 2 8,0-1-24,1-1 16,0-1 8,5 2 0,-1-3 16,2 2-8,-1-4-24,2 2 8,0-3-8,0 1 0,-1-2 16,1 0 0,-2-1 16,4 1-8,-3-3-8,-1 5 8,-2-3-8,1 4 0,-3-1 48,1 2-24,-3-3 8,1 3-16,-1-1-48,0 2 16,-1-1-48,0 3 40,-3-2-8,1 0 16,-2 0 0,1 3 0,-3-3-40,5 1 32,-4 2-8,0-1 16,-1-3 16,1 4 0,-1-4 0,1 0 0,0 0 0,2 0 0,-3 0-24,4 0 16,-1 0-8,2 0 0,-2-1 0,3 1 0,0-3 16,1 0-24,1 1 16,0-1 8,5 2 0,-2-4-24,1 4 16,0-1 8,2 2 0,-4-3 0,4 6 0,-1-3 0,1 0 0,-2 0 0,2 0 0,-1 0 16,0 0-8,0 0-8,-2 0 8,0 0 8,-1 0-8,-1 0-8,0 0 8,0 0 8,-2 0-8,0 0 16,3 0-16,-3 0 0,-3 0-8,3 1 0,-3-1 0,3 1 0,-3-1 16,1 1-8,-3-1-8,3 3 8,-3-2-48,4 0 24,-1 0-64,-2 2 48,2-1 8,1 1 24,-2-3 16,3 0-8,-1 0-24,1 0 8,-1 0-8,1 3 0,-1-2 16,1 1 0,-4 3 16,3 0-8,-1-1-8,2 3 8,-4-2-48,4 3 24,-2-3 8,2 3 8,-5-3 16,4 2-8,-1-1-8,2 2 8,-3-5-32,3 3 16,-1-3-8,2 1 0,-1-4 32,3 0-8,-2-3 16,1-1-16,0-2 16,2-1-16,-3-1-8,3 0 8,-3-2-8,0 2 0,0-2 16,-1 1-8,0 3-8,0-1 24,-1 2 0,0 1-32,-3 4 8,2 0 0,-2 5 0,1 1-40,-2 1 8,2 2 16,-2 2 24,3-2-16,-2 4 0,3 0-8,-1 0 0,2-1 0,2-4 0,-1 1 16,0-4 16,3 1-24,-2-4-16,3 2 16,-3-4 16,2-1-16,-2-4 0,3-1 8,-3-1 16,2 0-24,-2-4 0,3 1 24,-3-1 8,-1 2 8,2 1 0,-2-2-16,0 4 8,-1-2-32,0 2 0,0-2 24,-1 2 24,0 2-32,-2 1-8,1 2-16,-3 1 0,3 4 0,-3 3-16,0-1-16,0 3-8,-1 3 32,-1 0 8,0 1 16,0 0 16,3 0-8,1-1-8</inkml:trace>
+  <inkml:trace contextRef="#ctx0" brushRef="#br0" timeOffset="2">384-688 680,'2'6'-24,"1"-1"16,1-4 0,2-1 24,-1-2 24,0-4 0,1 2 16,-1-2-16,1-3 0,-2 0-8,1 0 16,1 1-40,-4 0-8,2 0 16,-1 1 8,-3 2 24,4-1 8,-4 3-8,0-3 8,-4 3-48,4 2-8,-3 1 0,-1 1 0,2 4-24,-4-1 16,1 3 8,1 0 0,-1 2-40,-1 0-8,0 2-32,1-1-8,1 0 8,1-1 32,-1 0 24,1 0 16,2-3-16,1 1 16,1-4-8,1 2-16,2-1 24,-1-2 0,0 0 8,-1 0 16,3-2 40,-3 0 48,3-2-24,0 1 16,0 0-40,-1-1 8,0-2-24,-2 1 0,3 0-8,-3 1 0,2 0-16,-3 0-16,1-2 8,-2 3-8,4-1 16,-3 1 8,-1 0 56,0 0 32,0 0-40,0 1-24,-5 0-64,3 0-48,-2 0-16,2 1-16,-4 0 16,1 1-8,0 1 16,-4 3 24,1-3 24,2 1 0,0 1 8,1-1 16,0 0 0,2-1-24,2-1 16,1 2-8,1-2-16,2 2 24,0-2 0,3 0-16,-2-2 16,0 0 8,3 0 16,-2-2 24,2 0 16,-1-1-8,-1 1-8,-1 0-8,1-3 0,0-1 0,1 1 0,-3-2-16,2 2 8,0-2 0,-3 2 8,2 0 0,-3 0 16,0 3-8,-1 0 0,0-1-24,-1 1 8,0 2-32,-3 0 0,2 0-48,-3 2-24,0 1-8,2-1 8,-3 2 32,0-1 8,-1 4 0,2-2 8,1 2 0,-1-4 24,1 2-16,3 1-8,1-2 24,1-1 16,2-1 16,-2 1 8,2-3-56,1 0-16,-2-3 48,3 2 32,1-1 16,-3-2 8,3 1-16,-1-4 8,0 1-32,-1-3 0,1-1 24,-1 2 8,-2-1-8,0 0-8,2 1-8,-3 1 0,-1 0-16,-1 0 8,-3 2 0,2 2 24,0-1-24,-2 2-16,2 2-40,-3 2 0,3 2 16,-2 1 8,2 1-16,-4 2 16,5 1 8,-3 0 16,4 3-8,-1-3-40,1 2 16,0-2-8,1-3 8,0-2 0,2 2 0,-2-5 32,1 0-8,2-3-8,-2 0 8,-1-6-8,3 4 0,-3-7 16,4 2-8,-4-4 16,2 3-16,-1-3 32,-1 5-24,-1-3 8,1 2-8,-1-1-32,0 3 8,0 1 8,0 0 0,-1 2 0,1 1 0,-1 2 0,-1 1 0,-1 3 0,2 2 0,-5 4-24,5 1 16,-3 4-8,4 0 0,-1 0 16,1-1 0,-1-3 0,2 0 0,-1-2-24,1-2 16,0 0 8,2-4 0,-2-2 16,2 1-8,0-4-8,-1 0 8,0-5-8,1 1 0,-2-5 32,1 3-16,2-4 48,-3 3-40,-1-1-8,1 3-8,-1-3-8,0 5 0,-1 2 16,1-2-8,-1 2-8,-3 2 8,2 2-48,1 0 24,-4 3-24,4 3 16,-5 1 0,4 3 8,-3 3 16,4 0 0,-3 1-24,2-1 16,1-2 8,1 1 0,-3-3-24,6-3 16,-3 0 8,1-1 0,1-4 16,2-1-8,-3-4-8,1-1 8,1-2-32,-1-3 16,0-3 8,2 3 0,-3-4 32,3 3-16,-3-3 48,0 3-40,1 0-8,-2 4-8,0-3-8,0 4 0,0 1 0,0 1 0,0-2 16,0 4-8,0-1 16,0 3-16,0-1-8,0 2 8,0 2-32,0 3 16,-2 0-48,1 1 32,-2 1-24,3 0 24,-3-1 0,3 1 8,-4-2 0,4 0 0,-2-4 0,4 3 0,-2-4 0,0 0 0,0-2 0,0 0 0,0-4 16,0 1 0,0-2 0,3 0 0,-2 0 0,2 0 0,-1-1 0,-1 1 0,0-1 0,1 3 0,2-1 0,-2 0 0,2 2 0,-2 1 0,3-1 16,-3 1-8,1-1-24,0 3 8,-1-2-8,2 2 0,-3-1 16,2 2 0,-1-1-24,1 0 16,-2 0 24,1 2-8,1-2 16,-2 5-16,-1-3-8,1 2 8,-1-2 24,0 4-16,-1-4-8,1 2 0,-4-1-64,2 1 32,-1-2-8,2 2 16,-4-4 32,4 2-8,-3-2-8,2 1 8,-1-1-32,2 0 16,-2-1-8,3 1 0,-4-2 16,4-1 0,-2 0 0,2-1 0,-1-1 0,2 2 0,-1-4 0,2 4 0,-2-2 0,3 0 0,-2 2-24,2 0 16,0 0-8,0 1 0,1-3 16,0 4 0,1-2 32,1 3-16,-3-1-24,2 1 0,-1-1 8,2 2 0,-2-1 0,2 0 0,-4 0 0,2 1 0,-3 0 16,0 2-8,-1-2-8,4 3 8,-8-1 8,4 1-8,-1-2 16,0 3-16,-3-2-8,2-1 8,-4 1-32,4-1 16,-6 3 40,4-3-16,-2-1 8,1 1-8,-1-2-32,1 1 8,-2-1-8,4 0 0,-2 0 0,0 0 0,1-1 16,2 1 0,0-2 0,-2 2 0,2-1-24,2 1 16,-1-1 8,1 0 0,-1 0-24,2 1 16,-1-4 8,3 4 0,1-2 0,-2 1 0,2-3-24,0 3 16,1-4 24,1 5-8,1-4-8,-1 2 8,2 0-8,-2 1 0,-3-4 0,3 5 0,-5-2 0,3 2 0,-3-1 32,0 2-16,-1-1-8,1 0 0,-2 0 8,0 1-8,-2 0-24,1 2 8,-2-1-48,0-1 32,-2 0-24,1 0 24,-1 1-16,1 0 16,-2 0 0,3-2 8,-3 0 32,4 3-8,-2-3-24,3 0 8,-4 0 8,5 0 0,0 0-24,1 0 16,-2 0-8,4 0 0,-2-3 0,0 3 0,0-2 16,1 0 0,0-2 0,1 3 0,2-5 0,-2 5 0,2-3-24,-2 3 16,3-1 8,-3 2 0,1-4 0,2 4 0,-1 0-24,0 0 16,-1 0 24,0 0-8,2 0 16,-3 0-16,-1 0-8,2 0 8,-2 0 8,0 0-8,-1 0 0,0 0 8,0 0-8,0 0 0,-1 0-32,1 4 16,-1-3 8,-2 0 0,1 0 16,1 2-8,-5-2-8,4 1 8,-2 1-8,2 0 0,-3-2-24,3 0 16,-1 1 8,2-1 0,-1-1-24,2 1 16,-1-1-8,2 0 0,-1 0 0,2 0 0,-1 0 32,1 0-8,1 0-8,1 0 8,0-1-32,1 1 16,1-1 8,0 1 0,0-2 16,0 1-8,-1-1 16,2 2-16,-2-2-24,2 2 8,-2-3 8,0 6 0,-2-3 0,2 2 0,-2-1 0,1 0 0,-4 0 32,2 2-16,-1-2-8,2 1 0,-3 1 8,1 0-8,-2-2 16,-2 0-16,0 2-8,3-1 8,-6 2-32,4-3 16,-4 0 8,2 0 0,-2 0 16,3 1-8,-4-2-8,2 1 8,-2-2-32,2 1 16,-2-2 8,4 2 0,-3-1-24,1 0 16,1-1 8,2-2 0,-1 2 0,2 2 0,-3-3-40,4 3 24,-2-2-8,2 1 8,0-4 16,2 3 0,-1-2 0,3 3 0,-1-3 16,0 1-8,2 0-8,0 1 8,0 0 8,0 2-8,3-2-24,-2 2 8,-2-4 8,2 4 0,0-2 16,0 2-8,-1-1-24,1 2 8,-2-2 8,0 1 0,-1-1 0,2 2 0,-1-1 16,1 0-8,-2 0-24,2 1 8,-3 1 24,2-2-8,-2 4 16,-1-2-16,1 0-8,-1 1 8,-1 2-8,2-1 0,-2 0 0,0-1 0,0 3 16,0-2-8,0-1-8,0 3 8,-2-4-8,2 1 0,-1-2 0,-1 2 0,-1-1 16,1 0-8,-1-2-8,2 2 8,-3-2-8,3 1 0,-4-1 0,3 0 0,-3-1 16,4 1-8,-4-2-24,3 2 8,0-4 8,2 3 0,-4-3 0,4 2 0,-2-1-24,2-2 16,-2 2 8,4 1 0,-2-1 0,0-2 0,0 2 0,1 0 0,-1 0 16,0-2-8,0 2-8,1 1 8,-1-1-32,2 2 16,-2-3-8,2 4 0,-2-3 16,2 3 0,-2-1 16,2 2-8,-1-1-8,2 0 8,-2 0 8,0 3-8,1 3 0,-2-1-32,0 2 16,-2-1-8,2 2 0,-1-2-40,0 3 32,-3-2-80,4 1 64,-2 1-56,2-2 56,-4 0 0,4 0 24,-2-1-24,2-1 24,-1 0-24,1 1 16,-1-4 0,2 3 8,-1-4 0,0 2 0,0-4 16,0-3 0,0 0 0,0-3 0,1 4 0,-1-6 48,2 4-24,0-5 24,0 5-24,-2-1-16,0 0 0,0-2 24,0 2-16,0 0 8,0 1-8,0-1-16,0 2 8,0-1 8,0 3-8,0-2-8,0 3 8,0-4-8,0 3 16,0 2-8,0 0-40,2 1 16,-2 0 8,1 5 8,-1-2 16,3 0-8,-3 3-24,0-1 8,0 2-32,0-1 24,0 3 8,1-2 8,-1 0-40,0 0 24,0 1-24,0 1 16,0-2-16,0 0 16,0-3-16,0 1 16,0-3 16,1 2 8,-1-5 48,0 4-24,0-5 24,0-2-24,0-1 24,0 1-32,0-4 48,2 3-40,-2-5 8,2 4-16,-2-4 8,1 2-16,-1-2-8,2 3 8,-2-3-8,0 3 0,0-4-24,0 5 16,0-1 8,0-1 0,0 0 0,0 2 0,0 1 0,0 1 16,0-2 8,0 4-8,0 0-16,0 0 8,0-1-8,0 1 0,0 2-24,0 2 16,0-1 8,2 4 16,-2-1-8,0 3 16,0-2-16,0 2-8,0-2-48,0 3-8,0 1 8,0-4 8,0 1 0,0 1 8,0-2 0,0-1 24,0 1 0,0-1 8,-2 0 0,2-3 16,0 1-24,0-3 0,0 0 24,0 0 8,-2 0-32,1-2 8,1 0 0,0-2 16,0 0-8,0-1-8,0-2 8,0 2-8,0-2 16,0 0 8,0 1 8,0-1 16,0 1-8,-2 1 0,0 0-24,2 1 8,0 1-16,0-2-8,0 3 40,-1 1 8,1-1-40,0 2 0,0 3-8,-1 3 0,1-3 16,0 2-8,0 2 16,0-1-32,0 2-16,0-1 16,0-1 16,0 3-16,0-1 0,0 0 8,0 0 0,0-2 0,0 1 0,0-3 0,0 1 0,0 0 0,0-3 0,0 0 0,0 1 0,0-1 16,0-2 8,0 0-8,0 4 8,0-4-32,0 0 0,-3 1-8,2 0 0,1-1 32,-2 1 8,0-1-32,-2 0 8,2 0 0,-2 0 16,1 1-8,-1-1-8,2 2 8,-2-1 8,2 0-8,-3 2 16,3-1-32,-2-1 0,3 0 8,-4 0 16,3 0-24,-1 0 0,0-1 24,0 0 24,-1 2-16,2-2 0,-2 1-8,2 1-16,-3 0 8,1 0-8,1-1 32,0 0 16,-3 0 0,3-1-8,-1 1-24,-2-1-16,4 2 8,-3-2-8,0 0 0,3 0 16,-2 0-24,0 0 0,-1 0 8,0 0 16,3-2-24,-3 2 0,3 0 8,-2-1 16,2 0-24,-2 0 0,1 1-8,-1 0 0,3 0 16,0 0 0,0 0 0,1 0 16,-2 0-24,0 0-16,2 0 16,-1 0 0,-1 0 8,2 0-24,0 0 16,0 0-8,-1 0-16,1 0-48,0 0-16,0 0 56,0 0 16,1 0 0,1 0 16,-1 1 8,1-1 16,1 1-24,-1-1-16,2 0 16,-1 0 16,1 0 0,1-1 16,-2 0-32,2 0-16,0-1 16,-1-2 16,1 3 0,0-1-8,-2 1 8,2 0-8,-2 0 16,0 0 24,0 0 0,1-1 0,-3-1-24,1 2 8,-1 0-16,1-1 16,-1 2 0,-1 0 8,0 0-16,0 0-8,0 0 8,0 0 8,0 0-8,-1 0-8,-2 0-8,0 0-24,-1 0 0,1 0 32,0 0 8,1 0 0,1 0-16,0 2-16,-3-2-8,4 0 16,-2 0 0,0 1-16,0-1 16,-1 1-8,-1 2-16,2-1 0,0-1 24,-2 0 0,3 0 8,-4 0 0,3 0 0,1 1-40,-2-1 8,2 1 0,0 0-8,0 1 32,-2-1 16,0 1 0,-1 0-8,2-1 8,-1 2-8,0-3 0,1 0 0,1 3-24,1-4 16,-3 0 24,3 0 8,0 0-32,-1 0 8,0 0-24,0 0 16,-4 0 8,3 0 0,-1 0-24,6 0 16,-3 0-8,0 0 0,2 0 16,3-3 0,-2 2 0,3-1 0,-1 1 0,-2-4 0,4 4 0,-1-4-24,0 4 16,1-3 8,0 2 0,0-1 16,-1 3-8,-1-3-8,0 3 8,-3-1-8,3 1 0,-4-1 0,2 2 0,-2-1 0,1 0 0,-2 0 16,1 0-8,-1 0 16,0 0-16,0 0 32,0 0-24,0 0 32,0 0-32,0 0-8,0 0 0,0 0 8,0 0-8,0 0-40,0 0 16,0 0-24,0 0 16,0 0 0,0 0 8,0 0 32,0 0-8,0 1-8,2 0-16,-1-1 8,2 0 8,-2 0 0,2 0 0,0 0 0,0-1 32,2 0 16,-3 0-40,2-1 0,-2-3-24,2 3-16,-4-1 0,3 1 24,-2-3 16,1 3 16,0-1-8,-1 0 8,0-1-16,-1-3-8,0 3 8,0-4-8,0 0 0,0 1 16,-1 1-8,0 1 16,-1-1-32,0 2-16,-2 0 16,4 0 16,-4 1 0,2 0-8,-1 2 8,0-1-8,-2 2 0,1 0 16,1 2-8,-3-2-24,3 2 8,-3 1 8,1 3 0,-1-1-40,3 3 24,-2 1-80,2-1 56,-2 0-40,4 2 48,-3-3 16,4 3 16,-2-4 0,4 2 0,-2-1-24,3-2 16,-2-1 8,0 1 0,1-3 16,0 0-8,-1-2 16,2 1-16,1-2 32,-2 0-24,2-4 48,0 2-40,1-3 24,1-1-24,0-4 24,0 5-32,-2-4 48,2 3-40,-4-4 64,3 6-56,-4-3 64,2 3-64,-3 0 24,3 2-32,-6 0 0,3 0-8,-4 0 8,2 3-16,-4-1-24,1 2 8,-2 1 8,1 2 0,-3 2-24,2-1 16,-1 3-32,1 0 24,0-1-24,1 2 16,0-1 16,1-1 8,2-2-40,0 3 24,2-1-24,1-2 16,0-3 0,1 3 8,2-1 16,-2-2 0,1-1 16,2 0-8,-3-1-8,1 2 8,2-4 8,2 1-8,-4-1-8,3-1 8,-2-5 8,5 4-8,-4-7-8,3 2 8,-2-2-8,-1 3 0,0-4 32,1 3-16,-4-1 64,1 5-48,-4 0 24,1 1-32,-4 1-32,1 3 0,-2 3-8,2 1 0,-3 4 32,2 0-8,-1 3-8,3-3 8,-2 3-8,3-1 0,-4-3-40,5 3 24,-2-2-8,3-2 8,-1 1 16,2-4 0,-1-2 0,3 3 0,-2-4 0,2 0 0,1-4 0,-1 2 0,0-4 16,0 0-8,2-3 16,0 3-16,-1-5 16,1 4-16,0-4-8,-1 1 8,0 0 24,-1 4-16,-1-3 64,1 4-48,-2 1 40,1 1-40,-2 2 16,-2-1-40,-1 5-24,0 4 0,0-1 16,2 3 0,-2 0 0,2-1-56,1 1 0,0-1 24,0-1 16,0 0 16,1-1 0,2-2-24,-2 1 0,1-2-8,-1-2 24,2 0 16,0-1 16,2-2-32,-3-1-8,2-4 24,-2 3 8,2-5-24,-1 2 8,0-2 16,-1 0 8,-1 0-32,-1 2 8,0 0 0,0 2 0,0 0 0,0 1 16,0 1-8,-1 2-8,1 1 8,0 2-8,-2 4-24,2-1 0,0 4 16,0 1 16,0 0-16,0 2 0,0-2 8,2-3 0,-1 1-24,0-1 0,0-3-8,2-2 24,0-1 0,1-1 8,-2-1 0,3-1 0,-3-2 0,2-3 16,-3-1-24,0 2 0,0 0 24,2-3 24,-3 1-32,0 2-8,0-2 0,0 3 0,0 0 0,-3 1 0,3 1 0,0 0 16,-1 3-8,0-3-8,1 3 8,-1 3-8,-2 2-24,3 1 0,0 2-8,0 0 24,0-2-16,0 2-8,0-2 0,3 1 24,-3-4-16,1 1 8,-1-2 0,1 3 0,0-4 16,2-1 0,-2-1 0,1-4 0,0 3 0,0-3 0,-1 0 0,0-3 16,1 0-8,-2 2 16,0-1 0,0 1 24,-2 0-8,1 2 0,-2 0-8,-1-1 0,0 2-16,2 1 8,-2 0-32,2 1 0,-3 1 8,3 1 0,-2 2-24,2 0 16,-3 1 24,3 2 8,1 2-48,-1 0 0,0 2 8,1-1 24,-2-1-16,3 0-16,0-2 16,0 1 0,-3-2 24,3 1 8,0-4-32,0 0 8,0-2-16,0 2 0,-1-1 32,1-1-8,-2 2-8,-2 0-16,2 0 8,-3-1-8,2 0-16,0 0 24,2 0 0,-1 1-16,1 0 16,1-2-8,0 0 0,0 0 0,0 0 0,1 1 16,1 0-24,-1 0 16,2-1 8,0 0 0,3-1 0,-1 1 0,-2-1 16,4 0-8,-1-3-8,2 3 8,-2-2-32,1-1 16,-2-2 24,2 4-8,-2-5-8,0 3 8,-1-4 8,1 5-8,-2-2-8,0 1 8,-1-3-8,2 4 0,-4-4 32,1 5-16,-2-3-8,1 2 0,-4-4-8,2 5 0,-1-3 0,1 3 0,-3-3 16,2 2-8,-1-1-8,1 2 8,-2-2-32,2 3 16,-2-2 24,4 3-8,-4-1-8,0 1 8,2 0-8,-1 1 0,-2 1-24,5 0 16,-3 1-32,2 0 24,-2 1-48,1 1 40,0 0 8,0 1 16,1 2 0,2-2 0,-1 1-24,1 2 16,-3-1 8,6-1 0,-3 1 0,1-2 0,-1 0-24,1-2 16,0-1 8,2 3 0,-2-5 0,0 1 0,0-2 0,2 0 0,0-2 16,0-1-8,0-4 16,2 3-16,-2-6 16,2 2-16,-3 0 16,3 0-16,-4-2 32,3 3-24,-3 1 32,0 1-32,-1 1-8,1 0 0,-1 1-8,0 3 0,0-2-24,0 2 16,-1 2-8,1 0 0,-1 4 16,1 2 0,0-2 0,0 1 0,0 0 16,1 0-8,0-1-8,2-2-16,-2 2 8,1-4-8,0 0-16,0 0 40,-1-2 24,0 0-8,-1-2-16,2 1 0,0-1 8,-2-3-24,0 3 0,0-1 8,0 0 16,0-1-8,0-1 16,0 2-16,-2 1-8,0-2 8,1 2-8,0 1-24,1 1 16,-2 3-8,-2 1 0,4-1 16,-1 2-24,2 1 16,-1-1-32,2 2 24,-2-4-8,2 1 8,0 0 16,-1-1 0,-1-3 16,0 1-8,1-1 0,-1-1-8,2 1 0,0-3-24,0 0 16,-2 1 8,2 0 0,-1-1 32,2 2-16,-2-5-8,0 3 0,1-1-8,0 1 0,-2-4 0,0 4 0,-2-4 16,2 3-8,-2-2-24,2 1 8,-1-3 8,0 5 0,-3-3 16,2 1-8,0 0 16,0 2-16,-2-1-8,0 2 8,-2 0 8,4 0-8,-4-1-8,0 3 8,0-1-32,0 2 16,1-1 8,2 3 0,-4-1 0,5 2 0,-4 0 0,1 1 0,1 1 0,2 2 0,-1-1-24,3 0 16,-1 0-8,1 1 0,0-1 16,1 0 0,1-1 0,-1 0 0,1-2 0,-1-1 0,1-2 0,1 2 0,0-4 0,-1 1 0,2-4 0,-2-2 0,2-1 0,-1 0 0,0-5 16,0 4-8,-2-4 32,3 5-24,-2-1 64,-1 2-48,-1-1 24,1 3-32,-1 0-16,0 2 0,0-2-32,0 2 16,-1 2-16,1 2 16,-1 2 8,1 0 0,-2 3-24,-1 3 16,1 1 8,2 2 0,-1-3 0,2 0 0,-1 0-24,1-4 16,0 1-8,2-4-16,-1 0 24,0-2 0,2-1 24,-3 0-8,0-1 16,3-2-16,-3 1 16,0-3-56,0 2 8,2 0 8,-2 1 8,0 1 24,0-2 8,2 1-32,-2 0 8,1 1 0,0-1 0,0 1-24,-1 0 16,0 0 8,-1 0 16,0 1-8,0 0 0,0 0-32,0 0 0,2 0-8,-2 0 24,2 0-40,0-3 0,-2 3 24,0-2 8,0 2-8,2 0 16,-2 0 24,0 0 8,0 0-48,0 0 0,0 0 40,0 0 0,0 0-8,0 0 8,0 0 8,0 0-32,0 0-8,0 0-16,0 0 24,0 0 0,-2 5 8,2-3-24,-2 0 16,2 1 8,0 1 16,0-1-24,0-1-16,2 0 32,-2 1 8,0-1-24,2 3-8,-1-3 8,2 1 16,-2-1 0,-1 3-8,1-3-16,1-1 8,0 1-8,-1 0 0,1-1 16,0 1 16,-2-2-24,0 0 0,2 0 8,-1-2 16,0 1-8,-1-1-8,2 1 8,0-1 8,-1 0-8,0-3-8,1 3-16,0-1 8,-2 1 8,0-3 0,0 3 0,0-2 16,0 2-8,-2-2-8,0 2 24,1-1 0,0 0-32,-1 1 8,0-2-16,1 1 0,0 1 16,1-1 16,-2 1-8,0-1-8,0-1-16,1 1 8,-1 1 8,2-2 0,-2 3 0,1-1 0,0 2 0,-2-2 16,2 1-24,1-1-16,0 1 16,-2-1 16,2 2 0,0-4-8,-2 2-16,0 1 8,0-2 8,1 2 16,1 0-8,0-1-8,-1 1 8,1-1 8,-2 1-8,2 0-8,-2-1-16,0 2-8,1-3 32,-2 3 8,2-1 0,0-1 8,0 2-32,-2 0 0,2 0 8,1 0-24,-2 2 16,-3 2 24,3-1 8,-1 3-32,2-1-8,-2 2 24,0 1 8,2-1 0,0 2-16,0-1-16,-1 1 8,0-1-8,2 0 0,0-2 0,0 1 0,0-2 16,2 1 0,0-4-24,-1-1 16,0-1 24,3-1 8,-1-1-8,-2-4 8,3 4-16,-3-4 16,0 0-16,3-1 16,-3-1-16,0-3-8,0 5 8,2-4-8,-2 2 0,-1 2 16,1 1-8,-1-2-8,0 3 24,0 1 16,0 2-16,0 1-16,0 3 0,0 1-8,0 1-24,0 3 16,0-2 8,0 2 0,0-3-24,1 1 0,2-2 16,-2-1 0,-1 1-16,2-3 16,-2 0 8,0 0 16,0 1-24,0-2 0,0 1 8,2 1 0,0 0 0,-1-2 16,0 3-8,1-2 16,0 0-32,-2 0 0,2 0 8,-2 1 0,0-1 0,0 1 16,0-2-24,0 4 0,2-2 8,-2 0 16,1 1-8,-1-2-8,0 2 8,3-1-8,-3-2-24,0 0 16,0 1-8,0-1 0,0 1 16,0-1 16,0 0-24,1 0 0,0 0 24,-1-1-24,0 0 0,0-4 8,0 1 0,0 0 0,0-3 0,0 1 0,0-2 16,-1-1-8,0 1-8,-2 1 8,0-1-8,1 0 16,-2 2 8,2-1-8,-2 2-16,1 0 8,0 1-8,2 1 0,0 0 0,0 0 0,1 2 0,0-1-24,-3 2 0,2-2 32,1 0 8,-1 1 0,0 1 8,-3-2-32,4 2-16,0 0-8,0 0 0,0 0 24,0 0-56,0 0 40,0 0-24,0 0 24,0 0 0,0 3 8,0-1 16,0 0 0,0 0 0,0 2 0,0-2 0,0 2 0,-1-2 16,1 0-8,-1 1 16,0 1-16,-3 0-24,4 2 8,-3-3-8,3 2 0,-4 1 16,4-1 0,-2 0 16,2 0-8,-2-1-8,4 0 8,-4 0-8,2-2 0,-2-2 16,4 1-8,-2-1 16,0 0-56,0 0-8,0 0 16,0 0 8,0-1 32,0-1 8,0-2-32,2-1 8,-1 0-16,0-3 0,0 0 16,2 2 16,-1-2-8,-1 1-8,-1 0-16,1 0 8,-1 0 8,0 1 16,0 1-24,0 0 0,0 0-32,0 2 8,0 0-24,-1 2 16,0 0-32,-1 1-8,-1 0-16,3 0 0,0 0 56,-2 1 16,-1 1 24,0 1 0,0-1-24,-1 4 16,2-2 8,-2 0 0,2 1 16,-3-3 8,2 2-32,0-1 8,2 0 0,-2 0 16,-1 0-24,2 0 0,1-2 8,1-1-24,0 0 16,0 0-8,0 0 0,1 0 16,1-1 0,-1-1 0,2-1 0,0 1 0,0-3 0,0 2 16,0-3-8,2 2-8,-1 0 8,-2 0-8,2 1 0,-1-3 0,-2 5 16,1-1 8,0 1 40,-1 0 40,-1 0-56,0-1-24,0-1-16,0 3 8,0 0 24,0 0 0,0 0 16,0 0-48,0 0 8,0 0-24,0 0-16,0 0-8,0 3 24,1-1-16,0-2-8,2 1 40,0 0 8,1-1-24,-2 0-8,3 0 24,-4 0 8,0 0-24,0 0 8,2 0 0,-2 0 0,-1 1 0,0-1 16,1 0 40,-1 2 48,0-1-40,0 1-16,-1 3-24,0-2-24,-2 1-16,1 3-8,-3-1 32,3 0 24,-2 1-8,2 0 0,-3 0-24,3 1-8,-1-1 8,1 0 16,1-1-24,-2-2 0,3-1 8,0 3 0,0-4-24,0 1 16,0 0-8,0-1-16,0 2 24,0-3 16,0-1 16,0 0 8,0 0-16,0 0-32,0 0 8,3-1 8,-3-3 16,1 2-24,1-3 0,0 1 8,-1-3 0,0 1 0,0-2 16,-1 0-8,0 2-8,0-2-16,0 1 8,0 2 8,0-1 0,0 2 0,-1-2 0,0 2 16,0-1 8,-1 1-8,0 1 8,1-2-32,-2 2-16,0 0 32,2 1 8,-1-3-24,-2 3 8,3 1 0,0 0 0,-2 1-24,1 0 16,1 1 8,-1 0 0,1 1-24,-1 4 0,1-2 16,-1 3 16,1-1-56,1 3-24,0 3 40,0-2 8,0 3 0,0-1 16,1-2-8,1 0-16,-1-1 24,1-1 16,-1-3-16,1-1 0,-1-1 8,1-3 16,1 0-24,-2 0-16,1-2 32,1-1 24,-2 0-8,0-1 0,0-3-24,2 0-24,-3 0 32,3 1 8,-2-2 16,-1 0 0,0 2 0,0-2 0,-1 2-40,-2-1 8,3 1 0,0 0 16,-3 2-8,2-1-8,1 3 40,0 0 32,-1 1-80,1 0-8,0 1 8,0 0 16,0 2-16,0 2 0,0 3-8,0-1 0,0 2 0,1-1 0,0 1 32,2 1 8,-3 0-8,3-3 8,-2 2-32,1-2 0,0 1-32,-1-2 8,0 0 16,0-2 24,2-1-16,-1-1 0,-1-2 8,0-1 16,-1-1-24,0-2 0,0 0-8,0-2 0,0 2 32,0 0 8,0-2-32,0 4-8,3-3 24,-3 3 8,0 0-40,0 1 0,0-1 8,0 2 8,0-1 8,0 2 16,0 0-8,0 3-24,0 2-8,0-1-8,0 0 24,0 2 16,0-2 16,0 0-32,0 1 8,0-1 0,0 0 0,0 0 0,0-2 16,-3 1-8,3 0-8,-1-1 8,1-2 8,0 0-48,0 0 8,0-2-8,0-1 16,0-1-8,0-3 8,0 2 16,0-1 16,0-1-8,0 1-8,0 3 8,0-3-32,0 4 16,0-5 8,1 4 0,-1-2 0,3 2 0,-3 0 16,1 0-8,-1 0-24,0 0 8,0 0 8,0 3-24,0 0 16,0-2 8,1 2 0,0-2 0,3 1 0,-3-2 0,0 3 0,-1-1 16,0 1-8,0-2 16,1 1-16,-1 0-8,0 1 8,0-1-32,0 2 16,0-2-8,3 1 0,-3-1 16,0-3 16,1 4-8,0-2 0,-1-1 8,1 3-8,-1-2-8,0 2 8,0-1-8,0 2 0,0-1-24,0 0 16,0 0 40,0 0-16,0-1-8,0 1 0,0-2-8,0 4 0,-1-2 16,0 0-8,-3 0-8,2 1 8,-4 0 8,4 0-8,-3 1 64,0-1-40,2 1 24,-1-2-32,-3 0-16,5 0 0,-3 0-8,3 4 0,-4-3 0,3 0 0,-2-1 16,1 0-8,0 0 16,2 0-16,-2 0 32,3 0-24,-4 0 8,3 0-8,0 0-16,0 0 8,1-1 8,0 1 8,-3-1 8,4-3-56,-2 4 0,2 0 8,-1-2-8,1 1 8,-1-2-72,2 2 48,-1-2-144,0 3 104,0-3-88,1 1 96,1 0-16,2 2 56,-3-3 16,2 3 16,0-1-40,3 1 24,-2-1-64,0 2 48,2-1-24,0 0 32,-2 0 0,2 1 8,-1 0 16,-2 2 0,0-2 0,3 1 0,-3 1 0,-1-1 0,3-1 0,-3 0 0,1 0 0,-2 1 0,0-1 0,0 1 0,3-2-24,-3 4 16,0-3 24,0 0-8,-1-1 16,3 0-16,-3 0 16,0 1-16,0 0-8,0 1 8,0-1-8,0 2 0,0-2 16,0 1-8,0 0 16,0-2-16,0 0 32,0 2-24,0-2-8,0 4 0,0-2-8,0 2 0,0-4 0,1 2 0,-1-1 0,1 2 0,-1-2 0,1 1 0,2-1 0,-2 0 0,-1 1-24,2 0 16,0 0 24,0 2-8,-1-1 0,0-1-8,1-1 0,-2 1 0,2-2 0,-2 2-24,2-1 16,-2 2 24,2-1-8,-2-1-8,1 1 8,2-1-32,-2 1 16,0 0 8,1-2 0,0 3 0,-1-2 0,-1 0 0,2 0 0,-2 1 16,2-1-8,-2 0-8,2 0 8,-1-1-8,-1 0 16,0 0-8,0 2-8,0 1 8,0-2-8,0 0 0,0 0 0,0 0 0,0 1 0,0-2 16,0 1-8,-1 1-8,1 0 8,-2-2-8,2 4 0,-2-3-24,2 0 16,-2 0 8,4 1 0,-2-1 0,0 1 0,0-2 16,0 0-8,0 0 0,0 0 56,0 4-32,0-4 40,0 1-40,-2-1-32,2 1-8,-1-1 8,1 1 0,-2-1 0,4 0 0,-4 0 0,0 1 0,0 1 16,-1-1-8,0-1 16,3 1-16,-6-1 16,4 0-16,-4-1-8,2 0 8,-2-2-8,4 1 0,-5-5 0,2 4 0,-2-1 0,5-1 0,-6-1 0,5 3 0,0-4 0,0 3 0,0-1 0,0 0 0,0 0-40,3-1 24,-3 1 24,3 2 0,-3-4 32,3 4-24,-3-1 48,3 3-40,-4-2 8,4 2-16,-3-1-80,3 4 32,-3-2-8,3 2 24,-3 1 16,2 0 0,-4 0 0,4 1 0,-2 0 0,1 1 0,0-2 0,-2 4 0,2-2-24,1 3 16,-2-3-8,3 2 0,-3-3 0,2 3 0,-4-3 16,5-1 0,-2 0 0,2 3 0,-3-4-24,6 0 16,-3-2-8,0 0 0,0-1 16,1 1 0,-1-1 0,1 0 0,1-4 0,1 5 0,-2-5 0,0 3 0,1-5 0,1 2 0,0-4 0,2 3 0,-2-4 0,1 2 0,1 2 32,-3 1-16,0-2 64,1 3-48,-2 0 80,1 2-64,-2 0 40,0 2-48,0-2 0,0 2-24,0 0-32,0 0 8,0 0-8,0 0 0,-2 0 32,2 3-8,-1 0-8,-1 1 8,-1 0-32,2 3 16,-3-2-8,2 0 0,-2 1-88,2 2 48,-4-2-112,6 1 96,-4-1-16,2 2 48,-2-3 8,1 2 16,0-1 16,2-1 0,-3 1 16,4-3-8,-2-1-8,2 3 8,-4-1-8,4-2 0,0-1 0,0 0 0,-2-1 0,2 2 0,-1-2 0,2 0 0,-1 0-24,0 0 16,0 0-16,0 0 16,0 0-64,0 0 40,0 0-24,0 0 32,0-2 32,0 2 0,0-2-8,2 0 8,-2-5-8,5 4 0,-4-1 16,3-2-8,-2 1-8,3-1 8,-4 1-32,2 2 16,-1-3 8,-1 3 0,0-2 16,1 1-8,-2 0-8,4 1 8,-3 0-8,0 0 0,1-1 0,0 3 0,-1-2 0,0 3 0,-1-2 16,2 2-8,-2-3-8,3 3 8,-3-1-8,1 1 0,-1-2 0,1 4 0,-1-4 16,2 2-8,-2 0-24,1 0 8,-1-2-8,2 2 0,-1-1 16,1 1 0,-1-2 0,2 2 0,-2-1 0,1 1 0,-1-2 0,1 2 0,-1 0 0,1 0 0,-2 0 16,1 0-8,-1 0 0,0 2 8,0-1-8,-1 1 32,1 1-24,-2 0-8,1 2 0,-2-1-32,1 3 16,-3-2 8,3 3 0,-2-4 0,2 3 0,-3-2 0,3 0 0,-2 1 16,2-3-8,0 0 32,-2 2-24,2-2 32,2-1-32,-1-2 32,2 0-32,-2 0 32,1 1-32,-1-1 8,2 0-8,-1 0-8,-1 0 8,-1 0-8,-1 0 16,3 0-16,-1 0-8,2 0 8,-2 0 8,1 0-8,-3 0-24,6 0 8,-3 0-8,0 0 0,-3 0 16,1 0-24,4 0 16,-2 0-32,0 0 24,-2 0-8,2 3 8,-2-2 0,2 1 0,-3-2 0,6 0 0,-3 0-24,0 0 24,0 0 8,0 0 24,0 0-8,1 0 0,-1 2-8,1-2 0,1 0 0,1-2-24,-1 2 16,0-2 8,1 2 0,-2-3 0,1 2 0,2-2 16,-2 2-8,0-4 32,0 4-24,-1-2 8,0 2-8,1-2-16,1-1 8,-2 1-8,0 1 0,1 0 0,-1 1 0,1-3 0,-1 4 0,-1-2-24,0 2 16,0-3 40,0 3-16,0-2 8,0 4-8,0-2 8,0 0-16,0 0 0,-1 0-32,1 3 16,-3-1-8,1 3 0,0-3 0,2 3 0,-5-1-56,5-2 40,-2 0-56,2 1 48,-2-2-72,2 2 72,-2 0-56,1-1 56,-4-1 16,5 2 24,-3-2 0,2 3 0,-3-1 0,4-1 0,-2-1 16,2 1-8,-5-2 16,5 2-16,-2-1 16,2 0-16,-4-1-24,4 0 8,-2 0 8,-2 0 0,2 0 0,2 1 0,-4-1 0,4 3 0,-2-3 0,2 1 0,-1-1 0,1 1 0,-3-1 0,6 0 0,-3 0-40,0 0 24,0 0 8,0-1-16,1 0 16,0-3 8,0 3 0,2-4 16,0 3-8,1-4-8,-1 1 8,1 1-32,2 1 16,-4-4 8,3 5 0,-2-4 16,2 4-8,-2-2-24,1 3 8,1-1 8,-1-1 0,-1 1 0,0 2 0,1-2 0,-1 2 0,-2-1 0,1 2 0,-1-1 16,1 0-8,-2 0 80,0 0-40,0 0 40,0 0-48,0 0-32,0 0-16,-2 2 24,2 0-8,-1-2-24,1 3 8,-2-2 8,2 0 0,-3 0 16,2 2-8,-3-2-8,2 1 8,-2 2-32,2-2 16,-3-1 24,3 2-8,-2-2-8,2 3 8,-4-2-8,6-1 0,-3 0 0,2 0 0,-3-1 0,4 1 0,-1-1-24,1 1 16,-1-1 8,-2 2 0,0-2 0,2 1 0,-2-1 0,3 2 0,-1-2 0,1 2 0,-1-2 0,1 2 0,-1-2 0,2 0 0,-1 0-24,0 0 16,0 0-32,0 0 24,0-2-8,0 2 8,0-4 32,1 3-8,0-3-8,2 1 8,-1-6 8,3 5-8,-3-7 16,3 2-16,-2-3-24,3 4 8,-1-3 24,1 3-8,-4 2 16,1 1-16,-1 1-8,-1 1 8,1 1-32,-1 0 16,-1-1 8,3 3 0,-3-2 0,0 0 16,1 4-8,-1-2 0,0 0 8,0 0-8,0 0 0,-1 0-8,1 2 0,-3 1 0,3 1 0,-3-1 0,3 1 0,-1 1-24,1-1 16,-3 0-32,3 2 24,-2-2-64,2 3 48,-1-4-40,0 2 40</inkml:trace>
+  <inkml:trace contextRef="#ctx0" brushRef="#br0" timeOffset="3">570-810 192,'0'-2'88,"0"2"-72,-1 0-16,-2 0-40,6 0 16,-3 0 16,0-1 24,0 1-8,0-1 80,0 2-40,0-1 64,0 0-64,0 0-8,0 0-24,0 0-8,-3 1-8,1 1 0,1 3 0,-3-3 0,1 1 16,-1 0 8,2 2 8,-2-2 0,2 1 16,-3 1-24,1 0-16,0 1-24,-2 1 8,2 2 24,-2-1 8,2 0 8,-1 0 16,1 0-24,-2-3-16,4 0 16,-2 1 16,2-3 0,0 0 0,-1 0-24,3-3 8,0 2 0,0-2-32,-1 0-8,0 3 8,-2-1 16,3-1-40,-2 0 8,1 2 8,1-3 24,-1 3 0,-2-3 0,3 0-32,0 0 16,0 0-80,0 0 48,0 0-72,0 0 64,0 0-152,0 0 112,0-4-136,0 2 128</inkml:trace>
+  <inkml:trace contextRef="#ctx0" brushRef="#br0" timeOffset="4">517-675 320,'0'0'128,"0"0"-96,-1 0-16,1 0 16,-1 0 24,0 4 48,-1-4-56,-1 0-8,-1 2-24,2-1-16,1 0 8,-4 1-8,5-1 16,-3 1 8,0-2-8,1 2-16,1 0 8,-2 0 8,2-2-8,1 0 16,0 0 0,-3 0-8,0 2-8,3-2 8,-2 1-24,2-1 0,-3 2 24,1-2 8,1 1 8,-1-1 16,0 2-40,2-2-24,-3 0 8,1 0 16,-1 1 16,1-1 8,-3 2 0,4-2 16,0 0-24,0 0 0,1 0-32,-2 0 8,2-2 0,0 2 16,0 0-24,0 0 0,0 0-32,0 0 8,0 0-232,0 0-104</inkml:trace>
+  <inkml:trace contextRef="#ctx0" brushRef="#br0" timeOffset="5">491-667 288,'0'0'104,"-1"2"-80,0-2 88,1 0 24,0 0-40,0 0 8,0 0-32,-4 1 0,3 1-24,-1-2-8,-3 4-8,3-2 16,-2-1 8,2 0 8,-3 0-32,2 1-8,0-1 8,1-1 0,-2 2-16,1-1-16,0 2 8,0-2 8,0 0-8,1 0 16,0-1-16,0 1 16,2-1 16,-1 0 32,1 0-32,0 0-8,0 0-16,0 0-8,0 0-48,0 0 8,0 0 0,0 0-8,0 0 32,0 0 0,1 1-16,1-1 16,0 0 8,1 2 16,0 0-8,2-2 16,1 0-32,-3 0-16,2-2 16,2 0 0,-1 2 8,0-1 16,-3 0-24,2 0-16,0 0 48,-2 1-16,1-1 0,-1 1 0,0-3 8,-1 3-8,0-1 16,0 2-16,-1-1 0,-1 0 8,0 0-8,0 0-24,0 0 8,0 0-8,0 0 0,0 0 32,0 0-8,0-1-40,0 1 16,-1-2-24,1 2 16,-2-1 0,2 2 8,-4-1 16,1 0 0,-1 0-24,1 0 16,0 0-8,-2 0 0,0 0 16,3 0 0,-4 0-24,4 0 16,-4 0 24,0 2-8,-1-1 16,1 2-16,-1-3-8,0 1 8,1-1-240,2 0 128,-2 0-344,3 0 248</inkml:trace>
+  <inkml:trace contextRef="#ctx0" brushRef="#br0" timeOffset="6">549-731 128,'3'-5'64,"-2"2"-48,2-2 8,-3 1 24,2 0 24,0-1 16,2-1-24,-3-1 0,0 0-8,1 3 8,0 1-32,-2-2-24,2 1 0,0 0 8,0 2 80,-1-3 56,-1 4-32,0 0 0,0 0-72,0-1-16,0 2-40,0 0 24,0 3-24,-1 2 0,1-1-8,-2 1 0,0 3 0,0-1 0,2 2 48,-2 1 16,0-2-40,2-1-16,0 0-24,-1-1 24,1-1 0,0 3 24,0-2-8,0-3-8,0 2-16,0-3 8,0 2 8,0-4-24,0 0 16,0 0 24,0-1-24,0-3 0,0 1 8,0-1 16,1-2-24,-1 0 0,2-1 24,0-1 8,-2 0-48,0-3 0,0 0 24,0 2 16,0 1-24,0 2-8,0-1 8,0 2 0,2 0 8,0 1 16,-2 1-8,0-2-8,0 3 8,0 0-8,0 1 0,0 0 16,0 1-24,0 0-16,0 0 16,0 1 16,0 0 0,0 1-8,0 0-32,0 3-16,0-2 40,0 2 16,0 2 8,0-1-16,0 2 24,0-1 0,0 2-8,0 2-16,0-4-16,0 1 8,0-1 8,0 0 0,0 0 0,0-1 0,0 0-24,0 0 16,0-1 8,0-2 0,0 2 16,0-1 8,0 0-32,0-2 8,0 2 0,0-2 16,0-2-48,0 0-8,0 3-8,0-3 32,0 0 8,0 0 24,0 0-24,0 0 0,0 0-8,0 0 0,0 0 32,0 0 8,0 0-32,0 0 24,0 0-80,0 0-32,0 0 8,0 0 32,0 0-56,0 0-8,2-3-64,-1-1-16</inkml:trace>
+  <inkml:trace contextRef="#ctx0" brushRef="#br0" timeOffset="7">491-818 416,'-2'0'176,"2"0"-144,-4 1 56,2-1 48,2 1-72,-4-1 40,4 3-64,-3-3 16,2 1-32,-4-1 24,2 1-32,-4 0 32,4 2-32,-5-2 8,3 2-8,-3 1 24,2-2-24,-1-1 8,3 0-8,-1 1-48,4 0 16,-1-2-24,2 0 16,0 0 16,3 0 8,2-2 0,2 0 0,0 0 0,1 0 0,1-5 0,1 2 0,0-4-72,-1 4 40,1-2-80,2 1 72,-1 0-8,-5 3 32,2-1 16,-2 3 0,-3-3 0,3 4 0,-5-1 16,2 1-8,-2 1 0,-2-1-48,1 4 24,-2-2 24,1 1 0,-2 0 16,1 1-16,-3-2-8,2 2 8,-2-2-8,3 2 0,-4-1 0,4-1 0,-4 1 0,1 1 0,0 0 16,3-1-8,-5 1-8,2 3 8,-2-4-8,3 3 0,-5 0 0,3 1 0,-3-1 0,1 2 0,-2-4 0,5-1 0,-4 0 0,3-1-24,1 3 16,1-4-8,2 0 0,1 0 16,1-1-24,0 0 0,0 0 16,1-1 16,1 0-16,2-2 0,1 0 8,1 1 16,0-3-24,2 0 0,1-1 8,-1 3 0,-1-2 16,-2-2 8,2 4-32,-3-2-8,2 0 8,-1 2 0,-2-1 8,1 1 0,-2 2 0,2-2-40,-3 3 24,0-1-136,0 1 88,-1-1-80,3 2 80,-3-1 24,0 0 16,0 0 40,0 0-8,0 0 16,-3 1-16,2 2 0,-1-1 8,-2 2-8,2-2 48,1 0-32,-3-1 96,3 0-64,-5 1 56,4 0-56,-6 0 72,2-2-72,0 3 80,-1-2-80,-1 0-8,1 0-32,0 0-16,1 0 8,0 1-8,3 1 0,-1-3-128,3 0 72,1 0-312,1 0 208</inkml:trace>
+  <inkml:trace contextRef="#ctx0" brushRef="#br0" timeOffset="8">389-775 448,'-3'0'176,"3"0"-144,-5 2 56,1-2 0,4 2-48,-2-2-24,1 3-8,-5 2-8,5-1 0,-3-1 0,4 1 0,-2-4 0,2 2 0,-4-2-40,8 0 24,-4 0-24,2 0 16,2 0 32,0-2 0,2-3-8,0 0 8,4-4 24,-3 3-16,0-1 8,0 1-8,-3 1 112,0 3-72,-2-1 120,1 1-104,-4 2-32,1 2-24,-5 1-40,2 1 16,-4 2 24,3 0-8,-3 2-8,1 2 8,0-3-48,1-1 24,2-1-200,0 1 112,1-3-288,1 1 224</inkml:trace>
+  <inkml:trace contextRef="#ctx0" brushRef="#br0" timeOffset="9">490-698 128,'0'0'64,"0"0"-48,0 0-24,0 0-16,0 1 16,0 0 0,1 0 8,2 0-24,0 1 16,1-1 8,-2 0 0,4-1 0,0 2 0,0-2 16,1 0-8,0-2-24,1 2 8,-2-1 24,3 0-8,-3-2 16,0 3-16,-1-2 32,-1 2-24,1-1 184,-3 2-104,-2-1 152,2 0-144,-4 0-32,2 0-48,-2 0-24,0 0 8,-4 0-32,2 2 16,-3 1-8,3-1 0,-2 2 16,0-1 0,0-1-24,4 1 16,-4 1-8,5-1 0,-3-2 32,3 0-8,-2 0-8,3 0 8,-2 1-48,4 1 24,-2 0 8,0 0 8,0-1-24,2 1 16,-1-2 24,0 2-8,1-3-8,1 0 8,0 0-32,1 0 16,-1-3 8,1 2 0,2-2-24,0 3 16,-2-2 8,3 1 0,-3-4-144,2 5 80,-3-2-184,0 2 136</inkml:trace>
+  <inkml:trace contextRef="#ctx0" brushRef="#br0" timeOffset="10">631-716 416,'0'0'176,"0"0"-144,-3 2-32,0 1-40,3 0 16,-1 1 24,0-1 8,-3 4 16,4-2-16,-2 0-24,2 0 8,-5-2-8,5 2 0,-1-4 32,1 2-8,-1-3-96,2 0 56,-1 0-152,0 0 104</inkml:trace>
+</inkml:ink>
 </file>
 
 <file path=ppt/slideLayouts/slideLayout1.xml><?xml version="1.0" encoding="utf-8"?>
@@ -3778,6 +4044,391 @@
           </a:fontRef>
         </p:style>
       </p:cxnSp>
+      <mc:AlternateContent xmlns:mc="http://schemas.openxmlformats.org/markup-compatibility/2006">
+        <mc:Choice xmlns:p14="http://schemas.microsoft.com/office/powerpoint/2010/main" Requires="p14">
+          <p:contentPart p14:bwMode="auto" r:id="rId2">
+            <p14:nvContentPartPr>
+              <p14:cNvPr id="2" name="墨迹 1">
+                <a:extLst>
+                  <a:ext uri="{FF2B5EF4-FFF2-40B4-BE49-F238E27FC236}">
+                    <a16:creationId xmlns:a16="http://schemas.microsoft.com/office/drawing/2014/main" id="{30B255F5-AB9C-4D95-B2E3-F318EEB0DD72}"/>
+                  </a:ext>
+                </a:extLst>
+              </p14:cNvPr>
+              <p14:cNvContentPartPr>
+                <a14:cpLocks xmlns:a14="http://schemas.microsoft.com/office/drawing/2010/main" noChangeAspect="1"/>
+              </p14:cNvContentPartPr>
+              <p14:nvPr/>
+            </p14:nvContentPartPr>
+            <p14:xfrm>
+              <a:off x="532600" y="4320178"/>
+              <a:ext cx="297406" cy="93600"/>
+            </p14:xfrm>
+          </p:contentPart>
+        </mc:Choice>
+        <mc:Fallback>
+          <p:pic>
+            <p:nvPicPr>
+              <p:cNvPr id="2" name="墨迹 1">
+                <a:extLst>
+                  <a:ext uri="{FF2B5EF4-FFF2-40B4-BE49-F238E27FC236}">
+                    <a16:creationId xmlns:a16="http://schemas.microsoft.com/office/drawing/2014/main" id="{30B255F5-AB9C-4D95-B2E3-F318EEB0DD72}"/>
+                  </a:ext>
+                </a:extLst>
+              </p:cNvPr>
+              <p:cNvPicPr>
+                <a:picLocks noChangeAspect="1"/>
+              </p:cNvPicPr>
+              <p:nvPr/>
+            </p:nvPicPr>
+            <p:blipFill>
+              <a:blip r:embed="rId3"/>
+              <a:stretch>
+                <a:fillRect/>
+              </a:stretch>
+            </p:blipFill>
+            <p:spPr>
+              <a:xfrm>
+                <a:off x="507457" y="4294978"/>
+                <a:ext cx="347692" cy="144000"/>
+              </a:xfrm>
+              <a:prstGeom prst="rect">
+                <a:avLst/>
+              </a:prstGeom>
+            </p:spPr>
+          </p:pic>
+        </mc:Fallback>
+      </mc:AlternateContent>
+      <mc:AlternateContent xmlns:mc="http://schemas.openxmlformats.org/markup-compatibility/2006">
+        <mc:Choice xmlns:p14="http://schemas.microsoft.com/office/powerpoint/2010/main" Requires="p14">
+          <p:contentPart p14:bwMode="auto" r:id="rId4">
+            <p14:nvContentPartPr>
+              <p14:cNvPr id="18" name="墨迹 17">
+                <a:extLst>
+                  <a:ext uri="{FF2B5EF4-FFF2-40B4-BE49-F238E27FC236}">
+                    <a16:creationId xmlns:a16="http://schemas.microsoft.com/office/drawing/2014/main" id="{CE35C5AF-3FB2-4E32-A4FC-9807329C421F}"/>
+                  </a:ext>
+                </a:extLst>
+              </p14:cNvPr>
+              <p14:cNvContentPartPr>
+                <a14:cpLocks xmlns:a14="http://schemas.microsoft.com/office/drawing/2010/main" noChangeAspect="1"/>
+              </p14:cNvContentPartPr>
+              <p14:nvPr/>
+            </p14:nvContentPartPr>
+            <p14:xfrm>
+              <a:off x="536297" y="4519378"/>
+              <a:ext cx="297406" cy="93600"/>
+            </p14:xfrm>
+          </p:contentPart>
+        </mc:Choice>
+        <mc:Fallback>
+          <p:pic>
+            <p:nvPicPr>
+              <p:cNvPr id="18" name="墨迹 17">
+                <a:extLst>
+                  <a:ext uri="{FF2B5EF4-FFF2-40B4-BE49-F238E27FC236}">
+                    <a16:creationId xmlns:a16="http://schemas.microsoft.com/office/drawing/2014/main" id="{CE35C5AF-3FB2-4E32-A4FC-9807329C421F}"/>
+                  </a:ext>
+                </a:extLst>
+              </p:cNvPr>
+              <p:cNvPicPr>
+                <a:picLocks noChangeAspect="1"/>
+              </p:cNvPicPr>
+              <p:nvPr/>
+            </p:nvPicPr>
+            <p:blipFill>
+              <a:blip r:embed="rId3"/>
+              <a:stretch>
+                <a:fillRect/>
+              </a:stretch>
+            </p:blipFill>
+            <p:spPr>
+              <a:xfrm>
+                <a:off x="511154" y="4494178"/>
+                <a:ext cx="347692" cy="144000"/>
+              </a:xfrm>
+              <a:prstGeom prst="rect">
+                <a:avLst/>
+              </a:prstGeom>
+            </p:spPr>
+          </p:pic>
+        </mc:Fallback>
+      </mc:AlternateContent>
+      <mc:AlternateContent xmlns:mc="http://schemas.openxmlformats.org/markup-compatibility/2006">
+        <mc:Choice xmlns:p14="http://schemas.microsoft.com/office/powerpoint/2010/main" Requires="p14">
+          <p:contentPart p14:bwMode="auto" r:id="rId5">
+            <p14:nvContentPartPr>
+              <p14:cNvPr id="19" name="墨迹 18">
+                <a:extLst>
+                  <a:ext uri="{FF2B5EF4-FFF2-40B4-BE49-F238E27FC236}">
+                    <a16:creationId xmlns:a16="http://schemas.microsoft.com/office/drawing/2014/main" id="{846A2424-5FCE-4E9E-9A77-66B80DB63864}"/>
+                  </a:ext>
+                </a:extLst>
+              </p14:cNvPr>
+              <p14:cNvContentPartPr>
+                <a14:cpLocks xmlns:a14="http://schemas.microsoft.com/office/drawing/2010/main" noChangeAspect="1"/>
+              </p14:cNvContentPartPr>
+              <p14:nvPr/>
+            </p14:nvContentPartPr>
+            <p14:xfrm>
+              <a:off x="527367" y="4718578"/>
+              <a:ext cx="297406" cy="93600"/>
+            </p14:xfrm>
+          </p:contentPart>
+        </mc:Choice>
+        <mc:Fallback>
+          <p:pic>
+            <p:nvPicPr>
+              <p:cNvPr id="19" name="墨迹 18">
+                <a:extLst>
+                  <a:ext uri="{FF2B5EF4-FFF2-40B4-BE49-F238E27FC236}">
+                    <a16:creationId xmlns:a16="http://schemas.microsoft.com/office/drawing/2014/main" id="{846A2424-5FCE-4E9E-9A77-66B80DB63864}"/>
+                  </a:ext>
+                </a:extLst>
+              </p:cNvPr>
+              <p:cNvPicPr>
+                <a:picLocks noChangeAspect="1"/>
+              </p:cNvPicPr>
+              <p:nvPr/>
+            </p:nvPicPr>
+            <p:blipFill>
+              <a:blip r:embed="rId3"/>
+              <a:stretch>
+                <a:fillRect/>
+              </a:stretch>
+            </p:blipFill>
+            <p:spPr>
+              <a:xfrm>
+                <a:off x="502224" y="4693378"/>
+                <a:ext cx="347692" cy="144000"/>
+              </a:xfrm>
+              <a:prstGeom prst="rect">
+                <a:avLst/>
+              </a:prstGeom>
+            </p:spPr>
+          </p:pic>
+        </mc:Fallback>
+      </mc:AlternateContent>
+      <mc:AlternateContent xmlns:mc="http://schemas.openxmlformats.org/markup-compatibility/2006">
+        <mc:Choice xmlns:p14="http://schemas.microsoft.com/office/powerpoint/2010/main" Requires="p14">
+          <p:contentPart p14:bwMode="auto" r:id="rId6">
+            <p14:nvContentPartPr>
+              <p14:cNvPr id="20" name="墨迹 19">
+                <a:extLst>
+                  <a:ext uri="{FF2B5EF4-FFF2-40B4-BE49-F238E27FC236}">
+                    <a16:creationId xmlns:a16="http://schemas.microsoft.com/office/drawing/2014/main" id="{272BAF1F-1283-4935-874D-43C7B9D54533}"/>
+                  </a:ext>
+                </a:extLst>
+              </p14:cNvPr>
+              <p14:cNvContentPartPr>
+                <a14:cpLocks xmlns:a14="http://schemas.microsoft.com/office/drawing/2010/main" noChangeAspect="1"/>
+              </p14:cNvContentPartPr>
+              <p14:nvPr/>
+            </p14:nvContentPartPr>
+            <p14:xfrm>
+              <a:off x="527367" y="4917778"/>
+              <a:ext cx="297406" cy="93600"/>
+            </p14:xfrm>
+          </p:contentPart>
+        </mc:Choice>
+        <mc:Fallback>
+          <p:pic>
+            <p:nvPicPr>
+              <p:cNvPr id="20" name="墨迹 19">
+                <a:extLst>
+                  <a:ext uri="{FF2B5EF4-FFF2-40B4-BE49-F238E27FC236}">
+                    <a16:creationId xmlns:a16="http://schemas.microsoft.com/office/drawing/2014/main" id="{272BAF1F-1283-4935-874D-43C7B9D54533}"/>
+                  </a:ext>
+                </a:extLst>
+              </p:cNvPr>
+              <p:cNvPicPr>
+                <a:picLocks noChangeAspect="1"/>
+              </p:cNvPicPr>
+              <p:nvPr/>
+            </p:nvPicPr>
+            <p:blipFill>
+              <a:blip r:embed="rId3"/>
+              <a:stretch>
+                <a:fillRect/>
+              </a:stretch>
+            </p:blipFill>
+            <p:spPr>
+              <a:xfrm>
+                <a:off x="502224" y="4892578"/>
+                <a:ext cx="347692" cy="144000"/>
+              </a:xfrm>
+              <a:prstGeom prst="rect">
+                <a:avLst/>
+              </a:prstGeom>
+            </p:spPr>
+          </p:pic>
+        </mc:Fallback>
+      </mc:AlternateContent>
+      <mc:AlternateContent xmlns:mc="http://schemas.openxmlformats.org/markup-compatibility/2006">
+        <mc:Choice xmlns:p14="http://schemas.microsoft.com/office/powerpoint/2010/main" Requires="p14">
+          <p:contentPart p14:bwMode="auto" r:id="rId7">
+            <p14:nvContentPartPr>
+              <p14:cNvPr id="21" name="墨迹 20">
+                <a:extLst>
+                  <a:ext uri="{FF2B5EF4-FFF2-40B4-BE49-F238E27FC236}">
+                    <a16:creationId xmlns:a16="http://schemas.microsoft.com/office/drawing/2014/main" id="{395A1FC6-9F46-481E-AC95-52F3D26B4193}"/>
+                  </a:ext>
+                </a:extLst>
+              </p14:cNvPr>
+              <p14:cNvContentPartPr>
+                <a14:cpLocks xmlns:a14="http://schemas.microsoft.com/office/drawing/2010/main" noChangeAspect="1"/>
+              </p14:cNvContentPartPr>
+              <p14:nvPr/>
+            </p14:nvContentPartPr>
+            <p14:xfrm>
+              <a:off x="536297" y="5116978"/>
+              <a:ext cx="297406" cy="93600"/>
+            </p14:xfrm>
+          </p:contentPart>
+        </mc:Choice>
+        <mc:Fallback>
+          <p:pic>
+            <p:nvPicPr>
+              <p:cNvPr id="21" name="墨迹 20">
+                <a:extLst>
+                  <a:ext uri="{FF2B5EF4-FFF2-40B4-BE49-F238E27FC236}">
+                    <a16:creationId xmlns:a16="http://schemas.microsoft.com/office/drawing/2014/main" id="{395A1FC6-9F46-481E-AC95-52F3D26B4193}"/>
+                  </a:ext>
+                </a:extLst>
+              </p:cNvPr>
+              <p:cNvPicPr>
+                <a:picLocks noChangeAspect="1"/>
+              </p:cNvPicPr>
+              <p:nvPr/>
+            </p:nvPicPr>
+            <p:blipFill>
+              <a:blip r:embed="rId3"/>
+              <a:stretch>
+                <a:fillRect/>
+              </a:stretch>
+            </p:blipFill>
+            <p:spPr>
+              <a:xfrm>
+                <a:off x="511154" y="5091778"/>
+                <a:ext cx="347692" cy="144000"/>
+              </a:xfrm>
+              <a:prstGeom prst="rect">
+                <a:avLst/>
+              </a:prstGeom>
+            </p:spPr>
+          </p:pic>
+        </mc:Fallback>
+      </mc:AlternateContent>
+      <mc:AlternateContent xmlns:mc="http://schemas.openxmlformats.org/markup-compatibility/2006">
+        <mc:Choice xmlns:p14="http://schemas.microsoft.com/office/powerpoint/2010/main" Requires="p14">
+          <p:contentPart p14:bwMode="auto" r:id="rId8">
+            <p14:nvContentPartPr>
+              <p14:cNvPr id="22" name="墨迹 21">
+                <a:extLst>
+                  <a:ext uri="{FF2B5EF4-FFF2-40B4-BE49-F238E27FC236}">
+                    <a16:creationId xmlns:a16="http://schemas.microsoft.com/office/drawing/2014/main" id="{748A1E6D-603E-4459-AD33-5EF826E354BE}"/>
+                  </a:ext>
+                </a:extLst>
+              </p14:cNvPr>
+              <p14:cNvContentPartPr>
+                <a14:cpLocks xmlns:a14="http://schemas.microsoft.com/office/drawing/2010/main" noChangeAspect="1"/>
+              </p14:cNvContentPartPr>
+              <p14:nvPr/>
+            </p14:nvContentPartPr>
+            <p14:xfrm>
+              <a:off x="536297" y="5316178"/>
+              <a:ext cx="297406" cy="93600"/>
+            </p14:xfrm>
+          </p:contentPart>
+        </mc:Choice>
+        <mc:Fallback>
+          <p:pic>
+            <p:nvPicPr>
+              <p:cNvPr id="22" name="墨迹 21">
+                <a:extLst>
+                  <a:ext uri="{FF2B5EF4-FFF2-40B4-BE49-F238E27FC236}">
+                    <a16:creationId xmlns:a16="http://schemas.microsoft.com/office/drawing/2014/main" id="{748A1E6D-603E-4459-AD33-5EF826E354BE}"/>
+                  </a:ext>
+                </a:extLst>
+              </p:cNvPr>
+              <p:cNvPicPr>
+                <a:picLocks noChangeAspect="1"/>
+              </p:cNvPicPr>
+              <p:nvPr/>
+            </p:nvPicPr>
+            <p:blipFill>
+              <a:blip r:embed="rId3"/>
+              <a:stretch>
+                <a:fillRect/>
+              </a:stretch>
+            </p:blipFill>
+            <p:spPr>
+              <a:xfrm>
+                <a:off x="511154" y="5290978"/>
+                <a:ext cx="347692" cy="144000"/>
+              </a:xfrm>
+              <a:prstGeom prst="rect">
+                <a:avLst/>
+              </a:prstGeom>
+            </p:spPr>
+          </p:pic>
+        </mc:Fallback>
+      </mc:AlternateContent>
+      <mc:AlternateContent xmlns:mc="http://schemas.openxmlformats.org/markup-compatibility/2006">
+        <mc:Choice xmlns:p14="http://schemas.microsoft.com/office/powerpoint/2010/main" Requires="p14">
+          <p:contentPart p14:bwMode="auto" r:id="rId9">
+            <p14:nvContentPartPr>
+              <p14:cNvPr id="23" name="墨迹 22">
+                <a:extLst>
+                  <a:ext uri="{FF2B5EF4-FFF2-40B4-BE49-F238E27FC236}">
+                    <a16:creationId xmlns:a16="http://schemas.microsoft.com/office/drawing/2014/main" id="{2AD19CD5-72B2-44DC-93BB-95DDFDFE503B}"/>
+                  </a:ext>
+                </a:extLst>
+              </p14:cNvPr>
+              <p14:cNvContentPartPr>
+                <a14:cpLocks xmlns:a14="http://schemas.microsoft.com/office/drawing/2010/main" noChangeAspect="1"/>
+              </p14:cNvContentPartPr>
+              <p14:nvPr/>
+            </p14:nvContentPartPr>
+            <p14:xfrm>
+              <a:off x="527367" y="5515378"/>
+              <a:ext cx="297406" cy="93600"/>
+            </p14:xfrm>
+          </p:contentPart>
+        </mc:Choice>
+        <mc:Fallback>
+          <p:pic>
+            <p:nvPicPr>
+              <p:cNvPr id="23" name="墨迹 22">
+                <a:extLst>
+                  <a:ext uri="{FF2B5EF4-FFF2-40B4-BE49-F238E27FC236}">
+                    <a16:creationId xmlns:a16="http://schemas.microsoft.com/office/drawing/2014/main" id="{2AD19CD5-72B2-44DC-93BB-95DDFDFE503B}"/>
+                  </a:ext>
+                </a:extLst>
+              </p:cNvPr>
+              <p:cNvPicPr>
+                <a:picLocks noChangeAspect="1"/>
+              </p:cNvPicPr>
+              <p:nvPr/>
+            </p:nvPicPr>
+            <p:blipFill>
+              <a:blip r:embed="rId3"/>
+              <a:stretch>
+                <a:fillRect/>
+              </a:stretch>
+            </p:blipFill>
+            <p:spPr>
+              <a:xfrm>
+                <a:off x="502224" y="5490178"/>
+                <a:ext cx="347692" cy="144000"/>
+              </a:xfrm>
+              <a:prstGeom prst="rect">
+                <a:avLst/>
+              </a:prstGeom>
+            </p:spPr>
+          </p:pic>
+        </mc:Fallback>
+      </mc:AlternateContent>
     </p:spTree>
     <p:extLst>
       <p:ext uri="{BB962C8B-B14F-4D97-AF65-F5344CB8AC3E}">

--- a/images/图标.pptx
+++ b/images/图标.pptx
@@ -525,7 +525,7 @@
           <a:p>
             <a:fld id="{E94294A2-E8EE-44BE-8E04-6BE141B1FF2A}" type="datetimeFigureOut">
               <a:rPr lang="zh-CN" altLang="en-US" smtClean="0"/>
-              <a:t>2019/12/14</a:t>
+              <a:t>2019/12/15</a:t>
             </a:fld>
             <a:endParaRPr lang="zh-CN" altLang="en-US"/>
           </a:p>
@@ -723,7 +723,7 @@
           <a:p>
             <a:fld id="{E94294A2-E8EE-44BE-8E04-6BE141B1FF2A}" type="datetimeFigureOut">
               <a:rPr lang="zh-CN" altLang="en-US" smtClean="0"/>
-              <a:t>2019/12/14</a:t>
+              <a:t>2019/12/15</a:t>
             </a:fld>
             <a:endParaRPr lang="zh-CN" altLang="en-US"/>
           </a:p>
@@ -931,7 +931,7 @@
           <a:p>
             <a:fld id="{E94294A2-E8EE-44BE-8E04-6BE141B1FF2A}" type="datetimeFigureOut">
               <a:rPr lang="zh-CN" altLang="en-US" smtClean="0"/>
-              <a:t>2019/12/14</a:t>
+              <a:t>2019/12/15</a:t>
             </a:fld>
             <a:endParaRPr lang="zh-CN" altLang="en-US"/>
           </a:p>
@@ -1129,7 +1129,7 @@
           <a:p>
             <a:fld id="{E94294A2-E8EE-44BE-8E04-6BE141B1FF2A}" type="datetimeFigureOut">
               <a:rPr lang="zh-CN" altLang="en-US" smtClean="0"/>
-              <a:t>2019/12/14</a:t>
+              <a:t>2019/12/15</a:t>
             </a:fld>
             <a:endParaRPr lang="zh-CN" altLang="en-US"/>
           </a:p>
@@ -1404,7 +1404,7 @@
           <a:p>
             <a:fld id="{E94294A2-E8EE-44BE-8E04-6BE141B1FF2A}" type="datetimeFigureOut">
               <a:rPr lang="zh-CN" altLang="en-US" smtClean="0"/>
-              <a:t>2019/12/14</a:t>
+              <a:t>2019/12/15</a:t>
             </a:fld>
             <a:endParaRPr lang="zh-CN" altLang="en-US"/>
           </a:p>
@@ -1669,7 +1669,7 @@
           <a:p>
             <a:fld id="{E94294A2-E8EE-44BE-8E04-6BE141B1FF2A}" type="datetimeFigureOut">
               <a:rPr lang="zh-CN" altLang="en-US" smtClean="0"/>
-              <a:t>2019/12/14</a:t>
+              <a:t>2019/12/15</a:t>
             </a:fld>
             <a:endParaRPr lang="zh-CN" altLang="en-US"/>
           </a:p>
@@ -2081,7 +2081,7 @@
           <a:p>
             <a:fld id="{E94294A2-E8EE-44BE-8E04-6BE141B1FF2A}" type="datetimeFigureOut">
               <a:rPr lang="zh-CN" altLang="en-US" smtClean="0"/>
-              <a:t>2019/12/14</a:t>
+              <a:t>2019/12/15</a:t>
             </a:fld>
             <a:endParaRPr lang="zh-CN" altLang="en-US"/>
           </a:p>
@@ -2222,7 +2222,7 @@
           <a:p>
             <a:fld id="{E94294A2-E8EE-44BE-8E04-6BE141B1FF2A}" type="datetimeFigureOut">
               <a:rPr lang="zh-CN" altLang="en-US" smtClean="0"/>
-              <a:t>2019/12/14</a:t>
+              <a:t>2019/12/15</a:t>
             </a:fld>
             <a:endParaRPr lang="zh-CN" altLang="en-US"/>
           </a:p>
@@ -2335,7 +2335,7 @@
           <a:p>
             <a:fld id="{E94294A2-E8EE-44BE-8E04-6BE141B1FF2A}" type="datetimeFigureOut">
               <a:rPr lang="zh-CN" altLang="en-US" smtClean="0"/>
-              <a:t>2019/12/14</a:t>
+              <a:t>2019/12/15</a:t>
             </a:fld>
             <a:endParaRPr lang="zh-CN" altLang="en-US"/>
           </a:p>
@@ -2646,7 +2646,7 @@
           <a:p>
             <a:fld id="{E94294A2-E8EE-44BE-8E04-6BE141B1FF2A}" type="datetimeFigureOut">
               <a:rPr lang="zh-CN" altLang="en-US" smtClean="0"/>
-              <a:t>2019/12/14</a:t>
+              <a:t>2019/12/15</a:t>
             </a:fld>
             <a:endParaRPr lang="zh-CN" altLang="en-US"/>
           </a:p>
@@ -2934,7 +2934,7 @@
           <a:p>
             <a:fld id="{E94294A2-E8EE-44BE-8E04-6BE141B1FF2A}" type="datetimeFigureOut">
               <a:rPr lang="zh-CN" altLang="en-US" smtClean="0"/>
-              <a:t>2019/12/14</a:t>
+              <a:t>2019/12/15</a:t>
             </a:fld>
             <a:endParaRPr lang="zh-CN" altLang="en-US"/>
           </a:p>
@@ -3175,7 +3175,7 @@
           <a:p>
             <a:fld id="{E94294A2-E8EE-44BE-8E04-6BE141B1FF2A}" type="datetimeFigureOut">
               <a:rPr lang="zh-CN" altLang="en-US" smtClean="0"/>
-              <a:t>2019/12/14</a:t>
+              <a:t>2019/12/15</a:t>
             </a:fld>
             <a:endParaRPr lang="zh-CN" altLang="en-US"/>
           </a:p>
@@ -4044,8 +4044,8 @@
           </a:fontRef>
         </p:style>
       </p:cxnSp>
-      <mc:AlternateContent xmlns:mc="http://schemas.openxmlformats.org/markup-compatibility/2006">
-        <mc:Choice xmlns:p14="http://schemas.microsoft.com/office/powerpoint/2010/main" Requires="p14">
+      <mc:AlternateContent xmlns:mc="http://schemas.openxmlformats.org/markup-compatibility/2006" xmlns:p14="http://schemas.microsoft.com/office/powerpoint/2010/main">
+        <mc:Choice Requires="p14">
           <p:contentPart p14:bwMode="auto" r:id="rId2">
             <p14:nvContentPartPr>
               <p14:cNvPr id="2" name="墨迹 1">
@@ -4066,7 +4066,7 @@
             </p14:xfrm>
           </p:contentPart>
         </mc:Choice>
-        <mc:Fallback>
+        <mc:Fallback xmlns="">
           <p:pic>
             <p:nvPicPr>
               <p:cNvPr id="2" name="墨迹 1">
@@ -4099,8 +4099,8 @@
           </p:pic>
         </mc:Fallback>
       </mc:AlternateContent>
-      <mc:AlternateContent xmlns:mc="http://schemas.openxmlformats.org/markup-compatibility/2006">
-        <mc:Choice xmlns:p14="http://schemas.microsoft.com/office/powerpoint/2010/main" Requires="p14">
+      <mc:AlternateContent xmlns:mc="http://schemas.openxmlformats.org/markup-compatibility/2006" xmlns:p14="http://schemas.microsoft.com/office/powerpoint/2010/main">
+        <mc:Choice Requires="p14">
           <p:contentPart p14:bwMode="auto" r:id="rId4">
             <p14:nvContentPartPr>
               <p14:cNvPr id="18" name="墨迹 17">
@@ -4121,7 +4121,7 @@
             </p14:xfrm>
           </p:contentPart>
         </mc:Choice>
-        <mc:Fallback>
+        <mc:Fallback xmlns="">
           <p:pic>
             <p:nvPicPr>
               <p:cNvPr id="18" name="墨迹 17">
@@ -4154,8 +4154,8 @@
           </p:pic>
         </mc:Fallback>
       </mc:AlternateContent>
-      <mc:AlternateContent xmlns:mc="http://schemas.openxmlformats.org/markup-compatibility/2006">
-        <mc:Choice xmlns:p14="http://schemas.microsoft.com/office/powerpoint/2010/main" Requires="p14">
+      <mc:AlternateContent xmlns:mc="http://schemas.openxmlformats.org/markup-compatibility/2006" xmlns:p14="http://schemas.microsoft.com/office/powerpoint/2010/main">
+        <mc:Choice Requires="p14">
           <p:contentPart p14:bwMode="auto" r:id="rId5">
             <p14:nvContentPartPr>
               <p14:cNvPr id="19" name="墨迹 18">
@@ -4176,7 +4176,7 @@
             </p14:xfrm>
           </p:contentPart>
         </mc:Choice>
-        <mc:Fallback>
+        <mc:Fallback xmlns="">
           <p:pic>
             <p:nvPicPr>
               <p:cNvPr id="19" name="墨迹 18">
@@ -4209,8 +4209,8 @@
           </p:pic>
         </mc:Fallback>
       </mc:AlternateContent>
-      <mc:AlternateContent xmlns:mc="http://schemas.openxmlformats.org/markup-compatibility/2006">
-        <mc:Choice xmlns:p14="http://schemas.microsoft.com/office/powerpoint/2010/main" Requires="p14">
+      <mc:AlternateContent xmlns:mc="http://schemas.openxmlformats.org/markup-compatibility/2006" xmlns:p14="http://schemas.microsoft.com/office/powerpoint/2010/main">
+        <mc:Choice Requires="p14">
           <p:contentPart p14:bwMode="auto" r:id="rId6">
             <p14:nvContentPartPr>
               <p14:cNvPr id="20" name="墨迹 19">
@@ -4231,7 +4231,7 @@
             </p14:xfrm>
           </p:contentPart>
         </mc:Choice>
-        <mc:Fallback>
+        <mc:Fallback xmlns="">
           <p:pic>
             <p:nvPicPr>
               <p:cNvPr id="20" name="墨迹 19">
@@ -4264,8 +4264,8 @@
           </p:pic>
         </mc:Fallback>
       </mc:AlternateContent>
-      <mc:AlternateContent xmlns:mc="http://schemas.openxmlformats.org/markup-compatibility/2006">
-        <mc:Choice xmlns:p14="http://schemas.microsoft.com/office/powerpoint/2010/main" Requires="p14">
+      <mc:AlternateContent xmlns:mc="http://schemas.openxmlformats.org/markup-compatibility/2006" xmlns:p14="http://schemas.microsoft.com/office/powerpoint/2010/main">
+        <mc:Choice Requires="p14">
           <p:contentPart p14:bwMode="auto" r:id="rId7">
             <p14:nvContentPartPr>
               <p14:cNvPr id="21" name="墨迹 20">
@@ -4286,7 +4286,7 @@
             </p14:xfrm>
           </p:contentPart>
         </mc:Choice>
-        <mc:Fallback>
+        <mc:Fallback xmlns="">
           <p:pic>
             <p:nvPicPr>
               <p:cNvPr id="21" name="墨迹 20">
@@ -4319,8 +4319,8 @@
           </p:pic>
         </mc:Fallback>
       </mc:AlternateContent>
-      <mc:AlternateContent xmlns:mc="http://schemas.openxmlformats.org/markup-compatibility/2006">
-        <mc:Choice xmlns:p14="http://schemas.microsoft.com/office/powerpoint/2010/main" Requires="p14">
+      <mc:AlternateContent xmlns:mc="http://schemas.openxmlformats.org/markup-compatibility/2006" xmlns:p14="http://schemas.microsoft.com/office/powerpoint/2010/main">
+        <mc:Choice Requires="p14">
           <p:contentPart p14:bwMode="auto" r:id="rId8">
             <p14:nvContentPartPr>
               <p14:cNvPr id="22" name="墨迹 21">
@@ -4341,7 +4341,7 @@
             </p14:xfrm>
           </p:contentPart>
         </mc:Choice>
-        <mc:Fallback>
+        <mc:Fallback xmlns="">
           <p:pic>
             <p:nvPicPr>
               <p:cNvPr id="22" name="墨迹 21">
@@ -4374,8 +4374,8 @@
           </p:pic>
         </mc:Fallback>
       </mc:AlternateContent>
-      <mc:AlternateContent xmlns:mc="http://schemas.openxmlformats.org/markup-compatibility/2006">
-        <mc:Choice xmlns:p14="http://schemas.microsoft.com/office/powerpoint/2010/main" Requires="p14">
+      <mc:AlternateContent xmlns:mc="http://schemas.openxmlformats.org/markup-compatibility/2006" xmlns:p14="http://schemas.microsoft.com/office/powerpoint/2010/main">
+        <mc:Choice Requires="p14">
           <p:contentPart p14:bwMode="auto" r:id="rId9">
             <p14:nvContentPartPr>
               <p14:cNvPr id="23" name="墨迹 22">
@@ -4396,7 +4396,7 @@
             </p14:xfrm>
           </p:contentPart>
         </mc:Choice>
-        <mc:Fallback>
+        <mc:Fallback xmlns="">
           <p:pic>
             <p:nvPicPr>
               <p:cNvPr id="23" name="墨迹 22">
@@ -4429,6 +4429,42 @@
           </p:pic>
         </mc:Fallback>
       </mc:AlternateContent>
+      <p:pic>
+        <p:nvPicPr>
+          <p:cNvPr id="7" name="图片 6">
+            <a:extLst>
+              <a:ext uri="{FF2B5EF4-FFF2-40B4-BE49-F238E27FC236}">
+                <a16:creationId xmlns:a16="http://schemas.microsoft.com/office/drawing/2014/main" id="{9FAE1D20-6775-49A6-AEC0-FF5A7A5CC697}"/>
+              </a:ext>
+            </a:extLst>
+          </p:cNvPr>
+          <p:cNvPicPr>
+            <a:picLocks noChangeAspect="1"/>
+          </p:cNvPicPr>
+          <p:nvPr/>
+        </p:nvPicPr>
+        <p:blipFill>
+          <a:blip r:embed="rId10">
+            <a:extLst>
+              <a:ext uri="{28A0092B-C50C-407E-A947-70E740481C1C}">
+                <a14:useLocalDpi xmlns:a14="http://schemas.microsoft.com/office/drawing/2010/main" val="0"/>
+              </a:ext>
+            </a:extLst>
+          </a:blip>
+          <a:stretch>
+            <a:fillRect/>
+          </a:stretch>
+        </p:blipFill>
+        <p:spPr>
+          <a:xfrm flipH="1">
+            <a:off x="1537089" y="6054602"/>
+            <a:ext cx="233009" cy="327030"/>
+          </a:xfrm>
+          <a:prstGeom prst="rect">
+            <a:avLst/>
+          </a:prstGeom>
+        </p:spPr>
+      </p:pic>
     </p:spTree>
     <p:extLst>
       <p:ext uri="{BB962C8B-B14F-4D97-AF65-F5344CB8AC3E}">

--- a/images/图标.pptx
+++ b/images/图标.pptx
@@ -525,7 +525,7 @@
           <a:p>
             <a:fld id="{E94294A2-E8EE-44BE-8E04-6BE141B1FF2A}" type="datetimeFigureOut">
               <a:rPr lang="zh-CN" altLang="en-US" smtClean="0"/>
-              <a:t>2019/12/15</a:t>
+              <a:t>2019/12/16</a:t>
             </a:fld>
             <a:endParaRPr lang="zh-CN" altLang="en-US"/>
           </a:p>
@@ -723,7 +723,7 @@
           <a:p>
             <a:fld id="{E94294A2-E8EE-44BE-8E04-6BE141B1FF2A}" type="datetimeFigureOut">
               <a:rPr lang="zh-CN" altLang="en-US" smtClean="0"/>
-              <a:t>2019/12/15</a:t>
+              <a:t>2019/12/16</a:t>
             </a:fld>
             <a:endParaRPr lang="zh-CN" altLang="en-US"/>
           </a:p>
@@ -931,7 +931,7 @@
           <a:p>
             <a:fld id="{E94294A2-E8EE-44BE-8E04-6BE141B1FF2A}" type="datetimeFigureOut">
               <a:rPr lang="zh-CN" altLang="en-US" smtClean="0"/>
-              <a:t>2019/12/15</a:t>
+              <a:t>2019/12/16</a:t>
             </a:fld>
             <a:endParaRPr lang="zh-CN" altLang="en-US"/>
           </a:p>
@@ -1129,7 +1129,7 @@
           <a:p>
             <a:fld id="{E94294A2-E8EE-44BE-8E04-6BE141B1FF2A}" type="datetimeFigureOut">
               <a:rPr lang="zh-CN" altLang="en-US" smtClean="0"/>
-              <a:t>2019/12/15</a:t>
+              <a:t>2019/12/16</a:t>
             </a:fld>
             <a:endParaRPr lang="zh-CN" altLang="en-US"/>
           </a:p>
@@ -1404,7 +1404,7 @@
           <a:p>
             <a:fld id="{E94294A2-E8EE-44BE-8E04-6BE141B1FF2A}" type="datetimeFigureOut">
               <a:rPr lang="zh-CN" altLang="en-US" smtClean="0"/>
-              <a:t>2019/12/15</a:t>
+              <a:t>2019/12/16</a:t>
             </a:fld>
             <a:endParaRPr lang="zh-CN" altLang="en-US"/>
           </a:p>
@@ -1669,7 +1669,7 @@
           <a:p>
             <a:fld id="{E94294A2-E8EE-44BE-8E04-6BE141B1FF2A}" type="datetimeFigureOut">
               <a:rPr lang="zh-CN" altLang="en-US" smtClean="0"/>
-              <a:t>2019/12/15</a:t>
+              <a:t>2019/12/16</a:t>
             </a:fld>
             <a:endParaRPr lang="zh-CN" altLang="en-US"/>
           </a:p>
@@ -2081,7 +2081,7 @@
           <a:p>
             <a:fld id="{E94294A2-E8EE-44BE-8E04-6BE141B1FF2A}" type="datetimeFigureOut">
               <a:rPr lang="zh-CN" altLang="en-US" smtClean="0"/>
-              <a:t>2019/12/15</a:t>
+              <a:t>2019/12/16</a:t>
             </a:fld>
             <a:endParaRPr lang="zh-CN" altLang="en-US"/>
           </a:p>
@@ -2222,7 +2222,7 @@
           <a:p>
             <a:fld id="{E94294A2-E8EE-44BE-8E04-6BE141B1FF2A}" type="datetimeFigureOut">
               <a:rPr lang="zh-CN" altLang="en-US" smtClean="0"/>
-              <a:t>2019/12/15</a:t>
+              <a:t>2019/12/16</a:t>
             </a:fld>
             <a:endParaRPr lang="zh-CN" altLang="en-US"/>
           </a:p>
@@ -2335,7 +2335,7 @@
           <a:p>
             <a:fld id="{E94294A2-E8EE-44BE-8E04-6BE141B1FF2A}" type="datetimeFigureOut">
               <a:rPr lang="zh-CN" altLang="en-US" smtClean="0"/>
-              <a:t>2019/12/15</a:t>
+              <a:t>2019/12/16</a:t>
             </a:fld>
             <a:endParaRPr lang="zh-CN" altLang="en-US"/>
           </a:p>
@@ -2646,7 +2646,7 @@
           <a:p>
             <a:fld id="{E94294A2-E8EE-44BE-8E04-6BE141B1FF2A}" type="datetimeFigureOut">
               <a:rPr lang="zh-CN" altLang="en-US" smtClean="0"/>
-              <a:t>2019/12/15</a:t>
+              <a:t>2019/12/16</a:t>
             </a:fld>
             <a:endParaRPr lang="zh-CN" altLang="en-US"/>
           </a:p>
@@ -2934,7 +2934,7 @@
           <a:p>
             <a:fld id="{E94294A2-E8EE-44BE-8E04-6BE141B1FF2A}" type="datetimeFigureOut">
               <a:rPr lang="zh-CN" altLang="en-US" smtClean="0"/>
-              <a:t>2019/12/15</a:t>
+              <a:t>2019/12/16</a:t>
             </a:fld>
             <a:endParaRPr lang="zh-CN" altLang="en-US"/>
           </a:p>
@@ -3175,7 +3175,7 @@
           <a:p>
             <a:fld id="{E94294A2-E8EE-44BE-8E04-6BE141B1FF2A}" type="datetimeFigureOut">
               <a:rPr lang="zh-CN" altLang="en-US" smtClean="0"/>
-              <a:t>2019/12/15</a:t>
+              <a:t>2019/12/16</a:t>
             </a:fld>
             <a:endParaRPr lang="zh-CN" altLang="en-US"/>
           </a:p>
@@ -4465,6 +4465,72 @@
           </a:prstGeom>
         </p:spPr>
       </p:pic>
+      <p:pic>
+        <p:nvPicPr>
+          <p:cNvPr id="6" name="图片 5">
+            <a:extLst>
+              <a:ext uri="{FF2B5EF4-FFF2-40B4-BE49-F238E27FC236}">
+                <a16:creationId xmlns:a16="http://schemas.microsoft.com/office/drawing/2014/main" id="{C02A4393-493A-40C2-9559-3860BB15FC3A}"/>
+              </a:ext>
+            </a:extLst>
+          </p:cNvPr>
+          <p:cNvPicPr>
+            <a:picLocks noChangeAspect="1"/>
+          </p:cNvPicPr>
+          <p:nvPr/>
+        </p:nvPicPr>
+        <p:blipFill>
+          <a:blip r:embed="rId11"/>
+          <a:stretch>
+            <a:fillRect/>
+          </a:stretch>
+        </p:blipFill>
+        <p:spPr>
+          <a:xfrm>
+            <a:off x="10957267" y="2081925"/>
+            <a:ext cx="823919" cy="790581"/>
+          </a:xfrm>
+          <a:prstGeom prst="rect">
+            <a:avLst/>
+          </a:prstGeom>
+        </p:spPr>
+      </p:pic>
+      <p:pic>
+        <p:nvPicPr>
+          <p:cNvPr id="9" name="图片 8">
+            <a:extLst>
+              <a:ext uri="{FF2B5EF4-FFF2-40B4-BE49-F238E27FC236}">
+                <a16:creationId xmlns:a16="http://schemas.microsoft.com/office/drawing/2014/main" id="{C25503A1-31BC-49F5-8690-A96C9AA44B7F}"/>
+              </a:ext>
+            </a:extLst>
+          </p:cNvPr>
+          <p:cNvPicPr>
+            <a:picLocks noChangeAspect="1"/>
+          </p:cNvPicPr>
+          <p:nvPr/>
+        </p:nvPicPr>
+        <p:blipFill>
+          <a:blip r:embed="rId12">
+            <a:extLst>
+              <a:ext uri="{28A0092B-C50C-407E-A947-70E740481C1C}">
+                <a14:useLocalDpi xmlns:a14="http://schemas.microsoft.com/office/drawing/2010/main" val="0"/>
+              </a:ext>
+            </a:extLst>
+          </a:blip>
+          <a:stretch>
+            <a:fillRect/>
+          </a:stretch>
+        </p:blipFill>
+        <p:spPr>
+          <a:xfrm>
+            <a:off x="1982406" y="5428978"/>
+            <a:ext cx="373846" cy="360000"/>
+          </a:xfrm>
+          <a:prstGeom prst="rect">
+            <a:avLst/>
+          </a:prstGeom>
+        </p:spPr>
+      </p:pic>
     </p:spTree>
     <p:extLst>
       <p:ext uri="{BB962C8B-B14F-4D97-AF65-F5344CB8AC3E}">
@@ -4486,7 +4552,7 @@
         <a:sysClr val="windowText" lastClr="000000"/>
       </a:dk1>
       <a:lt1>
-        <a:sysClr val="window" lastClr="FFFFFF"/>
+        <a:sysClr val="window" lastClr="CCE8CF"/>
       </a:lt1>
       <a:dk2>
         <a:srgbClr val="44546A"/>

--- a/images/图标.pptx
+++ b/images/图标.pptx
@@ -4531,6 +4531,42 @@
           </a:prstGeom>
         </p:spPr>
       </p:pic>
+      <p:pic>
+        <p:nvPicPr>
+          <p:cNvPr id="16" name="图片 15">
+            <a:extLst>
+              <a:ext uri="{FF2B5EF4-FFF2-40B4-BE49-F238E27FC236}">
+                <a16:creationId xmlns:a16="http://schemas.microsoft.com/office/drawing/2014/main" id="{E073E20B-4A28-4C6A-8E05-B4183F576179}"/>
+              </a:ext>
+            </a:extLst>
+          </p:cNvPr>
+          <p:cNvPicPr>
+            <a:picLocks noChangeAspect="1"/>
+          </p:cNvPicPr>
+          <p:nvPr/>
+        </p:nvPicPr>
+        <p:blipFill>
+          <a:blip r:embed="rId13">
+            <a:extLst>
+              <a:ext uri="{28A0092B-C50C-407E-A947-70E740481C1C}">
+                <a14:useLocalDpi xmlns:a14="http://schemas.microsoft.com/office/drawing/2010/main" val="0"/>
+              </a:ext>
+            </a:extLst>
+          </a:blip>
+          <a:stretch>
+            <a:fillRect/>
+          </a:stretch>
+        </p:blipFill>
+        <p:spPr>
+          <a:xfrm flipH="1">
+            <a:off x="553703" y="2139422"/>
+            <a:ext cx="560000" cy="518000"/>
+          </a:xfrm>
+          <a:prstGeom prst="rect">
+            <a:avLst/>
+          </a:prstGeom>
+        </p:spPr>
+      </p:pic>
     </p:spTree>
     <p:extLst>
       <p:ext uri="{BB962C8B-B14F-4D97-AF65-F5344CB8AC3E}">
@@ -4552,7 +4588,7 @@
         <a:sysClr val="windowText" lastClr="000000"/>
       </a:dk1>
       <a:lt1>
-        <a:sysClr val="window" lastClr="CCE8CF"/>
+        <a:sysClr val="window" lastClr="FFFFFF"/>
       </a:lt1>
       <a:dk2>
         <a:srgbClr val="44546A"/>
